--- a/pres-source/02-understanding-cloud-services.pptx
+++ b/pres-source/02-understanding-cloud-services.pptx
@@ -222,7 +222,7 @@
             <a:fld id="{7307762F-A706-E543-A832-3C298AA3103F}" type="datetimeFigureOut">
               <a:rPr lang="en-US" smtClean="0"/>
               <a:pPr/>
-              <a:t>15/11/15</a:t>
+              <a:t>30/11/15</a:t>
             </a:fld>
             <a:endParaRPr lang="en-US" dirty="0"/>
           </a:p>
@@ -789,7 +789,7 @@
           <a:p>
             <a:fld id="{875CF0EB-321F-0749-B37A-89BBA859503C}" type="datetimeFigureOut">
               <a:rPr lang="en-US" smtClean="0"/>
-              <a:t>15/11/15</a:t>
+              <a:t>30/11/15</a:t>
             </a:fld>
             <a:endParaRPr lang="en-US"/>
           </a:p>
@@ -993,7 +993,7 @@
           <a:p>
             <a:fld id="{875CF0EB-321F-0749-B37A-89BBA859503C}" type="datetimeFigureOut">
               <a:rPr lang="en-US" smtClean="0"/>
-              <a:t>15/11/15</a:t>
+              <a:t>30/11/15</a:t>
             </a:fld>
             <a:endParaRPr lang="en-US"/>
           </a:p>
@@ -1187,7 +1187,7 @@
           <a:p>
             <a:fld id="{875CF0EB-321F-0749-B37A-89BBA859503C}" type="datetimeFigureOut">
               <a:rPr lang="en-US" smtClean="0"/>
-              <a:t>15/11/15</a:t>
+              <a:t>30/11/15</a:t>
             </a:fld>
             <a:endParaRPr lang="en-US"/>
           </a:p>
@@ -1457,7 +1457,7 @@
           <a:p>
             <a:fld id="{875CF0EB-321F-0749-B37A-89BBA859503C}" type="datetimeFigureOut">
               <a:rPr lang="en-US" smtClean="0"/>
-              <a:t>15/11/15</a:t>
+              <a:t>30/11/15</a:t>
             </a:fld>
             <a:endParaRPr lang="en-US"/>
           </a:p>
@@ -1769,7 +1769,7 @@
           <a:p>
             <a:fld id="{875CF0EB-321F-0749-B37A-89BBA859503C}" type="datetimeFigureOut">
               <a:rPr lang="en-US" smtClean="0"/>
-              <a:t>15/11/15</a:t>
+              <a:t>30/11/15</a:t>
             </a:fld>
             <a:endParaRPr lang="en-US"/>
           </a:p>
@@ -2215,7 +2215,7 @@
           <a:p>
             <a:fld id="{875CF0EB-321F-0749-B37A-89BBA859503C}" type="datetimeFigureOut">
               <a:rPr lang="en-US" smtClean="0"/>
-              <a:t>15/11/15</a:t>
+              <a:t>30/11/15</a:t>
             </a:fld>
             <a:endParaRPr lang="en-US"/>
           </a:p>
@@ -2357,7 +2357,7 @@
           <a:p>
             <a:fld id="{875CF0EB-321F-0749-B37A-89BBA859503C}" type="datetimeFigureOut">
               <a:rPr lang="en-US" smtClean="0"/>
-              <a:t>15/11/15</a:t>
+              <a:t>30/11/15</a:t>
             </a:fld>
             <a:endParaRPr lang="en-US"/>
           </a:p>
@@ -2476,7 +2476,7 @@
           <a:p>
             <a:fld id="{875CF0EB-321F-0749-B37A-89BBA859503C}" type="datetimeFigureOut">
               <a:rPr lang="en-US" smtClean="0"/>
-              <a:t>15/11/15</a:t>
+              <a:t>30/11/15</a:t>
             </a:fld>
             <a:endParaRPr lang="en-US"/>
           </a:p>
@@ -2777,7 +2777,7 @@
           <a:p>
             <a:fld id="{875CF0EB-321F-0749-B37A-89BBA859503C}" type="datetimeFigureOut">
               <a:rPr lang="en-US" smtClean="0"/>
-              <a:t>15/11/15</a:t>
+              <a:t>30/11/15</a:t>
             </a:fld>
             <a:endParaRPr lang="en-US"/>
           </a:p>
@@ -3054,7 +3054,7 @@
           <a:p>
             <a:fld id="{875CF0EB-321F-0749-B37A-89BBA859503C}" type="datetimeFigureOut">
               <a:rPr lang="en-US" smtClean="0"/>
-              <a:t>15/11/15</a:t>
+              <a:t>30/11/15</a:t>
             </a:fld>
             <a:endParaRPr lang="en-US"/>
           </a:p>
@@ -3250,7 +3250,7 @@
       </p:sp>
       <p:sp>
         <p:nvSpPr>
-          <p:cNvPr id="21" name="TextBox 20"/>
+          <p:cNvPr id="8" name="TextBox 7"/>
           <p:cNvSpPr txBox="1">
             <a:spLocks noChangeArrowheads="1"/>
           </p:cNvSpPr>
@@ -3258,8 +3258,8 @@
         </p:nvSpPr>
         <p:spPr bwMode="auto">
           <a:xfrm>
-            <a:off x="1046163" y="6092834"/>
-            <a:ext cx="6853158" cy="553998"/>
+            <a:off x="1168930" y="6408634"/>
+            <a:ext cx="3429144" cy="415498"/>
           </a:xfrm>
           <a:prstGeom prst="rect">
             <a:avLst/>
@@ -3431,22 +3431,22 @@
               <a:defRPr/>
             </a:pPr>
             <a:r>
-              <a:rPr lang="en-US" sz="1000" dirty="0" smtClean="0">
+              <a:rPr lang="en-US" sz="700" dirty="0" smtClean="0">
                 <a:latin typeface="Montserrat"/>
               </a:rPr>
-              <a:t>© Paul Fremantle 2015.  Licensed under the Creative Commons 4.0 BY-SA (Attribution-</a:t>
-            </a:r>
-            <a:r>
-              <a:rPr lang="en-US" sz="1000" dirty="0" err="1" smtClean="0">
+              <a:t>© Paul Fremantle 2015.  </a:t>
+            </a:r>
+            <a:r>
+              <a:rPr lang="en-US" sz="700" dirty="0" smtClean="0">
                 <a:latin typeface="Montserrat"/>
               </a:rPr>
-              <a:t>Sharealike</a:t>
-            </a:r>
-            <a:r>
-              <a:rPr lang="en-US" sz="1000" dirty="0" smtClean="0">
+              <a:t>This </a:t>
+            </a:r>
+            <a:r>
+              <a:rPr lang="en-US" sz="700" dirty="0" smtClean="0">
                 <a:latin typeface="Montserrat"/>
               </a:rPr>
-              <a:t>) license.</a:t>
+              <a:t>work is licensed under a Creative Commons</a:t>
             </a:r>
           </a:p>
           <a:p>
@@ -3454,87 +3454,84 @@
               <a:defRPr/>
             </a:pPr>
             <a:r>
-              <a:rPr lang="en-US" sz="1000" dirty="0" smtClean="0">
+              <a:rPr lang="en-US" sz="700" dirty="0" smtClean="0">
                 <a:latin typeface="Montserrat"/>
               </a:rPr>
-              <a:t>See </a:t>
-            </a:r>
-            <a:r>
-              <a:rPr lang="en-US" sz="1000" dirty="0" smtClean="0">
+              <a:t> Attribution-</a:t>
+            </a:r>
+            <a:r>
+              <a:rPr lang="en-US" sz="700" dirty="0" err="1" smtClean="0">
+                <a:latin typeface="Montserrat"/>
+              </a:rPr>
+              <a:t>NonCommercial</a:t>
+            </a:r>
+            <a:r>
+              <a:rPr lang="en-US" sz="700" dirty="0" smtClean="0">
+                <a:latin typeface="Montserrat"/>
+              </a:rPr>
+              <a:t>-</a:t>
+            </a:r>
+            <a:r>
+              <a:rPr lang="en-US" sz="700" dirty="0" err="1" smtClean="0">
+                <a:latin typeface="Montserrat"/>
+              </a:rPr>
+              <a:t>ShareAlike</a:t>
+            </a:r>
+            <a:r>
+              <a:rPr lang="en-US" sz="700" dirty="0" smtClean="0">
+                <a:latin typeface="Montserrat"/>
+              </a:rPr>
+              <a:t> 4.0 International License</a:t>
+            </a:r>
+            <a:br>
+              <a:rPr lang="en-US" sz="700" dirty="0" smtClean="0">
+                <a:latin typeface="Montserrat"/>
+              </a:rPr>
+            </a:br>
+            <a:r>
+              <a:rPr lang="en-US" sz="700" dirty="0" smtClean="0">
+                <a:latin typeface="Montserrat"/>
+              </a:rPr>
+              <a:t>See  </a:t>
+            </a:r>
+            <a:r>
+              <a:rPr lang="en-US" sz="700" dirty="0" smtClean="0">
                 <a:latin typeface="Montserrat"/>
                 <a:hlinkClick r:id="rId13"/>
               </a:rPr>
-              <a:t>http://creativecommons.org/licenses/by-sa/4.0/</a:t>
-            </a:r>
-            <a:r>
-              <a:rPr lang="en-US" sz="1000" dirty="0" smtClean="0">
+              <a:t>http://creativecommons.org/licenses/by-nc-sa/4.0/</a:t>
+            </a:r>
+            <a:r>
+              <a:rPr lang="en-US" sz="700" dirty="0" smtClean="0">
                 <a:latin typeface="Montserrat"/>
               </a:rPr>
               <a:t> </a:t>
             </a:r>
-          </a:p>
-          <a:p>
-            <a:pPr algn="l" eaLnBrk="1" hangingPunct="1">
-              <a:defRPr/>
-            </a:pPr>
-            <a:endParaRPr lang="en-US" sz="1000" dirty="0" smtClean="0">
-              <a:latin typeface="Montserrat"/>
-            </a:endParaRPr>
           </a:p>
         </p:txBody>
       </p:sp>
       <p:pic>
         <p:nvPicPr>
-          <p:cNvPr id="24" name="Picture 23"/>
+          <p:cNvPr id="9" name="Picture 8"/>
           <p:cNvPicPr>
-            <a:picLocks noChangeAspect="1" noChangeArrowheads="1"/>
+            <a:picLocks noChangeAspect="1"/>
           </p:cNvPicPr>
           <p:nvPr userDrawn="1"/>
         </p:nvPicPr>
         <p:blipFill>
-          <a:blip r:embed="rId14">
-            <a:extLst>
-              <a:ext uri="{28A0092B-C50C-407E-A947-70E740481C1C}">
-                <a14:useLocalDpi xmlns:a14="http://schemas.microsoft.com/office/drawing/2010/main" val="0"/>
-              </a:ext>
-            </a:extLst>
-          </a:blip>
-          <a:srcRect/>
+          <a:blip r:embed="rId14"/>
           <a:stretch>
             <a:fillRect/>
           </a:stretch>
         </p:blipFill>
-        <p:spPr bwMode="auto">
+        <p:spPr>
           <a:xfrm>
-            <a:off x="320764" y="6254746"/>
-            <a:ext cx="725399" cy="258097"/>
+            <a:off x="375635" y="6492098"/>
+            <a:ext cx="792765" cy="279269"/>
           </a:xfrm>
           <a:prstGeom prst="rect">
             <a:avLst/>
           </a:prstGeom>
-          <a:noFill/>
-          <a:ln>
-            <a:noFill/>
-          </a:ln>
-          <a:extLst>
-            <a:ext uri="{909E8E84-426E-40dd-AFC4-6F175D3DCCD1}">
-              <a14:hiddenFill xmlns:a14="http://schemas.microsoft.com/office/drawing/2010/main">
-                <a:solidFill>
-                  <a:srgbClr val="FFFFFF"/>
-                </a:solidFill>
-              </a14:hiddenFill>
-            </a:ext>
-            <a:ext uri="{91240B29-F687-4f45-9708-019B960494DF}">
-              <a14:hiddenLine xmlns:a14="http://schemas.microsoft.com/office/drawing/2010/main" w="9525">
-                <a:solidFill>
-                  <a:srgbClr val="000000"/>
-                </a:solidFill>
-                <a:miter lim="800000"/>
-                <a:headEnd/>
-                <a:tailEnd/>
-              </a14:hiddenLine>
-            </a:ext>
-          </a:extLst>
         </p:spPr>
       </p:pic>
     </p:spTree>
@@ -4198,7 +4195,7 @@
           <a:p>
             <a:fld id="{7268D07E-94DD-D34E-A9CB-F7E79C30F7B9}" type="datetime1">
               <a:rPr lang="en-US" smtClean="0"/>
-              <a:t>15/11/15</a:t>
+              <a:t>30/11/15</a:t>
             </a:fld>
             <a:endParaRPr lang="en-US"/>
           </a:p>
@@ -5781,13 +5778,8 @@
           <a:p>
             <a:r>
               <a:rPr lang="en-US" dirty="0" smtClean="0"/>
-              <a:t>Volumes </a:t>
-            </a:r>
-            <a:r>
-              <a:rPr lang="en-US" dirty="0" smtClean="0"/>
-              <a:t>(EBS)</a:t>
-            </a:r>
-            <a:endParaRPr lang="en-US" dirty="0" smtClean="0"/>
+              <a:t>Volumes (EBS)</a:t>
+            </a:r>
           </a:p>
           <a:p>
             <a:pPr lvl="1"/>

--- a/pres-source/02-understanding-cloud-services.pptx
+++ b/pres-source/02-understanding-cloud-services.pptx
@@ -5,7 +5,7 @@
     <p:sldMasterId id="2147483648" r:id="rId1"/>
   </p:sldMasterIdLst>
   <p:notesMasterIdLst>
-    <p:notesMasterId r:id="rId28"/>
+    <p:notesMasterId r:id="rId31"/>
   </p:notesMasterIdLst>
   <p:sldIdLst>
     <p:sldId id="256" r:id="rId2"/>
@@ -30,10 +30,13 @@
     <p:sldId id="279" r:id="rId21"/>
     <p:sldId id="280" r:id="rId22"/>
     <p:sldId id="281" r:id="rId23"/>
-    <p:sldId id="282" r:id="rId24"/>
-    <p:sldId id="283" r:id="rId25"/>
-    <p:sldId id="284" r:id="rId26"/>
-    <p:sldId id="276" r:id="rId27"/>
+    <p:sldId id="285" r:id="rId24"/>
+    <p:sldId id="286" r:id="rId25"/>
+    <p:sldId id="282" r:id="rId26"/>
+    <p:sldId id="283" r:id="rId27"/>
+    <p:sldId id="284" r:id="rId28"/>
+    <p:sldId id="287" r:id="rId29"/>
+    <p:sldId id="276" r:id="rId30"/>
   </p:sldIdLst>
   <p:sldSz cx="9144000" cy="6858000" type="screen4x3"/>
   <p:notesSz cx="6858000" cy="9144000"/>
@@ -222,7 +225,7 @@
             <a:fld id="{7307762F-A706-E543-A832-3C298AA3103F}" type="datetimeFigureOut">
               <a:rPr lang="en-US" smtClean="0"/>
               <a:pPr/>
-              <a:t>30/11/15</a:t>
+              <a:t>09/09/16</a:t>
             </a:fld>
             <a:endParaRPr lang="en-US" dirty="0"/>
           </a:p>
@@ -789,7 +792,7 @@
           <a:p>
             <a:fld id="{875CF0EB-321F-0749-B37A-89BBA859503C}" type="datetimeFigureOut">
               <a:rPr lang="en-US" smtClean="0"/>
-              <a:t>30/11/15</a:t>
+              <a:t>09/09/16</a:t>
             </a:fld>
             <a:endParaRPr lang="en-US"/>
           </a:p>
@@ -993,7 +996,7 @@
           <a:p>
             <a:fld id="{875CF0EB-321F-0749-B37A-89BBA859503C}" type="datetimeFigureOut">
               <a:rPr lang="en-US" smtClean="0"/>
-              <a:t>30/11/15</a:t>
+              <a:t>09/09/16</a:t>
             </a:fld>
             <a:endParaRPr lang="en-US"/>
           </a:p>
@@ -1187,7 +1190,7 @@
           <a:p>
             <a:fld id="{875CF0EB-321F-0749-B37A-89BBA859503C}" type="datetimeFigureOut">
               <a:rPr lang="en-US" smtClean="0"/>
-              <a:t>30/11/15</a:t>
+              <a:t>09/09/16</a:t>
             </a:fld>
             <a:endParaRPr lang="en-US"/>
           </a:p>
@@ -1457,7 +1460,7 @@
           <a:p>
             <a:fld id="{875CF0EB-321F-0749-B37A-89BBA859503C}" type="datetimeFigureOut">
               <a:rPr lang="en-US" smtClean="0"/>
-              <a:t>30/11/15</a:t>
+              <a:t>09/09/16</a:t>
             </a:fld>
             <a:endParaRPr lang="en-US"/>
           </a:p>
@@ -1769,7 +1772,7 @@
           <a:p>
             <a:fld id="{875CF0EB-321F-0749-B37A-89BBA859503C}" type="datetimeFigureOut">
               <a:rPr lang="en-US" smtClean="0"/>
-              <a:t>30/11/15</a:t>
+              <a:t>09/09/16</a:t>
             </a:fld>
             <a:endParaRPr lang="en-US"/>
           </a:p>
@@ -2215,7 +2218,7 @@
           <a:p>
             <a:fld id="{875CF0EB-321F-0749-B37A-89BBA859503C}" type="datetimeFigureOut">
               <a:rPr lang="en-US" smtClean="0"/>
-              <a:t>30/11/15</a:t>
+              <a:t>09/09/16</a:t>
             </a:fld>
             <a:endParaRPr lang="en-US"/>
           </a:p>
@@ -2357,7 +2360,7 @@
           <a:p>
             <a:fld id="{875CF0EB-321F-0749-B37A-89BBA859503C}" type="datetimeFigureOut">
               <a:rPr lang="en-US" smtClean="0"/>
-              <a:t>30/11/15</a:t>
+              <a:t>09/09/16</a:t>
             </a:fld>
             <a:endParaRPr lang="en-US"/>
           </a:p>
@@ -2476,7 +2479,7 @@
           <a:p>
             <a:fld id="{875CF0EB-321F-0749-B37A-89BBA859503C}" type="datetimeFigureOut">
               <a:rPr lang="en-US" smtClean="0"/>
-              <a:t>30/11/15</a:t>
+              <a:t>09/09/16</a:t>
             </a:fld>
             <a:endParaRPr lang="en-US"/>
           </a:p>
@@ -2777,7 +2780,7 @@
           <a:p>
             <a:fld id="{875CF0EB-321F-0749-B37A-89BBA859503C}" type="datetimeFigureOut">
               <a:rPr lang="en-US" smtClean="0"/>
-              <a:t>30/11/15</a:t>
+              <a:t>09/09/16</a:t>
             </a:fld>
             <a:endParaRPr lang="en-US"/>
           </a:p>
@@ -3054,7 +3057,7 @@
           <a:p>
             <a:fld id="{875CF0EB-321F-0749-B37A-89BBA859503C}" type="datetimeFigureOut">
               <a:rPr lang="en-US" smtClean="0"/>
-              <a:t>30/11/15</a:t>
+              <a:t>09/09/16</a:t>
             </a:fld>
             <a:endParaRPr lang="en-US"/>
           </a:p>
@@ -3434,19 +3437,7 @@
               <a:rPr lang="en-US" sz="700" dirty="0" smtClean="0">
                 <a:latin typeface="Montserrat"/>
               </a:rPr>
-              <a:t>© Paul Fremantle 2015.  </a:t>
-            </a:r>
-            <a:r>
-              <a:rPr lang="en-US" sz="700" dirty="0" smtClean="0">
-                <a:latin typeface="Montserrat"/>
-              </a:rPr>
-              <a:t>This </a:t>
-            </a:r>
-            <a:r>
-              <a:rPr lang="en-US" sz="700" dirty="0" smtClean="0">
-                <a:latin typeface="Montserrat"/>
-              </a:rPr>
-              <a:t>work is licensed under a Creative Commons</a:t>
+              <a:t>© Paul Fremantle 2015.  This work is licensed under a Creative Commons</a:t>
             </a:r>
           </a:p>
           <a:p>
@@ -3995,11 +3986,11 @@
           <a:p>
             <a:pPr eaLnBrk="1" hangingPunct="1"/>
             <a:r>
-              <a:rPr lang="en-US" dirty="0" smtClean="0">
+              <a:rPr lang="en-US" smtClean="0">
                 <a:ea typeface="ヒラギノ角ゴ ProN W3" charset="0"/>
                 <a:cs typeface="ヒラギノ角ゴ ProN W3" charset="0"/>
               </a:rPr>
-              <a:t>Nov 2015</a:t>
+              <a:t>Sep 2016</a:t>
             </a:r>
             <a:endParaRPr lang="en-US" dirty="0">
               <a:ea typeface="ヒラギノ角ゴ ProN W3" charset="0"/>
@@ -4195,7 +4186,7 @@
           <a:p>
             <a:fld id="{7268D07E-94DD-D34E-A9CB-F7E79C30F7B9}" type="datetime1">
               <a:rPr lang="en-US" smtClean="0"/>
-              <a:t>30/11/15</a:t>
+              <a:t>09/09/16</a:t>
             </a:fld>
             <a:endParaRPr lang="en-US"/>
           </a:p>
@@ -6010,7 +6001,7 @@
           <a:p>
             <a:r>
               <a:rPr lang="en-US" dirty="0" smtClean="0"/>
-              <a:t>Important</a:t>
+              <a:t>Amazon Lambda</a:t>
             </a:r>
             <a:endParaRPr lang="en-US" dirty="0"/>
           </a:p>
@@ -6028,68 +6019,53 @@
         </p:nvSpPr>
         <p:spPr/>
         <p:txBody>
-          <a:bodyPr>
-            <a:normAutofit lnSpcReduction="10000"/>
-          </a:bodyPr>
+          <a:bodyPr/>
           <a:lstStyle/>
           <a:p>
             <a:r>
-              <a:rPr lang="en-US" dirty="0" smtClean="0"/>
-              <a:t>There is a difference between </a:t>
-            </a:r>
-            <a:r>
-              <a:rPr lang="en-US" b="1" dirty="0" smtClean="0"/>
-              <a:t>stopping</a:t>
-            </a:r>
-            <a:r>
-              <a:rPr lang="en-US" dirty="0" smtClean="0"/>
-              <a:t> an instance and </a:t>
-            </a:r>
-            <a:r>
-              <a:rPr lang="en-US" b="1" dirty="0" smtClean="0"/>
-              <a:t>terminating</a:t>
-            </a:r>
-            <a:endParaRPr lang="en-US" b="1" dirty="0"/>
+              <a:rPr lang="en-US" dirty="0" err="1" smtClean="0"/>
+              <a:t>Serverless</a:t>
+            </a:r>
+            <a:r>
+              <a:rPr lang="en-US" dirty="0" smtClean="0"/>
+              <a:t> computing</a:t>
+            </a:r>
           </a:p>
           <a:p>
             <a:pPr lvl="1"/>
             <a:r>
-              <a:rPr lang="en-US" b="1" dirty="0" smtClean="0"/>
-              <a:t>Stopping</a:t>
-            </a:r>
+              <a:rPr lang="en-US" dirty="0" smtClean="0"/>
+              <a:t>Runs a small amount of code in response to an event</a:t>
+            </a:r>
+          </a:p>
+          <a:p>
+            <a:pPr lvl="1"/>
+            <a:r>
+              <a:rPr lang="en-US" dirty="0" smtClean="0"/>
+              <a:t>Billed in increments of 100 </a:t>
+            </a:r>
+            <a:r>
+              <a:rPr lang="en-US" dirty="0" err="1" smtClean="0"/>
+              <a:t>ms</a:t>
+            </a:r>
+            <a:endParaRPr lang="en-US" dirty="0" smtClean="0"/>
           </a:p>
           <a:p>
             <a:pPr lvl="2"/>
             <a:r>
               <a:rPr lang="en-US" dirty="0" smtClean="0"/>
-              <a:t>Your instance is stopped, but the disk is still allocated</a:t>
-            </a:r>
-          </a:p>
-          <a:p>
-            <a:pPr lvl="2"/>
-            <a:r>
-              <a:rPr lang="en-US" dirty="0" smtClean="0"/>
-              <a:t>You will be charged for EBS disk </a:t>
+              <a:t>Really pay as you go</a:t>
             </a:r>
           </a:p>
           <a:p>
             <a:pPr lvl="1"/>
             <a:r>
-              <a:rPr lang="en-US" b="1" dirty="0" smtClean="0"/>
-              <a:t>Terminating</a:t>
-            </a:r>
-          </a:p>
-          <a:p>
-            <a:pPr lvl="2"/>
-            <a:r>
-              <a:rPr lang="en-US" dirty="0" smtClean="0"/>
-              <a:t>Disk will also be removed and you will not be charged</a:t>
-            </a:r>
-          </a:p>
-          <a:p>
-            <a:pPr marL="914400" lvl="2" indent="0">
-              <a:buNone/>
-            </a:pPr>
+              <a:rPr lang="en-US" dirty="0" smtClean="0"/>
+              <a:t>Scalable (you don’t need to define servers)</a:t>
+            </a:r>
+          </a:p>
+          <a:p>
+            <a:pPr lvl="1"/>
             <a:endParaRPr lang="en-US" dirty="0"/>
           </a:p>
         </p:txBody>
@@ -6097,7 +6073,7 @@
     </p:spTree>
     <p:extLst>
       <p:ext uri="{BB962C8B-B14F-4D97-AF65-F5344CB8AC3E}">
-        <p14:creationId xmlns:p14="http://schemas.microsoft.com/office/powerpoint/2010/main" val="2559801588"/>
+        <p14:creationId xmlns:p14="http://schemas.microsoft.com/office/powerpoint/2010/main" val="2898745739"/>
       </p:ext>
     </p:extLst>
   </p:cSld>
@@ -6141,7 +6117,7 @@
           <a:p>
             <a:r>
               <a:rPr lang="en-US" dirty="0" smtClean="0"/>
-              <a:t>EC2 machine sizes</a:t>
+              <a:t>Other cool AWS stuff</a:t>
             </a:r>
             <a:endParaRPr lang="en-US" dirty="0"/>
           </a:p>
@@ -6159,97 +6135,59 @@
         </p:nvSpPr>
         <p:spPr/>
         <p:txBody>
-          <a:bodyPr>
-            <a:normAutofit lnSpcReduction="10000"/>
-          </a:bodyPr>
+          <a:bodyPr/>
           <a:lstStyle/>
           <a:p>
             <a:r>
               <a:rPr lang="en-US" dirty="0" smtClean="0"/>
-              <a:t>Families</a:t>
-            </a:r>
-          </a:p>
-          <a:p>
-            <a:pPr lvl="1"/>
-            <a:r>
-              <a:rPr lang="en-US" dirty="0" smtClean="0"/>
-              <a:t>T2, M4, M3, C4, C3, R3, G2, I2, D2</a:t>
-            </a:r>
-          </a:p>
-          <a:p>
-            <a:pPr lvl="2"/>
-            <a:r>
-              <a:rPr lang="en-US" dirty="0" smtClean="0"/>
-              <a:t>General purpose – T, M</a:t>
-            </a:r>
-          </a:p>
-          <a:p>
-            <a:pPr lvl="2"/>
-            <a:r>
-              <a:rPr lang="en-US" dirty="0" smtClean="0"/>
-              <a:t>Compute – C</a:t>
-            </a:r>
-          </a:p>
-          <a:p>
-            <a:pPr lvl="2"/>
-            <a:r>
-              <a:rPr lang="en-US" dirty="0" smtClean="0"/>
-              <a:t>Memory – R</a:t>
-            </a:r>
-          </a:p>
-          <a:p>
-            <a:pPr lvl="2"/>
-            <a:r>
-              <a:rPr lang="en-US" dirty="0" smtClean="0"/>
-              <a:t>GPU – G</a:t>
-            </a:r>
-          </a:p>
-          <a:p>
-            <a:pPr lvl="2"/>
-            <a:r>
-              <a:rPr lang="en-US" dirty="0" smtClean="0"/>
-              <a:t>IO – I</a:t>
-            </a:r>
-          </a:p>
-          <a:p>
-            <a:pPr lvl="2"/>
-            <a:r>
-              <a:rPr lang="en-US" dirty="0" smtClean="0"/>
-              <a:t>Data – D</a:t>
-            </a:r>
-          </a:p>
-          <a:p>
-            <a:r>
-              <a:rPr lang="en-US" dirty="0" smtClean="0"/>
-              <a:t>Numbers indicate the “family version”</a:t>
-            </a:r>
-          </a:p>
-          <a:p>
-            <a:pPr lvl="1"/>
+              <a:t>AWS </a:t>
+            </a:r>
             <a:r>
               <a:rPr lang="en-US" dirty="0" err="1" smtClean="0"/>
-              <a:t>E.g</a:t>
-            </a:r>
-            <a:r>
-              <a:rPr lang="en-US" dirty="0" smtClean="0"/>
-              <a:t> M4 </a:t>
-            </a:r>
-            <a:r>
-              <a:rPr lang="en-US" dirty="0" err="1" smtClean="0"/>
-              <a:t>supercedes</a:t>
-            </a:r>
-            <a:r>
-              <a:rPr lang="en-US" dirty="0" smtClean="0"/>
-              <a:t> M3</a:t>
-            </a:r>
-            <a:endParaRPr lang="en-US" dirty="0"/>
+              <a:t>IoT</a:t>
+            </a:r>
+            <a:r>
+              <a:rPr lang="en-US" dirty="0" smtClean="0"/>
+              <a:t> management </a:t>
+            </a:r>
+          </a:p>
+          <a:p>
+            <a:r>
+              <a:rPr lang="en-US" dirty="0" smtClean="0"/>
+              <a:t>Code tools</a:t>
+            </a:r>
+          </a:p>
+          <a:p>
+            <a:r>
+              <a:rPr lang="en-US" dirty="0" smtClean="0"/>
+              <a:t>Management</a:t>
+            </a:r>
+          </a:p>
+          <a:p>
+            <a:r>
+              <a:rPr lang="en-US" dirty="0" smtClean="0"/>
+              <a:t>Analytics</a:t>
+            </a:r>
+          </a:p>
+          <a:p>
+            <a:r>
+              <a:rPr lang="en-US" dirty="0" smtClean="0"/>
+              <a:t>API Gateway</a:t>
+            </a:r>
+          </a:p>
+          <a:p>
+            <a:r>
+              <a:rPr lang="en-US" smtClean="0"/>
+              <a:t>Machine Learning</a:t>
+            </a:r>
+            <a:endParaRPr lang="en-US" dirty="0" smtClean="0"/>
           </a:p>
         </p:txBody>
       </p:sp>
     </p:spTree>
     <p:extLst>
       <p:ext uri="{BB962C8B-B14F-4D97-AF65-F5344CB8AC3E}">
-        <p14:creationId xmlns:p14="http://schemas.microsoft.com/office/powerpoint/2010/main" val="3154569832"/>
+        <p14:creationId xmlns:p14="http://schemas.microsoft.com/office/powerpoint/2010/main" val="797539411"/>
       </p:ext>
     </p:extLst>
   </p:cSld>
@@ -6288,6 +6226,289 @@
         </p:nvSpPr>
         <p:spPr/>
         <p:txBody>
+          <a:bodyPr/>
+          <a:lstStyle/>
+          <a:p>
+            <a:r>
+              <a:rPr lang="en-US" dirty="0" smtClean="0"/>
+              <a:t>Important</a:t>
+            </a:r>
+            <a:endParaRPr lang="en-US" dirty="0"/>
+          </a:p>
+        </p:txBody>
+      </p:sp>
+      <p:sp>
+        <p:nvSpPr>
+          <p:cNvPr id="3" name="Content Placeholder 2"/>
+          <p:cNvSpPr>
+            <a:spLocks noGrp="1"/>
+          </p:cNvSpPr>
+          <p:nvPr>
+            <p:ph idx="1"/>
+          </p:nvPr>
+        </p:nvSpPr>
+        <p:spPr/>
+        <p:txBody>
+          <a:bodyPr>
+            <a:normAutofit lnSpcReduction="10000"/>
+          </a:bodyPr>
+          <a:lstStyle/>
+          <a:p>
+            <a:r>
+              <a:rPr lang="en-US" dirty="0" smtClean="0"/>
+              <a:t>There is a difference between </a:t>
+            </a:r>
+            <a:r>
+              <a:rPr lang="en-US" b="1" dirty="0" smtClean="0"/>
+              <a:t>stopping</a:t>
+            </a:r>
+            <a:r>
+              <a:rPr lang="en-US" dirty="0" smtClean="0"/>
+              <a:t> an instance and </a:t>
+            </a:r>
+            <a:r>
+              <a:rPr lang="en-US" b="1" dirty="0" smtClean="0"/>
+              <a:t>terminating</a:t>
+            </a:r>
+            <a:endParaRPr lang="en-US" b="1" dirty="0"/>
+          </a:p>
+          <a:p>
+            <a:pPr lvl="1"/>
+            <a:r>
+              <a:rPr lang="en-US" b="1" dirty="0" smtClean="0"/>
+              <a:t>Stopping</a:t>
+            </a:r>
+          </a:p>
+          <a:p>
+            <a:pPr lvl="2"/>
+            <a:r>
+              <a:rPr lang="en-US" dirty="0" smtClean="0"/>
+              <a:t>Your instance is stopped, but the disk is still allocated</a:t>
+            </a:r>
+          </a:p>
+          <a:p>
+            <a:pPr lvl="2"/>
+            <a:r>
+              <a:rPr lang="en-US" dirty="0" smtClean="0"/>
+              <a:t>You will be charged for EBS disk </a:t>
+            </a:r>
+          </a:p>
+          <a:p>
+            <a:pPr lvl="1"/>
+            <a:r>
+              <a:rPr lang="en-US" b="1" dirty="0" smtClean="0"/>
+              <a:t>Terminating</a:t>
+            </a:r>
+          </a:p>
+          <a:p>
+            <a:pPr lvl="2"/>
+            <a:r>
+              <a:rPr lang="en-US" dirty="0" smtClean="0"/>
+              <a:t>Disk will also be removed and you will not be charged</a:t>
+            </a:r>
+          </a:p>
+          <a:p>
+            <a:pPr marL="914400" lvl="2" indent="0">
+              <a:buNone/>
+            </a:pPr>
+            <a:endParaRPr lang="en-US" dirty="0"/>
+          </a:p>
+        </p:txBody>
+      </p:sp>
+    </p:spTree>
+    <p:extLst>
+      <p:ext uri="{BB962C8B-B14F-4D97-AF65-F5344CB8AC3E}">
+        <p14:creationId xmlns:p14="http://schemas.microsoft.com/office/powerpoint/2010/main" val="2559801588"/>
+      </p:ext>
+    </p:extLst>
+  </p:cSld>
+  <p:clrMapOvr>
+    <a:masterClrMapping/>
+  </p:clrMapOvr>
+</p:sld>
+</file>
+
+<file path=ppt/slides/slide26.xml><?xml version="1.0" encoding="utf-8"?>
+<p:sld xmlns:a="http://schemas.openxmlformats.org/drawingml/2006/main" xmlns:r="http://schemas.openxmlformats.org/officeDocument/2006/relationships" xmlns:p="http://schemas.openxmlformats.org/presentationml/2006/main">
+  <p:cSld>
+    <p:spTree>
+      <p:nvGrpSpPr>
+        <p:cNvPr id="1" name=""/>
+        <p:cNvGrpSpPr/>
+        <p:nvPr/>
+      </p:nvGrpSpPr>
+      <p:grpSpPr>
+        <a:xfrm>
+          <a:off x="0" y="0"/>
+          <a:ext cx="0" cy="0"/>
+          <a:chOff x="0" y="0"/>
+          <a:chExt cx="0" cy="0"/>
+        </a:xfrm>
+      </p:grpSpPr>
+      <p:sp>
+        <p:nvSpPr>
+          <p:cNvPr id="2" name="Title 1"/>
+          <p:cNvSpPr>
+            <a:spLocks noGrp="1"/>
+          </p:cNvSpPr>
+          <p:nvPr>
+            <p:ph type="title"/>
+          </p:nvPr>
+        </p:nvSpPr>
+        <p:spPr/>
+        <p:txBody>
+          <a:bodyPr/>
+          <a:lstStyle/>
+          <a:p>
+            <a:r>
+              <a:rPr lang="en-US" dirty="0" smtClean="0"/>
+              <a:t>EC2 machine sizes</a:t>
+            </a:r>
+            <a:endParaRPr lang="en-US" dirty="0"/>
+          </a:p>
+        </p:txBody>
+      </p:sp>
+      <p:sp>
+        <p:nvSpPr>
+          <p:cNvPr id="3" name="Content Placeholder 2"/>
+          <p:cNvSpPr>
+            <a:spLocks noGrp="1"/>
+          </p:cNvSpPr>
+          <p:nvPr>
+            <p:ph idx="1"/>
+          </p:nvPr>
+        </p:nvSpPr>
+        <p:spPr/>
+        <p:txBody>
+          <a:bodyPr>
+            <a:normAutofit lnSpcReduction="10000"/>
+          </a:bodyPr>
+          <a:lstStyle/>
+          <a:p>
+            <a:r>
+              <a:rPr lang="en-US" dirty="0" smtClean="0"/>
+              <a:t>Families</a:t>
+            </a:r>
+          </a:p>
+          <a:p>
+            <a:pPr lvl="1"/>
+            <a:r>
+              <a:rPr lang="en-US" dirty="0" smtClean="0"/>
+              <a:t>T2, M4, M3, C4, C3, R3, G2, I2, D2</a:t>
+            </a:r>
+          </a:p>
+          <a:p>
+            <a:pPr lvl="2"/>
+            <a:r>
+              <a:rPr lang="en-US" dirty="0" smtClean="0"/>
+              <a:t>General purpose – T, M</a:t>
+            </a:r>
+          </a:p>
+          <a:p>
+            <a:pPr lvl="2"/>
+            <a:r>
+              <a:rPr lang="en-US" dirty="0" smtClean="0"/>
+              <a:t>Compute – C</a:t>
+            </a:r>
+          </a:p>
+          <a:p>
+            <a:pPr lvl="2"/>
+            <a:r>
+              <a:rPr lang="en-US" dirty="0" smtClean="0"/>
+              <a:t>Memory – R</a:t>
+            </a:r>
+          </a:p>
+          <a:p>
+            <a:pPr lvl="2"/>
+            <a:r>
+              <a:rPr lang="en-US" dirty="0" smtClean="0"/>
+              <a:t>GPU – G</a:t>
+            </a:r>
+          </a:p>
+          <a:p>
+            <a:pPr lvl="2"/>
+            <a:r>
+              <a:rPr lang="en-US" dirty="0" smtClean="0"/>
+              <a:t>IO – I</a:t>
+            </a:r>
+          </a:p>
+          <a:p>
+            <a:pPr lvl="2"/>
+            <a:r>
+              <a:rPr lang="en-US" dirty="0" smtClean="0"/>
+              <a:t>Data – D</a:t>
+            </a:r>
+          </a:p>
+          <a:p>
+            <a:r>
+              <a:rPr lang="en-US" dirty="0" smtClean="0"/>
+              <a:t>Numbers indicate the “family version”</a:t>
+            </a:r>
+          </a:p>
+          <a:p>
+            <a:pPr lvl="1"/>
+            <a:r>
+              <a:rPr lang="en-US" dirty="0" err="1" smtClean="0"/>
+              <a:t>E.g</a:t>
+            </a:r>
+            <a:r>
+              <a:rPr lang="en-US" dirty="0" smtClean="0"/>
+              <a:t> M4 </a:t>
+            </a:r>
+            <a:r>
+              <a:rPr lang="en-US" dirty="0" err="1" smtClean="0"/>
+              <a:t>supercedes</a:t>
+            </a:r>
+            <a:r>
+              <a:rPr lang="en-US" dirty="0" smtClean="0"/>
+              <a:t> M3</a:t>
+            </a:r>
+            <a:endParaRPr lang="en-US" dirty="0"/>
+          </a:p>
+        </p:txBody>
+      </p:sp>
+    </p:spTree>
+    <p:extLst>
+      <p:ext uri="{BB962C8B-B14F-4D97-AF65-F5344CB8AC3E}">
+        <p14:creationId xmlns:p14="http://schemas.microsoft.com/office/powerpoint/2010/main" val="3154569832"/>
+      </p:ext>
+    </p:extLst>
+  </p:cSld>
+  <p:clrMapOvr>
+    <a:masterClrMapping/>
+  </p:clrMapOvr>
+</p:sld>
+</file>
+
+<file path=ppt/slides/slide27.xml><?xml version="1.0" encoding="utf-8"?>
+<p:sld xmlns:a="http://schemas.openxmlformats.org/drawingml/2006/main" xmlns:r="http://schemas.openxmlformats.org/officeDocument/2006/relationships" xmlns:p="http://schemas.openxmlformats.org/presentationml/2006/main">
+  <p:cSld>
+    <p:spTree>
+      <p:nvGrpSpPr>
+        <p:cNvPr id="1" name=""/>
+        <p:cNvGrpSpPr/>
+        <p:nvPr/>
+      </p:nvGrpSpPr>
+      <p:grpSpPr>
+        <a:xfrm>
+          <a:off x="0" y="0"/>
+          <a:ext cx="0" cy="0"/>
+          <a:chOff x="0" y="0"/>
+          <a:chExt cx="0" cy="0"/>
+        </a:xfrm>
+      </p:grpSpPr>
+      <p:sp>
+        <p:nvSpPr>
+          <p:cNvPr id="2" name="Title 1"/>
+          <p:cNvSpPr>
+            <a:spLocks noGrp="1"/>
+          </p:cNvSpPr>
+          <p:nvPr>
+            <p:ph type="title"/>
+          </p:nvPr>
+        </p:nvSpPr>
+        <p:spPr/>
+        <p:txBody>
           <a:bodyPr>
             <a:normAutofit/>
           </a:bodyPr>
@@ -9775,7 +9996,88 @@
 </p:sld>
 </file>
 
-<file path=ppt/slides/slide26.xml><?xml version="1.0" encoding="utf-8"?>
+<file path=ppt/slides/slide28.xml><?xml version="1.0" encoding="utf-8"?>
+<p:sld xmlns:a="http://schemas.openxmlformats.org/drawingml/2006/main" xmlns:r="http://schemas.openxmlformats.org/officeDocument/2006/relationships" xmlns:p="http://schemas.openxmlformats.org/presentationml/2006/main">
+  <p:cSld>
+    <p:spTree>
+      <p:nvGrpSpPr>
+        <p:cNvPr id="1" name=""/>
+        <p:cNvGrpSpPr/>
+        <p:nvPr/>
+      </p:nvGrpSpPr>
+      <p:grpSpPr>
+        <a:xfrm>
+          <a:off x="0" y="0"/>
+          <a:ext cx="0" cy="0"/>
+          <a:chOff x="0" y="0"/>
+          <a:chExt cx="0" cy="0"/>
+        </a:xfrm>
+      </p:grpSpPr>
+      <p:sp>
+        <p:nvSpPr>
+          <p:cNvPr id="2" name="Title 1"/>
+          <p:cNvSpPr>
+            <a:spLocks noGrp="1"/>
+          </p:cNvSpPr>
+          <p:nvPr>
+            <p:ph type="title"/>
+          </p:nvPr>
+        </p:nvSpPr>
+        <p:spPr/>
+        <p:txBody>
+          <a:bodyPr/>
+          <a:lstStyle/>
+          <a:p>
+            <a:r>
+              <a:rPr lang="en-US" dirty="0" smtClean="0"/>
+              <a:t>An alternative – </a:t>
+            </a:r>
+            <a:r>
+              <a:rPr lang="en-US" smtClean="0"/>
+              <a:t>DigitalOcean</a:t>
+            </a:r>
+            <a:endParaRPr lang="en-US" dirty="0"/>
+          </a:p>
+        </p:txBody>
+      </p:sp>
+      <p:pic>
+        <p:nvPicPr>
+          <p:cNvPr id="5" name="Picture 4"/>
+          <p:cNvPicPr>
+            <a:picLocks noChangeAspect="1"/>
+          </p:cNvPicPr>
+          <p:nvPr/>
+        </p:nvPicPr>
+        <p:blipFill>
+          <a:blip r:embed="rId2"/>
+          <a:stretch>
+            <a:fillRect/>
+          </a:stretch>
+        </p:blipFill>
+        <p:spPr>
+          <a:xfrm>
+            <a:off x="775368" y="1417638"/>
+            <a:ext cx="7406105" cy="4640974"/>
+          </a:xfrm>
+          <a:prstGeom prst="rect">
+            <a:avLst/>
+          </a:prstGeom>
+        </p:spPr>
+      </p:pic>
+    </p:spTree>
+    <p:extLst>
+      <p:ext uri="{BB962C8B-B14F-4D97-AF65-F5344CB8AC3E}">
+        <p14:creationId xmlns:p14="http://schemas.microsoft.com/office/powerpoint/2010/main" val="1222523338"/>
+      </p:ext>
+    </p:extLst>
+  </p:cSld>
+  <p:clrMapOvr>
+    <a:masterClrMapping/>
+  </p:clrMapOvr>
+</p:sld>
+</file>
+
+<file path=ppt/slides/slide29.xml><?xml version="1.0" encoding="utf-8"?>
 <p:sld xmlns:a="http://schemas.openxmlformats.org/drawingml/2006/main" xmlns:r="http://schemas.openxmlformats.org/officeDocument/2006/relationships" xmlns:p="http://schemas.openxmlformats.org/presentationml/2006/main">
   <p:cSld>
     <p:spTree>

--- a/pres-source/02-understanding-cloud-services.pptx
+++ b/pres-source/02-understanding-cloud-services.pptx
@@ -5,38 +5,37 @@
     <p:sldMasterId id="2147483648" r:id="rId1"/>
   </p:sldMasterIdLst>
   <p:notesMasterIdLst>
-    <p:notesMasterId r:id="rId31"/>
+    <p:notesMasterId r:id="rId30"/>
   </p:notesMasterIdLst>
   <p:sldIdLst>
     <p:sldId id="256" r:id="rId2"/>
-    <p:sldId id="257" r:id="rId3"/>
-    <p:sldId id="262" r:id="rId4"/>
-    <p:sldId id="265" r:id="rId5"/>
-    <p:sldId id="261" r:id="rId6"/>
-    <p:sldId id="259" r:id="rId7"/>
-    <p:sldId id="260" r:id="rId8"/>
-    <p:sldId id="266" r:id="rId9"/>
-    <p:sldId id="267" r:id="rId10"/>
-    <p:sldId id="268" r:id="rId11"/>
-    <p:sldId id="269" r:id="rId12"/>
-    <p:sldId id="270" r:id="rId13"/>
-    <p:sldId id="271" r:id="rId14"/>
-    <p:sldId id="272" r:id="rId15"/>
-    <p:sldId id="274" r:id="rId16"/>
-    <p:sldId id="275" r:id="rId17"/>
-    <p:sldId id="273" r:id="rId18"/>
-    <p:sldId id="277" r:id="rId19"/>
-    <p:sldId id="278" r:id="rId20"/>
-    <p:sldId id="279" r:id="rId21"/>
-    <p:sldId id="280" r:id="rId22"/>
-    <p:sldId id="281" r:id="rId23"/>
-    <p:sldId id="285" r:id="rId24"/>
-    <p:sldId id="286" r:id="rId25"/>
-    <p:sldId id="282" r:id="rId26"/>
-    <p:sldId id="283" r:id="rId27"/>
-    <p:sldId id="284" r:id="rId28"/>
-    <p:sldId id="287" r:id="rId29"/>
-    <p:sldId id="276" r:id="rId30"/>
+    <p:sldId id="262" r:id="rId3"/>
+    <p:sldId id="265" r:id="rId4"/>
+    <p:sldId id="261" r:id="rId5"/>
+    <p:sldId id="259" r:id="rId6"/>
+    <p:sldId id="260" r:id="rId7"/>
+    <p:sldId id="266" r:id="rId8"/>
+    <p:sldId id="267" r:id="rId9"/>
+    <p:sldId id="268" r:id="rId10"/>
+    <p:sldId id="269" r:id="rId11"/>
+    <p:sldId id="270" r:id="rId12"/>
+    <p:sldId id="271" r:id="rId13"/>
+    <p:sldId id="272" r:id="rId14"/>
+    <p:sldId id="274" r:id="rId15"/>
+    <p:sldId id="288" r:id="rId16"/>
+    <p:sldId id="289" r:id="rId17"/>
+    <p:sldId id="277" r:id="rId18"/>
+    <p:sldId id="278" r:id="rId19"/>
+    <p:sldId id="279" r:id="rId20"/>
+    <p:sldId id="280" r:id="rId21"/>
+    <p:sldId id="281" r:id="rId22"/>
+    <p:sldId id="286" r:id="rId23"/>
+    <p:sldId id="282" r:id="rId24"/>
+    <p:sldId id="283" r:id="rId25"/>
+    <p:sldId id="284" r:id="rId26"/>
+    <p:sldId id="287" r:id="rId27"/>
+    <p:sldId id="290" r:id="rId28"/>
+    <p:sldId id="276" r:id="rId29"/>
   </p:sldIdLst>
   <p:sldSz cx="9144000" cy="6858000" type="screen4x3"/>
   <p:notesSz cx="6858000" cy="9144000"/>
@@ -225,7 +224,7 @@
             <a:fld id="{7307762F-A706-E543-A832-3C298AA3103F}" type="datetimeFigureOut">
               <a:rPr lang="en-US" smtClean="0"/>
               <a:pPr/>
-              <a:t>09/09/16</a:t>
+              <a:t>07/07/17</a:t>
             </a:fld>
             <a:endParaRPr lang="en-US" dirty="0"/>
           </a:p>
@@ -792,7 +791,7 @@
           <a:p>
             <a:fld id="{875CF0EB-321F-0749-B37A-89BBA859503C}" type="datetimeFigureOut">
               <a:rPr lang="en-US" smtClean="0"/>
-              <a:t>09/09/16</a:t>
+              <a:t>07/07/17</a:t>
             </a:fld>
             <a:endParaRPr lang="en-US"/>
           </a:p>
@@ -996,7 +995,7 @@
           <a:p>
             <a:fld id="{875CF0EB-321F-0749-B37A-89BBA859503C}" type="datetimeFigureOut">
               <a:rPr lang="en-US" smtClean="0"/>
-              <a:t>09/09/16</a:t>
+              <a:t>07/07/17</a:t>
             </a:fld>
             <a:endParaRPr lang="en-US"/>
           </a:p>
@@ -1190,7 +1189,7 @@
           <a:p>
             <a:fld id="{875CF0EB-321F-0749-B37A-89BBA859503C}" type="datetimeFigureOut">
               <a:rPr lang="en-US" smtClean="0"/>
-              <a:t>09/09/16</a:t>
+              <a:t>07/07/17</a:t>
             </a:fld>
             <a:endParaRPr lang="en-US"/>
           </a:p>
@@ -1460,7 +1459,7 @@
           <a:p>
             <a:fld id="{875CF0EB-321F-0749-B37A-89BBA859503C}" type="datetimeFigureOut">
               <a:rPr lang="en-US" smtClean="0"/>
-              <a:t>09/09/16</a:t>
+              <a:t>07/07/17</a:t>
             </a:fld>
             <a:endParaRPr lang="en-US"/>
           </a:p>
@@ -1772,7 +1771,7 @@
           <a:p>
             <a:fld id="{875CF0EB-321F-0749-B37A-89BBA859503C}" type="datetimeFigureOut">
               <a:rPr lang="en-US" smtClean="0"/>
-              <a:t>09/09/16</a:t>
+              <a:t>07/07/17</a:t>
             </a:fld>
             <a:endParaRPr lang="en-US"/>
           </a:p>
@@ -2218,7 +2217,7 @@
           <a:p>
             <a:fld id="{875CF0EB-321F-0749-B37A-89BBA859503C}" type="datetimeFigureOut">
               <a:rPr lang="en-US" smtClean="0"/>
-              <a:t>09/09/16</a:t>
+              <a:t>07/07/17</a:t>
             </a:fld>
             <a:endParaRPr lang="en-US"/>
           </a:p>
@@ -2360,7 +2359,7 @@
           <a:p>
             <a:fld id="{875CF0EB-321F-0749-B37A-89BBA859503C}" type="datetimeFigureOut">
               <a:rPr lang="en-US" smtClean="0"/>
-              <a:t>09/09/16</a:t>
+              <a:t>07/07/17</a:t>
             </a:fld>
             <a:endParaRPr lang="en-US"/>
           </a:p>
@@ -2479,7 +2478,7 @@
           <a:p>
             <a:fld id="{875CF0EB-321F-0749-B37A-89BBA859503C}" type="datetimeFigureOut">
               <a:rPr lang="en-US" smtClean="0"/>
-              <a:t>09/09/16</a:t>
+              <a:t>07/07/17</a:t>
             </a:fld>
             <a:endParaRPr lang="en-US"/>
           </a:p>
@@ -2780,7 +2779,7 @@
           <a:p>
             <a:fld id="{875CF0EB-321F-0749-B37A-89BBA859503C}" type="datetimeFigureOut">
               <a:rPr lang="en-US" smtClean="0"/>
-              <a:t>09/09/16</a:t>
+              <a:t>07/07/17</a:t>
             </a:fld>
             <a:endParaRPr lang="en-US"/>
           </a:p>
@@ -3057,7 +3056,7 @@
           <a:p>
             <a:fld id="{875CF0EB-321F-0749-B37A-89BBA859503C}" type="datetimeFigureOut">
               <a:rPr lang="en-US" smtClean="0"/>
-              <a:t>09/09/16</a:t>
+              <a:t>07/07/17</a:t>
             </a:fld>
             <a:endParaRPr lang="en-US"/>
           </a:p>
@@ -4046,7 +4045,7 @@
       </p:grpSpPr>
       <p:sp>
         <p:nvSpPr>
-          <p:cNvPr id="7" name="Title 6"/>
+          <p:cNvPr id="2" name="Title 1"/>
           <p:cNvSpPr>
             <a:spLocks noGrp="1"/>
           </p:cNvSpPr>
@@ -4060,8 +4059,8 @@
           <a:lstStyle/>
           <a:p>
             <a:r>
-              <a:rPr lang="en-US" dirty="0" err="1" smtClean="0"/>
-              <a:t>OpenStack</a:t>
+              <a:rPr lang="en-US" dirty="0" smtClean="0"/>
+              <a:t>EC2 / AWS main functions</a:t>
             </a:r>
             <a:endParaRPr lang="en-US" dirty="0"/>
           </a:p>
@@ -4069,7 +4068,7 @@
       </p:sp>
       <p:sp>
         <p:nvSpPr>
-          <p:cNvPr id="13" name="Content Placeholder 12"/>
+          <p:cNvPr id="3" name="Content Placeholder 2"/>
           <p:cNvSpPr>
             <a:spLocks noGrp="1"/>
           </p:cNvSpPr>
@@ -4077,196 +4076,104 @@
             <p:ph idx="1"/>
           </p:nvPr>
         </p:nvSpPr>
-        <p:spPr>
-          <a:xfrm>
-            <a:off x="457200" y="1295401"/>
-            <a:ext cx="8229600" cy="1752600"/>
-          </a:xfrm>
-        </p:spPr>
+        <p:spPr/>
         <p:txBody>
           <a:bodyPr>
-            <a:noAutofit/>
+            <a:normAutofit fontScale="85000" lnSpcReduction="20000"/>
           </a:bodyPr>
           <a:lstStyle/>
           <a:p>
             <a:r>
-              <a:rPr lang="en-US" sz="1600" dirty="0" smtClean="0"/>
-              <a:t>Compute - </a:t>
-            </a:r>
-            <a:r>
-              <a:rPr lang="en-US" sz="1600" i="1" dirty="0" smtClean="0"/>
-              <a:t>Nova</a:t>
-            </a:r>
-          </a:p>
-          <a:p>
-            <a:r>
-              <a:rPr lang="en-US" sz="1600" dirty="0" smtClean="0"/>
-              <a:t>Networking - </a:t>
-            </a:r>
-            <a:r>
-              <a:rPr lang="en-US" sz="1600" dirty="0"/>
-              <a:t> </a:t>
-            </a:r>
-            <a:r>
-              <a:rPr lang="en-US" sz="1600" i="1" dirty="0"/>
-              <a:t>Neutron</a:t>
-            </a:r>
-            <a:r>
-              <a:rPr lang="en-US" sz="1600" dirty="0"/>
-              <a:t> (formerly Quantum</a:t>
-            </a:r>
-            <a:r>
-              <a:rPr lang="en-US" sz="1600" dirty="0" smtClean="0"/>
-              <a:t>)</a:t>
-            </a:r>
-          </a:p>
-          <a:p>
-            <a:r>
-              <a:rPr lang="en-US" sz="1600" dirty="0" smtClean="0"/>
-              <a:t>Block Storage – </a:t>
-            </a:r>
-            <a:r>
-              <a:rPr lang="en-US" sz="1600" i="1" dirty="0" smtClean="0"/>
-              <a:t>Cinder</a:t>
-            </a:r>
-          </a:p>
-          <a:p>
-            <a:r>
-              <a:rPr lang="en-US" sz="1600" dirty="0" smtClean="0"/>
-              <a:t>Object Storage – </a:t>
-            </a:r>
-            <a:r>
-              <a:rPr lang="en-US" sz="1600" i="1" dirty="0" smtClean="0"/>
-              <a:t>Swift</a:t>
-            </a:r>
-          </a:p>
-          <a:p>
-            <a:r>
-              <a:rPr lang="en-US" sz="1600" dirty="0" smtClean="0"/>
-              <a:t>Image Service – </a:t>
-            </a:r>
-            <a:r>
-              <a:rPr lang="en-US" sz="1600" i="1" dirty="0" smtClean="0"/>
-              <a:t>Glance</a:t>
-            </a:r>
-          </a:p>
-          <a:p>
-            <a:r>
-              <a:rPr lang="en-US" sz="1600" dirty="0" smtClean="0"/>
-              <a:t>Identity Service - </a:t>
-            </a:r>
-            <a:r>
-              <a:rPr lang="en-US" sz="1600" i="1" dirty="0" smtClean="0"/>
-              <a:t>Keystone</a:t>
-            </a:r>
-            <a:endParaRPr lang="en-US" sz="1600" dirty="0"/>
-          </a:p>
-          <a:p>
-            <a:endParaRPr lang="en-US" sz="1600" dirty="0" smtClean="0"/>
-          </a:p>
-          <a:p>
-            <a:endParaRPr lang="en-US" sz="1600" dirty="0"/>
-          </a:p>
-        </p:txBody>
-      </p:sp>
-      <p:sp>
-        <p:nvSpPr>
-          <p:cNvPr id="5" name="Date Placeholder 4"/>
-          <p:cNvSpPr>
-            <a:spLocks noGrp="1"/>
-          </p:cNvSpPr>
-          <p:nvPr>
-            <p:ph type="dt" sz="half" idx="10"/>
-          </p:nvPr>
-        </p:nvSpPr>
-        <p:spPr/>
-        <p:txBody>
-          <a:bodyPr/>
-          <a:lstStyle/>
-          <a:p>
-            <a:fld id="{7268D07E-94DD-D34E-A9CB-F7E79C30F7B9}" type="datetime1">
-              <a:rPr lang="en-US" smtClean="0"/>
-              <a:t>09/09/16</a:t>
-            </a:fld>
-            <a:endParaRPr lang="en-US"/>
-          </a:p>
-        </p:txBody>
-      </p:sp>
-      <p:sp>
-        <p:nvSpPr>
-          <p:cNvPr id="6" name="Slide Number Placeholder 5"/>
-          <p:cNvSpPr>
-            <a:spLocks noGrp="1"/>
-          </p:cNvSpPr>
-          <p:nvPr>
-            <p:ph type="sldNum" sz="quarter" idx="12"/>
-          </p:nvPr>
-        </p:nvSpPr>
-        <p:spPr/>
-        <p:txBody>
-          <a:bodyPr/>
-          <a:lstStyle/>
-          <a:p>
-            <a:fld id="{CC2BEEE7-CF0A-0E41-8413-174CF43B1E87}" type="slidenum">
-              <a:rPr lang="en-US" smtClean="0"/>
-              <a:t>10</a:t>
-            </a:fld>
-            <a:endParaRPr lang="en-US"/>
-          </a:p>
-        </p:txBody>
-      </p:sp>
-      <p:pic>
-        <p:nvPicPr>
-          <p:cNvPr id="12" name="Picture 11"/>
-          <p:cNvPicPr>
-            <a:picLocks noChangeAspect="1"/>
-          </p:cNvPicPr>
-          <p:nvPr/>
-        </p:nvPicPr>
-        <p:blipFill>
-          <a:blip r:embed="rId2"/>
-          <a:stretch>
-            <a:fillRect/>
-          </a:stretch>
-        </p:blipFill>
-        <p:spPr>
-          <a:xfrm>
-            <a:off x="6058108" y="1417638"/>
-            <a:ext cx="2997408" cy="1282789"/>
-          </a:xfrm>
-          <a:prstGeom prst="rect">
-            <a:avLst/>
-          </a:prstGeom>
-        </p:spPr>
-      </p:pic>
-      <p:pic>
-        <p:nvPicPr>
-          <p:cNvPr id="14" name="Picture 13"/>
-          <p:cNvPicPr>
-            <a:picLocks noChangeAspect="1"/>
-          </p:cNvPicPr>
-          <p:nvPr/>
-        </p:nvPicPr>
-        <p:blipFill>
-          <a:blip r:embed="rId3"/>
-          <a:stretch>
-            <a:fillRect/>
-          </a:stretch>
-        </p:blipFill>
-        <p:spPr>
-          <a:xfrm>
-            <a:off x="673100" y="3198202"/>
-            <a:ext cx="8013700" cy="3321186"/>
-          </a:xfrm>
-          <a:prstGeom prst="rect">
-            <a:avLst/>
-          </a:prstGeom>
-        </p:spPr>
-      </p:pic>
+              <a:rPr lang="en-US" dirty="0" smtClean="0"/>
+              <a:t>EC2 (Elastic Compute Cloud)</a:t>
+            </a:r>
+          </a:p>
+          <a:p>
+            <a:pPr lvl="1"/>
+            <a:r>
+              <a:rPr lang="en-US" dirty="0" smtClean="0"/>
+              <a:t>Instances</a:t>
+            </a:r>
+          </a:p>
+          <a:p>
+            <a:pPr lvl="2"/>
+            <a:r>
+              <a:rPr lang="en-US" dirty="0" smtClean="0"/>
+              <a:t>Servers of various sizes</a:t>
+            </a:r>
+          </a:p>
+          <a:p>
+            <a:pPr lvl="1"/>
+            <a:r>
+              <a:rPr lang="en-US" dirty="0" smtClean="0"/>
+              <a:t>AMIs (Amazon Machine Images)</a:t>
+            </a:r>
+          </a:p>
+          <a:p>
+            <a:pPr lvl="2"/>
+            <a:r>
+              <a:rPr lang="en-US" dirty="0" smtClean="0"/>
+              <a:t>Server images </a:t>
+            </a:r>
+          </a:p>
+          <a:p>
+            <a:pPr lvl="1"/>
+            <a:r>
+              <a:rPr lang="en-US" dirty="0" smtClean="0"/>
+              <a:t>Elastic Block Storage (EBS)</a:t>
+            </a:r>
+          </a:p>
+          <a:p>
+            <a:pPr lvl="2"/>
+            <a:r>
+              <a:rPr lang="en-US" dirty="0" smtClean="0"/>
+              <a:t>Virtualized Hard drives</a:t>
+            </a:r>
+          </a:p>
+          <a:p>
+            <a:pPr lvl="1"/>
+            <a:r>
+              <a:rPr lang="en-US" dirty="0" smtClean="0"/>
+              <a:t>VPC (Virtual Private Cloud)</a:t>
+            </a:r>
+          </a:p>
+          <a:p>
+            <a:pPr lvl="2"/>
+            <a:r>
+              <a:rPr lang="en-US" dirty="0" smtClean="0"/>
+              <a:t>Secure network space</a:t>
+            </a:r>
+          </a:p>
+          <a:p>
+            <a:r>
+              <a:rPr lang="en-US" dirty="0" smtClean="0"/>
+              <a:t>S3 (Simple Storage Solution)</a:t>
+            </a:r>
+          </a:p>
+          <a:p>
+            <a:pPr lvl="1"/>
+            <a:r>
+              <a:rPr lang="en-US" dirty="0" smtClean="0"/>
+              <a:t>“Buckets” of data </a:t>
+            </a:r>
+          </a:p>
+          <a:p>
+            <a:pPr lvl="1"/>
+            <a:r>
+              <a:rPr lang="en-US" dirty="0" smtClean="0"/>
+              <a:t>Longer term storage of data</a:t>
+            </a:r>
+          </a:p>
+          <a:p>
+            <a:pPr lvl="1"/>
+            <a:endParaRPr lang="en-US" dirty="0" smtClean="0"/>
+          </a:p>
+        </p:txBody>
+      </p:sp>
     </p:spTree>
     <p:extLst>
       <p:ext uri="{BB962C8B-B14F-4D97-AF65-F5344CB8AC3E}">
-        <p14:creationId xmlns:p14="http://schemas.microsoft.com/office/powerpoint/2010/main" val="4061369373"/>
+        <p14:creationId xmlns:p14="http://schemas.microsoft.com/office/powerpoint/2010/main" val="564307515"/>
       </p:ext>
     </p:extLst>
   </p:cSld>
@@ -4305,12 +4212,21 @@
         </p:nvSpPr>
         <p:spPr/>
         <p:txBody>
-          <a:bodyPr/>
+          <a:bodyPr>
+            <a:normAutofit fontScale="90000"/>
+          </a:bodyPr>
           <a:lstStyle/>
           <a:p>
             <a:r>
               <a:rPr lang="en-US" dirty="0" smtClean="0"/>
-              <a:t>EC2 / AWS main functions</a:t>
+              <a:t>Platform-as-a-Service</a:t>
+            </a:r>
+            <a:br>
+              <a:rPr lang="en-US" dirty="0" smtClean="0"/>
+            </a:br>
+            <a:r>
+              <a:rPr lang="en-US" dirty="0" err="1" smtClean="0"/>
+              <a:t>PaaS</a:t>
             </a:r>
             <a:endParaRPr lang="en-US" dirty="0"/>
           </a:p>
@@ -4328,102 +4244,83 @@
         </p:nvSpPr>
         <p:spPr/>
         <p:txBody>
-          <a:bodyPr>
-            <a:normAutofit fontScale="85000" lnSpcReduction="20000"/>
-          </a:bodyPr>
+          <a:bodyPr/>
           <a:lstStyle/>
           <a:p>
             <a:r>
-              <a:rPr lang="en-US" dirty="0" smtClean="0"/>
-              <a:t>EC2 (Elastic Compute Cloud)</a:t>
+              <a:rPr lang="en-US" dirty="0" err="1" smtClean="0"/>
+              <a:t>IaaS</a:t>
+            </a:r>
+            <a:r>
+              <a:rPr lang="en-US" dirty="0" smtClean="0"/>
+              <a:t> is about provisioning </a:t>
             </a:r>
           </a:p>
           <a:p>
             <a:pPr lvl="1"/>
             <a:r>
               <a:rPr lang="en-US" dirty="0" smtClean="0"/>
-              <a:t>Instances</a:t>
-            </a:r>
-          </a:p>
-          <a:p>
-            <a:pPr lvl="2"/>
-            <a:r>
-              <a:rPr lang="en-US" dirty="0" smtClean="0"/>
-              <a:t>Servers of various sizes</a:t>
+              <a:t>machines, disk, network</a:t>
+            </a:r>
+          </a:p>
+          <a:p>
+            <a:r>
+              <a:rPr lang="en-US" dirty="0" err="1" smtClean="0"/>
+              <a:t>PaaS</a:t>
+            </a:r>
+            <a:r>
+              <a:rPr lang="en-US" dirty="0" smtClean="0"/>
+              <a:t> is about provisioning services for developers</a:t>
             </a:r>
           </a:p>
           <a:p>
             <a:pPr lvl="1"/>
             <a:r>
-              <a:rPr lang="en-US" dirty="0" smtClean="0"/>
-              <a:t>AMIs (Amazon Machine Images)</a:t>
-            </a:r>
-          </a:p>
-          <a:p>
-            <a:pPr lvl="2"/>
-            <a:r>
-              <a:rPr lang="en-US" dirty="0" smtClean="0"/>
-              <a:t>Server images </a:t>
+              <a:rPr lang="en-US" dirty="0" err="1" smtClean="0"/>
+              <a:t>Hadoop</a:t>
+            </a:r>
+            <a:r>
+              <a:rPr lang="en-US" dirty="0" smtClean="0"/>
+              <a:t>, Spark, JEE containers</a:t>
             </a:r>
           </a:p>
           <a:p>
             <a:pPr lvl="1"/>
             <a:r>
               <a:rPr lang="en-US" dirty="0" smtClean="0"/>
-              <a:t>Elastic Block Storage (EBS)</a:t>
-            </a:r>
-          </a:p>
-          <a:p>
-            <a:pPr lvl="2"/>
-            <a:r>
-              <a:rPr lang="en-US" dirty="0" smtClean="0"/>
-              <a:t>Virtualized Hard drives</a:t>
+              <a:t>Databases, Queues, Pub/Sub</a:t>
             </a:r>
           </a:p>
           <a:p>
             <a:pPr lvl="1"/>
             <a:r>
               <a:rPr lang="en-US" dirty="0" smtClean="0"/>
-              <a:t>VPC (Virtual Private Cloud)</a:t>
-            </a:r>
-          </a:p>
-          <a:p>
-            <a:pPr lvl="2"/>
-            <a:r>
-              <a:rPr lang="en-US" dirty="0" smtClean="0"/>
-              <a:t>Secure network space</a:t>
-            </a:r>
-          </a:p>
-          <a:p>
-            <a:r>
-              <a:rPr lang="en-US" dirty="0" smtClean="0"/>
-              <a:t>S3 (Simple Storage Solution)</a:t>
-            </a:r>
-          </a:p>
-          <a:p>
-            <a:pPr lvl="1"/>
-            <a:r>
-              <a:rPr lang="en-US" dirty="0" smtClean="0"/>
-              <a:t>“Buckets” of data </a:t>
-            </a:r>
-          </a:p>
-          <a:p>
-            <a:pPr lvl="1"/>
-            <a:r>
-              <a:rPr lang="en-US" dirty="0" smtClean="0"/>
-              <a:t>Longer term storage of data</a:t>
-            </a:r>
-          </a:p>
-          <a:p>
-            <a:pPr lvl="1"/>
-            <a:endParaRPr lang="en-US" dirty="0" smtClean="0"/>
+              <a:t>Cache, Email services, Notifications</a:t>
+            </a:r>
+          </a:p>
+          <a:p>
+            <a:r>
+              <a:rPr lang="en-US" dirty="0" smtClean="0"/>
+              <a:t>Sort of </a:t>
+            </a:r>
+            <a:r>
+              <a:rPr lang="en-US" dirty="0" err="1" smtClean="0"/>
+              <a:t>SaaS</a:t>
+            </a:r>
+            <a:r>
+              <a:rPr lang="en-US" dirty="0" smtClean="0"/>
+              <a:t> for developers</a:t>
+            </a:r>
+          </a:p>
+          <a:p>
+            <a:endParaRPr lang="en-US" dirty="0"/>
           </a:p>
         </p:txBody>
       </p:sp>
     </p:spTree>
     <p:extLst>
       <p:ext uri="{BB962C8B-B14F-4D97-AF65-F5344CB8AC3E}">
-        <p14:creationId xmlns:p14="http://schemas.microsoft.com/office/powerpoint/2010/main" val="564307515"/>
+        <p14:creationId xmlns:p14="http://schemas.microsoft.com/office/powerpoint/2010/main" val="220257040"/>
       </p:ext>
     </p:extLst>
   </p:cSld>
@@ -4462,21 +4359,20 @@
         </p:nvSpPr>
         <p:spPr/>
         <p:txBody>
-          <a:bodyPr>
-            <a:normAutofit fontScale="90000"/>
-          </a:bodyPr>
+          <a:bodyPr/>
           <a:lstStyle/>
           <a:p>
             <a:r>
               <a:rPr lang="en-US" dirty="0" smtClean="0"/>
-              <a:t>Platform-as-a-Service</a:t>
-            </a:r>
-            <a:br>
-              <a:rPr lang="en-US" dirty="0" smtClean="0"/>
-            </a:br>
+              <a:t>Public </a:t>
+            </a:r>
             <a:r>
               <a:rPr lang="en-US" dirty="0" err="1" smtClean="0"/>
               <a:t>PaaS</a:t>
+            </a:r>
+            <a:r>
+              <a:rPr lang="en-US" dirty="0" smtClean="0"/>
+              <a:t> options</a:t>
             </a:r>
             <a:endParaRPr lang="en-US" dirty="0"/>
           </a:p>
@@ -4494,83 +4390,114 @@
         </p:nvSpPr>
         <p:spPr/>
         <p:txBody>
-          <a:bodyPr/>
+          <a:bodyPr>
+            <a:normAutofit lnSpcReduction="10000"/>
+          </a:bodyPr>
           <a:lstStyle/>
           <a:p>
             <a:r>
-              <a:rPr lang="en-US" dirty="0" err="1" smtClean="0"/>
-              <a:t>IaaS</a:t>
-            </a:r>
-            <a:r>
-              <a:rPr lang="en-US" dirty="0" smtClean="0"/>
-              <a:t> is about provisioning </a:t>
-            </a:r>
-          </a:p>
-          <a:p>
-            <a:pPr lvl="1"/>
-            <a:r>
-              <a:rPr lang="en-US" dirty="0" smtClean="0"/>
-              <a:t>machines, disk, network</a:t>
-            </a:r>
-          </a:p>
-          <a:p>
+              <a:rPr lang="en-US" dirty="0" smtClean="0"/>
+              <a:t>Amazon AWS is becoming a </a:t>
+            </a:r>
             <a:r>
               <a:rPr lang="en-US" dirty="0" err="1" smtClean="0"/>
               <a:t>PaaS</a:t>
             </a:r>
-            <a:r>
-              <a:rPr lang="en-US" dirty="0" smtClean="0"/>
-              <a:t> is about provisioning services for developers</a:t>
-            </a:r>
+            <a:endParaRPr lang="en-US" dirty="0" smtClean="0"/>
           </a:p>
           <a:p>
             <a:pPr lvl="1"/>
             <a:r>
+              <a:rPr lang="en-US" dirty="0" smtClean="0"/>
+              <a:t>RDS (Database), </a:t>
+            </a:r>
+            <a:r>
               <a:rPr lang="en-US" dirty="0" err="1" smtClean="0"/>
-              <a:t>Hadoop</a:t>
-            </a:r>
-            <a:r>
-              <a:rPr lang="en-US" dirty="0" smtClean="0"/>
-              <a:t>, Spark, JEE containers</a:t>
-            </a:r>
+              <a:t>DynamoDB</a:t>
+            </a:r>
+            <a:endParaRPr lang="en-US" dirty="0" smtClean="0"/>
           </a:p>
           <a:p>
             <a:pPr lvl="1"/>
             <a:r>
-              <a:rPr lang="en-US" dirty="0" smtClean="0"/>
-              <a:t>Databases, Queues, Pub/Sub</a:t>
+              <a:rPr lang="en-US" dirty="0" err="1" smtClean="0"/>
+              <a:t>ElastiCache</a:t>
+            </a:r>
+            <a:r>
+              <a:rPr lang="en-US" dirty="0" smtClean="0"/>
+              <a:t> (</a:t>
+            </a:r>
+            <a:r>
+              <a:rPr lang="en-US" dirty="0" err="1" smtClean="0"/>
+              <a:t>memcache</a:t>
+            </a:r>
+            <a:r>
+              <a:rPr lang="en-US" dirty="0" smtClean="0"/>
+              <a:t> as a service)</a:t>
             </a:r>
           </a:p>
           <a:p>
             <a:pPr lvl="1"/>
             <a:r>
               <a:rPr lang="en-US" dirty="0" smtClean="0"/>
-              <a:t>Cache, Email services, Notifications</a:t>
-            </a:r>
-          </a:p>
-          <a:p>
-            <a:r>
-              <a:rPr lang="en-US" dirty="0" smtClean="0"/>
-              <a:t>Sort of </a:t>
-            </a:r>
+              <a:t>Elastic Beanstalk (deployment as a service)</a:t>
+            </a:r>
+          </a:p>
+          <a:p>
+            <a:pPr lvl="1"/>
+            <a:r>
+              <a:rPr lang="en-US" dirty="0" smtClean="0"/>
+              <a:t>Simple Notification Service</a:t>
+            </a:r>
+          </a:p>
+          <a:p>
+            <a:pPr lvl="1"/>
+            <a:r>
+              <a:rPr lang="en-US" dirty="0" smtClean="0"/>
+              <a:t>API Gateway</a:t>
+            </a:r>
+          </a:p>
+          <a:p>
+            <a:pPr lvl="1"/>
             <a:r>
               <a:rPr lang="en-US" dirty="0" err="1" smtClean="0"/>
-              <a:t>SaaS</a:t>
-            </a:r>
-            <a:r>
-              <a:rPr lang="en-US" dirty="0" smtClean="0"/>
-              <a:t> for developers</a:t>
-            </a:r>
-          </a:p>
-          <a:p>
-            <a:endParaRPr lang="en-US" dirty="0"/>
+              <a:t>CloudSearch</a:t>
+            </a:r>
+            <a:endParaRPr lang="en-US" dirty="0" smtClean="0"/>
+          </a:p>
+          <a:p>
+            <a:pPr lvl="1"/>
+            <a:r>
+              <a:rPr lang="en-US" dirty="0" err="1" smtClean="0"/>
+              <a:t>Etc</a:t>
+            </a:r>
+            <a:r>
+              <a:rPr lang="en-US" dirty="0" smtClean="0"/>
+              <a:t>, </a:t>
+            </a:r>
+            <a:r>
+              <a:rPr lang="en-US" dirty="0" err="1" smtClean="0"/>
+              <a:t>etc</a:t>
+            </a:r>
+            <a:r>
+              <a:rPr lang="en-US" dirty="0" smtClean="0"/>
+              <a:t>, </a:t>
+            </a:r>
+            <a:r>
+              <a:rPr lang="en-US" dirty="0" err="1" smtClean="0"/>
+              <a:t>etc</a:t>
+            </a:r>
+            <a:r>
+              <a:rPr lang="en-US" dirty="0" smtClean="0"/>
+              <a:t>!</a:t>
+            </a:r>
           </a:p>
         </p:txBody>
       </p:sp>
     </p:spTree>
     <p:extLst>
       <p:ext uri="{BB962C8B-B14F-4D97-AF65-F5344CB8AC3E}">
-        <p14:creationId xmlns:p14="http://schemas.microsoft.com/office/powerpoint/2010/main" val="220257040"/>
+        <p14:creationId xmlns:p14="http://schemas.microsoft.com/office/powerpoint/2010/main" val="3372734155"/>
       </p:ext>
     </p:extLst>
   </p:cSld>
@@ -4614,7 +4541,7 @@
           <a:p>
             <a:r>
               <a:rPr lang="en-US" dirty="0" smtClean="0"/>
-              <a:t>Public </a:t>
+              <a:t>Other Public </a:t>
             </a:r>
             <a:r>
               <a:rPr lang="en-US" dirty="0" err="1" smtClean="0"/>
@@ -4640,114 +4567,80 @@
         </p:nvSpPr>
         <p:spPr/>
         <p:txBody>
-          <a:bodyPr>
-            <a:normAutofit lnSpcReduction="10000"/>
-          </a:bodyPr>
+          <a:bodyPr/>
           <a:lstStyle/>
           <a:p>
             <a:r>
               <a:rPr lang="en-US" dirty="0" smtClean="0"/>
-              <a:t>Amazon AWS is becoming a </a:t>
-            </a:r>
+              <a:t>Google App Engine</a:t>
+            </a:r>
+          </a:p>
+          <a:p>
             <a:r>
               <a:rPr lang="en-US" dirty="0" err="1" smtClean="0"/>
-              <a:t>PaaS</a:t>
+              <a:t>Force.com</a:t>
+            </a:r>
+            <a:r>
+              <a:rPr lang="en-US" dirty="0" smtClean="0"/>
+              <a:t> App Cloud</a:t>
+            </a:r>
+          </a:p>
+          <a:p>
+            <a:pPr lvl="1"/>
+            <a:r>
+              <a:rPr lang="en-US" dirty="0" err="1" smtClean="0"/>
+              <a:t>Heroku</a:t>
+            </a:r>
+            <a:r>
+              <a:rPr lang="en-US" dirty="0" smtClean="0"/>
+              <a:t> </a:t>
+            </a:r>
+          </a:p>
+          <a:p>
+            <a:r>
+              <a:rPr lang="en-US" dirty="0" smtClean="0"/>
+              <a:t>IBM </a:t>
+            </a:r>
+            <a:r>
+              <a:rPr lang="en-US" dirty="0" err="1" smtClean="0"/>
+              <a:t>Bluemix</a:t>
             </a:r>
             <a:endParaRPr lang="en-US" dirty="0" smtClean="0"/>
           </a:p>
           <a:p>
-            <a:pPr lvl="1"/>
-            <a:r>
-              <a:rPr lang="en-US" dirty="0" smtClean="0"/>
-              <a:t>RDS (Database), </a:t>
-            </a:r>
             <a:r>
               <a:rPr lang="en-US" dirty="0" err="1" smtClean="0"/>
-              <a:t>DynamoDB</a:t>
+              <a:t>RedHat</a:t>
+            </a:r>
+            <a:r>
+              <a:rPr lang="en-US" dirty="0" smtClean="0"/>
+              <a:t> </a:t>
+            </a:r>
+            <a:r>
+              <a:rPr lang="en-US" dirty="0" err="1" smtClean="0"/>
+              <a:t>OpenShift</a:t>
             </a:r>
             <a:endParaRPr lang="en-US" dirty="0" smtClean="0"/>
           </a:p>
           <a:p>
-            <a:pPr lvl="1"/>
+            <a:r>
+              <a:rPr lang="en-US" dirty="0" smtClean="0"/>
+              <a:t>WSO2 Cloud</a:t>
+            </a:r>
+          </a:p>
+          <a:p>
             <a:r>
               <a:rPr lang="en-US" dirty="0" err="1" smtClean="0"/>
-              <a:t>ElastiCache</a:t>
-            </a:r>
-            <a:r>
-              <a:rPr lang="en-US" dirty="0" smtClean="0"/>
-              <a:t> (</a:t>
-            </a:r>
-            <a:r>
-              <a:rPr lang="en-US" dirty="0" err="1" smtClean="0"/>
-              <a:t>memcache</a:t>
-            </a:r>
-            <a:r>
-              <a:rPr lang="en-US" dirty="0" smtClean="0"/>
-              <a:t> as a service)</a:t>
-            </a:r>
-          </a:p>
-          <a:p>
-            <a:pPr lvl="1"/>
-            <a:r>
-              <a:rPr lang="en-US" dirty="0" smtClean="0"/>
-              <a:t>Elastic Beanstalk (deployment as a service)</a:t>
-            </a:r>
-          </a:p>
-          <a:p>
-            <a:pPr lvl="1"/>
-            <a:r>
-              <a:rPr lang="en-US" dirty="0" smtClean="0"/>
-              <a:t>Simple Notification Service</a:t>
-            </a:r>
-          </a:p>
-          <a:p>
-            <a:pPr lvl="1"/>
-            <a:r>
-              <a:rPr lang="en-US" dirty="0" smtClean="0"/>
-              <a:t>API Gateway</a:t>
-            </a:r>
-          </a:p>
-          <a:p>
-            <a:pPr lvl="1"/>
-            <a:r>
-              <a:rPr lang="en-US" dirty="0" err="1" smtClean="0"/>
-              <a:t>CloudSearch</a:t>
+              <a:t>EngineYard</a:t>
             </a:r>
             <a:endParaRPr lang="en-US" dirty="0" smtClean="0"/>
-          </a:p>
-          <a:p>
-            <a:pPr lvl="1"/>
-            <a:r>
-              <a:rPr lang="en-US" dirty="0" err="1" smtClean="0"/>
-              <a:t>Etc</a:t>
-            </a:r>
-            <a:r>
-              <a:rPr lang="en-US" dirty="0" smtClean="0"/>
-              <a:t>, </a:t>
-            </a:r>
-            <a:r>
-              <a:rPr lang="en-US" dirty="0" err="1" smtClean="0"/>
-              <a:t>etc</a:t>
-            </a:r>
-            <a:r>
-              <a:rPr lang="en-US" dirty="0" smtClean="0"/>
-              <a:t>, </a:t>
-            </a:r>
-            <a:r>
-              <a:rPr lang="en-US" dirty="0" err="1" smtClean="0"/>
-              <a:t>etc</a:t>
-            </a:r>
-            <a:r>
-              <a:rPr lang="en-US" dirty="0" smtClean="0"/>
-              <a:t>!</a:t>
-            </a:r>
           </a:p>
         </p:txBody>
       </p:sp>
     </p:spTree>
     <p:extLst>
       <p:ext uri="{BB962C8B-B14F-4D97-AF65-F5344CB8AC3E}">
-        <p14:creationId xmlns:p14="http://schemas.microsoft.com/office/powerpoint/2010/main" val="3372734155"/>
+        <p14:creationId xmlns:p14="http://schemas.microsoft.com/office/powerpoint/2010/main" val="1093062750"/>
       </p:ext>
     </p:extLst>
   </p:cSld>
@@ -4791,7 +4684,7 @@
           <a:p>
             <a:r>
               <a:rPr lang="en-US" dirty="0" smtClean="0"/>
-              <a:t>Other Public </a:t>
+              <a:t>Private </a:t>
             </a:r>
             <a:r>
               <a:rPr lang="en-US" dirty="0" err="1" smtClean="0"/>
@@ -4822,45 +4715,25 @@
           <a:p>
             <a:r>
               <a:rPr lang="en-US" dirty="0" smtClean="0"/>
-              <a:t>Google App Engine</a:t>
-            </a:r>
-          </a:p>
-          <a:p>
+              <a:t>Pivotal </a:t>
+            </a:r>
             <a:r>
               <a:rPr lang="en-US" dirty="0" err="1" smtClean="0"/>
-              <a:t>Force.com</a:t>
-            </a:r>
-            <a:r>
-              <a:rPr lang="en-US" dirty="0" smtClean="0"/>
-              <a:t> App Cloud</a:t>
-            </a:r>
+              <a:t>CloudFoundry</a:t>
+            </a:r>
+            <a:endParaRPr lang="en-US" dirty="0" smtClean="0"/>
           </a:p>
           <a:p>
             <a:pPr lvl="1"/>
             <a:r>
+              <a:rPr lang="en-US" dirty="0" smtClean="0"/>
+              <a:t>The market leader</a:t>
+            </a:r>
+          </a:p>
+          <a:p>
+            <a:r>
               <a:rPr lang="en-US" dirty="0" err="1" smtClean="0"/>
-              <a:t>Heroku</a:t>
-            </a:r>
-            <a:r>
-              <a:rPr lang="en-US" dirty="0" smtClean="0"/>
-              <a:t> </a:t>
-            </a:r>
-          </a:p>
-          <a:p>
-            <a:r>
-              <a:rPr lang="en-US" dirty="0" smtClean="0"/>
-              <a:t>IBM </a:t>
-            </a:r>
-            <a:r>
-              <a:rPr lang="en-US" dirty="0" err="1" smtClean="0"/>
-              <a:t>Bluemix</a:t>
-            </a:r>
-            <a:endParaRPr lang="en-US" dirty="0" smtClean="0"/>
-          </a:p>
-          <a:p>
-            <a:r>
-              <a:rPr lang="en-US" dirty="0" err="1" smtClean="0"/>
-              <a:t>RedHat</a:t>
+              <a:t>Redhat</a:t>
             </a:r>
             <a:r>
               <a:rPr lang="en-US" dirty="0" smtClean="0"/>
@@ -4875,22 +4748,24 @@
           <a:p>
             <a:r>
               <a:rPr lang="en-US" dirty="0" smtClean="0"/>
-              <a:t>WSO2 Cloud</a:t>
-            </a:r>
-          </a:p>
-          <a:p>
+              <a:t>Apache </a:t>
+            </a:r>
             <a:r>
               <a:rPr lang="en-US" dirty="0" err="1" smtClean="0"/>
-              <a:t>EngineYard</a:t>
-            </a:r>
-            <a:endParaRPr lang="en-US" dirty="0" smtClean="0"/>
+              <a:t>Stratos</a:t>
+            </a:r>
+            <a:r>
+              <a:rPr lang="en-US" dirty="0" smtClean="0"/>
+              <a:t> </a:t>
+            </a:r>
+            <a:endParaRPr lang="en-US" dirty="0"/>
           </a:p>
         </p:txBody>
       </p:sp>
     </p:spTree>
     <p:extLst>
       <p:ext uri="{BB962C8B-B14F-4D97-AF65-F5344CB8AC3E}">
-        <p14:creationId xmlns:p14="http://schemas.microsoft.com/office/powerpoint/2010/main" val="1093062750"/>
+        <p14:creationId xmlns:p14="http://schemas.microsoft.com/office/powerpoint/2010/main" val="1388653344"/>
       </p:ext>
     </p:extLst>
   </p:cSld>
@@ -4933,16 +4808,8 @@
           <a:lstStyle/>
           <a:p>
             <a:r>
-              <a:rPr lang="en-US" dirty="0" smtClean="0"/>
-              <a:t>Private </a:t>
-            </a:r>
-            <a:r>
               <a:rPr lang="en-US" dirty="0" err="1" smtClean="0"/>
-              <a:t>PaaS</a:t>
-            </a:r>
-            <a:r>
-              <a:rPr lang="en-US" dirty="0" smtClean="0"/>
-              <a:t> options</a:t>
+              <a:t>Serverless</a:t>
             </a:r>
             <a:endParaRPr lang="en-US" dirty="0"/>
           </a:p>
@@ -4965,57 +4832,35 @@
           <a:p>
             <a:r>
               <a:rPr lang="en-US" dirty="0" smtClean="0"/>
-              <a:t>Pivotal </a:t>
-            </a:r>
-            <a:r>
-              <a:rPr lang="en-US" dirty="0" err="1" smtClean="0"/>
-              <a:t>CloudFoundry</a:t>
-            </a:r>
-            <a:endParaRPr lang="en-US" dirty="0" smtClean="0"/>
+              <a:t>Invisible infrastructure</a:t>
+            </a:r>
+          </a:p>
+          <a:p>
+            <a:r>
+              <a:rPr lang="en-US" dirty="0" smtClean="0"/>
+              <a:t>Not yet clearly defined, but centering around the concept of Function-as-a-Service</a:t>
+            </a:r>
           </a:p>
           <a:p>
             <a:pPr lvl="1"/>
             <a:r>
               <a:rPr lang="en-US" dirty="0" smtClean="0"/>
-              <a:t>The market leader</a:t>
-            </a:r>
-          </a:p>
-          <a:p>
-            <a:r>
-              <a:rPr lang="en-US" dirty="0" err="1" smtClean="0"/>
-              <a:t>Redhat</a:t>
-            </a:r>
-            <a:r>
-              <a:rPr lang="en-US" dirty="0" smtClean="0"/>
-              <a:t> </a:t>
-            </a:r>
-            <a:r>
-              <a:rPr lang="en-US" dirty="0" err="1" smtClean="0"/>
-              <a:t>OpenShift</a:t>
-            </a:r>
-            <a:endParaRPr lang="en-US" dirty="0" smtClean="0"/>
-          </a:p>
-          <a:p>
-            <a:r>
-              <a:rPr lang="en-US" dirty="0" smtClean="0"/>
-              <a:t>Apache </a:t>
-            </a:r>
-            <a:r>
-              <a:rPr lang="en-US" dirty="0" err="1" smtClean="0"/>
-              <a:t>Stratos</a:t>
-            </a:r>
-            <a:r>
-              <a:rPr lang="en-US" dirty="0" smtClean="0"/>
-              <a:t> </a:t>
-            </a:r>
-            <a:endParaRPr lang="en-US" dirty="0"/>
+              <a:t>E.g. AWS Lambda</a:t>
+            </a:r>
+          </a:p>
+          <a:p>
+            <a:pPr lvl="2"/>
+            <a:r>
+              <a:rPr lang="en-US" dirty="0" smtClean="0"/>
+              <a:t>Deploy a function that is fired when an event happens</a:t>
+            </a:r>
           </a:p>
         </p:txBody>
       </p:sp>
     </p:spTree>
     <p:extLst>
       <p:ext uri="{BB962C8B-B14F-4D97-AF65-F5344CB8AC3E}">
-        <p14:creationId xmlns:p14="http://schemas.microsoft.com/office/powerpoint/2010/main" val="1388653344"/>
+        <p14:creationId xmlns:p14="http://schemas.microsoft.com/office/powerpoint/2010/main" val="3295856607"/>
       </p:ext>
     </p:extLst>
   </p:cSld>
@@ -5059,40 +4904,79 @@
           <a:p>
             <a:r>
               <a:rPr lang="en-US" dirty="0" smtClean="0"/>
-              <a:t>Platform as a Service model</a:t>
+              <a:t>Amazon Lambda</a:t>
             </a:r>
             <a:endParaRPr lang="en-US" dirty="0"/>
           </a:p>
         </p:txBody>
       </p:sp>
-      <p:pic>
-        <p:nvPicPr>
-          <p:cNvPr id="4" name="Picture 3"/>
-          <p:cNvPicPr>
-            <a:picLocks noChangeAspect="1"/>
-          </p:cNvPicPr>
-          <p:nvPr/>
-        </p:nvPicPr>
-        <p:blipFill>
-          <a:blip r:embed="rId2"/>
-          <a:stretch>
-            <a:fillRect/>
-          </a:stretch>
-        </p:blipFill>
-        <p:spPr>
-          <a:xfrm>
-            <a:off x="730305" y="1218663"/>
-            <a:ext cx="7585836" cy="4807860"/>
-          </a:xfrm>
-          <a:prstGeom prst="rect">
-            <a:avLst/>
-          </a:prstGeom>
-        </p:spPr>
-      </p:pic>
+      <p:sp>
+        <p:nvSpPr>
+          <p:cNvPr id="3" name="Content Placeholder 2"/>
+          <p:cNvSpPr>
+            <a:spLocks noGrp="1"/>
+          </p:cNvSpPr>
+          <p:nvPr>
+            <p:ph idx="1"/>
+          </p:nvPr>
+        </p:nvSpPr>
+        <p:spPr/>
+        <p:txBody>
+          <a:bodyPr/>
+          <a:lstStyle/>
+          <a:p>
+            <a:r>
+              <a:rPr lang="en-US" dirty="0" err="1" smtClean="0"/>
+              <a:t>Serverless</a:t>
+            </a:r>
+            <a:r>
+              <a:rPr lang="en-US" dirty="0" smtClean="0"/>
+              <a:t> computing</a:t>
+            </a:r>
+          </a:p>
+          <a:p>
+            <a:pPr lvl="1"/>
+            <a:r>
+              <a:rPr lang="en-US" dirty="0" smtClean="0"/>
+              <a:t>Runs a small amount of code in response to an event</a:t>
+            </a:r>
+          </a:p>
+          <a:p>
+            <a:pPr lvl="1"/>
+            <a:r>
+              <a:rPr lang="en-US" dirty="0" smtClean="0"/>
+              <a:t>Billed in increments of 100 </a:t>
+            </a:r>
+            <a:r>
+              <a:rPr lang="en-US" dirty="0" err="1" smtClean="0"/>
+              <a:t>ms</a:t>
+            </a:r>
+            <a:endParaRPr lang="en-US" dirty="0" smtClean="0"/>
+          </a:p>
+          <a:p>
+            <a:pPr lvl="2"/>
+            <a:r>
+              <a:rPr lang="en-US" dirty="0" smtClean="0"/>
+              <a:t>Really pay as you go</a:t>
+            </a:r>
+          </a:p>
+          <a:p>
+            <a:pPr lvl="1"/>
+            <a:r>
+              <a:rPr lang="en-US" dirty="0" smtClean="0"/>
+              <a:t>Scalable (you don’t need to define servers)</a:t>
+            </a:r>
+          </a:p>
+          <a:p>
+            <a:pPr lvl="1"/>
+            <a:endParaRPr lang="en-US" dirty="0"/>
+          </a:p>
+        </p:txBody>
+      </p:sp>
     </p:spTree>
     <p:extLst>
       <p:ext uri="{BB962C8B-B14F-4D97-AF65-F5344CB8AC3E}">
-        <p14:creationId xmlns:p14="http://schemas.microsoft.com/office/powerpoint/2010/main" val="62200704"/>
+        <p14:creationId xmlns:p14="http://schemas.microsoft.com/office/powerpoint/2010/main" val="2723543644"/>
       </p:ext>
     </p:extLst>
   </p:cSld>
@@ -5135,107 +5019,6 @@
           <a:lstStyle/>
           <a:p>
             <a:r>
-              <a:rPr lang="en-US" dirty="0" err="1" smtClean="0"/>
-              <a:t>PaaS</a:t>
-            </a:r>
-            <a:r>
-              <a:rPr lang="en-US" dirty="0" smtClean="0"/>
-              <a:t> and Containers</a:t>
-            </a:r>
-            <a:endParaRPr lang="en-US" dirty="0"/>
-          </a:p>
-        </p:txBody>
-      </p:sp>
-      <p:sp>
-        <p:nvSpPr>
-          <p:cNvPr id="3" name="Content Placeholder 2"/>
-          <p:cNvSpPr>
-            <a:spLocks noGrp="1"/>
-          </p:cNvSpPr>
-          <p:nvPr>
-            <p:ph idx="1"/>
-          </p:nvPr>
-        </p:nvSpPr>
-        <p:spPr/>
-        <p:txBody>
-          <a:bodyPr/>
-          <a:lstStyle/>
-          <a:p>
-            <a:pPr marL="0" indent="0">
-              <a:buNone/>
-            </a:pPr>
-            <a:endParaRPr lang="en-US" dirty="0" smtClean="0"/>
-          </a:p>
-          <a:p>
-            <a:pPr marL="0" indent="0">
-              <a:buNone/>
-            </a:pPr>
-            <a:endParaRPr lang="en-US" dirty="0"/>
-          </a:p>
-          <a:p>
-            <a:pPr marL="0" indent="0">
-              <a:buNone/>
-            </a:pPr>
-            <a:endParaRPr lang="en-US" dirty="0" smtClean="0"/>
-          </a:p>
-          <a:p>
-            <a:pPr marL="0" indent="0">
-              <a:buNone/>
-            </a:pPr>
-            <a:r>
-              <a:rPr lang="en-US" dirty="0" smtClean="0"/>
-              <a:t>To be covered more later!</a:t>
-            </a:r>
-            <a:endParaRPr lang="en-US" dirty="0"/>
-          </a:p>
-        </p:txBody>
-      </p:sp>
-    </p:spTree>
-    <p:extLst>
-      <p:ext uri="{BB962C8B-B14F-4D97-AF65-F5344CB8AC3E}">
-        <p14:creationId xmlns:p14="http://schemas.microsoft.com/office/powerpoint/2010/main" val="2742401087"/>
-      </p:ext>
-    </p:extLst>
-  </p:cSld>
-  <p:clrMapOvr>
-    <a:masterClrMapping/>
-  </p:clrMapOvr>
-</p:sld>
-</file>
-
-<file path=ppt/slides/slide18.xml><?xml version="1.0" encoding="utf-8"?>
-<p:sld xmlns:a="http://schemas.openxmlformats.org/drawingml/2006/main" xmlns:r="http://schemas.openxmlformats.org/officeDocument/2006/relationships" xmlns:p="http://schemas.openxmlformats.org/presentationml/2006/main">
-  <p:cSld>
-    <p:spTree>
-      <p:nvGrpSpPr>
-        <p:cNvPr id="1" name=""/>
-        <p:cNvGrpSpPr/>
-        <p:nvPr/>
-      </p:nvGrpSpPr>
-      <p:grpSpPr>
-        <a:xfrm>
-          <a:off x="0" y="0"/>
-          <a:ext cx="0" cy="0"/>
-          <a:chOff x="0" y="0"/>
-          <a:chExt cx="0" cy="0"/>
-        </a:xfrm>
-      </p:grpSpPr>
-      <p:sp>
-        <p:nvSpPr>
-          <p:cNvPr id="2" name="Title 1"/>
-          <p:cNvSpPr>
-            <a:spLocks noGrp="1"/>
-          </p:cNvSpPr>
-          <p:nvPr>
-            <p:ph type="title"/>
-          </p:nvPr>
-        </p:nvSpPr>
-        <p:spPr/>
-        <p:txBody>
-          <a:bodyPr/>
-          <a:lstStyle/>
-          <a:p>
-            <a:r>
               <a:rPr lang="en-US" dirty="0" smtClean="0"/>
               <a:t>Back to Amazon AWS</a:t>
             </a:r>
@@ -5323,7 +5106,7 @@
 </p:sld>
 </file>
 
-<file path=ppt/slides/slide19.xml><?xml version="1.0" encoding="utf-8"?>
+<file path=ppt/slides/slide18.xml><?xml version="1.0" encoding="utf-8"?>
 <p:sld xmlns:a="http://schemas.openxmlformats.org/drawingml/2006/main" xmlns:r="http://schemas.openxmlformats.org/officeDocument/2006/relationships" xmlns:p="http://schemas.openxmlformats.org/presentationml/2006/main">
   <p:cSld>
     <p:spTree>
@@ -5400,6 +5183,59 @@
 </p:sld>
 </file>
 
+<file path=ppt/slides/slide19.xml><?xml version="1.0" encoding="utf-8"?>
+<p:sld xmlns:a="http://schemas.openxmlformats.org/drawingml/2006/main" xmlns:r="http://schemas.openxmlformats.org/officeDocument/2006/relationships" xmlns:p="http://schemas.openxmlformats.org/presentationml/2006/main">
+  <p:cSld>
+    <p:spTree>
+      <p:nvGrpSpPr>
+        <p:cNvPr id="1" name=""/>
+        <p:cNvGrpSpPr/>
+        <p:nvPr/>
+      </p:nvGrpSpPr>
+      <p:grpSpPr>
+        <a:xfrm>
+          <a:off x="0" y="0"/>
+          <a:ext cx="0" cy="0"/>
+          <a:chOff x="0" y="0"/>
+          <a:chExt cx="0" cy="0"/>
+        </a:xfrm>
+      </p:grpSpPr>
+      <p:sp>
+        <p:nvSpPr>
+          <p:cNvPr id="2" name="Title 1"/>
+          <p:cNvSpPr>
+            <a:spLocks noGrp="1"/>
+          </p:cNvSpPr>
+          <p:nvPr>
+            <p:ph type="title"/>
+          </p:nvPr>
+        </p:nvSpPr>
+        <p:spPr/>
+        <p:txBody>
+          <a:bodyPr/>
+          <a:lstStyle/>
+          <a:p>
+            <a:r>
+              <a:rPr lang="en-US" dirty="0" smtClean="0"/>
+              <a:t>Amazon EC2 demo</a:t>
+            </a:r>
+            <a:endParaRPr lang="en-US" dirty="0"/>
+          </a:p>
+        </p:txBody>
+      </p:sp>
+    </p:spTree>
+    <p:extLst>
+      <p:ext uri="{BB962C8B-B14F-4D97-AF65-F5344CB8AC3E}">
+        <p14:creationId xmlns:p14="http://schemas.microsoft.com/office/powerpoint/2010/main" val="3430276963"/>
+      </p:ext>
+    </p:extLst>
+  </p:cSld>
+  <p:clrMapOvr>
+    <a:masterClrMapping/>
+  </p:clrMapOvr>
+</p:sld>
+</file>
+
 <file path=ppt/slides/slide2.xml><?xml version="1.0" encoding="utf-8"?>
 <p:sld xmlns:a="http://schemas.openxmlformats.org/drawingml/2006/main" xmlns:r="http://schemas.openxmlformats.org/officeDocument/2006/relationships" xmlns:p="http://schemas.openxmlformats.org/presentationml/2006/main">
   <p:cSld>
@@ -5419,7 +5255,7 @@
       </p:grpSpPr>
       <p:sp>
         <p:nvSpPr>
-          <p:cNvPr id="4097" name="Title 1"/>
+          <p:cNvPr id="2" name="Title 1"/>
           <p:cNvSpPr>
             <a:spLocks noGrp="1"/>
           </p:cNvSpPr>
@@ -5427,54 +5263,24 @@
             <p:ph type="title"/>
           </p:nvPr>
         </p:nvSpPr>
-        <p:spPr bwMode="auto">
-          <a:noFill/>
-          <a:extLst>
-            <a:ext uri="{909E8E84-426E-40dd-AFC4-6F175D3DCCD1}">
-              <a14:hiddenFill xmlns:a14="http://schemas.microsoft.com/office/drawing/2010/main">
-                <a:solidFill>
-                  <a:srgbClr val="FFFFFF"/>
-                </a:solidFill>
-              </a14:hiddenFill>
-            </a:ext>
-            <a:ext uri="{91240B29-F687-4f45-9708-019B960494DF}">
-              <a14:hiddenLine xmlns:a14="http://schemas.microsoft.com/office/drawing/2010/main" w="9525">
-                <a:solidFill>
-                  <a:srgbClr val="000000"/>
-                </a:solidFill>
-                <a:miter lim="800000"/>
-                <a:headEnd/>
-                <a:tailEnd/>
-              </a14:hiddenLine>
-            </a:ext>
-          </a:extLst>
-        </p:spPr>
-        <p:txBody>
-          <a:bodyPr wrap="square" lIns="64291" tIns="32146" rIns="64291" bIns="32146" numCol="1" anchor="t" anchorCtr="0" compatLnSpc="1">
-            <a:prstTxWarp prst="textNoShape">
-              <a:avLst/>
-            </a:prstTxWarp>
+        <p:spPr/>
+        <p:txBody>
+          <a:bodyPr>
+            <a:normAutofit fontScale="90000"/>
           </a:bodyPr>
           <a:lstStyle/>
           <a:p>
-            <a:pPr eaLnBrk="1" hangingPunct="1"/>
-            <a:r>
-              <a:rPr lang="en-US" dirty="0" smtClean="0">
-                <a:ea typeface="ヒラギノ角ゴ ProN W3" charset="0"/>
-                <a:cs typeface="ヒラギノ角ゴ ProN W3" charset="0"/>
-              </a:rPr>
-              <a:t>Contents</a:t>
-            </a:r>
-            <a:endParaRPr lang="en-US" dirty="0">
-              <a:ea typeface="ヒラギノ角ゴ ProN W3" charset="0"/>
-              <a:cs typeface="ヒラギノ角ゴ ProN W3" charset="0"/>
-            </a:endParaRPr>
-          </a:p>
-        </p:txBody>
-      </p:sp>
-      <p:sp>
-        <p:nvSpPr>
-          <p:cNvPr id="4098" name="Content Placeholder 2"/>
+            <a:r>
+              <a:rPr lang="en-US" dirty="0" smtClean="0"/>
+              <a:t>Capabilities offered as-a-Service</a:t>
+            </a:r>
+            <a:endParaRPr lang="en-US" dirty="0"/>
+          </a:p>
+        </p:txBody>
+      </p:sp>
+      <p:sp>
+        <p:nvSpPr>
+          <p:cNvPr id="3" name="Content Placeholder 2"/>
           <p:cNvSpPr>
             <a:spLocks noGrp="1"/>
           </p:cNvSpPr>
@@ -5482,165 +5288,117 @@
             <p:ph idx="1"/>
           </p:nvPr>
         </p:nvSpPr>
-        <p:spPr bwMode="auto">
-          <a:noFill/>
-          <a:extLst>
-            <a:ext uri="{909E8E84-426E-40dd-AFC4-6F175D3DCCD1}">
-              <a14:hiddenFill xmlns:a14="http://schemas.microsoft.com/office/drawing/2010/main">
-                <a:solidFill>
-                  <a:srgbClr val="FFFFFF"/>
-                </a:solidFill>
-              </a14:hiddenFill>
-            </a:ext>
-            <a:ext uri="{91240B29-F687-4f45-9708-019B960494DF}">
-              <a14:hiddenLine xmlns:a14="http://schemas.microsoft.com/office/drawing/2010/main" w="9525">
-                <a:solidFill>
-                  <a:srgbClr val="000000"/>
-                </a:solidFill>
-                <a:miter lim="800000"/>
-                <a:headEnd/>
-                <a:tailEnd/>
-              </a14:hiddenLine>
-            </a:ext>
-          </a:extLst>
-        </p:spPr>
-        <p:txBody>
-          <a:bodyPr wrap="square" lIns="64291" tIns="32146" rIns="64291" bIns="32146" numCol="1" anchor="t" anchorCtr="0" compatLnSpc="1">
-            <a:prstTxWarp prst="textNoShape">
-              <a:avLst/>
-            </a:prstTxWarp>
+        <p:spPr/>
+        <p:txBody>
+          <a:bodyPr>
+            <a:normAutofit fontScale="92500" lnSpcReduction="10000"/>
           </a:bodyPr>
           <a:lstStyle/>
           <a:p>
-            <a:pPr eaLnBrk="1" hangingPunct="1"/>
-            <a:r>
-              <a:rPr lang="en-US" dirty="0" err="1" smtClean="0">
-                <a:ea typeface="ヒラギノ角ゴ ProN W3" charset="0"/>
-                <a:cs typeface="ヒラギノ角ゴ ProN W3" charset="0"/>
-              </a:rPr>
-              <a:t>IaaS</a:t>
-            </a:r>
-            <a:r>
-              <a:rPr lang="en-US" dirty="0" smtClean="0">
-                <a:ea typeface="ヒラギノ角ゴ ProN W3" charset="0"/>
-                <a:cs typeface="ヒラギノ角ゴ ProN W3" charset="0"/>
-              </a:rPr>
-              <a:t> / </a:t>
-            </a:r>
-            <a:r>
-              <a:rPr lang="en-US" dirty="0" err="1" smtClean="0">
-                <a:ea typeface="ヒラギノ角ゴ ProN W3" charset="0"/>
-                <a:cs typeface="ヒラギノ角ゴ ProN W3" charset="0"/>
-              </a:rPr>
-              <a:t>PaaS</a:t>
-            </a:r>
-            <a:r>
-              <a:rPr lang="en-US" dirty="0" smtClean="0">
-                <a:ea typeface="ヒラギノ角ゴ ProN W3" charset="0"/>
-                <a:cs typeface="ヒラギノ角ゴ ProN W3" charset="0"/>
-              </a:rPr>
-              <a:t> / </a:t>
-            </a:r>
-            <a:r>
-              <a:rPr lang="en-US" dirty="0" err="1" smtClean="0">
-                <a:ea typeface="ヒラギノ角ゴ ProN W3" charset="0"/>
-                <a:cs typeface="ヒラギノ角ゴ ProN W3" charset="0"/>
-              </a:rPr>
-              <a:t>SaaS</a:t>
-            </a:r>
-            <a:endParaRPr lang="en-US" dirty="0" smtClean="0">
-              <a:ea typeface="ヒラギノ角ゴ ProN W3" charset="0"/>
-              <a:cs typeface="ヒラギノ角ゴ ProN W3" charset="0"/>
-            </a:endParaRPr>
-          </a:p>
-          <a:p>
-            <a:pPr eaLnBrk="1" hangingPunct="1"/>
-            <a:r>
-              <a:rPr lang="en-US" dirty="0" smtClean="0">
-                <a:ea typeface="ヒラギノ角ゴ ProN W3" charset="0"/>
-                <a:cs typeface="ヒラギノ角ゴ ProN W3" charset="0"/>
-              </a:rPr>
-              <a:t>Using </a:t>
-            </a:r>
-            <a:r>
-              <a:rPr lang="en-US" dirty="0" err="1" smtClean="0">
-                <a:ea typeface="ヒラギノ角ゴ ProN W3" charset="0"/>
-                <a:cs typeface="ヒラギノ角ゴ ProN W3" charset="0"/>
-              </a:rPr>
-              <a:t>IaaS</a:t>
-            </a:r>
-            <a:endParaRPr lang="en-US" dirty="0" smtClean="0">
-              <a:ea typeface="ヒラギノ角ゴ ProN W3" charset="0"/>
-              <a:cs typeface="ヒラギノ角ゴ ProN W3" charset="0"/>
-            </a:endParaRPr>
-          </a:p>
-          <a:p>
-            <a:pPr eaLnBrk="1" hangingPunct="1"/>
-            <a:r>
-              <a:rPr lang="en-US" dirty="0" smtClean="0">
-                <a:ea typeface="ヒラギノ角ゴ ProN W3" charset="0"/>
-                <a:cs typeface="ヒラギノ角ゴ ProN W3" charset="0"/>
-              </a:rPr>
-              <a:t>Tools</a:t>
-            </a:r>
-          </a:p>
-          <a:p>
-            <a:pPr eaLnBrk="1" hangingPunct="1"/>
-            <a:r>
-              <a:rPr lang="en-US" dirty="0" smtClean="0">
-                <a:ea typeface="ヒラギノ角ゴ ProN W3" charset="0"/>
-                <a:cs typeface="ヒラギノ角ゴ ProN W3" charset="0"/>
-              </a:rPr>
-              <a:t>Using </a:t>
-            </a:r>
-            <a:r>
-              <a:rPr lang="en-US" dirty="0" err="1" smtClean="0">
-                <a:ea typeface="ヒラギノ角ゴ ProN W3" charset="0"/>
-                <a:cs typeface="ヒラギノ角ゴ ProN W3" charset="0"/>
-              </a:rPr>
-              <a:t>PaaS</a:t>
-            </a:r>
-            <a:endParaRPr lang="en-US" dirty="0" smtClean="0">
-              <a:ea typeface="ヒラギノ角ゴ ProN W3" charset="0"/>
-              <a:cs typeface="ヒラギノ角ゴ ProN W3" charset="0"/>
-            </a:endParaRPr>
-          </a:p>
-          <a:p>
-            <a:pPr marL="0" indent="0" eaLnBrk="1" hangingPunct="1">
-              <a:buNone/>
-            </a:pPr>
-            <a:endParaRPr lang="en-US" dirty="0" smtClean="0">
-              <a:ea typeface="ヒラギノ角ゴ ProN W3" charset="0"/>
-              <a:cs typeface="ヒラギノ角ゴ ProN W3" charset="0"/>
-            </a:endParaRPr>
+            <a:r>
+              <a:rPr lang="en-US" dirty="0" smtClean="0"/>
+              <a:t>Software-as-a-Service</a:t>
+            </a:r>
+          </a:p>
+          <a:p>
+            <a:pPr lvl="1"/>
+            <a:r>
+              <a:rPr lang="en-US" dirty="0" err="1" smtClean="0"/>
+              <a:t>Salesforce</a:t>
+            </a:r>
+            <a:r>
+              <a:rPr lang="en-US" dirty="0" smtClean="0"/>
+              <a:t>, </a:t>
+            </a:r>
+            <a:r>
+              <a:rPr lang="en-US" dirty="0" err="1" smtClean="0"/>
+              <a:t>Quickbooks</a:t>
+            </a:r>
+            <a:r>
+              <a:rPr lang="en-US" dirty="0" smtClean="0"/>
+              <a:t> Online, Gmail, </a:t>
+            </a:r>
+            <a:r>
+              <a:rPr lang="en-US" dirty="0" err="1" smtClean="0"/>
+              <a:t>Gdrive</a:t>
+            </a:r>
+            <a:r>
+              <a:rPr lang="en-US" dirty="0" smtClean="0"/>
+              <a:t>, Office 365, </a:t>
+            </a:r>
+            <a:r>
+              <a:rPr lang="en-US" dirty="0" err="1" smtClean="0"/>
+              <a:t>etc</a:t>
+            </a:r>
+            <a:endParaRPr lang="en-US" dirty="0" smtClean="0"/>
+          </a:p>
+          <a:p>
+            <a:r>
+              <a:rPr lang="en-US" dirty="0" smtClean="0"/>
+              <a:t>Infrastructure-as-a-Service</a:t>
+            </a:r>
+          </a:p>
+          <a:p>
+            <a:pPr lvl="1"/>
+            <a:r>
+              <a:rPr lang="en-US" dirty="0" smtClean="0"/>
+              <a:t>CPUs, Memory, Disk, Networks, Firewalls, </a:t>
+            </a:r>
+            <a:r>
+              <a:rPr lang="en-US" dirty="0" err="1" smtClean="0"/>
+              <a:t>etc</a:t>
+            </a:r>
+            <a:endParaRPr lang="en-US" dirty="0" smtClean="0"/>
+          </a:p>
+          <a:p>
+            <a:pPr lvl="1"/>
+            <a:r>
+              <a:rPr lang="en-US" dirty="0" smtClean="0"/>
+              <a:t>Amazon AWS, </a:t>
+            </a:r>
+            <a:r>
+              <a:rPr lang="en-US" dirty="0" err="1" smtClean="0"/>
+              <a:t>Joyent</a:t>
+            </a:r>
+            <a:r>
+              <a:rPr lang="en-US" dirty="0" smtClean="0"/>
+              <a:t>, Microsoft Azure, IBM </a:t>
+            </a:r>
+            <a:r>
+              <a:rPr lang="en-US" dirty="0" err="1" smtClean="0"/>
+              <a:t>Softlayer</a:t>
+            </a:r>
+            <a:r>
+              <a:rPr lang="en-US" dirty="0" smtClean="0"/>
+              <a:t>, Rackspace, Google Compute Engine</a:t>
+            </a:r>
+          </a:p>
+          <a:p>
+            <a:r>
+              <a:rPr lang="en-US" dirty="0" smtClean="0"/>
+              <a:t>Platform-as-a-Service</a:t>
+            </a:r>
+          </a:p>
+          <a:p>
+            <a:pPr lvl="1"/>
+            <a:r>
+              <a:rPr lang="en-US" dirty="0" smtClean="0"/>
+              <a:t>Somewhere between!</a:t>
+            </a:r>
+            <a:endParaRPr lang="en-US" dirty="0"/>
           </a:p>
         </p:txBody>
       </p:sp>
     </p:spTree>
     <p:extLst>
       <p:ext uri="{BB962C8B-B14F-4D97-AF65-F5344CB8AC3E}">
-        <p14:creationId xmlns:p14="http://schemas.microsoft.com/office/powerpoint/2010/main" val="2985350885"/>
+        <p14:creationId xmlns:p14="http://schemas.microsoft.com/office/powerpoint/2010/main" val="2835123668"/>
       </p:ext>
     </p:extLst>
   </p:cSld>
   <p:clrMapOvr>
     <a:masterClrMapping/>
   </p:clrMapOvr>
-  <mc:AlternateContent xmlns:mc="http://schemas.openxmlformats.org/markup-compatibility/2006" xmlns:p14="http://schemas.microsoft.com/office/powerpoint/2010/main">
-    <mc:Choice Requires="p14">
-      <p:transition spd="slow" p14:dur="2000"/>
-    </mc:Choice>
-    <mc:Fallback xmlns="">
-      <p:transition xmlns:p14="http://schemas.microsoft.com/office/powerpoint/2010/main" spd="slow"/>
-    </mc:Fallback>
-  </mc:AlternateContent>
-  <p:timing>
-    <p:tnLst>
-      <p:par>
-        <p:cTn xmlns:p14="http://schemas.microsoft.com/office/powerpoint/2010/main" id="1" dur="indefinite" restart="never" nodeType="tmRoot"/>
-      </p:par>
-    </p:tnLst>
-  </p:timing>
 </p:sld>
 </file>
 
@@ -5678,7 +5436,78 @@
           <a:p>
             <a:r>
               <a:rPr lang="en-US" dirty="0" smtClean="0"/>
-              <a:t>Amazon EC2 demo</a:t>
+              <a:t>Main EC2 components</a:t>
+            </a:r>
+            <a:endParaRPr lang="en-US" dirty="0"/>
+          </a:p>
+        </p:txBody>
+      </p:sp>
+      <p:sp>
+        <p:nvSpPr>
+          <p:cNvPr id="3" name="Content Placeholder 2"/>
+          <p:cNvSpPr>
+            <a:spLocks noGrp="1"/>
+          </p:cNvSpPr>
+          <p:nvPr>
+            <p:ph idx="1"/>
+          </p:nvPr>
+        </p:nvSpPr>
+        <p:spPr/>
+        <p:txBody>
+          <a:bodyPr>
+            <a:normAutofit lnSpcReduction="10000"/>
+          </a:bodyPr>
+          <a:lstStyle/>
+          <a:p>
+            <a:r>
+              <a:rPr lang="en-US" dirty="0" smtClean="0"/>
+              <a:t>Instances</a:t>
+            </a:r>
+          </a:p>
+          <a:p>
+            <a:pPr lvl="1"/>
+            <a:r>
+              <a:rPr lang="en-US" dirty="0" smtClean="0"/>
+              <a:t>Your virtual computers</a:t>
+            </a:r>
+          </a:p>
+          <a:p>
+            <a:r>
+              <a:rPr lang="en-US" dirty="0" smtClean="0"/>
+              <a:t>Volumes (EBS)</a:t>
+            </a:r>
+          </a:p>
+          <a:p>
+            <a:pPr lvl="1"/>
+            <a:r>
+              <a:rPr lang="en-US" dirty="0" smtClean="0"/>
+              <a:t>Disk drives</a:t>
+            </a:r>
+          </a:p>
+          <a:p>
+            <a:r>
+              <a:rPr lang="en-US" dirty="0" smtClean="0"/>
+              <a:t>Elastic IPs</a:t>
+            </a:r>
+          </a:p>
+          <a:p>
+            <a:pPr lvl="1"/>
+            <a:r>
+              <a:rPr lang="en-US" dirty="0" smtClean="0"/>
+              <a:t>Specific IP address that can be assigned to systems</a:t>
+            </a:r>
+          </a:p>
+          <a:p>
+            <a:r>
+              <a:rPr lang="en-US" dirty="0" smtClean="0"/>
+              <a:t>Security Groups</a:t>
+            </a:r>
+          </a:p>
+          <a:p>
+            <a:pPr lvl="1"/>
+            <a:r>
+              <a:rPr lang="en-US" dirty="0" smtClean="0"/>
+              <a:t>Sets of firewall rules</a:t>
             </a:r>
             <a:endParaRPr lang="en-US" dirty="0"/>
           </a:p>
@@ -5687,7 +5516,7 @@
     </p:spTree>
     <p:extLst>
       <p:ext uri="{BB962C8B-B14F-4D97-AF65-F5344CB8AC3E}">
-        <p14:creationId xmlns:p14="http://schemas.microsoft.com/office/powerpoint/2010/main" val="3430276963"/>
+        <p14:creationId xmlns:p14="http://schemas.microsoft.com/office/powerpoint/2010/main" val="3466883707"/>
       </p:ext>
     </p:extLst>
   </p:cSld>
@@ -5731,7 +5560,7 @@
           <a:p>
             <a:r>
               <a:rPr lang="en-US" dirty="0" smtClean="0"/>
-              <a:t>Main EC2 components</a:t>
+              <a:t>More components	</a:t>
             </a:r>
             <a:endParaRPr lang="en-US" dirty="0"/>
           </a:p>
@@ -5750,60 +5579,82 @@
         <p:spPr/>
         <p:txBody>
           <a:bodyPr>
-            <a:normAutofit lnSpcReduction="10000"/>
+            <a:normAutofit fontScale="92500" lnSpcReduction="20000"/>
           </a:bodyPr>
           <a:lstStyle/>
           <a:p>
             <a:r>
               <a:rPr lang="en-US" dirty="0" smtClean="0"/>
-              <a:t>Instances</a:t>
+              <a:t>Virtual Private Cloud (VPC)</a:t>
             </a:r>
           </a:p>
           <a:p>
             <a:pPr lvl="1"/>
             <a:r>
               <a:rPr lang="en-US" dirty="0" smtClean="0"/>
-              <a:t>Your virtual computers</a:t>
-            </a:r>
-          </a:p>
-          <a:p>
-            <a:r>
-              <a:rPr lang="en-US" dirty="0" smtClean="0"/>
-              <a:t>Volumes (EBS)</a:t>
-            </a:r>
+              <a:t>A secure subnet for your instances which can be </a:t>
+            </a:r>
+            <a:r>
+              <a:rPr lang="en-US" dirty="0" err="1" smtClean="0"/>
+              <a:t>VPNed</a:t>
+            </a:r>
+            <a:r>
+              <a:rPr lang="en-US" dirty="0" smtClean="0"/>
+              <a:t> to/from your own </a:t>
+            </a:r>
+            <a:r>
+              <a:rPr lang="en-US" dirty="0" err="1" smtClean="0"/>
+              <a:t>datacentre</a:t>
+            </a:r>
+            <a:endParaRPr lang="en-US" dirty="0" smtClean="0"/>
           </a:p>
           <a:p>
             <a:pPr lvl="1"/>
             <a:r>
               <a:rPr lang="en-US" dirty="0" smtClean="0"/>
-              <a:t>Disk drives</a:t>
-            </a:r>
-          </a:p>
-          <a:p>
-            <a:r>
-              <a:rPr lang="en-US" dirty="0" smtClean="0"/>
-              <a:t>Elastic IPs</a:t>
+              <a:t>Includes/requires an Internet Gateway for creating public services</a:t>
+            </a:r>
+          </a:p>
+          <a:p>
+            <a:r>
+              <a:rPr lang="en-US" dirty="0" smtClean="0"/>
+              <a:t>Load Balancers</a:t>
             </a:r>
           </a:p>
           <a:p>
             <a:pPr lvl="1"/>
             <a:r>
               <a:rPr lang="en-US" dirty="0" smtClean="0"/>
-              <a:t>Specific IP address that can be assigned to systems</a:t>
-            </a:r>
-          </a:p>
-          <a:p>
-            <a:r>
-              <a:rPr lang="en-US" dirty="0" smtClean="0"/>
-              <a:t>Security Groups</a:t>
+              <a:t>Network load-balancing system</a:t>
+            </a:r>
+          </a:p>
+          <a:p>
+            <a:r>
+              <a:rPr lang="en-US" dirty="0" smtClean="0"/>
+              <a:t>Key pairs</a:t>
             </a:r>
           </a:p>
           <a:p>
             <a:pPr lvl="1"/>
             <a:r>
               <a:rPr lang="en-US" dirty="0" smtClean="0"/>
-              <a:t>Sets of firewall rules</a:t>
-            </a:r>
+              <a:t>Security tokens for managing access</a:t>
+            </a:r>
+          </a:p>
+          <a:p>
+            <a:r>
+              <a:rPr lang="en-US" dirty="0" smtClean="0"/>
+              <a:t>Route 53</a:t>
+            </a:r>
+          </a:p>
+          <a:p>
+            <a:pPr lvl="1"/>
+            <a:r>
+              <a:rPr lang="en-US" dirty="0" smtClean="0"/>
+              <a:t>Amazon’s DNS system</a:t>
+            </a:r>
+          </a:p>
+          <a:p>
             <a:endParaRPr lang="en-US" dirty="0"/>
           </a:p>
         </p:txBody>
@@ -5811,7 +5662,7 @@
     </p:spTree>
     <p:extLst>
       <p:ext uri="{BB962C8B-B14F-4D97-AF65-F5344CB8AC3E}">
-        <p14:creationId xmlns:p14="http://schemas.microsoft.com/office/powerpoint/2010/main" val="3466883707"/>
+        <p14:creationId xmlns:p14="http://schemas.microsoft.com/office/powerpoint/2010/main" val="154783593"/>
       </p:ext>
     </p:extLst>
   </p:cSld>
@@ -5855,7 +5706,7 @@
           <a:p>
             <a:r>
               <a:rPr lang="en-US" dirty="0" smtClean="0"/>
-              <a:t>More components	</a:t>
+              <a:t>Other cool AWS stuff</a:t>
             </a:r>
             <a:endParaRPr lang="en-US" dirty="0"/>
           </a:p>
@@ -5873,91 +5724,59 @@
         </p:nvSpPr>
         <p:spPr/>
         <p:txBody>
-          <a:bodyPr>
-            <a:normAutofit fontScale="92500" lnSpcReduction="20000"/>
-          </a:bodyPr>
+          <a:bodyPr/>
           <a:lstStyle/>
           <a:p>
             <a:r>
               <a:rPr lang="en-US" dirty="0" smtClean="0"/>
-              <a:t>Virtual Private Cloud (VPC)</a:t>
-            </a:r>
-          </a:p>
-          <a:p>
-            <a:pPr lvl="1"/>
-            <a:r>
-              <a:rPr lang="en-US" dirty="0" smtClean="0"/>
-              <a:t>A secure subnet for your instances which can be </a:t>
+              <a:t>AWS </a:t>
             </a:r>
             <a:r>
               <a:rPr lang="en-US" dirty="0" err="1" smtClean="0"/>
-              <a:t>VPNed</a:t>
-            </a:r>
-            <a:r>
-              <a:rPr lang="en-US" dirty="0" smtClean="0"/>
-              <a:t> to/from your own </a:t>
-            </a:r>
-            <a:r>
-              <a:rPr lang="en-US" dirty="0" err="1" smtClean="0"/>
-              <a:t>datacentre</a:t>
+              <a:t>IoT</a:t>
+            </a:r>
+            <a:r>
+              <a:rPr lang="en-US" dirty="0" smtClean="0"/>
+              <a:t> management </a:t>
+            </a:r>
+          </a:p>
+          <a:p>
+            <a:r>
+              <a:rPr lang="en-US" dirty="0" smtClean="0"/>
+              <a:t>Code tools</a:t>
+            </a:r>
+          </a:p>
+          <a:p>
+            <a:r>
+              <a:rPr lang="en-US" dirty="0" smtClean="0"/>
+              <a:t>Management</a:t>
+            </a:r>
+          </a:p>
+          <a:p>
+            <a:r>
+              <a:rPr lang="en-US" dirty="0" smtClean="0"/>
+              <a:t>Analytics</a:t>
+            </a:r>
+          </a:p>
+          <a:p>
+            <a:r>
+              <a:rPr lang="en-US" dirty="0" smtClean="0"/>
+              <a:t>API Gateway</a:t>
+            </a:r>
+          </a:p>
+          <a:p>
+            <a:r>
+              <a:rPr lang="en-US" smtClean="0"/>
+              <a:t>Machine Learning</a:t>
             </a:r>
             <a:endParaRPr lang="en-US" dirty="0" smtClean="0"/>
-          </a:p>
-          <a:p>
-            <a:pPr lvl="1"/>
-            <a:r>
-              <a:rPr lang="en-US" dirty="0" smtClean="0"/>
-              <a:t>Includes/requires an Internet Gateway for creating public services</a:t>
-            </a:r>
-          </a:p>
-          <a:p>
-            <a:r>
-              <a:rPr lang="en-US" dirty="0" smtClean="0"/>
-              <a:t>Load Balancers</a:t>
-            </a:r>
-          </a:p>
-          <a:p>
-            <a:pPr lvl="1"/>
-            <a:r>
-              <a:rPr lang="en-US" dirty="0" smtClean="0"/>
-              <a:t>Network load-balancing system</a:t>
-            </a:r>
-          </a:p>
-          <a:p>
-            <a:r>
-              <a:rPr lang="en-US" dirty="0" smtClean="0"/>
-              <a:t>Key pairs</a:t>
-            </a:r>
-          </a:p>
-          <a:p>
-            <a:pPr lvl="1"/>
-            <a:r>
-              <a:rPr lang="en-US" dirty="0" smtClean="0"/>
-              <a:t>Security tokens for managing access</a:t>
-            </a:r>
-          </a:p>
-          <a:p>
-            <a:r>
-              <a:rPr lang="en-US" dirty="0" smtClean="0"/>
-              <a:t>Route 53</a:t>
-            </a:r>
-          </a:p>
-          <a:p>
-            <a:pPr lvl="1"/>
-            <a:r>
-              <a:rPr lang="en-US" dirty="0" smtClean="0"/>
-              <a:t>Amazon’s DNS system</a:t>
-            </a:r>
-          </a:p>
-          <a:p>
-            <a:endParaRPr lang="en-US" dirty="0"/>
           </a:p>
         </p:txBody>
       </p:sp>
     </p:spTree>
     <p:extLst>
       <p:ext uri="{BB962C8B-B14F-4D97-AF65-F5344CB8AC3E}">
-        <p14:creationId xmlns:p14="http://schemas.microsoft.com/office/powerpoint/2010/main" val="154783593"/>
+        <p14:creationId xmlns:p14="http://schemas.microsoft.com/office/powerpoint/2010/main" val="797539411"/>
       </p:ext>
     </p:extLst>
   </p:cSld>
@@ -6001,7 +5820,7 @@
           <a:p>
             <a:r>
               <a:rPr lang="en-US" dirty="0" smtClean="0"/>
-              <a:t>Amazon Lambda</a:t>
+              <a:t>Important</a:t>
             </a:r>
             <a:endParaRPr lang="en-US" dirty="0"/>
           </a:p>
@@ -6019,53 +5838,68 @@
         </p:nvSpPr>
         <p:spPr/>
         <p:txBody>
-          <a:bodyPr/>
+          <a:bodyPr>
+            <a:normAutofit lnSpcReduction="10000"/>
+          </a:bodyPr>
           <a:lstStyle/>
           <a:p>
             <a:r>
-              <a:rPr lang="en-US" dirty="0" err="1" smtClean="0"/>
-              <a:t>Serverless</a:t>
-            </a:r>
-            <a:r>
-              <a:rPr lang="en-US" dirty="0" smtClean="0"/>
-              <a:t> computing</a:t>
-            </a:r>
+              <a:rPr lang="en-US" dirty="0" smtClean="0"/>
+              <a:t>There is a difference between </a:t>
+            </a:r>
+            <a:r>
+              <a:rPr lang="en-US" b="1" dirty="0" smtClean="0"/>
+              <a:t>stopping</a:t>
+            </a:r>
+            <a:r>
+              <a:rPr lang="en-US" dirty="0" smtClean="0"/>
+              <a:t> an instance and </a:t>
+            </a:r>
+            <a:r>
+              <a:rPr lang="en-US" b="1" dirty="0" smtClean="0"/>
+              <a:t>terminating</a:t>
+            </a:r>
+            <a:endParaRPr lang="en-US" b="1" dirty="0"/>
           </a:p>
           <a:p>
             <a:pPr lvl="1"/>
             <a:r>
-              <a:rPr lang="en-US" dirty="0" smtClean="0"/>
-              <a:t>Runs a small amount of code in response to an event</a:t>
+              <a:rPr lang="en-US" b="1" dirty="0" smtClean="0"/>
+              <a:t>Stopping</a:t>
+            </a:r>
+          </a:p>
+          <a:p>
+            <a:pPr lvl="2"/>
+            <a:r>
+              <a:rPr lang="en-US" dirty="0" smtClean="0"/>
+              <a:t>Your instance is stopped, but the disk is still allocated</a:t>
+            </a:r>
+          </a:p>
+          <a:p>
+            <a:pPr lvl="2"/>
+            <a:r>
+              <a:rPr lang="en-US" dirty="0" smtClean="0"/>
+              <a:t>You will be charged for EBS disk </a:t>
             </a:r>
           </a:p>
           <a:p>
             <a:pPr lvl="1"/>
             <a:r>
-              <a:rPr lang="en-US" dirty="0" smtClean="0"/>
-              <a:t>Billed in increments of 100 </a:t>
-            </a:r>
-            <a:r>
-              <a:rPr lang="en-US" dirty="0" err="1" smtClean="0"/>
-              <a:t>ms</a:t>
-            </a:r>
-            <a:endParaRPr lang="en-US" dirty="0" smtClean="0"/>
+              <a:rPr lang="en-US" b="1" dirty="0" smtClean="0"/>
+              <a:t>Terminating</a:t>
+            </a:r>
           </a:p>
           <a:p>
             <a:pPr lvl="2"/>
             <a:r>
               <a:rPr lang="en-US" dirty="0" smtClean="0"/>
-              <a:t>Really pay as you go</a:t>
-            </a:r>
-          </a:p>
-          <a:p>
-            <a:pPr lvl="1"/>
-            <a:r>
-              <a:rPr lang="en-US" dirty="0" smtClean="0"/>
-              <a:t>Scalable (you don’t need to define servers)</a:t>
-            </a:r>
-          </a:p>
-          <a:p>
-            <a:pPr lvl="1"/>
+              <a:t>Disk will also be removed and you will not be charged</a:t>
+            </a:r>
+          </a:p>
+          <a:p>
+            <a:pPr marL="914400" lvl="2" indent="0">
+              <a:buNone/>
+            </a:pPr>
             <a:endParaRPr lang="en-US" dirty="0"/>
           </a:p>
         </p:txBody>
@@ -6073,7 +5907,7 @@
     </p:spTree>
     <p:extLst>
       <p:ext uri="{BB962C8B-B14F-4D97-AF65-F5344CB8AC3E}">
-        <p14:creationId xmlns:p14="http://schemas.microsoft.com/office/powerpoint/2010/main" val="2898745739"/>
+        <p14:creationId xmlns:p14="http://schemas.microsoft.com/office/powerpoint/2010/main" val="2559801588"/>
       </p:ext>
     </p:extLst>
   </p:cSld>
@@ -6117,251 +5951,6 @@
           <a:p>
             <a:r>
               <a:rPr lang="en-US" dirty="0" smtClean="0"/>
-              <a:t>Other cool AWS stuff</a:t>
-            </a:r>
-            <a:endParaRPr lang="en-US" dirty="0"/>
-          </a:p>
-        </p:txBody>
-      </p:sp>
-      <p:sp>
-        <p:nvSpPr>
-          <p:cNvPr id="3" name="Content Placeholder 2"/>
-          <p:cNvSpPr>
-            <a:spLocks noGrp="1"/>
-          </p:cNvSpPr>
-          <p:nvPr>
-            <p:ph idx="1"/>
-          </p:nvPr>
-        </p:nvSpPr>
-        <p:spPr/>
-        <p:txBody>
-          <a:bodyPr/>
-          <a:lstStyle/>
-          <a:p>
-            <a:r>
-              <a:rPr lang="en-US" dirty="0" smtClean="0"/>
-              <a:t>AWS </a:t>
-            </a:r>
-            <a:r>
-              <a:rPr lang="en-US" dirty="0" err="1" smtClean="0"/>
-              <a:t>IoT</a:t>
-            </a:r>
-            <a:r>
-              <a:rPr lang="en-US" dirty="0" smtClean="0"/>
-              <a:t> management </a:t>
-            </a:r>
-          </a:p>
-          <a:p>
-            <a:r>
-              <a:rPr lang="en-US" dirty="0" smtClean="0"/>
-              <a:t>Code tools</a:t>
-            </a:r>
-          </a:p>
-          <a:p>
-            <a:r>
-              <a:rPr lang="en-US" dirty="0" smtClean="0"/>
-              <a:t>Management</a:t>
-            </a:r>
-          </a:p>
-          <a:p>
-            <a:r>
-              <a:rPr lang="en-US" dirty="0" smtClean="0"/>
-              <a:t>Analytics</a:t>
-            </a:r>
-          </a:p>
-          <a:p>
-            <a:r>
-              <a:rPr lang="en-US" dirty="0" smtClean="0"/>
-              <a:t>API Gateway</a:t>
-            </a:r>
-          </a:p>
-          <a:p>
-            <a:r>
-              <a:rPr lang="en-US" smtClean="0"/>
-              <a:t>Machine Learning</a:t>
-            </a:r>
-            <a:endParaRPr lang="en-US" dirty="0" smtClean="0"/>
-          </a:p>
-        </p:txBody>
-      </p:sp>
-    </p:spTree>
-    <p:extLst>
-      <p:ext uri="{BB962C8B-B14F-4D97-AF65-F5344CB8AC3E}">
-        <p14:creationId xmlns:p14="http://schemas.microsoft.com/office/powerpoint/2010/main" val="797539411"/>
-      </p:ext>
-    </p:extLst>
-  </p:cSld>
-  <p:clrMapOvr>
-    <a:masterClrMapping/>
-  </p:clrMapOvr>
-</p:sld>
-</file>
-
-<file path=ppt/slides/slide25.xml><?xml version="1.0" encoding="utf-8"?>
-<p:sld xmlns:a="http://schemas.openxmlformats.org/drawingml/2006/main" xmlns:r="http://schemas.openxmlformats.org/officeDocument/2006/relationships" xmlns:p="http://schemas.openxmlformats.org/presentationml/2006/main">
-  <p:cSld>
-    <p:spTree>
-      <p:nvGrpSpPr>
-        <p:cNvPr id="1" name=""/>
-        <p:cNvGrpSpPr/>
-        <p:nvPr/>
-      </p:nvGrpSpPr>
-      <p:grpSpPr>
-        <a:xfrm>
-          <a:off x="0" y="0"/>
-          <a:ext cx="0" cy="0"/>
-          <a:chOff x="0" y="0"/>
-          <a:chExt cx="0" cy="0"/>
-        </a:xfrm>
-      </p:grpSpPr>
-      <p:sp>
-        <p:nvSpPr>
-          <p:cNvPr id="2" name="Title 1"/>
-          <p:cNvSpPr>
-            <a:spLocks noGrp="1"/>
-          </p:cNvSpPr>
-          <p:nvPr>
-            <p:ph type="title"/>
-          </p:nvPr>
-        </p:nvSpPr>
-        <p:spPr/>
-        <p:txBody>
-          <a:bodyPr/>
-          <a:lstStyle/>
-          <a:p>
-            <a:r>
-              <a:rPr lang="en-US" dirty="0" smtClean="0"/>
-              <a:t>Important</a:t>
-            </a:r>
-            <a:endParaRPr lang="en-US" dirty="0"/>
-          </a:p>
-        </p:txBody>
-      </p:sp>
-      <p:sp>
-        <p:nvSpPr>
-          <p:cNvPr id="3" name="Content Placeholder 2"/>
-          <p:cNvSpPr>
-            <a:spLocks noGrp="1"/>
-          </p:cNvSpPr>
-          <p:nvPr>
-            <p:ph idx="1"/>
-          </p:nvPr>
-        </p:nvSpPr>
-        <p:spPr/>
-        <p:txBody>
-          <a:bodyPr>
-            <a:normAutofit lnSpcReduction="10000"/>
-          </a:bodyPr>
-          <a:lstStyle/>
-          <a:p>
-            <a:r>
-              <a:rPr lang="en-US" dirty="0" smtClean="0"/>
-              <a:t>There is a difference between </a:t>
-            </a:r>
-            <a:r>
-              <a:rPr lang="en-US" b="1" dirty="0" smtClean="0"/>
-              <a:t>stopping</a:t>
-            </a:r>
-            <a:r>
-              <a:rPr lang="en-US" dirty="0" smtClean="0"/>
-              <a:t> an instance and </a:t>
-            </a:r>
-            <a:r>
-              <a:rPr lang="en-US" b="1" dirty="0" smtClean="0"/>
-              <a:t>terminating</a:t>
-            </a:r>
-            <a:endParaRPr lang="en-US" b="1" dirty="0"/>
-          </a:p>
-          <a:p>
-            <a:pPr lvl="1"/>
-            <a:r>
-              <a:rPr lang="en-US" b="1" dirty="0" smtClean="0"/>
-              <a:t>Stopping</a:t>
-            </a:r>
-          </a:p>
-          <a:p>
-            <a:pPr lvl="2"/>
-            <a:r>
-              <a:rPr lang="en-US" dirty="0" smtClean="0"/>
-              <a:t>Your instance is stopped, but the disk is still allocated</a:t>
-            </a:r>
-          </a:p>
-          <a:p>
-            <a:pPr lvl="2"/>
-            <a:r>
-              <a:rPr lang="en-US" dirty="0" smtClean="0"/>
-              <a:t>You will be charged for EBS disk </a:t>
-            </a:r>
-          </a:p>
-          <a:p>
-            <a:pPr lvl="1"/>
-            <a:r>
-              <a:rPr lang="en-US" b="1" dirty="0" smtClean="0"/>
-              <a:t>Terminating</a:t>
-            </a:r>
-          </a:p>
-          <a:p>
-            <a:pPr lvl="2"/>
-            <a:r>
-              <a:rPr lang="en-US" dirty="0" smtClean="0"/>
-              <a:t>Disk will also be removed and you will not be charged</a:t>
-            </a:r>
-          </a:p>
-          <a:p>
-            <a:pPr marL="914400" lvl="2" indent="0">
-              <a:buNone/>
-            </a:pPr>
-            <a:endParaRPr lang="en-US" dirty="0"/>
-          </a:p>
-        </p:txBody>
-      </p:sp>
-    </p:spTree>
-    <p:extLst>
-      <p:ext uri="{BB962C8B-B14F-4D97-AF65-F5344CB8AC3E}">
-        <p14:creationId xmlns:p14="http://schemas.microsoft.com/office/powerpoint/2010/main" val="2559801588"/>
-      </p:ext>
-    </p:extLst>
-  </p:cSld>
-  <p:clrMapOvr>
-    <a:masterClrMapping/>
-  </p:clrMapOvr>
-</p:sld>
-</file>
-
-<file path=ppt/slides/slide26.xml><?xml version="1.0" encoding="utf-8"?>
-<p:sld xmlns:a="http://schemas.openxmlformats.org/drawingml/2006/main" xmlns:r="http://schemas.openxmlformats.org/officeDocument/2006/relationships" xmlns:p="http://schemas.openxmlformats.org/presentationml/2006/main">
-  <p:cSld>
-    <p:spTree>
-      <p:nvGrpSpPr>
-        <p:cNvPr id="1" name=""/>
-        <p:cNvGrpSpPr/>
-        <p:nvPr/>
-      </p:nvGrpSpPr>
-      <p:grpSpPr>
-        <a:xfrm>
-          <a:off x="0" y="0"/>
-          <a:ext cx="0" cy="0"/>
-          <a:chOff x="0" y="0"/>
-          <a:chExt cx="0" cy="0"/>
-        </a:xfrm>
-      </p:grpSpPr>
-      <p:sp>
-        <p:nvSpPr>
-          <p:cNvPr id="2" name="Title 1"/>
-          <p:cNvSpPr>
-            <a:spLocks noGrp="1"/>
-          </p:cNvSpPr>
-          <p:nvPr>
-            <p:ph type="title"/>
-          </p:nvPr>
-        </p:nvSpPr>
-        <p:spPr/>
-        <p:txBody>
-          <a:bodyPr/>
-          <a:lstStyle/>
-          <a:p>
-            <a:r>
-              <a:rPr lang="en-US" dirty="0" smtClean="0"/>
               <a:t>EC2 machine sizes</a:t>
             </a:r>
             <a:endParaRPr lang="en-US" dirty="0"/>
@@ -6480,7 +6069,7 @@
 </p:sld>
 </file>
 
-<file path=ppt/slides/slide27.xml><?xml version="1.0" encoding="utf-8"?>
+<file path=ppt/slides/slide25.xml><?xml version="1.0" encoding="utf-8"?>
 <p:sld xmlns:a="http://schemas.openxmlformats.org/drawingml/2006/main" xmlns:r="http://schemas.openxmlformats.org/officeDocument/2006/relationships" xmlns:p="http://schemas.openxmlformats.org/presentationml/2006/main">
   <p:cSld>
     <p:spTree>
@@ -9996,7 +9585,7 @@
 </p:sld>
 </file>
 
-<file path=ppt/slides/slide28.xml><?xml version="1.0" encoding="utf-8"?>
+<file path=ppt/slides/slide26.xml><?xml version="1.0" encoding="utf-8"?>
 <p:sld xmlns:a="http://schemas.openxmlformats.org/drawingml/2006/main" xmlns:r="http://schemas.openxmlformats.org/officeDocument/2006/relationships" xmlns:p="http://schemas.openxmlformats.org/presentationml/2006/main">
   <p:cSld>
     <p:spTree>
@@ -10077,7 +9666,7 @@
 </p:sld>
 </file>
 
-<file path=ppt/slides/slide29.xml><?xml version="1.0" encoding="utf-8"?>
+<file path=ppt/slides/slide27.xml><?xml version="1.0" encoding="utf-8"?>
 <p:sld xmlns:a="http://schemas.openxmlformats.org/drawingml/2006/main" xmlns:r="http://schemas.openxmlformats.org/officeDocument/2006/relationships" xmlns:p="http://schemas.openxmlformats.org/presentationml/2006/main">
   <p:cSld>
     <p:spTree>
@@ -10111,7 +9700,7 @@
           <a:p>
             <a:r>
               <a:rPr lang="en-US" dirty="0" smtClean="0"/>
-              <a:t>Summary</a:t>
+              <a:t>Other alternatives</a:t>
             </a:r>
             <a:endParaRPr lang="en-US" dirty="0"/>
           </a:p>
@@ -10133,73 +9722,41 @@
           <a:lstStyle/>
           <a:p>
             <a:r>
+              <a:rPr lang="en-US" dirty="0" smtClean="0"/>
+              <a:t>Microsoft Azure</a:t>
+            </a:r>
+          </a:p>
+          <a:p>
+            <a:pPr lvl="1"/>
+            <a:r>
+              <a:rPr lang="en-US" dirty="0" smtClean="0"/>
+              <a:t>Very strong brand around Microsoft toolkit</a:t>
+            </a:r>
+          </a:p>
+          <a:p>
+            <a:r>
+              <a:rPr lang="en-US" dirty="0" smtClean="0"/>
+              <a:t>IBM </a:t>
+            </a:r>
+            <a:r>
               <a:rPr lang="en-US" dirty="0" err="1" smtClean="0"/>
-              <a:t>SaaS</a:t>
-            </a:r>
-            <a:r>
-              <a:rPr lang="en-US" dirty="0" smtClean="0"/>
-              <a:t>/</a:t>
-            </a:r>
-            <a:r>
-              <a:rPr lang="en-US" dirty="0" err="1" smtClean="0"/>
-              <a:t>PaaS</a:t>
-            </a:r>
-            <a:r>
-              <a:rPr lang="en-US" dirty="0" smtClean="0"/>
-              <a:t>/</a:t>
-            </a:r>
-            <a:r>
-              <a:rPr lang="en-US" dirty="0" err="1" smtClean="0"/>
-              <a:t>IaaS</a:t>
+              <a:t>Softlayer</a:t>
             </a:r>
             <a:endParaRPr lang="en-US" dirty="0" smtClean="0"/>
           </a:p>
           <a:p>
             <a:r>
-              <a:rPr lang="en-US" dirty="0" err="1" smtClean="0"/>
-              <a:t>IaaS</a:t>
-            </a:r>
-            <a:r>
-              <a:rPr lang="en-US" dirty="0" smtClean="0"/>
-              <a:t> providers</a:t>
-            </a:r>
-          </a:p>
-          <a:p>
-            <a:r>
-              <a:rPr lang="en-US" dirty="0" err="1" smtClean="0"/>
-              <a:t>PaaS</a:t>
-            </a:r>
-            <a:r>
-              <a:rPr lang="en-US" dirty="0" smtClean="0"/>
-              <a:t> providers</a:t>
-            </a:r>
-          </a:p>
-          <a:p>
-            <a:r>
-              <a:rPr lang="en-US" dirty="0" smtClean="0"/>
-              <a:t>Working with AWS / EC2</a:t>
-            </a:r>
-          </a:p>
-          <a:p>
-            <a:r>
               <a:rPr lang="en-US" smtClean="0"/>
-              <a:t>Now to do a lab!</a:t>
+              <a:t>Many others</a:t>
             </a:r>
             <a:endParaRPr lang="en-US" dirty="0" smtClean="0"/>
-          </a:p>
-          <a:p>
-            <a:endParaRPr lang="en-US" dirty="0" smtClean="0"/>
-          </a:p>
-          <a:p>
-            <a:pPr lvl="1"/>
-            <a:endParaRPr lang="en-US" dirty="0"/>
           </a:p>
         </p:txBody>
       </p:sp>
     </p:spTree>
     <p:extLst>
       <p:ext uri="{BB962C8B-B14F-4D97-AF65-F5344CB8AC3E}">
-        <p14:creationId xmlns:p14="http://schemas.microsoft.com/office/powerpoint/2010/main" val="1658235211"/>
+        <p14:creationId xmlns:p14="http://schemas.microsoft.com/office/powerpoint/2010/main" val="4276886603"/>
       </p:ext>
     </p:extLst>
   </p:cSld>
@@ -10209,7 +9766,7 @@
 </p:sld>
 </file>
 
-<file path=ppt/slides/slide3.xml><?xml version="1.0" encoding="utf-8"?>
+<file path=ppt/slides/slide28.xml><?xml version="1.0" encoding="utf-8"?>
 <p:sld xmlns:a="http://schemas.openxmlformats.org/drawingml/2006/main" xmlns:r="http://schemas.openxmlformats.org/officeDocument/2006/relationships" xmlns:p="http://schemas.openxmlformats.org/presentationml/2006/main">
   <p:cSld>
     <p:spTree>
@@ -10238,14 +9795,12 @@
         </p:nvSpPr>
         <p:spPr/>
         <p:txBody>
-          <a:bodyPr>
-            <a:normAutofit fontScale="90000"/>
-          </a:bodyPr>
+          <a:bodyPr/>
           <a:lstStyle/>
           <a:p>
             <a:r>
               <a:rPr lang="en-US" dirty="0" smtClean="0"/>
-              <a:t>Capabilities offered as-a-Service</a:t>
+              <a:t>Summary</a:t>
             </a:r>
             <a:endParaRPr lang="en-US" dirty="0"/>
           </a:p>
@@ -10263,101 +9818,69 @@
         </p:nvSpPr>
         <p:spPr/>
         <p:txBody>
-          <a:bodyPr>
-            <a:normAutofit fontScale="92500" lnSpcReduction="10000"/>
-          </a:bodyPr>
+          <a:bodyPr/>
           <a:lstStyle/>
           <a:p>
             <a:r>
-              <a:rPr lang="en-US" dirty="0" smtClean="0"/>
-              <a:t>Software-as-a-Service</a:t>
-            </a:r>
+              <a:rPr lang="en-US" dirty="0" err="1" smtClean="0"/>
+              <a:t>SaaS</a:t>
+            </a:r>
+            <a:r>
+              <a:rPr lang="en-US" dirty="0" smtClean="0"/>
+              <a:t>/</a:t>
+            </a:r>
+            <a:r>
+              <a:rPr lang="en-US" dirty="0" err="1" smtClean="0"/>
+              <a:t>PaaS</a:t>
+            </a:r>
+            <a:r>
+              <a:rPr lang="en-US" dirty="0" smtClean="0"/>
+              <a:t>/</a:t>
+            </a:r>
+            <a:r>
+              <a:rPr lang="en-US" dirty="0" err="1" smtClean="0"/>
+              <a:t>IaaS</a:t>
+            </a:r>
+            <a:endParaRPr lang="en-US" dirty="0" smtClean="0"/>
+          </a:p>
+          <a:p>
+            <a:r>
+              <a:rPr lang="en-US" dirty="0" err="1" smtClean="0"/>
+              <a:t>IaaS</a:t>
+            </a:r>
+            <a:r>
+              <a:rPr lang="en-US" dirty="0" smtClean="0"/>
+              <a:t> providers</a:t>
+            </a:r>
+          </a:p>
+          <a:p>
+            <a:r>
+              <a:rPr lang="en-US" dirty="0" err="1" smtClean="0"/>
+              <a:t>PaaS</a:t>
+            </a:r>
+            <a:r>
+              <a:rPr lang="en-US" dirty="0" smtClean="0"/>
+              <a:t> providers</a:t>
+            </a:r>
+          </a:p>
+          <a:p>
+            <a:r>
+              <a:rPr lang="en-US" dirty="0" smtClean="0"/>
+              <a:t>Working with AWS / EC2</a:t>
+            </a:r>
+          </a:p>
+          <a:p>
+            <a:r>
+              <a:rPr lang="en-US" smtClean="0"/>
+              <a:t>Now to do a lab!</a:t>
+            </a:r>
+            <a:endParaRPr lang="en-US" dirty="0" smtClean="0"/>
+          </a:p>
+          <a:p>
+            <a:endParaRPr lang="en-US" dirty="0" smtClean="0"/>
           </a:p>
           <a:p>
             <a:pPr lvl="1"/>
-            <a:r>
-              <a:rPr lang="en-US" dirty="0" err="1" smtClean="0"/>
-              <a:t>Salesforce</a:t>
-            </a:r>
-            <a:r>
-              <a:rPr lang="en-US" dirty="0" smtClean="0"/>
-              <a:t>, </a:t>
-            </a:r>
-            <a:r>
-              <a:rPr lang="en-US" dirty="0" err="1" smtClean="0"/>
-              <a:t>Quickbooks</a:t>
-            </a:r>
-            <a:r>
-              <a:rPr lang="en-US" dirty="0" smtClean="0"/>
-              <a:t> Online, Gmail, </a:t>
-            </a:r>
-            <a:r>
-              <a:rPr lang="en-US" dirty="0" err="1" smtClean="0"/>
-              <a:t>Gdrive</a:t>
-            </a:r>
-            <a:r>
-              <a:rPr lang="en-US" dirty="0" smtClean="0"/>
-              <a:t>, Office 365, </a:t>
-            </a:r>
-            <a:r>
-              <a:rPr lang="en-US" dirty="0" err="1" smtClean="0"/>
-              <a:t>etc</a:t>
-            </a:r>
-            <a:endParaRPr lang="en-US" dirty="0" smtClean="0"/>
-          </a:p>
-          <a:p>
-            <a:r>
-              <a:rPr lang="en-US" dirty="0" smtClean="0"/>
-              <a:t>Infrastructure-as-a-Service</a:t>
-            </a:r>
-          </a:p>
-          <a:p>
-            <a:pPr lvl="1"/>
-            <a:r>
-              <a:rPr lang="en-US" dirty="0" smtClean="0"/>
-              <a:t>CPUs, Memory, Disk, Networks, Firewalls, </a:t>
-            </a:r>
-            <a:r>
-              <a:rPr lang="en-US" dirty="0" err="1" smtClean="0"/>
-              <a:t>etc</a:t>
-            </a:r>
-            <a:endParaRPr lang="en-US" dirty="0" smtClean="0"/>
-          </a:p>
-          <a:p>
-            <a:pPr lvl="1"/>
-            <a:r>
-              <a:rPr lang="en-US" dirty="0" smtClean="0"/>
-              <a:t>Amazon AWS, </a:t>
-            </a:r>
-            <a:r>
-              <a:rPr lang="en-US" dirty="0" err="1" smtClean="0"/>
-              <a:t>Joyent</a:t>
-            </a:r>
-            <a:r>
-              <a:rPr lang="en-US" dirty="0" smtClean="0"/>
-              <a:t>, Microsoft Azure, IBM </a:t>
-            </a:r>
-            <a:r>
-              <a:rPr lang="en-US" dirty="0" err="1" smtClean="0"/>
-              <a:t>Softlayer</a:t>
-            </a:r>
-            <a:r>
-              <a:rPr lang="en-US" dirty="0" smtClean="0"/>
-              <a:t>, Rackspace, Google Compute Engine</a:t>
-            </a:r>
-          </a:p>
-          <a:p>
-            <a:r>
-              <a:rPr lang="en-US" dirty="0" smtClean="0"/>
-              <a:t>Platform-as-a-Service</a:t>
-            </a:r>
-          </a:p>
-          <a:p>
-            <a:pPr lvl="1"/>
-            <a:r>
-              <a:rPr lang="en-US" dirty="0" smtClean="0"/>
-              <a:t>Somewhere between!</a:t>
-            </a:r>
             <a:endParaRPr lang="en-US" dirty="0"/>
           </a:p>
         </p:txBody>
@@ -10365,7 +9888,7 @@
     </p:spTree>
     <p:extLst>
       <p:ext uri="{BB962C8B-B14F-4D97-AF65-F5344CB8AC3E}">
-        <p14:creationId xmlns:p14="http://schemas.microsoft.com/office/powerpoint/2010/main" val="2835123668"/>
+        <p14:creationId xmlns:p14="http://schemas.microsoft.com/office/powerpoint/2010/main" val="1658235211"/>
       </p:ext>
     </p:extLst>
   </p:cSld>
@@ -10375,7 +9898,7 @@
 </p:sld>
 </file>
 
-<file path=ppt/slides/slide4.xml><?xml version="1.0" encoding="utf-8"?>
+<file path=ppt/slides/slide3.xml><?xml version="1.0" encoding="utf-8"?>
 <p:sld xmlns:a="http://schemas.openxmlformats.org/drawingml/2006/main" xmlns:r="http://schemas.openxmlformats.org/officeDocument/2006/relationships" xmlns:p="http://schemas.openxmlformats.org/presentationml/2006/main">
   <p:cSld>
     <p:spTree>
@@ -10429,7 +9952,7 @@
 </p:sld>
 </file>
 
-<file path=ppt/slides/slide5.xml><?xml version="1.0" encoding="utf-8"?>
+<file path=ppt/slides/slide4.xml><?xml version="1.0" encoding="utf-8"?>
 <p:sld xmlns:a="http://schemas.openxmlformats.org/drawingml/2006/main" xmlns:r="http://schemas.openxmlformats.org/officeDocument/2006/relationships" xmlns:p="http://schemas.openxmlformats.org/presentationml/2006/main">
   <p:cSld>
     <p:spTree>
@@ -10506,7 +10029,7 @@
 </p:sld>
 </file>
 
-<file path=ppt/slides/slide6.xml><?xml version="1.0" encoding="utf-8"?>
+<file path=ppt/slides/slide5.xml><?xml version="1.0" encoding="utf-8"?>
 <p:sld xmlns:a="http://schemas.openxmlformats.org/drawingml/2006/main" xmlns:r="http://schemas.openxmlformats.org/officeDocument/2006/relationships" xmlns:p="http://schemas.openxmlformats.org/presentationml/2006/main">
   <p:cSld>
     <p:spTree>
@@ -10783,7 +10306,7 @@
                 <a:cs typeface="Arial" charset="0"/>
               </a:rPr>
               <a:pPr eaLnBrk="1" hangingPunct="1"/>
-              <a:t>6</a:t>
+              <a:t>5</a:t>
             </a:fld>
             <a:endParaRPr lang="en-GB" sz="1200" dirty="0">
               <a:solidFill>
@@ -11010,7 +10533,7 @@
 </p:sld>
 </file>
 
-<file path=ppt/slides/slide7.xml><?xml version="1.0" encoding="utf-8"?>
+<file path=ppt/slides/slide6.xml><?xml version="1.0" encoding="utf-8"?>
 <p:sld xmlns:a="http://schemas.openxmlformats.org/drawingml/2006/main" xmlns:r="http://schemas.openxmlformats.org/officeDocument/2006/relationships" xmlns:p="http://schemas.openxmlformats.org/presentationml/2006/main">
   <p:cSld>
     <p:spTree>
@@ -11151,7 +10674,7 @@
 </p:sld>
 </file>
 
-<file path=ppt/slides/slide8.xml><?xml version="1.0" encoding="utf-8"?>
+<file path=ppt/slides/slide7.xml><?xml version="1.0" encoding="utf-8"?>
 <p:sld xmlns:a="http://schemas.openxmlformats.org/drawingml/2006/main" xmlns:r="http://schemas.openxmlformats.org/officeDocument/2006/relationships" xmlns:p="http://schemas.openxmlformats.org/presentationml/2006/main">
   <p:cSld>
     <p:spTree>
@@ -11237,6 +10760,126 @@
 </p:sld>
 </file>
 
+<file path=ppt/slides/slide8.xml><?xml version="1.0" encoding="utf-8"?>
+<p:sld xmlns:a="http://schemas.openxmlformats.org/drawingml/2006/main" xmlns:r="http://schemas.openxmlformats.org/officeDocument/2006/relationships" xmlns:p="http://schemas.openxmlformats.org/presentationml/2006/main">
+  <p:cSld>
+    <p:spTree>
+      <p:nvGrpSpPr>
+        <p:cNvPr id="1" name=""/>
+        <p:cNvGrpSpPr/>
+        <p:nvPr/>
+      </p:nvGrpSpPr>
+      <p:grpSpPr>
+        <a:xfrm>
+          <a:off x="0" y="0"/>
+          <a:ext cx="0" cy="0"/>
+          <a:chOff x="0" y="0"/>
+          <a:chExt cx="0" cy="0"/>
+        </a:xfrm>
+      </p:grpSpPr>
+      <p:sp>
+        <p:nvSpPr>
+          <p:cNvPr id="2" name="Title 1"/>
+          <p:cNvSpPr>
+            <a:spLocks noGrp="1"/>
+          </p:cNvSpPr>
+          <p:nvPr>
+            <p:ph type="title"/>
+          </p:nvPr>
+        </p:nvSpPr>
+        <p:spPr/>
+        <p:txBody>
+          <a:bodyPr/>
+          <a:lstStyle/>
+          <a:p>
+            <a:r>
+              <a:rPr lang="en-US" dirty="0" smtClean="0"/>
+              <a:t>Private </a:t>
+            </a:r>
+            <a:r>
+              <a:rPr lang="en-US" dirty="0" err="1" smtClean="0"/>
+              <a:t>IaaS</a:t>
+            </a:r>
+            <a:endParaRPr lang="en-US" dirty="0"/>
+          </a:p>
+        </p:txBody>
+      </p:sp>
+      <p:sp>
+        <p:nvSpPr>
+          <p:cNvPr id="3" name="Content Placeholder 2"/>
+          <p:cNvSpPr>
+            <a:spLocks noGrp="1"/>
+          </p:cNvSpPr>
+          <p:nvPr>
+            <p:ph idx="1"/>
+          </p:nvPr>
+        </p:nvSpPr>
+        <p:spPr/>
+        <p:txBody>
+          <a:bodyPr/>
+          <a:lstStyle/>
+          <a:p>
+            <a:r>
+              <a:rPr lang="en-US" dirty="0" err="1" smtClean="0"/>
+              <a:t>OpenStack</a:t>
+            </a:r>
+            <a:endParaRPr lang="en-US" dirty="0" smtClean="0"/>
+          </a:p>
+          <a:p>
+            <a:r>
+              <a:rPr lang="en-US" dirty="0" smtClean="0"/>
+              <a:t>HP Enterprise Eucalyptus</a:t>
+            </a:r>
+          </a:p>
+          <a:p>
+            <a:r>
+              <a:rPr lang="en-US" dirty="0" err="1" smtClean="0"/>
+              <a:t>vmWare</a:t>
+            </a:r>
+            <a:r>
+              <a:rPr lang="en-US" dirty="0" smtClean="0"/>
+              <a:t> </a:t>
+            </a:r>
+            <a:r>
+              <a:rPr lang="en-US" dirty="0" err="1" smtClean="0"/>
+              <a:t>vSphere</a:t>
+            </a:r>
+            <a:r>
+              <a:rPr lang="en-US" dirty="0" smtClean="0"/>
+              <a:t> / </a:t>
+            </a:r>
+            <a:r>
+              <a:rPr lang="en-US" dirty="0" err="1" smtClean="0"/>
+              <a:t>vCloud</a:t>
+            </a:r>
+            <a:endParaRPr lang="en-US" dirty="0" smtClean="0"/>
+          </a:p>
+          <a:p>
+            <a:r>
+              <a:rPr lang="en-US" dirty="0" smtClean="0"/>
+              <a:t>Apache </a:t>
+            </a:r>
+            <a:r>
+              <a:rPr lang="en-US" dirty="0" err="1" smtClean="0"/>
+              <a:t>CloudStack</a:t>
+            </a:r>
+            <a:endParaRPr lang="en-US" dirty="0"/>
+          </a:p>
+        </p:txBody>
+      </p:sp>
+    </p:spTree>
+    <p:extLst>
+      <p:ext uri="{BB962C8B-B14F-4D97-AF65-F5344CB8AC3E}">
+        <p14:creationId xmlns:p14="http://schemas.microsoft.com/office/powerpoint/2010/main" val="3584159733"/>
+      </p:ext>
+    </p:extLst>
+  </p:cSld>
+  <p:clrMapOvr>
+    <a:masterClrMapping/>
+  </p:clrMapOvr>
+</p:sld>
+</file>
+
 <file path=ppt/slides/slide9.xml><?xml version="1.0" encoding="utf-8"?>
 <p:sld xmlns:a="http://schemas.openxmlformats.org/drawingml/2006/main" xmlns:r="http://schemas.openxmlformats.org/officeDocument/2006/relationships" xmlns:p="http://schemas.openxmlformats.org/presentationml/2006/main">
   <p:cSld>
@@ -11256,7 +10899,7 @@
       </p:grpSpPr>
       <p:sp>
         <p:nvSpPr>
-          <p:cNvPr id="2" name="Title 1"/>
+          <p:cNvPr id="7" name="Title 6"/>
           <p:cNvSpPr>
             <a:spLocks noGrp="1"/>
           </p:cNvSpPr>
@@ -11270,12 +10913,8 @@
           <a:lstStyle/>
           <a:p>
             <a:r>
-              <a:rPr lang="en-US" dirty="0" smtClean="0"/>
-              <a:t>Private </a:t>
-            </a:r>
-            <a:r>
               <a:rPr lang="en-US" dirty="0" err="1" smtClean="0"/>
-              <a:t>IaaS</a:t>
+              <a:t>OpenStack</a:t>
             </a:r>
             <a:endParaRPr lang="en-US" dirty="0"/>
           </a:p>
@@ -11283,7 +10922,7 @@
       </p:sp>
       <p:sp>
         <p:nvSpPr>
-          <p:cNvPr id="3" name="Content Placeholder 2"/>
+          <p:cNvPr id="13" name="Content Placeholder 12"/>
           <p:cNvSpPr>
             <a:spLocks noGrp="1"/>
           </p:cNvSpPr>
@@ -11291,63 +10930,196 @@
             <p:ph idx="1"/>
           </p:nvPr>
         </p:nvSpPr>
+        <p:spPr>
+          <a:xfrm>
+            <a:off x="457200" y="1295401"/>
+            <a:ext cx="8229600" cy="1752600"/>
+          </a:xfrm>
+        </p:spPr>
+        <p:txBody>
+          <a:bodyPr>
+            <a:noAutofit/>
+          </a:bodyPr>
+          <a:lstStyle/>
+          <a:p>
+            <a:r>
+              <a:rPr lang="en-US" sz="1600" dirty="0" smtClean="0"/>
+              <a:t>Compute - </a:t>
+            </a:r>
+            <a:r>
+              <a:rPr lang="en-US" sz="1600" i="1" dirty="0" smtClean="0"/>
+              <a:t>Nova</a:t>
+            </a:r>
+          </a:p>
+          <a:p>
+            <a:r>
+              <a:rPr lang="en-US" sz="1600" dirty="0" smtClean="0"/>
+              <a:t>Networking - </a:t>
+            </a:r>
+            <a:r>
+              <a:rPr lang="en-US" sz="1600" dirty="0"/>
+              <a:t> </a:t>
+            </a:r>
+            <a:r>
+              <a:rPr lang="en-US" sz="1600" i="1" dirty="0"/>
+              <a:t>Neutron</a:t>
+            </a:r>
+            <a:r>
+              <a:rPr lang="en-US" sz="1600" dirty="0"/>
+              <a:t> (formerly Quantum</a:t>
+            </a:r>
+            <a:r>
+              <a:rPr lang="en-US" sz="1600" dirty="0" smtClean="0"/>
+              <a:t>)</a:t>
+            </a:r>
+          </a:p>
+          <a:p>
+            <a:r>
+              <a:rPr lang="en-US" sz="1600" dirty="0" smtClean="0"/>
+              <a:t>Block Storage – </a:t>
+            </a:r>
+            <a:r>
+              <a:rPr lang="en-US" sz="1600" i="1" dirty="0" smtClean="0"/>
+              <a:t>Cinder</a:t>
+            </a:r>
+          </a:p>
+          <a:p>
+            <a:r>
+              <a:rPr lang="en-US" sz="1600" dirty="0" smtClean="0"/>
+              <a:t>Object Storage – </a:t>
+            </a:r>
+            <a:r>
+              <a:rPr lang="en-US" sz="1600" i="1" dirty="0" smtClean="0"/>
+              <a:t>Swift</a:t>
+            </a:r>
+          </a:p>
+          <a:p>
+            <a:r>
+              <a:rPr lang="en-US" sz="1600" dirty="0" smtClean="0"/>
+              <a:t>Image Service – </a:t>
+            </a:r>
+            <a:r>
+              <a:rPr lang="en-US" sz="1600" i="1" dirty="0" smtClean="0"/>
+              <a:t>Glance</a:t>
+            </a:r>
+          </a:p>
+          <a:p>
+            <a:r>
+              <a:rPr lang="en-US" sz="1600" dirty="0" smtClean="0"/>
+              <a:t>Identity Service - </a:t>
+            </a:r>
+            <a:r>
+              <a:rPr lang="en-US" sz="1600" i="1" dirty="0" smtClean="0"/>
+              <a:t>Keystone</a:t>
+            </a:r>
+            <a:endParaRPr lang="en-US" sz="1600" dirty="0"/>
+          </a:p>
+          <a:p>
+            <a:endParaRPr lang="en-US" sz="1600" dirty="0" smtClean="0"/>
+          </a:p>
+          <a:p>
+            <a:endParaRPr lang="en-US" sz="1600" dirty="0"/>
+          </a:p>
+        </p:txBody>
+      </p:sp>
+      <p:sp>
+        <p:nvSpPr>
+          <p:cNvPr id="5" name="Date Placeholder 4"/>
+          <p:cNvSpPr>
+            <a:spLocks noGrp="1"/>
+          </p:cNvSpPr>
+          <p:nvPr>
+            <p:ph type="dt" sz="half" idx="10"/>
+          </p:nvPr>
+        </p:nvSpPr>
         <p:spPr/>
         <p:txBody>
           <a:bodyPr/>
           <a:lstStyle/>
           <a:p>
-            <a:r>
-              <a:rPr lang="en-US" dirty="0" err="1" smtClean="0"/>
-              <a:t>OpenStack</a:t>
-            </a:r>
-            <a:endParaRPr lang="en-US" dirty="0" smtClean="0"/>
-          </a:p>
-          <a:p>
-            <a:r>
-              <a:rPr lang="en-US" dirty="0" smtClean="0"/>
-              <a:t>HP Enterprise Eucalyptus</a:t>
-            </a:r>
-          </a:p>
-          <a:p>
-            <a:r>
-              <a:rPr lang="en-US" dirty="0" err="1" smtClean="0"/>
-              <a:t>vmWare</a:t>
-            </a:r>
-            <a:r>
-              <a:rPr lang="en-US" dirty="0" smtClean="0"/>
-              <a:t> </a:t>
-            </a:r>
-            <a:r>
-              <a:rPr lang="en-US" dirty="0" err="1" smtClean="0"/>
-              <a:t>vSphere</a:t>
-            </a:r>
-            <a:r>
-              <a:rPr lang="en-US" dirty="0" smtClean="0"/>
-              <a:t> / </a:t>
-            </a:r>
-            <a:r>
-              <a:rPr lang="en-US" dirty="0" err="1" smtClean="0"/>
-              <a:t>vCloud</a:t>
-            </a:r>
-            <a:endParaRPr lang="en-US" dirty="0" smtClean="0"/>
-          </a:p>
-          <a:p>
-            <a:r>
-              <a:rPr lang="en-US" dirty="0" smtClean="0"/>
-              <a:t>Apache </a:t>
-            </a:r>
-            <a:r>
-              <a:rPr lang="en-US" dirty="0" err="1" smtClean="0"/>
-              <a:t>CloudStack</a:t>
-            </a:r>
-            <a:endParaRPr lang="en-US" dirty="0"/>
-          </a:p>
-        </p:txBody>
-      </p:sp>
+            <a:fld id="{7268D07E-94DD-D34E-A9CB-F7E79C30F7B9}" type="datetime1">
+              <a:rPr lang="en-US" smtClean="0"/>
+              <a:t>07/07/17</a:t>
+            </a:fld>
+            <a:endParaRPr lang="en-US"/>
+          </a:p>
+        </p:txBody>
+      </p:sp>
+      <p:sp>
+        <p:nvSpPr>
+          <p:cNvPr id="6" name="Slide Number Placeholder 5"/>
+          <p:cNvSpPr>
+            <a:spLocks noGrp="1"/>
+          </p:cNvSpPr>
+          <p:nvPr>
+            <p:ph type="sldNum" sz="quarter" idx="12"/>
+          </p:nvPr>
+        </p:nvSpPr>
+        <p:spPr/>
+        <p:txBody>
+          <a:bodyPr/>
+          <a:lstStyle/>
+          <a:p>
+            <a:fld id="{CC2BEEE7-CF0A-0E41-8413-174CF43B1E87}" type="slidenum">
+              <a:rPr lang="en-US" smtClean="0"/>
+              <a:t>9</a:t>
+            </a:fld>
+            <a:endParaRPr lang="en-US"/>
+          </a:p>
+        </p:txBody>
+      </p:sp>
+      <p:pic>
+        <p:nvPicPr>
+          <p:cNvPr id="12" name="Picture 11"/>
+          <p:cNvPicPr>
+            <a:picLocks noChangeAspect="1"/>
+          </p:cNvPicPr>
+          <p:nvPr/>
+        </p:nvPicPr>
+        <p:blipFill>
+          <a:blip r:embed="rId2"/>
+          <a:stretch>
+            <a:fillRect/>
+          </a:stretch>
+        </p:blipFill>
+        <p:spPr>
+          <a:xfrm>
+            <a:off x="6058108" y="1417638"/>
+            <a:ext cx="2997408" cy="1282789"/>
+          </a:xfrm>
+          <a:prstGeom prst="rect">
+            <a:avLst/>
+          </a:prstGeom>
+        </p:spPr>
+      </p:pic>
+      <p:pic>
+        <p:nvPicPr>
+          <p:cNvPr id="14" name="Picture 13"/>
+          <p:cNvPicPr>
+            <a:picLocks noChangeAspect="1"/>
+          </p:cNvPicPr>
+          <p:nvPr/>
+        </p:nvPicPr>
+        <p:blipFill>
+          <a:blip r:embed="rId3"/>
+          <a:stretch>
+            <a:fillRect/>
+          </a:stretch>
+        </p:blipFill>
+        <p:spPr>
+          <a:xfrm>
+            <a:off x="673100" y="3198202"/>
+            <a:ext cx="8013700" cy="3321186"/>
+          </a:xfrm>
+          <a:prstGeom prst="rect">
+            <a:avLst/>
+          </a:prstGeom>
+        </p:spPr>
+      </p:pic>
     </p:spTree>
     <p:extLst>
       <p:ext uri="{BB962C8B-B14F-4D97-AF65-F5344CB8AC3E}">
-        <p14:creationId xmlns:p14="http://schemas.microsoft.com/office/powerpoint/2010/main" val="3584159733"/>
+        <p14:creationId xmlns:p14="http://schemas.microsoft.com/office/powerpoint/2010/main" val="4061369373"/>
       </p:ext>
     </p:extLst>
   </p:cSld>

--- a/pres-source/02-understanding-cloud-services.pptx
+++ b/pres-source/02-understanding-cloud-services.pptx
@@ -224,7 +224,7 @@
             <a:fld id="{7307762F-A706-E543-A832-3C298AA3103F}" type="datetimeFigureOut">
               <a:rPr lang="en-US" smtClean="0"/>
               <a:pPr/>
-              <a:t>07/07/17</a:t>
+              <a:t>09/07/17</a:t>
             </a:fld>
             <a:endParaRPr lang="en-US" dirty="0"/>
           </a:p>
@@ -791,7 +791,7 @@
           <a:p>
             <a:fld id="{875CF0EB-321F-0749-B37A-89BBA859503C}" type="datetimeFigureOut">
               <a:rPr lang="en-US" smtClean="0"/>
-              <a:t>07/07/17</a:t>
+              <a:t>09/07/17</a:t>
             </a:fld>
             <a:endParaRPr lang="en-US"/>
           </a:p>
@@ -995,7 +995,7 @@
           <a:p>
             <a:fld id="{875CF0EB-321F-0749-B37A-89BBA859503C}" type="datetimeFigureOut">
               <a:rPr lang="en-US" smtClean="0"/>
-              <a:t>07/07/17</a:t>
+              <a:t>09/07/17</a:t>
             </a:fld>
             <a:endParaRPr lang="en-US"/>
           </a:p>
@@ -1189,7 +1189,7 @@
           <a:p>
             <a:fld id="{875CF0EB-321F-0749-B37A-89BBA859503C}" type="datetimeFigureOut">
               <a:rPr lang="en-US" smtClean="0"/>
-              <a:t>07/07/17</a:t>
+              <a:t>09/07/17</a:t>
             </a:fld>
             <a:endParaRPr lang="en-US"/>
           </a:p>
@@ -1459,7 +1459,7 @@
           <a:p>
             <a:fld id="{875CF0EB-321F-0749-B37A-89BBA859503C}" type="datetimeFigureOut">
               <a:rPr lang="en-US" smtClean="0"/>
-              <a:t>07/07/17</a:t>
+              <a:t>09/07/17</a:t>
             </a:fld>
             <a:endParaRPr lang="en-US"/>
           </a:p>
@@ -1771,7 +1771,7 @@
           <a:p>
             <a:fld id="{875CF0EB-321F-0749-B37A-89BBA859503C}" type="datetimeFigureOut">
               <a:rPr lang="en-US" smtClean="0"/>
-              <a:t>07/07/17</a:t>
+              <a:t>09/07/17</a:t>
             </a:fld>
             <a:endParaRPr lang="en-US"/>
           </a:p>
@@ -2217,7 +2217,7 @@
           <a:p>
             <a:fld id="{875CF0EB-321F-0749-B37A-89BBA859503C}" type="datetimeFigureOut">
               <a:rPr lang="en-US" smtClean="0"/>
-              <a:t>07/07/17</a:t>
+              <a:t>09/07/17</a:t>
             </a:fld>
             <a:endParaRPr lang="en-US"/>
           </a:p>
@@ -2359,7 +2359,7 @@
           <a:p>
             <a:fld id="{875CF0EB-321F-0749-B37A-89BBA859503C}" type="datetimeFigureOut">
               <a:rPr lang="en-US" smtClean="0"/>
-              <a:t>07/07/17</a:t>
+              <a:t>09/07/17</a:t>
             </a:fld>
             <a:endParaRPr lang="en-US"/>
           </a:p>
@@ -2478,7 +2478,7 @@
           <a:p>
             <a:fld id="{875CF0EB-321F-0749-B37A-89BBA859503C}" type="datetimeFigureOut">
               <a:rPr lang="en-US" smtClean="0"/>
-              <a:t>07/07/17</a:t>
+              <a:t>09/07/17</a:t>
             </a:fld>
             <a:endParaRPr lang="en-US"/>
           </a:p>
@@ -2779,7 +2779,7 @@
           <a:p>
             <a:fld id="{875CF0EB-321F-0749-B37A-89BBA859503C}" type="datetimeFigureOut">
               <a:rPr lang="en-US" smtClean="0"/>
-              <a:t>07/07/17</a:t>
+              <a:t>09/07/17</a:t>
             </a:fld>
             <a:endParaRPr lang="en-US"/>
           </a:p>
@@ -3056,7 +3056,7 @@
           <a:p>
             <a:fld id="{875CF0EB-321F-0749-B37A-89BBA859503C}" type="datetimeFigureOut">
               <a:rPr lang="en-US" smtClean="0"/>
-              <a:t>07/07/17</a:t>
+              <a:t>09/07/17</a:t>
             </a:fld>
             <a:endParaRPr lang="en-US"/>
           </a:p>
@@ -3989,7 +3989,7 @@
                 <a:ea typeface="ヒラギノ角ゴ ProN W3" charset="0"/>
                 <a:cs typeface="ヒラギノ角ゴ ProN W3" charset="0"/>
               </a:rPr>
-              <a:t>Sep 2016</a:t>
+              <a:t>July 2017</a:t>
             </a:r>
             <a:endParaRPr lang="en-US" dirty="0">
               <a:ea typeface="ヒラギノ角ゴ ProN W3" charset="0"/>
@@ -11039,7 +11039,7 @@
           <a:p>
             <a:fld id="{7268D07E-94DD-D34E-A9CB-F7E79C30F7B9}" type="datetime1">
               <a:rPr lang="en-US" smtClean="0"/>
-              <a:t>07/07/17</a:t>
+              <a:t>09/07/17</a:t>
             </a:fld>
             <a:endParaRPr lang="en-US"/>
           </a:p>

--- a/pres-source/02-understanding-cloud-services.pptx
+++ b/pres-source/02-understanding-cloud-services.pptx
@@ -224,7 +224,7 @@
             <a:fld id="{7307762F-A706-E543-A832-3C298AA3103F}" type="datetimeFigureOut">
               <a:rPr lang="en-US" smtClean="0"/>
               <a:pPr/>
-              <a:t>09/07/17</a:t>
+              <a:t>22/08/17</a:t>
             </a:fld>
             <a:endParaRPr lang="en-US" dirty="0"/>
           </a:p>
@@ -791,7 +791,7 @@
           <a:p>
             <a:fld id="{875CF0EB-321F-0749-B37A-89BBA859503C}" type="datetimeFigureOut">
               <a:rPr lang="en-US" smtClean="0"/>
-              <a:t>09/07/17</a:t>
+              <a:t>22/08/17</a:t>
             </a:fld>
             <a:endParaRPr lang="en-US"/>
           </a:p>
@@ -995,7 +995,7 @@
           <a:p>
             <a:fld id="{875CF0EB-321F-0749-B37A-89BBA859503C}" type="datetimeFigureOut">
               <a:rPr lang="en-US" smtClean="0"/>
-              <a:t>09/07/17</a:t>
+              <a:t>22/08/17</a:t>
             </a:fld>
             <a:endParaRPr lang="en-US"/>
           </a:p>
@@ -1189,7 +1189,7 @@
           <a:p>
             <a:fld id="{875CF0EB-321F-0749-B37A-89BBA859503C}" type="datetimeFigureOut">
               <a:rPr lang="en-US" smtClean="0"/>
-              <a:t>09/07/17</a:t>
+              <a:t>22/08/17</a:t>
             </a:fld>
             <a:endParaRPr lang="en-US"/>
           </a:p>
@@ -1459,7 +1459,7 @@
           <a:p>
             <a:fld id="{875CF0EB-321F-0749-B37A-89BBA859503C}" type="datetimeFigureOut">
               <a:rPr lang="en-US" smtClean="0"/>
-              <a:t>09/07/17</a:t>
+              <a:t>22/08/17</a:t>
             </a:fld>
             <a:endParaRPr lang="en-US"/>
           </a:p>
@@ -1771,7 +1771,7 @@
           <a:p>
             <a:fld id="{875CF0EB-321F-0749-B37A-89BBA859503C}" type="datetimeFigureOut">
               <a:rPr lang="en-US" smtClean="0"/>
-              <a:t>09/07/17</a:t>
+              <a:t>22/08/17</a:t>
             </a:fld>
             <a:endParaRPr lang="en-US"/>
           </a:p>
@@ -2217,7 +2217,7 @@
           <a:p>
             <a:fld id="{875CF0EB-321F-0749-B37A-89BBA859503C}" type="datetimeFigureOut">
               <a:rPr lang="en-US" smtClean="0"/>
-              <a:t>09/07/17</a:t>
+              <a:t>22/08/17</a:t>
             </a:fld>
             <a:endParaRPr lang="en-US"/>
           </a:p>
@@ -2359,7 +2359,7 @@
           <a:p>
             <a:fld id="{875CF0EB-321F-0749-B37A-89BBA859503C}" type="datetimeFigureOut">
               <a:rPr lang="en-US" smtClean="0"/>
-              <a:t>09/07/17</a:t>
+              <a:t>22/08/17</a:t>
             </a:fld>
             <a:endParaRPr lang="en-US"/>
           </a:p>
@@ -2478,7 +2478,7 @@
           <a:p>
             <a:fld id="{875CF0EB-321F-0749-B37A-89BBA859503C}" type="datetimeFigureOut">
               <a:rPr lang="en-US" smtClean="0"/>
-              <a:t>09/07/17</a:t>
+              <a:t>22/08/17</a:t>
             </a:fld>
             <a:endParaRPr lang="en-US"/>
           </a:p>
@@ -2779,7 +2779,7 @@
           <a:p>
             <a:fld id="{875CF0EB-321F-0749-B37A-89BBA859503C}" type="datetimeFigureOut">
               <a:rPr lang="en-US" smtClean="0"/>
-              <a:t>09/07/17</a:t>
+              <a:t>22/08/17</a:t>
             </a:fld>
             <a:endParaRPr lang="en-US"/>
           </a:p>
@@ -3056,7 +3056,7 @@
           <a:p>
             <a:fld id="{875CF0EB-321F-0749-B37A-89BBA859503C}" type="datetimeFigureOut">
               <a:rPr lang="en-US" smtClean="0"/>
-              <a:t>09/07/17</a:t>
+              <a:t>22/08/17</a:t>
             </a:fld>
             <a:endParaRPr lang="en-US"/>
           </a:p>
@@ -3989,7 +3989,7 @@
                 <a:ea typeface="ヒラギノ角ゴ ProN W3" charset="0"/>
                 <a:cs typeface="ヒラギノ角ゴ ProN W3" charset="0"/>
               </a:rPr>
-              <a:t>July 2017</a:t>
+              <a:t>Sept 2017</a:t>
             </a:r>
             <a:endParaRPr lang="en-US" dirty="0">
               <a:ea typeface="ヒラギノ角ゴ ProN W3" charset="0"/>
@@ -11039,7 +11039,7 @@
           <a:p>
             <a:fld id="{7268D07E-94DD-D34E-A9CB-F7E79C30F7B9}" type="datetime1">
               <a:rPr lang="en-US" smtClean="0"/>
-              <a:t>09/07/17</a:t>
+              <a:t>22/08/17</a:t>
             </a:fld>
             <a:endParaRPr lang="en-US"/>
           </a:p>

--- a/pres-source/02-understanding-cloud-services.pptx
+++ b/pres-source/02-understanding-cloud-services.pptx
@@ -36,28 +36,27 @@
     <p:sldId id="281" r:id="rId32"/>
     <p:sldId id="282" r:id="rId33"/>
     <p:sldId id="283" r:id="rId34"/>
-    <p:sldId id="284" r:id="rId35"/>
   </p:sldIdLst>
   <p:sldSz cy="6858000" cx="9144000"/>
   <p:notesSz cx="6858000" cy="9144000"/>
   <p:embeddedFontLst>
     <p:embeddedFont>
       <p:font typeface="Montserrat"/>
-      <p:regular r:id="rId36"/>
-      <p:bold r:id="rId37"/>
-      <p:italic r:id="rId38"/>
-      <p:boldItalic r:id="rId39"/>
+      <p:regular r:id="rId35"/>
+      <p:bold r:id="rId36"/>
+      <p:italic r:id="rId37"/>
+      <p:boldItalic r:id="rId38"/>
     </p:embeddedFont>
     <p:embeddedFont>
       <p:font typeface="Helvetica Neue"/>
-      <p:regular r:id="rId40"/>
-      <p:bold r:id="rId41"/>
-      <p:italic r:id="rId42"/>
-      <p:boldItalic r:id="rId43"/>
+      <p:regular r:id="rId39"/>
+      <p:bold r:id="rId40"/>
+      <p:italic r:id="rId41"/>
+      <p:boldItalic r:id="rId42"/>
     </p:embeddedFont>
     <p:embeddedFont>
       <p:font typeface="Lustria"/>
-      <p:regular r:id="rId44"/>
+      <p:regular r:id="rId43"/>
     </p:embeddedFont>
   </p:embeddedFontLst>
   <p:defaultTextStyle>
@@ -2683,7 +2682,7 @@
       </p:grpSpPr>
       <p:sp>
         <p:nvSpPr>
-          <p:cNvPr id="202" name="Google Shape;202;p21:notes"/>
+          <p:cNvPr id="202" name="Google Shape;202;p22:notes"/>
           <p:cNvSpPr txBox="1"/>
           <p:nvPr>
             <p:ph idx="1" type="body"/>
@@ -2722,7 +2721,7 @@
       </p:sp>
       <p:sp>
         <p:nvSpPr>
-          <p:cNvPr id="203" name="Google Shape;203;p21:notes"/>
+          <p:cNvPr id="203" name="Google Shape;203;p22:notes"/>
           <p:cNvSpPr/>
           <p:nvPr>
             <p:ph idx="2" type="sldImg"/>
@@ -2768,7 +2767,7 @@
   <p:cSld>
     <p:spTree>
       <p:nvGrpSpPr>
-        <p:cNvPr id="206" name="Shape 206"/>
+        <p:cNvPr id="207" name="Shape 207"/>
         <p:cNvGrpSpPr/>
         <p:nvPr/>
       </p:nvGrpSpPr>
@@ -2782,7 +2781,7 @@
       </p:grpSpPr>
       <p:sp>
         <p:nvSpPr>
-          <p:cNvPr id="207" name="Google Shape;207;p22:notes"/>
+          <p:cNvPr id="208" name="Google Shape;208;p23:notes"/>
           <p:cNvSpPr txBox="1"/>
           <p:nvPr>
             <p:ph idx="1" type="body"/>
@@ -2821,7 +2820,7 @@
       </p:sp>
       <p:sp>
         <p:nvSpPr>
-          <p:cNvPr id="208" name="Google Shape;208;p22:notes"/>
+          <p:cNvPr id="209" name="Google Shape;209;p23:notes"/>
           <p:cNvSpPr/>
           <p:nvPr>
             <p:ph idx="2" type="sldImg"/>
@@ -2867,7 +2866,7 @@
   <p:cSld>
     <p:spTree>
       <p:nvGrpSpPr>
-        <p:cNvPr id="212" name="Shape 212"/>
+        <p:cNvPr id="213" name="Shape 213"/>
         <p:cNvGrpSpPr/>
         <p:nvPr/>
       </p:nvGrpSpPr>
@@ -2881,7 +2880,7 @@
       </p:grpSpPr>
       <p:sp>
         <p:nvSpPr>
-          <p:cNvPr id="213" name="Google Shape;213;p23:notes"/>
+          <p:cNvPr id="214" name="Google Shape;214;p24:notes"/>
           <p:cNvSpPr txBox="1"/>
           <p:nvPr>
             <p:ph idx="1" type="body"/>
@@ -2920,7 +2919,7 @@
       </p:sp>
       <p:sp>
         <p:nvSpPr>
-          <p:cNvPr id="214" name="Google Shape;214;p23:notes"/>
+          <p:cNvPr id="215" name="Google Shape;215;p24:notes"/>
           <p:cNvSpPr/>
           <p:nvPr>
             <p:ph idx="2" type="sldImg"/>
@@ -2966,7 +2965,7 @@
   <p:cSld>
     <p:spTree>
       <p:nvGrpSpPr>
-        <p:cNvPr id="218" name="Shape 218"/>
+        <p:cNvPr id="219" name="Shape 219"/>
         <p:cNvGrpSpPr/>
         <p:nvPr/>
       </p:nvGrpSpPr>
@@ -2980,7 +2979,7 @@
       </p:grpSpPr>
       <p:sp>
         <p:nvSpPr>
-          <p:cNvPr id="219" name="Google Shape;219;p24:notes"/>
+          <p:cNvPr id="220" name="Google Shape;220;p25:notes"/>
           <p:cNvSpPr txBox="1"/>
           <p:nvPr>
             <p:ph idx="1" type="body"/>
@@ -3019,7 +3018,7 @@
       </p:sp>
       <p:sp>
         <p:nvSpPr>
-          <p:cNvPr id="220" name="Google Shape;220;p24:notes"/>
+          <p:cNvPr id="221" name="Google Shape;221;p25:notes"/>
           <p:cNvSpPr/>
           <p:nvPr>
             <p:ph idx="2" type="sldImg"/>
@@ -3065,7 +3064,7 @@
   <p:cSld>
     <p:spTree>
       <p:nvGrpSpPr>
-        <p:cNvPr id="224" name="Shape 224"/>
+        <p:cNvPr id="225" name="Shape 225"/>
         <p:cNvGrpSpPr/>
         <p:nvPr/>
       </p:nvGrpSpPr>
@@ -3079,7 +3078,7 @@
       </p:grpSpPr>
       <p:sp>
         <p:nvSpPr>
-          <p:cNvPr id="225" name="Google Shape;225;p25:notes"/>
+          <p:cNvPr id="226" name="Google Shape;226;p26:notes"/>
           <p:cNvSpPr txBox="1"/>
           <p:nvPr>
             <p:ph idx="1" type="body"/>
@@ -3118,7 +3117,7 @@
       </p:sp>
       <p:sp>
         <p:nvSpPr>
-          <p:cNvPr id="226" name="Google Shape;226;p25:notes"/>
+          <p:cNvPr id="227" name="Google Shape;227;p26:notes"/>
           <p:cNvSpPr/>
           <p:nvPr>
             <p:ph idx="2" type="sldImg"/>
@@ -3164,7 +3163,7 @@
   <p:cSld>
     <p:spTree>
       <p:nvGrpSpPr>
-        <p:cNvPr id="230" name="Shape 230"/>
+        <p:cNvPr id="231" name="Shape 231"/>
         <p:cNvGrpSpPr/>
         <p:nvPr/>
       </p:nvGrpSpPr>
@@ -3178,7 +3177,7 @@
       </p:grpSpPr>
       <p:sp>
         <p:nvSpPr>
-          <p:cNvPr id="231" name="Google Shape;231;p26:notes"/>
+          <p:cNvPr id="232" name="Google Shape;232;p27:notes"/>
           <p:cNvSpPr txBox="1"/>
           <p:nvPr>
             <p:ph idx="1" type="body"/>
@@ -3217,7 +3216,7 @@
       </p:sp>
       <p:sp>
         <p:nvSpPr>
-          <p:cNvPr id="232" name="Google Shape;232;p26:notes"/>
+          <p:cNvPr id="233" name="Google Shape;233;p27:notes"/>
           <p:cNvSpPr/>
           <p:nvPr>
             <p:ph idx="2" type="sldImg"/>
@@ -3263,7 +3262,7 @@
   <p:cSld>
     <p:spTree>
       <p:nvGrpSpPr>
-        <p:cNvPr id="236" name="Shape 236"/>
+        <p:cNvPr id="237" name="Shape 237"/>
         <p:cNvGrpSpPr/>
         <p:nvPr/>
       </p:nvGrpSpPr>
@@ -3277,7 +3276,7 @@
       </p:grpSpPr>
       <p:sp>
         <p:nvSpPr>
-          <p:cNvPr id="237" name="Google Shape;237;p27:notes"/>
+          <p:cNvPr id="238" name="Google Shape;238;p28:notes"/>
           <p:cNvSpPr txBox="1"/>
           <p:nvPr>
             <p:ph idx="1" type="body"/>
@@ -3316,7 +3315,7 @@
       </p:sp>
       <p:sp>
         <p:nvSpPr>
-          <p:cNvPr id="238" name="Google Shape;238;p27:notes"/>
+          <p:cNvPr id="239" name="Google Shape;239;p28:notes"/>
           <p:cNvSpPr/>
           <p:nvPr>
             <p:ph idx="2" type="sldImg"/>
@@ -3362,7 +3361,7 @@
   <p:cSld>
     <p:spTree>
       <p:nvGrpSpPr>
-        <p:cNvPr id="242" name="Shape 242"/>
+        <p:cNvPr id="243" name="Shape 243"/>
         <p:cNvGrpSpPr/>
         <p:nvPr/>
       </p:nvGrpSpPr>
@@ -3376,7 +3375,7 @@
       </p:grpSpPr>
       <p:sp>
         <p:nvSpPr>
-          <p:cNvPr id="243" name="Google Shape;243;p28:notes"/>
+          <p:cNvPr id="244" name="Google Shape;244;p29:notes"/>
           <p:cNvSpPr txBox="1"/>
           <p:nvPr>
             <p:ph idx="1" type="body"/>
@@ -3415,7 +3414,7 @@
       </p:sp>
       <p:sp>
         <p:nvSpPr>
-          <p:cNvPr id="244" name="Google Shape;244;p28:notes"/>
+          <p:cNvPr id="245" name="Google Shape;245;p29:notes"/>
           <p:cNvSpPr/>
           <p:nvPr>
             <p:ph idx="2" type="sldImg"/>
@@ -3461,7 +3460,7 @@
   <p:cSld>
     <p:spTree>
       <p:nvGrpSpPr>
-        <p:cNvPr id="248" name="Shape 248"/>
+        <p:cNvPr id="249" name="Shape 249"/>
         <p:cNvGrpSpPr/>
         <p:nvPr/>
       </p:nvGrpSpPr>
@@ -3475,7 +3474,7 @@
       </p:grpSpPr>
       <p:sp>
         <p:nvSpPr>
-          <p:cNvPr id="249" name="Google Shape;249;p29:notes"/>
+          <p:cNvPr id="250" name="Google Shape;250;p30:notes"/>
           <p:cNvSpPr txBox="1"/>
           <p:nvPr>
             <p:ph idx="1" type="body"/>
@@ -3514,106 +3513,7 @@
       </p:sp>
       <p:sp>
         <p:nvSpPr>
-          <p:cNvPr id="250" name="Google Shape;250;p29:notes"/>
-          <p:cNvSpPr/>
-          <p:nvPr>
-            <p:ph idx="2" type="sldImg"/>
-          </p:nvPr>
-        </p:nvSpPr>
-        <p:spPr>
-          <a:xfrm>
-            <a:off x="1143000" y="685800"/>
-            <a:ext cx="4572000" cy="3429000"/>
-          </a:xfrm>
-          <a:custGeom>
-            <a:rect b="b" l="l" r="r" t="t"/>
-            <a:pathLst>
-              <a:path extrusionOk="0" h="120000" w="120000">
-                <a:moveTo>
-                  <a:pt x="0" y="0"/>
-                </a:moveTo>
-                <a:lnTo>
-                  <a:pt x="120000" y="0"/>
-                </a:lnTo>
-                <a:lnTo>
-                  <a:pt x="120000" y="120000"/>
-                </a:lnTo>
-                <a:lnTo>
-                  <a:pt x="0" y="120000"/>
-                </a:lnTo>
-                <a:close/>
-              </a:path>
-            </a:pathLst>
-          </a:custGeom>
-        </p:spPr>
-      </p:sp>
-    </p:spTree>
-  </p:cSld>
-  <p:clrMapOvr>
-    <a:masterClrMapping/>
-  </p:clrMapOvr>
-</p:notes>
-</file>
-
-<file path=ppt/notesSlides/notesSlide29.xml><?xml version="1.0" encoding="utf-8"?>
-<p:notes xmlns:a="http://schemas.openxmlformats.org/drawingml/2006/main" xmlns:r="http://schemas.openxmlformats.org/officeDocument/2006/relationships" xmlns:mc="http://schemas.openxmlformats.org/markup-compatibility/2006" xmlns:mv="urn:schemas-microsoft-com:mac:vml" xmlns:p="http://schemas.openxmlformats.org/presentationml/2006/main" xmlns:c="http://schemas.openxmlformats.org/drawingml/2006/chart" xmlns:dgm="http://schemas.openxmlformats.org/drawingml/2006/diagram" xmlns:o="urn:schemas-microsoft-com:office:office" xmlns:v="urn:schemas-microsoft-com:vml" xmlns:pvml="urn:schemas-microsoft-com:office:powerpoint" xmlns:com="http://schemas.openxmlformats.org/drawingml/2006/compatibility" xmlns:p14="http://schemas.microsoft.com/office/powerpoint/2010/main" xmlns:p15="http://schemas.microsoft.com/office/powerpoint/2012/main" showMasterPhAnim="0" showMasterSp="0">
-  <p:cSld>
-    <p:spTree>
-      <p:nvGrpSpPr>
-        <p:cNvPr id="254" name="Shape 254"/>
-        <p:cNvGrpSpPr/>
-        <p:nvPr/>
-      </p:nvGrpSpPr>
-      <p:grpSpPr>
-        <a:xfrm>
-          <a:off x="0" y="0"/>
-          <a:ext cx="0" cy="0"/>
-          <a:chOff x="0" y="0"/>
-          <a:chExt cx="0" cy="0"/>
-        </a:xfrm>
-      </p:grpSpPr>
-      <p:sp>
-        <p:nvSpPr>
-          <p:cNvPr id="255" name="Google Shape;255;p30:notes"/>
-          <p:cNvSpPr txBox="1"/>
-          <p:nvPr>
-            <p:ph idx="1" type="body"/>
-          </p:nvPr>
-        </p:nvSpPr>
-        <p:spPr>
-          <a:xfrm>
-            <a:off x="685800" y="4343400"/>
-            <a:ext cx="5486400" cy="4114800"/>
-          </a:xfrm>
-          <a:prstGeom prst="rect">
-            <a:avLst/>
-          </a:prstGeom>
-        </p:spPr>
-        <p:txBody>
-          <a:bodyPr anchorCtr="0" anchor="t" bIns="45700" lIns="91425" spcFirstLastPara="1" rIns="91425" wrap="square" tIns="45700">
-            <a:noAutofit/>
-          </a:bodyPr>
-          <a:lstStyle/>
-          <a:p>
-            <a:pPr indent="0" lvl="0" marL="0" rtl="0" algn="l">
-              <a:spcBef>
-                <a:spcPts val="0"/>
-              </a:spcBef>
-              <a:spcAft>
-                <a:spcPts val="0"/>
-              </a:spcAft>
-              <a:buNone/>
-            </a:pPr>
-            <a:r>
-              <a:t/>
-            </a:r>
-            <a:endParaRPr/>
-          </a:p>
-        </p:txBody>
-      </p:sp>
-      <p:sp>
-        <p:nvSpPr>
-          <p:cNvPr id="256" name="Google Shape;256;p30:notes"/>
+          <p:cNvPr id="251" name="Google Shape;251;p30:notes"/>
           <p:cNvSpPr/>
           <p:nvPr>
             <p:ph idx="2" type="sldImg"/>
@@ -15693,7 +15593,7 @@
             </a:pPr>
             <a:r>
               <a:rPr lang="en-US" sz="2960"/>
-              <a:t>July 2019</a:t>
+              <a:t>July 2020</a:t>
             </a:r>
             <a:endParaRPr sz="2960"/>
           </a:p>
@@ -17259,26 +17159,6 @@
             </a:pPr>
             <a:r>
               <a:rPr lang="en-US"/>
-              <a:t>IBM Bluemix</a:t>
-            </a:r>
-            <a:endParaRPr/>
-          </a:p>
-          <a:p>
-            <a:pPr indent="-342900" lvl="0" marL="342900" rtl="0" algn="l">
-              <a:spcBef>
-                <a:spcPts val="640"/>
-              </a:spcBef>
-              <a:spcAft>
-                <a:spcPts val="0"/>
-              </a:spcAft>
-              <a:buClr>
-                <a:schemeClr val="dk1"/>
-              </a:buClr>
-              <a:buSzPts val="3200"/>
-              <a:buChar char="•"/>
-            </a:pPr>
-            <a:r>
-              <a:rPr lang="en-US"/>
               <a:t>RedHat OpenShift</a:t>
             </a:r>
             <a:endParaRPr/>
@@ -18450,80 +18330,6 @@
             </a:pPr>
             <a:r>
               <a:rPr lang="en-US"/>
-              <a:t>Amazon EC2 demo</a:t>
-            </a:r>
-            <a:endParaRPr/>
-          </a:p>
-        </p:txBody>
-      </p:sp>
-    </p:spTree>
-  </p:cSld>
-  <p:clrMapOvr>
-    <a:masterClrMapping/>
-  </p:clrMapOvr>
-</p:sld>
-</file>
-
-<file path=ppt/slides/slide21.xml><?xml version="1.0" encoding="utf-8"?>
-<p:sld xmlns:a="http://schemas.openxmlformats.org/drawingml/2006/main" xmlns:r="http://schemas.openxmlformats.org/officeDocument/2006/relationships" xmlns:mc="http://schemas.openxmlformats.org/markup-compatibility/2006" xmlns:mv="urn:schemas-microsoft-com:mac:vml" xmlns:p="http://schemas.openxmlformats.org/presentationml/2006/main" xmlns:c="http://schemas.openxmlformats.org/drawingml/2006/chart" xmlns:dgm="http://schemas.openxmlformats.org/drawingml/2006/diagram" xmlns:o="urn:schemas-microsoft-com:office:office" xmlns:v="urn:schemas-microsoft-com:vml" xmlns:pvml="urn:schemas-microsoft-com:office:powerpoint" xmlns:com="http://schemas.openxmlformats.org/drawingml/2006/compatibility" xmlns:p14="http://schemas.microsoft.com/office/powerpoint/2010/main" xmlns:p15="http://schemas.microsoft.com/office/powerpoint/2012/main">
-  <p:cSld>
-    <p:spTree>
-      <p:nvGrpSpPr>
-        <p:cNvPr id="209" name="Shape 209"/>
-        <p:cNvGrpSpPr/>
-        <p:nvPr/>
-      </p:nvGrpSpPr>
-      <p:grpSpPr>
-        <a:xfrm>
-          <a:off x="0" y="0"/>
-          <a:ext cx="0" cy="0"/>
-          <a:chOff x="0" y="0"/>
-          <a:chExt cx="0" cy="0"/>
-        </a:xfrm>
-      </p:grpSpPr>
-      <p:sp>
-        <p:nvSpPr>
-          <p:cNvPr id="210" name="Google Shape;210;p33"/>
-          <p:cNvSpPr txBox="1"/>
-          <p:nvPr>
-            <p:ph type="title"/>
-          </p:nvPr>
-        </p:nvSpPr>
-        <p:spPr>
-          <a:xfrm>
-            <a:off x="457200" y="274638"/>
-            <a:ext cx="8229600" cy="1143000"/>
-          </a:xfrm>
-          <a:prstGeom prst="rect">
-            <a:avLst/>
-          </a:prstGeom>
-          <a:noFill/>
-          <a:ln>
-            <a:noFill/>
-          </a:ln>
-        </p:spPr>
-        <p:txBody>
-          <a:bodyPr anchorCtr="0" anchor="ctr" bIns="45700" lIns="91425" spcFirstLastPara="1" rIns="91425" wrap="square" tIns="45700">
-            <a:noAutofit/>
-          </a:bodyPr>
-          <a:lstStyle/>
-          <a:p>
-            <a:pPr indent="0" lvl="0" marL="0" rtl="0" algn="ctr">
-              <a:spcBef>
-                <a:spcPts val="0"/>
-              </a:spcBef>
-              <a:spcAft>
-                <a:spcPts val="0"/>
-              </a:spcAft>
-              <a:buClr>
-                <a:schemeClr val="dk1"/>
-              </a:buClr>
-              <a:buSzPts val="4400"/>
-              <a:buFont typeface="Montserrat"/>
-              <a:buNone/>
-            </a:pPr>
-            <a:r>
-              <a:rPr lang="en-US"/>
               <a:t>Main EC2 components</a:t>
             </a:r>
             <a:endParaRPr/>
@@ -18532,7 +18338,7 @@
       </p:sp>
       <p:sp>
         <p:nvSpPr>
-          <p:cNvPr id="211" name="Google Shape;211;p33"/>
+          <p:cNvPr id="206" name="Google Shape;206;p32"/>
           <p:cNvSpPr txBox="1"/>
           <p:nvPr>
             <p:ph idx="1" type="body"/>
@@ -18750,12 +18556,12 @@
 </p:sld>
 </file>
 
-<file path=ppt/slides/slide22.xml><?xml version="1.0" encoding="utf-8"?>
+<file path=ppt/slides/slide21.xml><?xml version="1.0" encoding="utf-8"?>
 <p:sld xmlns:a="http://schemas.openxmlformats.org/drawingml/2006/main" xmlns:r="http://schemas.openxmlformats.org/officeDocument/2006/relationships" xmlns:mc="http://schemas.openxmlformats.org/markup-compatibility/2006" xmlns:mv="urn:schemas-microsoft-com:mac:vml" xmlns:p="http://schemas.openxmlformats.org/presentationml/2006/main" xmlns:c="http://schemas.openxmlformats.org/drawingml/2006/chart" xmlns:dgm="http://schemas.openxmlformats.org/drawingml/2006/diagram" xmlns:o="urn:schemas-microsoft-com:office:office" xmlns:v="urn:schemas-microsoft-com:vml" xmlns:pvml="urn:schemas-microsoft-com:office:powerpoint" xmlns:com="http://schemas.openxmlformats.org/drawingml/2006/compatibility" xmlns:p14="http://schemas.microsoft.com/office/powerpoint/2010/main" xmlns:p15="http://schemas.microsoft.com/office/powerpoint/2012/main">
   <p:cSld>
     <p:spTree>
       <p:nvGrpSpPr>
-        <p:cNvPr id="215" name="Shape 215"/>
+        <p:cNvPr id="210" name="Shape 210"/>
         <p:cNvGrpSpPr/>
         <p:nvPr/>
       </p:nvGrpSpPr>
@@ -18769,7 +18575,7 @@
       </p:grpSpPr>
       <p:sp>
         <p:nvSpPr>
-          <p:cNvPr id="216" name="Google Shape;216;p34"/>
+          <p:cNvPr id="211" name="Google Shape;211;p33"/>
           <p:cNvSpPr txBox="1"/>
           <p:nvPr>
             <p:ph type="title"/>
@@ -18818,7 +18624,7 @@
       </p:sp>
       <p:sp>
         <p:nvSpPr>
-          <p:cNvPr id="217" name="Google Shape;217;p34"/>
+          <p:cNvPr id="212" name="Google Shape;212;p33"/>
           <p:cNvSpPr txBox="1"/>
           <p:nvPr>
             <p:ph idx="1" type="body"/>
@@ -19081,12 +18887,12 @@
 </p:sld>
 </file>
 
-<file path=ppt/slides/slide23.xml><?xml version="1.0" encoding="utf-8"?>
+<file path=ppt/slides/slide22.xml><?xml version="1.0" encoding="utf-8"?>
 <p:sld xmlns:a="http://schemas.openxmlformats.org/drawingml/2006/main" xmlns:r="http://schemas.openxmlformats.org/officeDocument/2006/relationships" xmlns:mc="http://schemas.openxmlformats.org/markup-compatibility/2006" xmlns:mv="urn:schemas-microsoft-com:mac:vml" xmlns:p="http://schemas.openxmlformats.org/presentationml/2006/main" xmlns:c="http://schemas.openxmlformats.org/drawingml/2006/chart" xmlns:dgm="http://schemas.openxmlformats.org/drawingml/2006/diagram" xmlns:o="urn:schemas-microsoft-com:office:office" xmlns:v="urn:schemas-microsoft-com:vml" xmlns:pvml="urn:schemas-microsoft-com:office:powerpoint" xmlns:com="http://schemas.openxmlformats.org/drawingml/2006/compatibility" xmlns:p14="http://schemas.microsoft.com/office/powerpoint/2010/main" xmlns:p15="http://schemas.microsoft.com/office/powerpoint/2012/main">
   <p:cSld>
     <p:spTree>
       <p:nvGrpSpPr>
-        <p:cNvPr id="221" name="Shape 221"/>
+        <p:cNvPr id="216" name="Shape 216"/>
         <p:cNvGrpSpPr/>
         <p:nvPr/>
       </p:nvGrpSpPr>
@@ -19100,7 +18906,7 @@
       </p:grpSpPr>
       <p:sp>
         <p:nvSpPr>
-          <p:cNvPr id="222" name="Google Shape;222;p35"/>
+          <p:cNvPr id="217" name="Google Shape;217;p34"/>
           <p:cNvSpPr txBox="1"/>
           <p:nvPr>
             <p:ph type="title"/>
@@ -19149,7 +18955,7 @@
       </p:sp>
       <p:sp>
         <p:nvSpPr>
-          <p:cNvPr id="223" name="Google Shape;223;p35"/>
+          <p:cNvPr id="218" name="Google Shape;218;p34"/>
           <p:cNvSpPr txBox="1"/>
           <p:nvPr>
             <p:ph idx="1" type="body"/>
@@ -19303,12 +19109,12 @@
 </p:sld>
 </file>
 
-<file path=ppt/slides/slide24.xml><?xml version="1.0" encoding="utf-8"?>
+<file path=ppt/slides/slide23.xml><?xml version="1.0" encoding="utf-8"?>
 <p:sld xmlns:a="http://schemas.openxmlformats.org/drawingml/2006/main" xmlns:r="http://schemas.openxmlformats.org/officeDocument/2006/relationships" xmlns:mc="http://schemas.openxmlformats.org/markup-compatibility/2006" xmlns:mv="urn:schemas-microsoft-com:mac:vml" xmlns:p="http://schemas.openxmlformats.org/presentationml/2006/main" xmlns:c="http://schemas.openxmlformats.org/drawingml/2006/chart" xmlns:dgm="http://schemas.openxmlformats.org/drawingml/2006/diagram" xmlns:o="urn:schemas-microsoft-com:office:office" xmlns:v="urn:schemas-microsoft-com:vml" xmlns:pvml="urn:schemas-microsoft-com:office:powerpoint" xmlns:com="http://schemas.openxmlformats.org/drawingml/2006/compatibility" xmlns:p14="http://schemas.microsoft.com/office/powerpoint/2010/main" xmlns:p15="http://schemas.microsoft.com/office/powerpoint/2012/main">
   <p:cSld>
     <p:spTree>
       <p:nvGrpSpPr>
-        <p:cNvPr id="227" name="Shape 227"/>
+        <p:cNvPr id="222" name="Shape 222"/>
         <p:cNvGrpSpPr/>
         <p:nvPr/>
       </p:nvGrpSpPr>
@@ -19322,7 +19128,7 @@
       </p:grpSpPr>
       <p:sp>
         <p:nvSpPr>
-          <p:cNvPr id="228" name="Google Shape;228;p36"/>
+          <p:cNvPr id="223" name="Google Shape;223;p35"/>
           <p:cNvSpPr txBox="1"/>
           <p:nvPr>
             <p:ph type="title"/>
@@ -19371,7 +19177,7 @@
       </p:sp>
       <p:sp>
         <p:nvSpPr>
-          <p:cNvPr id="229" name="Google Shape;229;p36"/>
+          <p:cNvPr id="224" name="Google Shape;224;p35"/>
           <p:cNvSpPr txBox="1"/>
           <p:nvPr>
             <p:ph idx="1" type="body"/>
@@ -19577,12 +19383,12 @@
 </p:sld>
 </file>
 
-<file path=ppt/slides/slide25.xml><?xml version="1.0" encoding="utf-8"?>
+<file path=ppt/slides/slide24.xml><?xml version="1.0" encoding="utf-8"?>
 <p:sld xmlns:a="http://schemas.openxmlformats.org/drawingml/2006/main" xmlns:r="http://schemas.openxmlformats.org/officeDocument/2006/relationships" xmlns:mc="http://schemas.openxmlformats.org/markup-compatibility/2006" xmlns:mv="urn:schemas-microsoft-com:mac:vml" xmlns:p="http://schemas.openxmlformats.org/presentationml/2006/main" xmlns:c="http://schemas.openxmlformats.org/drawingml/2006/chart" xmlns:dgm="http://schemas.openxmlformats.org/drawingml/2006/diagram" xmlns:o="urn:schemas-microsoft-com:office:office" xmlns:v="urn:schemas-microsoft-com:vml" xmlns:pvml="urn:schemas-microsoft-com:office:powerpoint" xmlns:com="http://schemas.openxmlformats.org/drawingml/2006/compatibility" xmlns:p14="http://schemas.microsoft.com/office/powerpoint/2010/main" xmlns:p15="http://schemas.microsoft.com/office/powerpoint/2012/main">
   <p:cSld>
     <p:spTree>
       <p:nvGrpSpPr>
-        <p:cNvPr id="233" name="Shape 233"/>
+        <p:cNvPr id="228" name="Shape 228"/>
         <p:cNvGrpSpPr/>
         <p:nvPr/>
       </p:nvGrpSpPr>
@@ -19596,7 +19402,7 @@
       </p:grpSpPr>
       <p:sp>
         <p:nvSpPr>
-          <p:cNvPr id="234" name="Google Shape;234;p37"/>
+          <p:cNvPr id="229" name="Google Shape;229;p36"/>
           <p:cNvSpPr txBox="1"/>
           <p:nvPr>
             <p:ph type="title"/>
@@ -19645,7 +19451,7 @@
       </p:sp>
       <p:sp>
         <p:nvSpPr>
-          <p:cNvPr id="235" name="Google Shape;235;p37"/>
+          <p:cNvPr id="230" name="Google Shape;230;p36"/>
           <p:cNvSpPr txBox="1"/>
           <p:nvPr>
             <p:ph idx="1" type="body"/>
@@ -19909,12 +19715,12 @@
 </p:sld>
 </file>
 
-<file path=ppt/slides/slide26.xml><?xml version="1.0" encoding="utf-8"?>
+<file path=ppt/slides/slide25.xml><?xml version="1.0" encoding="utf-8"?>
 <p:sld xmlns:a="http://schemas.openxmlformats.org/drawingml/2006/main" xmlns:r="http://schemas.openxmlformats.org/officeDocument/2006/relationships" xmlns:mc="http://schemas.openxmlformats.org/markup-compatibility/2006" xmlns:mv="urn:schemas-microsoft-com:mac:vml" xmlns:p="http://schemas.openxmlformats.org/presentationml/2006/main" xmlns:c="http://schemas.openxmlformats.org/drawingml/2006/chart" xmlns:dgm="http://schemas.openxmlformats.org/drawingml/2006/diagram" xmlns:o="urn:schemas-microsoft-com:office:office" xmlns:v="urn:schemas-microsoft-com:vml" xmlns:pvml="urn:schemas-microsoft-com:office:powerpoint" xmlns:com="http://schemas.openxmlformats.org/drawingml/2006/compatibility" xmlns:p14="http://schemas.microsoft.com/office/powerpoint/2010/main" xmlns:p15="http://schemas.microsoft.com/office/powerpoint/2012/main">
   <p:cSld>
     <p:spTree>
       <p:nvGrpSpPr>
-        <p:cNvPr id="239" name="Shape 239"/>
+        <p:cNvPr id="234" name="Shape 234"/>
         <p:cNvGrpSpPr/>
         <p:nvPr/>
       </p:nvGrpSpPr>
@@ -19928,7 +19734,7 @@
       </p:grpSpPr>
       <p:sp>
         <p:nvSpPr>
-          <p:cNvPr id="240" name="Google Shape;240;p38"/>
+          <p:cNvPr id="235" name="Google Shape;235;p37"/>
           <p:cNvSpPr txBox="1"/>
           <p:nvPr>
             <p:ph type="title"/>
@@ -19980,7 +19786,7 @@
       </p:sp>
       <p:graphicFrame>
         <p:nvGraphicFramePr>
-          <p:cNvPr id="241" name="Google Shape;241;p38"/>
+          <p:cNvPr id="236" name="Google Shape;236;p37"/>
           <p:cNvGraphicFramePr/>
           <p:nvPr/>
         </p:nvGraphicFramePr>
@@ -20006,7 +19812,7 @@
                   </a:gsLst>
                   <a:lin ang="16200000" scaled="0"/>
                 </a:gradFill>
-                <a:tableStyleId>{A427F0AC-3E55-4252-960C-C110AF78C1EF}</a:tableStyleId>
+                <a:tableStyleId>{5AD28E5C-C4D2-4B94-BAE5-5166655278D9}</a:tableStyleId>
               </a:tblPr>
               <a:tblGrid>
                 <a:gridCol w="778925"/>
@@ -24562,12 +24368,12 @@
 </p:sld>
 </file>
 
-<file path=ppt/slides/slide27.xml><?xml version="1.0" encoding="utf-8"?>
+<file path=ppt/slides/slide26.xml><?xml version="1.0" encoding="utf-8"?>
 <p:sld xmlns:a="http://schemas.openxmlformats.org/drawingml/2006/main" xmlns:r="http://schemas.openxmlformats.org/officeDocument/2006/relationships" xmlns:mc="http://schemas.openxmlformats.org/markup-compatibility/2006" xmlns:mv="urn:schemas-microsoft-com:mac:vml" xmlns:p="http://schemas.openxmlformats.org/presentationml/2006/main" xmlns:c="http://schemas.openxmlformats.org/drawingml/2006/chart" xmlns:dgm="http://schemas.openxmlformats.org/drawingml/2006/diagram" xmlns:o="urn:schemas-microsoft-com:office:office" xmlns:v="urn:schemas-microsoft-com:vml" xmlns:pvml="urn:schemas-microsoft-com:office:powerpoint" xmlns:com="http://schemas.openxmlformats.org/drawingml/2006/compatibility" xmlns:p14="http://schemas.microsoft.com/office/powerpoint/2010/main" xmlns:p15="http://schemas.microsoft.com/office/powerpoint/2012/main">
   <p:cSld>
     <p:spTree>
       <p:nvGrpSpPr>
-        <p:cNvPr id="245" name="Shape 245"/>
+        <p:cNvPr id="240" name="Shape 240"/>
         <p:cNvGrpSpPr/>
         <p:nvPr/>
       </p:nvGrpSpPr>
@@ -24581,7 +24387,7 @@
       </p:grpSpPr>
       <p:sp>
         <p:nvSpPr>
-          <p:cNvPr id="246" name="Google Shape;246;p39"/>
+          <p:cNvPr id="241" name="Google Shape;241;p38"/>
           <p:cNvSpPr txBox="1"/>
           <p:nvPr>
             <p:ph type="title"/>
@@ -24630,7 +24436,7 @@
       </p:sp>
       <p:pic>
         <p:nvPicPr>
-          <p:cNvPr id="247" name="Google Shape;247;p39"/>
+          <p:cNvPr id="242" name="Google Shape;242;p38"/>
           <p:cNvPicPr preferRelativeResize="0"/>
           <p:nvPr/>
         </p:nvPicPr>
@@ -24663,12 +24469,12 @@
 </p:sld>
 </file>
 
-<file path=ppt/slides/slide28.xml><?xml version="1.0" encoding="utf-8"?>
+<file path=ppt/slides/slide27.xml><?xml version="1.0" encoding="utf-8"?>
 <p:sld xmlns:a="http://schemas.openxmlformats.org/drawingml/2006/main" xmlns:r="http://schemas.openxmlformats.org/officeDocument/2006/relationships" xmlns:mc="http://schemas.openxmlformats.org/markup-compatibility/2006" xmlns:mv="urn:schemas-microsoft-com:mac:vml" xmlns:p="http://schemas.openxmlformats.org/presentationml/2006/main" xmlns:c="http://schemas.openxmlformats.org/drawingml/2006/chart" xmlns:dgm="http://schemas.openxmlformats.org/drawingml/2006/diagram" xmlns:o="urn:schemas-microsoft-com:office:office" xmlns:v="urn:schemas-microsoft-com:vml" xmlns:pvml="urn:schemas-microsoft-com:office:powerpoint" xmlns:com="http://schemas.openxmlformats.org/drawingml/2006/compatibility" xmlns:p14="http://schemas.microsoft.com/office/powerpoint/2010/main" xmlns:p15="http://schemas.microsoft.com/office/powerpoint/2012/main">
   <p:cSld>
     <p:spTree>
       <p:nvGrpSpPr>
-        <p:cNvPr id="251" name="Shape 251"/>
+        <p:cNvPr id="246" name="Shape 246"/>
         <p:cNvGrpSpPr/>
         <p:nvPr/>
       </p:nvGrpSpPr>
@@ -24682,7 +24488,7 @@
       </p:grpSpPr>
       <p:sp>
         <p:nvSpPr>
-          <p:cNvPr id="252" name="Google Shape;252;p40"/>
+          <p:cNvPr id="247" name="Google Shape;247;p39"/>
           <p:cNvSpPr txBox="1"/>
           <p:nvPr>
             <p:ph type="title"/>
@@ -24731,7 +24537,7 @@
       </p:sp>
       <p:sp>
         <p:nvSpPr>
-          <p:cNvPr id="253" name="Google Shape;253;p40"/>
+          <p:cNvPr id="248" name="Google Shape;248;p39"/>
           <p:cNvSpPr txBox="1"/>
           <p:nvPr>
             <p:ph idx="1" type="body"/>
@@ -24845,12 +24651,12 @@
 </p:sld>
 </file>
 
-<file path=ppt/slides/slide29.xml><?xml version="1.0" encoding="utf-8"?>
+<file path=ppt/slides/slide28.xml><?xml version="1.0" encoding="utf-8"?>
 <p:sld xmlns:a="http://schemas.openxmlformats.org/drawingml/2006/main" xmlns:r="http://schemas.openxmlformats.org/officeDocument/2006/relationships" xmlns:mc="http://schemas.openxmlformats.org/markup-compatibility/2006" xmlns:mv="urn:schemas-microsoft-com:mac:vml" xmlns:p="http://schemas.openxmlformats.org/presentationml/2006/main" xmlns:c="http://schemas.openxmlformats.org/drawingml/2006/chart" xmlns:dgm="http://schemas.openxmlformats.org/drawingml/2006/diagram" xmlns:o="urn:schemas-microsoft-com:office:office" xmlns:v="urn:schemas-microsoft-com:vml" xmlns:pvml="urn:schemas-microsoft-com:office:powerpoint" xmlns:com="http://schemas.openxmlformats.org/drawingml/2006/compatibility" xmlns:p14="http://schemas.microsoft.com/office/powerpoint/2010/main" xmlns:p15="http://schemas.microsoft.com/office/powerpoint/2012/main">
   <p:cSld>
     <p:spTree>
       <p:nvGrpSpPr>
-        <p:cNvPr id="257" name="Shape 257"/>
+        <p:cNvPr id="252" name="Shape 252"/>
         <p:cNvGrpSpPr/>
         <p:nvPr/>
       </p:nvGrpSpPr>
@@ -24864,7 +24670,7 @@
       </p:grpSpPr>
       <p:sp>
         <p:nvSpPr>
-          <p:cNvPr id="258" name="Google Shape;258;p41"/>
+          <p:cNvPr id="253" name="Google Shape;253;p40"/>
           <p:cNvSpPr txBox="1"/>
           <p:nvPr>
             <p:ph type="title"/>
@@ -24913,7 +24719,7 @@
       </p:sp>
       <p:sp>
         <p:nvSpPr>
-          <p:cNvPr id="259" name="Google Shape;259;p41"/>
+          <p:cNvPr id="254" name="Google Shape;254;p40"/>
           <p:cNvSpPr txBox="1"/>
           <p:nvPr>
             <p:ph idx="1" type="body"/>
@@ -25907,6 +25713,26 @@
             <a:endParaRPr/>
           </a:p>
           <a:p>
+            <a:pPr indent="-349250" lvl="1" marL="742950" rtl="0" algn="l">
+              <a:lnSpc>
+                <a:spcPct val="90000"/>
+              </a:lnSpc>
+              <a:spcBef>
+                <a:spcPts val="560"/>
+              </a:spcBef>
+              <a:spcAft>
+                <a:spcPts val="0"/>
+              </a:spcAft>
+              <a:buSzPts val="2800"/>
+              <a:buChar char="–"/>
+            </a:pPr>
+            <a:r>
+              <a:rPr lang="en-US"/>
+              <a:t>Microsoft Azure</a:t>
+            </a:r>
+            <a:endParaRPr/>
+          </a:p>
+          <a:p>
             <a:pPr indent="-285750" lvl="1" marL="742950" rtl="0" algn="l">
               <a:lnSpc>
                 <a:spcPct val="90000"/>
@@ -25948,7 +25774,7 @@
             </a:pPr>
             <a:r>
               <a:rPr lang="en-US"/>
-              <a:t>Microsoft Azure</a:t>
+              <a:t>Alibaba</a:t>
             </a:r>
             <a:endParaRPr/>
           </a:p>
@@ -25971,76 +25797,7 @@
             </a:pPr>
             <a:r>
               <a:rPr lang="en-US"/>
-              <a:t>IBM Softlayer</a:t>
-            </a:r>
-            <a:endParaRPr/>
-          </a:p>
-          <a:p>
-            <a:pPr indent="-285750" lvl="1" marL="742950" rtl="0" algn="l">
-              <a:lnSpc>
-                <a:spcPct val="90000"/>
-              </a:lnSpc>
-              <a:spcBef>
-                <a:spcPts val="560"/>
-              </a:spcBef>
-              <a:spcAft>
-                <a:spcPts val="0"/>
-              </a:spcAft>
-              <a:buClr>
-                <a:schemeClr val="dk1"/>
-              </a:buClr>
-              <a:buSzPts val="2800"/>
-              <a:buChar char="–"/>
-            </a:pPr>
-            <a:r>
-              <a:rPr lang="en-US"/>
-              <a:t>Rackspace</a:t>
-            </a:r>
-            <a:endParaRPr/>
-          </a:p>
-          <a:p>
-            <a:pPr indent="-285750" lvl="1" marL="742950" rtl="0" algn="l">
-              <a:lnSpc>
-                <a:spcPct val="90000"/>
-              </a:lnSpc>
-              <a:spcBef>
-                <a:spcPts val="560"/>
-              </a:spcBef>
-              <a:spcAft>
-                <a:spcPts val="0"/>
-              </a:spcAft>
-              <a:buClr>
-                <a:schemeClr val="dk1"/>
-              </a:buClr>
-              <a:buSzPts val="2800"/>
-              <a:buChar char="–"/>
-            </a:pPr>
-            <a:r>
-              <a:rPr lang="en-US"/>
-              <a:t>Joyent</a:t>
-            </a:r>
-            <a:endParaRPr/>
-          </a:p>
-          <a:p>
-            <a:pPr indent="-285750" lvl="1" marL="742950" rtl="0" algn="l">
-              <a:lnSpc>
-                <a:spcPct val="90000"/>
-              </a:lnSpc>
-              <a:spcBef>
-                <a:spcPts val="560"/>
-              </a:spcBef>
-              <a:spcAft>
-                <a:spcPts val="0"/>
-              </a:spcAft>
-              <a:buClr>
-                <a:schemeClr val="dk1"/>
-              </a:buClr>
-              <a:buSzPts val="2800"/>
-              <a:buChar char="–"/>
-            </a:pPr>
-            <a:r>
-              <a:rPr lang="en-US"/>
-              <a:t>DigitalOcean</a:t>
+              <a:t>DigitalOcean, Linode, etc</a:t>
             </a:r>
             <a:endParaRPr/>
           </a:p>
@@ -26155,17 +25912,18 @@
           <p:cNvPicPr preferRelativeResize="0"/>
           <p:nvPr/>
         </p:nvPicPr>
-        <p:blipFill rotWithShape="1">
+        <p:blipFill>
           <a:blip r:embed="rId3">
             <a:alphaModFix/>
           </a:blip>
-          <a:srcRect b="0" l="0" r="0" t="0"/>
-          <a:stretch/>
+          <a:stretch>
+            <a:fillRect/>
+          </a:stretch>
         </p:blipFill>
         <p:spPr>
           <a:xfrm>
-            <a:off x="2184865" y="968256"/>
-            <a:ext cx="4997332" cy="5166052"/>
+            <a:off x="152400" y="1036638"/>
+            <a:ext cx="8839199" cy="4967729"/>
           </a:xfrm>
           <a:prstGeom prst="rect">
             <a:avLst/>

--- a/pres-source/02-understanding-cloud-services.pptx
+++ b/pres-source/02-understanding-cloud-services.pptx
@@ -19812,7 +19812,7 @@
                   </a:gsLst>
                   <a:lin ang="16200000" scaled="0"/>
                 </a:gradFill>
-                <a:tableStyleId>{5AD28E5C-C4D2-4B94-BAE5-5166655278D9}</a:tableStyleId>
+                <a:tableStyleId>{E5EF6890-F82D-4B62-AB66-1021E89B8005}</a:tableStyleId>
               </a:tblPr>
               <a:tblGrid>
                 <a:gridCol w="778925"/>

--- a/pres-source/02-understanding-cloud-services.pptx
+++ b/pres-source/02-understanding-cloud-services.pptx
@@ -19812,7 +19812,7 @@
                   </a:gsLst>
                   <a:lin ang="16200000" scaled="0"/>
                 </a:gradFill>
-                <a:tableStyleId>{E5EF6890-F82D-4B62-AB66-1021E89B8005}</a:tableStyleId>
+                <a:tableStyleId>{96C7E976-FDDB-4FCB-B0A7-3FAF66BA540F}</a:tableStyleId>
               </a:tblPr>
               <a:tblGrid>
                 <a:gridCol w="778925"/>

--- a/pres-source/02-understanding-cloud-services.pptx
+++ b/pres-source/02-understanding-cloud-services.pptx
@@ -19812,7 +19812,7 @@
                   </a:gsLst>
                   <a:lin ang="16200000" scaled="0"/>
                 </a:gradFill>
-                <a:tableStyleId>{96C7E976-FDDB-4FCB-B0A7-3FAF66BA540F}</a:tableStyleId>
+                <a:tableStyleId>{E7102DC3-13F2-4E8A-9BE5-663D5BEEDFB7}</a:tableStyleId>
               </a:tblPr>
               <a:tblGrid>
                 <a:gridCol w="778925"/>

--- a/pres-source/02-understanding-cloud-services.pptx
+++ b/pres-source/02-understanding-cloud-services.pptx
@@ -19812,7 +19812,7 @@
                   </a:gsLst>
                   <a:lin ang="16200000" scaled="0"/>
                 </a:gradFill>
-                <a:tableStyleId>{E7102DC3-13F2-4E8A-9BE5-663D5BEEDFB7}</a:tableStyleId>
+                <a:tableStyleId>{A5A9F215-A8D5-4467-8676-45A4E0C02723}</a:tableStyleId>
               </a:tblPr>
               <a:tblGrid>
                 <a:gridCol w="778925"/>

--- a/pres-source/02-understanding-cloud-services.pptx
+++ b/pres-source/02-understanding-cloud-services.pptx
@@ -19812,7 +19812,7 @@
                   </a:gsLst>
                   <a:lin ang="16200000" scaled="0"/>
                 </a:gradFill>
-                <a:tableStyleId>{A5A9F215-A8D5-4467-8676-45A4E0C02723}</a:tableStyleId>
+                <a:tableStyleId>{D534B420-255F-4FA2-BF27-B43610CDBB90}</a:tableStyleId>
               </a:tblPr>
               <a:tblGrid>
                 <a:gridCol w="778925"/>

--- a/pres-source/02-understanding-cloud-services.pptx
+++ b/pres-source/02-understanding-cloud-services.pptx
@@ -19812,7 +19812,7 @@
                   </a:gsLst>
                   <a:lin ang="16200000" scaled="0"/>
                 </a:gradFill>
-                <a:tableStyleId>{D534B420-255F-4FA2-BF27-B43610CDBB90}</a:tableStyleId>
+                <a:tableStyleId>{CE2D8625-155F-4BEA-A6E0-1700E37657AB}</a:tableStyleId>
               </a:tblPr>
               <a:tblGrid>
                 <a:gridCol w="778925"/>

--- a/pres-source/02-understanding-cloud-services.pptx
+++ b/pres-source/02-understanding-cloud-services.pptx
@@ -19812,7 +19812,7 @@
                   </a:gsLst>
                   <a:lin ang="16200000" scaled="0"/>
                 </a:gradFill>
-                <a:tableStyleId>{CE2D8625-155F-4BEA-A6E0-1700E37657AB}</a:tableStyleId>
+                <a:tableStyleId>{DC4210D4-3535-4EA1-94AE-4F1C91841519}</a:tableStyleId>
               </a:tblPr>
               <a:tblGrid>
                 <a:gridCol w="778925"/>

--- a/pres-source/02-understanding-cloud-services.pptx
+++ b/pres-source/02-understanding-cloud-services.pptx
@@ -19812,7 +19812,7 @@
                   </a:gsLst>
                   <a:lin ang="16200000" scaled="0"/>
                 </a:gradFill>
-                <a:tableStyleId>{DC4210D4-3535-4EA1-94AE-4F1C91841519}</a:tableStyleId>
+                <a:tableStyleId>{B9941964-DAC7-4C95-9F31-7BEBD9AF11C2}</a:tableStyleId>
               </a:tblPr>
               <a:tblGrid>
                 <a:gridCol w="778925"/>

--- a/pres-source/02-understanding-cloud-services.pptx
+++ b/pres-source/02-understanding-cloud-services.pptx
@@ -19812,7 +19812,7 @@
                   </a:gsLst>
                   <a:lin ang="16200000" scaled="0"/>
                 </a:gradFill>
-                <a:tableStyleId>{B9941964-DAC7-4C95-9F31-7BEBD9AF11C2}</a:tableStyleId>
+                <a:tableStyleId>{CE6A4DF9-EAD0-4398-9B62-DA78DD3FA832}</a:tableStyleId>
               </a:tblPr>
               <a:tblGrid>
                 <a:gridCol w="778925"/>

--- a/pres-source/02-understanding-cloud-services.pptx
+++ b/pres-source/02-understanding-cloud-services.pptx
@@ -1,6 +1,6 @@
 
 <file path=ppt/presentation.xml><?xml version="1.0" encoding="utf-8"?>
-<p:presentation xmlns:a="http://schemas.openxmlformats.org/drawingml/2006/main" xmlns:r="http://schemas.openxmlformats.org/officeDocument/2006/relationships" xmlns:mc="http://schemas.openxmlformats.org/markup-compatibility/2006" xmlns:mv="urn:schemas-microsoft-com:mac:vml" xmlns:p="http://schemas.openxmlformats.org/presentationml/2006/main" xmlns:c="http://schemas.openxmlformats.org/drawingml/2006/chart" xmlns:dgm="http://schemas.openxmlformats.org/drawingml/2006/diagram" xmlns:o="urn:schemas-microsoft-com:office:office" xmlns:v="urn:schemas-microsoft-com:vml" xmlns:pvml="urn:schemas-microsoft-com:office:powerpoint" xmlns:com="http://schemas.openxmlformats.org/drawingml/2006/compatibility" xmlns:p14="http://schemas.microsoft.com/office/powerpoint/2010/main" xmlns:p15="http://schemas.microsoft.com/office/powerpoint/2012/main" autoCompressPictures="0" embedTrueTypeFonts="1" strictFirstAndLastChars="0" saveSubsetFonts="1">
+<p:presentation xmlns:a="http://schemas.openxmlformats.org/drawingml/2006/main" xmlns:r="http://schemas.openxmlformats.org/officeDocument/2006/relationships" xmlns:mc="http://schemas.openxmlformats.org/markup-compatibility/2006" xmlns:mv="urn:schemas-microsoft-com:mac:vml" xmlns:p="http://schemas.openxmlformats.org/presentationml/2006/main" xmlns:c="http://schemas.openxmlformats.org/drawingml/2006/chart" xmlns:dgm="http://schemas.openxmlformats.org/drawingml/2006/diagram" xmlns:o="urn:schemas-microsoft-com:office:office" xmlns:v="urn:schemas-microsoft-com:vml" xmlns:pvml="urn:schemas-microsoft-com:office:powerpoint" xmlns:com="http://schemas.openxmlformats.org/drawingml/2006/compatibility" xmlns:p14="http://schemas.microsoft.com/office/powerpoint/2010/main" xmlns:p15="http://schemas.microsoft.com/office/powerpoint/2012/main" xmlns:ahyp="http://schemas.microsoft.com/office/drawing/2018/hyperlinkcolor" autoCompressPictures="0" embedTrueTypeFonts="1" strictFirstAndLastChars="0" saveSubsetFonts="1">
   <p:sldMasterIdLst>
     <p:sldMasterId id="2147483659" r:id="rId5"/>
   </p:sldMasterIdLst>
@@ -308,7 +308,7 @@
 </file>
 
 <file path=ppt/notesMasters/notesMaster1.xml><?xml version="1.0" encoding="utf-8"?>
-<p:notesMaster xmlns:a="http://schemas.openxmlformats.org/drawingml/2006/main" xmlns:r="http://schemas.openxmlformats.org/officeDocument/2006/relationships" xmlns:mc="http://schemas.openxmlformats.org/markup-compatibility/2006" xmlns:mv="urn:schemas-microsoft-com:mac:vml" xmlns:p="http://schemas.openxmlformats.org/presentationml/2006/main" xmlns:c="http://schemas.openxmlformats.org/drawingml/2006/chart" xmlns:dgm="http://schemas.openxmlformats.org/drawingml/2006/diagram" xmlns:o="urn:schemas-microsoft-com:office:office" xmlns:v="urn:schemas-microsoft-com:vml" xmlns:pvml="urn:schemas-microsoft-com:office:powerpoint" xmlns:com="http://schemas.openxmlformats.org/drawingml/2006/compatibility" xmlns:p14="http://schemas.microsoft.com/office/powerpoint/2010/main" xmlns:p15="http://schemas.microsoft.com/office/powerpoint/2012/main">
+<p:notesMaster xmlns:a="http://schemas.openxmlformats.org/drawingml/2006/main" xmlns:r="http://schemas.openxmlformats.org/officeDocument/2006/relationships" xmlns:mc="http://schemas.openxmlformats.org/markup-compatibility/2006" xmlns:mv="urn:schemas-microsoft-com:mac:vml" xmlns:p="http://schemas.openxmlformats.org/presentationml/2006/main" xmlns:c="http://schemas.openxmlformats.org/drawingml/2006/chart" xmlns:dgm="http://schemas.openxmlformats.org/drawingml/2006/diagram" xmlns:o="urn:schemas-microsoft-com:office:office" xmlns:v="urn:schemas-microsoft-com:vml" xmlns:pvml="urn:schemas-microsoft-com:office:powerpoint" xmlns:com="http://schemas.openxmlformats.org/drawingml/2006/compatibility" xmlns:p14="http://schemas.microsoft.com/office/powerpoint/2010/main" xmlns:p15="http://schemas.microsoft.com/office/powerpoint/2012/main" xmlns:ahyp="http://schemas.microsoft.com/office/drawing/2018/hyperlinkcolor">
   <p:cSld>
     <p:bg>
       <p:bgPr>
@@ -1476,7 +1476,7 @@
 </file>
 
 <file path=ppt/notesSlides/notesSlide1.xml><?xml version="1.0" encoding="utf-8"?>
-<p:notes xmlns:a="http://schemas.openxmlformats.org/drawingml/2006/main" xmlns:r="http://schemas.openxmlformats.org/officeDocument/2006/relationships" xmlns:mc="http://schemas.openxmlformats.org/markup-compatibility/2006" xmlns:mv="urn:schemas-microsoft-com:mac:vml" xmlns:p="http://schemas.openxmlformats.org/presentationml/2006/main" xmlns:c="http://schemas.openxmlformats.org/drawingml/2006/chart" xmlns:dgm="http://schemas.openxmlformats.org/drawingml/2006/diagram" xmlns:o="urn:schemas-microsoft-com:office:office" xmlns:v="urn:schemas-microsoft-com:vml" xmlns:pvml="urn:schemas-microsoft-com:office:powerpoint" xmlns:com="http://schemas.openxmlformats.org/drawingml/2006/compatibility" xmlns:p14="http://schemas.microsoft.com/office/powerpoint/2010/main" xmlns:p15="http://schemas.microsoft.com/office/powerpoint/2012/main" showMasterPhAnim="0" showMasterSp="0">
+<p:notes xmlns:a="http://schemas.openxmlformats.org/drawingml/2006/main" xmlns:r="http://schemas.openxmlformats.org/officeDocument/2006/relationships" xmlns:mc="http://schemas.openxmlformats.org/markup-compatibility/2006" xmlns:mv="urn:schemas-microsoft-com:mac:vml" xmlns:p="http://schemas.openxmlformats.org/presentationml/2006/main" xmlns:c="http://schemas.openxmlformats.org/drawingml/2006/chart" xmlns:dgm="http://schemas.openxmlformats.org/drawingml/2006/diagram" xmlns:o="urn:schemas-microsoft-com:office:office" xmlns:v="urn:schemas-microsoft-com:vml" xmlns:pvml="urn:schemas-microsoft-com:office:powerpoint" xmlns:com="http://schemas.openxmlformats.org/drawingml/2006/compatibility" xmlns:p14="http://schemas.microsoft.com/office/powerpoint/2010/main" xmlns:p15="http://schemas.microsoft.com/office/powerpoint/2012/main" xmlns:ahyp="http://schemas.microsoft.com/office/drawing/2018/hyperlinkcolor" showMasterPhAnim="0" showMasterSp="0">
   <p:cSld>
     <p:spTree>
       <p:nvGrpSpPr>
@@ -1575,7 +1575,7 @@
 </file>
 
 <file path=ppt/notesSlides/notesSlide10.xml><?xml version="1.0" encoding="utf-8"?>
-<p:notes xmlns:a="http://schemas.openxmlformats.org/drawingml/2006/main" xmlns:r="http://schemas.openxmlformats.org/officeDocument/2006/relationships" xmlns:mc="http://schemas.openxmlformats.org/markup-compatibility/2006" xmlns:mv="urn:schemas-microsoft-com:mac:vml" xmlns:p="http://schemas.openxmlformats.org/presentationml/2006/main" xmlns:c="http://schemas.openxmlformats.org/drawingml/2006/chart" xmlns:dgm="http://schemas.openxmlformats.org/drawingml/2006/diagram" xmlns:o="urn:schemas-microsoft-com:office:office" xmlns:v="urn:schemas-microsoft-com:vml" xmlns:pvml="urn:schemas-microsoft-com:office:powerpoint" xmlns:com="http://schemas.openxmlformats.org/drawingml/2006/compatibility" xmlns:p14="http://schemas.microsoft.com/office/powerpoint/2010/main" xmlns:p15="http://schemas.microsoft.com/office/powerpoint/2012/main" showMasterPhAnim="0" showMasterSp="0">
+<p:notes xmlns:a="http://schemas.openxmlformats.org/drawingml/2006/main" xmlns:r="http://schemas.openxmlformats.org/officeDocument/2006/relationships" xmlns:mc="http://schemas.openxmlformats.org/markup-compatibility/2006" xmlns:mv="urn:schemas-microsoft-com:mac:vml" xmlns:p="http://schemas.openxmlformats.org/presentationml/2006/main" xmlns:c="http://schemas.openxmlformats.org/drawingml/2006/chart" xmlns:dgm="http://schemas.openxmlformats.org/drawingml/2006/diagram" xmlns:o="urn:schemas-microsoft-com:office:office" xmlns:v="urn:schemas-microsoft-com:vml" xmlns:pvml="urn:schemas-microsoft-com:office:powerpoint" xmlns:com="http://schemas.openxmlformats.org/drawingml/2006/compatibility" xmlns:p14="http://schemas.microsoft.com/office/powerpoint/2010/main" xmlns:p15="http://schemas.microsoft.com/office/powerpoint/2012/main" xmlns:ahyp="http://schemas.microsoft.com/office/drawing/2018/hyperlinkcolor" showMasterPhAnim="0" showMasterSp="0">
   <p:cSld>
     <p:spTree>
       <p:nvGrpSpPr>
@@ -1674,7 +1674,7 @@
 </file>
 
 <file path=ppt/notesSlides/notesSlide11.xml><?xml version="1.0" encoding="utf-8"?>
-<p:notes xmlns:a="http://schemas.openxmlformats.org/drawingml/2006/main" xmlns:r="http://schemas.openxmlformats.org/officeDocument/2006/relationships" xmlns:mc="http://schemas.openxmlformats.org/markup-compatibility/2006" xmlns:mv="urn:schemas-microsoft-com:mac:vml" xmlns:p="http://schemas.openxmlformats.org/presentationml/2006/main" xmlns:c="http://schemas.openxmlformats.org/drawingml/2006/chart" xmlns:dgm="http://schemas.openxmlformats.org/drawingml/2006/diagram" xmlns:o="urn:schemas-microsoft-com:office:office" xmlns:v="urn:schemas-microsoft-com:vml" xmlns:pvml="urn:schemas-microsoft-com:office:powerpoint" xmlns:com="http://schemas.openxmlformats.org/drawingml/2006/compatibility" xmlns:p14="http://schemas.microsoft.com/office/powerpoint/2010/main" xmlns:p15="http://schemas.microsoft.com/office/powerpoint/2012/main" showMasterPhAnim="0" showMasterSp="0">
+<p:notes xmlns:a="http://schemas.openxmlformats.org/drawingml/2006/main" xmlns:r="http://schemas.openxmlformats.org/officeDocument/2006/relationships" xmlns:mc="http://schemas.openxmlformats.org/markup-compatibility/2006" xmlns:mv="urn:schemas-microsoft-com:mac:vml" xmlns:p="http://schemas.openxmlformats.org/presentationml/2006/main" xmlns:c="http://schemas.openxmlformats.org/drawingml/2006/chart" xmlns:dgm="http://schemas.openxmlformats.org/drawingml/2006/diagram" xmlns:o="urn:schemas-microsoft-com:office:office" xmlns:v="urn:schemas-microsoft-com:vml" xmlns:pvml="urn:schemas-microsoft-com:office:powerpoint" xmlns:com="http://schemas.openxmlformats.org/drawingml/2006/compatibility" xmlns:p14="http://schemas.microsoft.com/office/powerpoint/2010/main" xmlns:p15="http://schemas.microsoft.com/office/powerpoint/2012/main" xmlns:ahyp="http://schemas.microsoft.com/office/drawing/2018/hyperlinkcolor" showMasterPhAnim="0" showMasterSp="0">
   <p:cSld>
     <p:spTree>
       <p:nvGrpSpPr>
@@ -1773,7 +1773,7 @@
 </file>
 
 <file path=ppt/notesSlides/notesSlide12.xml><?xml version="1.0" encoding="utf-8"?>
-<p:notes xmlns:a="http://schemas.openxmlformats.org/drawingml/2006/main" xmlns:r="http://schemas.openxmlformats.org/officeDocument/2006/relationships" xmlns:mc="http://schemas.openxmlformats.org/markup-compatibility/2006" xmlns:mv="urn:schemas-microsoft-com:mac:vml" xmlns:p="http://schemas.openxmlformats.org/presentationml/2006/main" xmlns:c="http://schemas.openxmlformats.org/drawingml/2006/chart" xmlns:dgm="http://schemas.openxmlformats.org/drawingml/2006/diagram" xmlns:o="urn:schemas-microsoft-com:office:office" xmlns:v="urn:schemas-microsoft-com:vml" xmlns:pvml="urn:schemas-microsoft-com:office:powerpoint" xmlns:com="http://schemas.openxmlformats.org/drawingml/2006/compatibility" xmlns:p14="http://schemas.microsoft.com/office/powerpoint/2010/main" xmlns:p15="http://schemas.microsoft.com/office/powerpoint/2012/main" showMasterPhAnim="0" showMasterSp="0">
+<p:notes xmlns:a="http://schemas.openxmlformats.org/drawingml/2006/main" xmlns:r="http://schemas.openxmlformats.org/officeDocument/2006/relationships" xmlns:mc="http://schemas.openxmlformats.org/markup-compatibility/2006" xmlns:mv="urn:schemas-microsoft-com:mac:vml" xmlns:p="http://schemas.openxmlformats.org/presentationml/2006/main" xmlns:c="http://schemas.openxmlformats.org/drawingml/2006/chart" xmlns:dgm="http://schemas.openxmlformats.org/drawingml/2006/diagram" xmlns:o="urn:schemas-microsoft-com:office:office" xmlns:v="urn:schemas-microsoft-com:vml" xmlns:pvml="urn:schemas-microsoft-com:office:powerpoint" xmlns:com="http://schemas.openxmlformats.org/drawingml/2006/compatibility" xmlns:p14="http://schemas.microsoft.com/office/powerpoint/2010/main" xmlns:p15="http://schemas.microsoft.com/office/powerpoint/2012/main" xmlns:ahyp="http://schemas.microsoft.com/office/drawing/2018/hyperlinkcolor" showMasterPhAnim="0" showMasterSp="0">
   <p:cSld>
     <p:spTree>
       <p:nvGrpSpPr>
@@ -1872,7 +1872,7 @@
 </file>
 
 <file path=ppt/notesSlides/notesSlide13.xml><?xml version="1.0" encoding="utf-8"?>
-<p:notes xmlns:a="http://schemas.openxmlformats.org/drawingml/2006/main" xmlns:r="http://schemas.openxmlformats.org/officeDocument/2006/relationships" xmlns:mc="http://schemas.openxmlformats.org/markup-compatibility/2006" xmlns:mv="urn:schemas-microsoft-com:mac:vml" xmlns:p="http://schemas.openxmlformats.org/presentationml/2006/main" xmlns:c="http://schemas.openxmlformats.org/drawingml/2006/chart" xmlns:dgm="http://schemas.openxmlformats.org/drawingml/2006/diagram" xmlns:o="urn:schemas-microsoft-com:office:office" xmlns:v="urn:schemas-microsoft-com:vml" xmlns:pvml="urn:schemas-microsoft-com:office:powerpoint" xmlns:com="http://schemas.openxmlformats.org/drawingml/2006/compatibility" xmlns:p14="http://schemas.microsoft.com/office/powerpoint/2010/main" xmlns:p15="http://schemas.microsoft.com/office/powerpoint/2012/main" showMasterPhAnim="0" showMasterSp="0">
+<p:notes xmlns:a="http://schemas.openxmlformats.org/drawingml/2006/main" xmlns:r="http://schemas.openxmlformats.org/officeDocument/2006/relationships" xmlns:mc="http://schemas.openxmlformats.org/markup-compatibility/2006" xmlns:mv="urn:schemas-microsoft-com:mac:vml" xmlns:p="http://schemas.openxmlformats.org/presentationml/2006/main" xmlns:c="http://schemas.openxmlformats.org/drawingml/2006/chart" xmlns:dgm="http://schemas.openxmlformats.org/drawingml/2006/diagram" xmlns:o="urn:schemas-microsoft-com:office:office" xmlns:v="urn:schemas-microsoft-com:vml" xmlns:pvml="urn:schemas-microsoft-com:office:powerpoint" xmlns:com="http://schemas.openxmlformats.org/drawingml/2006/compatibility" xmlns:p14="http://schemas.microsoft.com/office/powerpoint/2010/main" xmlns:p15="http://schemas.microsoft.com/office/powerpoint/2012/main" xmlns:ahyp="http://schemas.microsoft.com/office/drawing/2018/hyperlinkcolor" showMasterPhAnim="0" showMasterSp="0">
   <p:cSld>
     <p:spTree>
       <p:nvGrpSpPr>
@@ -1971,7 +1971,7 @@
 </file>
 
 <file path=ppt/notesSlides/notesSlide14.xml><?xml version="1.0" encoding="utf-8"?>
-<p:notes xmlns:a="http://schemas.openxmlformats.org/drawingml/2006/main" xmlns:r="http://schemas.openxmlformats.org/officeDocument/2006/relationships" xmlns:mc="http://schemas.openxmlformats.org/markup-compatibility/2006" xmlns:mv="urn:schemas-microsoft-com:mac:vml" xmlns:p="http://schemas.openxmlformats.org/presentationml/2006/main" xmlns:c="http://schemas.openxmlformats.org/drawingml/2006/chart" xmlns:dgm="http://schemas.openxmlformats.org/drawingml/2006/diagram" xmlns:o="urn:schemas-microsoft-com:office:office" xmlns:v="urn:schemas-microsoft-com:vml" xmlns:pvml="urn:schemas-microsoft-com:office:powerpoint" xmlns:com="http://schemas.openxmlformats.org/drawingml/2006/compatibility" xmlns:p14="http://schemas.microsoft.com/office/powerpoint/2010/main" xmlns:p15="http://schemas.microsoft.com/office/powerpoint/2012/main" showMasterPhAnim="0" showMasterSp="0">
+<p:notes xmlns:a="http://schemas.openxmlformats.org/drawingml/2006/main" xmlns:r="http://schemas.openxmlformats.org/officeDocument/2006/relationships" xmlns:mc="http://schemas.openxmlformats.org/markup-compatibility/2006" xmlns:mv="urn:schemas-microsoft-com:mac:vml" xmlns:p="http://schemas.openxmlformats.org/presentationml/2006/main" xmlns:c="http://schemas.openxmlformats.org/drawingml/2006/chart" xmlns:dgm="http://schemas.openxmlformats.org/drawingml/2006/diagram" xmlns:o="urn:schemas-microsoft-com:office:office" xmlns:v="urn:schemas-microsoft-com:vml" xmlns:pvml="urn:schemas-microsoft-com:office:powerpoint" xmlns:com="http://schemas.openxmlformats.org/drawingml/2006/compatibility" xmlns:p14="http://schemas.microsoft.com/office/powerpoint/2010/main" xmlns:p15="http://schemas.microsoft.com/office/powerpoint/2012/main" xmlns:ahyp="http://schemas.microsoft.com/office/drawing/2018/hyperlinkcolor" showMasterPhAnim="0" showMasterSp="0">
   <p:cSld>
     <p:spTree>
       <p:nvGrpSpPr>
@@ -2070,7 +2070,7 @@
 </file>
 
 <file path=ppt/notesSlides/notesSlide15.xml><?xml version="1.0" encoding="utf-8"?>
-<p:notes xmlns:a="http://schemas.openxmlformats.org/drawingml/2006/main" xmlns:r="http://schemas.openxmlformats.org/officeDocument/2006/relationships" xmlns:mc="http://schemas.openxmlformats.org/markup-compatibility/2006" xmlns:mv="urn:schemas-microsoft-com:mac:vml" xmlns:p="http://schemas.openxmlformats.org/presentationml/2006/main" xmlns:c="http://schemas.openxmlformats.org/drawingml/2006/chart" xmlns:dgm="http://schemas.openxmlformats.org/drawingml/2006/diagram" xmlns:o="urn:schemas-microsoft-com:office:office" xmlns:v="urn:schemas-microsoft-com:vml" xmlns:pvml="urn:schemas-microsoft-com:office:powerpoint" xmlns:com="http://schemas.openxmlformats.org/drawingml/2006/compatibility" xmlns:p14="http://schemas.microsoft.com/office/powerpoint/2010/main" xmlns:p15="http://schemas.microsoft.com/office/powerpoint/2012/main" showMasterPhAnim="0" showMasterSp="0">
+<p:notes xmlns:a="http://schemas.openxmlformats.org/drawingml/2006/main" xmlns:r="http://schemas.openxmlformats.org/officeDocument/2006/relationships" xmlns:mc="http://schemas.openxmlformats.org/markup-compatibility/2006" xmlns:mv="urn:schemas-microsoft-com:mac:vml" xmlns:p="http://schemas.openxmlformats.org/presentationml/2006/main" xmlns:c="http://schemas.openxmlformats.org/drawingml/2006/chart" xmlns:dgm="http://schemas.openxmlformats.org/drawingml/2006/diagram" xmlns:o="urn:schemas-microsoft-com:office:office" xmlns:v="urn:schemas-microsoft-com:vml" xmlns:pvml="urn:schemas-microsoft-com:office:powerpoint" xmlns:com="http://schemas.openxmlformats.org/drawingml/2006/compatibility" xmlns:p14="http://schemas.microsoft.com/office/powerpoint/2010/main" xmlns:p15="http://schemas.microsoft.com/office/powerpoint/2012/main" xmlns:ahyp="http://schemas.microsoft.com/office/drawing/2018/hyperlinkcolor" showMasterPhAnim="0" showMasterSp="0">
   <p:cSld>
     <p:spTree>
       <p:nvGrpSpPr>
@@ -2169,7 +2169,7 @@
 </file>
 
 <file path=ppt/notesSlides/notesSlide16.xml><?xml version="1.0" encoding="utf-8"?>
-<p:notes xmlns:a="http://schemas.openxmlformats.org/drawingml/2006/main" xmlns:r="http://schemas.openxmlformats.org/officeDocument/2006/relationships" xmlns:mc="http://schemas.openxmlformats.org/markup-compatibility/2006" xmlns:mv="urn:schemas-microsoft-com:mac:vml" xmlns:p="http://schemas.openxmlformats.org/presentationml/2006/main" xmlns:c="http://schemas.openxmlformats.org/drawingml/2006/chart" xmlns:dgm="http://schemas.openxmlformats.org/drawingml/2006/diagram" xmlns:o="urn:schemas-microsoft-com:office:office" xmlns:v="urn:schemas-microsoft-com:vml" xmlns:pvml="urn:schemas-microsoft-com:office:powerpoint" xmlns:com="http://schemas.openxmlformats.org/drawingml/2006/compatibility" xmlns:p14="http://schemas.microsoft.com/office/powerpoint/2010/main" xmlns:p15="http://schemas.microsoft.com/office/powerpoint/2012/main" showMasterPhAnim="0" showMasterSp="0">
+<p:notes xmlns:a="http://schemas.openxmlformats.org/drawingml/2006/main" xmlns:r="http://schemas.openxmlformats.org/officeDocument/2006/relationships" xmlns:mc="http://schemas.openxmlformats.org/markup-compatibility/2006" xmlns:mv="urn:schemas-microsoft-com:mac:vml" xmlns:p="http://schemas.openxmlformats.org/presentationml/2006/main" xmlns:c="http://schemas.openxmlformats.org/drawingml/2006/chart" xmlns:dgm="http://schemas.openxmlformats.org/drawingml/2006/diagram" xmlns:o="urn:schemas-microsoft-com:office:office" xmlns:v="urn:schemas-microsoft-com:vml" xmlns:pvml="urn:schemas-microsoft-com:office:powerpoint" xmlns:com="http://schemas.openxmlformats.org/drawingml/2006/compatibility" xmlns:p14="http://schemas.microsoft.com/office/powerpoint/2010/main" xmlns:p15="http://schemas.microsoft.com/office/powerpoint/2012/main" xmlns:ahyp="http://schemas.microsoft.com/office/drawing/2018/hyperlinkcolor" showMasterPhAnim="0" showMasterSp="0">
   <p:cSld>
     <p:spTree>
       <p:nvGrpSpPr>
@@ -2268,7 +2268,7 @@
 </file>
 
 <file path=ppt/notesSlides/notesSlide17.xml><?xml version="1.0" encoding="utf-8"?>
-<p:notes xmlns:a="http://schemas.openxmlformats.org/drawingml/2006/main" xmlns:r="http://schemas.openxmlformats.org/officeDocument/2006/relationships" xmlns:mc="http://schemas.openxmlformats.org/markup-compatibility/2006" xmlns:mv="urn:schemas-microsoft-com:mac:vml" xmlns:p="http://schemas.openxmlformats.org/presentationml/2006/main" xmlns:c="http://schemas.openxmlformats.org/drawingml/2006/chart" xmlns:dgm="http://schemas.openxmlformats.org/drawingml/2006/diagram" xmlns:o="urn:schemas-microsoft-com:office:office" xmlns:v="urn:schemas-microsoft-com:vml" xmlns:pvml="urn:schemas-microsoft-com:office:powerpoint" xmlns:com="http://schemas.openxmlformats.org/drawingml/2006/compatibility" xmlns:p14="http://schemas.microsoft.com/office/powerpoint/2010/main" xmlns:p15="http://schemas.microsoft.com/office/powerpoint/2012/main" showMasterPhAnim="0" showMasterSp="0">
+<p:notes xmlns:a="http://schemas.openxmlformats.org/drawingml/2006/main" xmlns:r="http://schemas.openxmlformats.org/officeDocument/2006/relationships" xmlns:mc="http://schemas.openxmlformats.org/markup-compatibility/2006" xmlns:mv="urn:schemas-microsoft-com:mac:vml" xmlns:p="http://schemas.openxmlformats.org/presentationml/2006/main" xmlns:c="http://schemas.openxmlformats.org/drawingml/2006/chart" xmlns:dgm="http://schemas.openxmlformats.org/drawingml/2006/diagram" xmlns:o="urn:schemas-microsoft-com:office:office" xmlns:v="urn:schemas-microsoft-com:vml" xmlns:pvml="urn:schemas-microsoft-com:office:powerpoint" xmlns:com="http://schemas.openxmlformats.org/drawingml/2006/compatibility" xmlns:p14="http://schemas.microsoft.com/office/powerpoint/2010/main" xmlns:p15="http://schemas.microsoft.com/office/powerpoint/2012/main" xmlns:ahyp="http://schemas.microsoft.com/office/drawing/2018/hyperlinkcolor" showMasterPhAnim="0" showMasterSp="0">
   <p:cSld>
     <p:spTree>
       <p:nvGrpSpPr>
@@ -2367,7 +2367,7 @@
 </file>
 
 <file path=ppt/notesSlides/notesSlide18.xml><?xml version="1.0" encoding="utf-8"?>
-<p:notes xmlns:a="http://schemas.openxmlformats.org/drawingml/2006/main" xmlns:r="http://schemas.openxmlformats.org/officeDocument/2006/relationships" xmlns:mc="http://schemas.openxmlformats.org/markup-compatibility/2006" xmlns:mv="urn:schemas-microsoft-com:mac:vml" xmlns:p="http://schemas.openxmlformats.org/presentationml/2006/main" xmlns:c="http://schemas.openxmlformats.org/drawingml/2006/chart" xmlns:dgm="http://schemas.openxmlformats.org/drawingml/2006/diagram" xmlns:o="urn:schemas-microsoft-com:office:office" xmlns:v="urn:schemas-microsoft-com:vml" xmlns:pvml="urn:schemas-microsoft-com:office:powerpoint" xmlns:com="http://schemas.openxmlformats.org/drawingml/2006/compatibility" xmlns:p14="http://schemas.microsoft.com/office/powerpoint/2010/main" xmlns:p15="http://schemas.microsoft.com/office/powerpoint/2012/main" showMasterPhAnim="0" showMasterSp="0">
+<p:notes xmlns:a="http://schemas.openxmlformats.org/drawingml/2006/main" xmlns:r="http://schemas.openxmlformats.org/officeDocument/2006/relationships" xmlns:mc="http://schemas.openxmlformats.org/markup-compatibility/2006" xmlns:mv="urn:schemas-microsoft-com:mac:vml" xmlns:p="http://schemas.openxmlformats.org/presentationml/2006/main" xmlns:c="http://schemas.openxmlformats.org/drawingml/2006/chart" xmlns:dgm="http://schemas.openxmlformats.org/drawingml/2006/diagram" xmlns:o="urn:schemas-microsoft-com:office:office" xmlns:v="urn:schemas-microsoft-com:vml" xmlns:pvml="urn:schemas-microsoft-com:office:powerpoint" xmlns:com="http://schemas.openxmlformats.org/drawingml/2006/compatibility" xmlns:p14="http://schemas.microsoft.com/office/powerpoint/2010/main" xmlns:p15="http://schemas.microsoft.com/office/powerpoint/2012/main" xmlns:ahyp="http://schemas.microsoft.com/office/drawing/2018/hyperlinkcolor" showMasterPhAnim="0" showMasterSp="0">
   <p:cSld>
     <p:spTree>
       <p:nvGrpSpPr>
@@ -2466,7 +2466,7 @@
 </file>
 
 <file path=ppt/notesSlides/notesSlide19.xml><?xml version="1.0" encoding="utf-8"?>
-<p:notes xmlns:a="http://schemas.openxmlformats.org/drawingml/2006/main" xmlns:r="http://schemas.openxmlformats.org/officeDocument/2006/relationships" xmlns:mc="http://schemas.openxmlformats.org/markup-compatibility/2006" xmlns:mv="urn:schemas-microsoft-com:mac:vml" xmlns:p="http://schemas.openxmlformats.org/presentationml/2006/main" xmlns:c="http://schemas.openxmlformats.org/drawingml/2006/chart" xmlns:dgm="http://schemas.openxmlformats.org/drawingml/2006/diagram" xmlns:o="urn:schemas-microsoft-com:office:office" xmlns:v="urn:schemas-microsoft-com:vml" xmlns:pvml="urn:schemas-microsoft-com:office:powerpoint" xmlns:com="http://schemas.openxmlformats.org/drawingml/2006/compatibility" xmlns:p14="http://schemas.microsoft.com/office/powerpoint/2010/main" xmlns:p15="http://schemas.microsoft.com/office/powerpoint/2012/main" showMasterPhAnim="0" showMasterSp="0">
+<p:notes xmlns:a="http://schemas.openxmlformats.org/drawingml/2006/main" xmlns:r="http://schemas.openxmlformats.org/officeDocument/2006/relationships" xmlns:mc="http://schemas.openxmlformats.org/markup-compatibility/2006" xmlns:mv="urn:schemas-microsoft-com:mac:vml" xmlns:p="http://schemas.openxmlformats.org/presentationml/2006/main" xmlns:c="http://schemas.openxmlformats.org/drawingml/2006/chart" xmlns:dgm="http://schemas.openxmlformats.org/drawingml/2006/diagram" xmlns:o="urn:schemas-microsoft-com:office:office" xmlns:v="urn:schemas-microsoft-com:vml" xmlns:pvml="urn:schemas-microsoft-com:office:powerpoint" xmlns:com="http://schemas.openxmlformats.org/drawingml/2006/compatibility" xmlns:p14="http://schemas.microsoft.com/office/powerpoint/2010/main" xmlns:p15="http://schemas.microsoft.com/office/powerpoint/2012/main" xmlns:ahyp="http://schemas.microsoft.com/office/drawing/2018/hyperlinkcolor" showMasterPhAnim="0" showMasterSp="0">
   <p:cSld>
     <p:spTree>
       <p:nvGrpSpPr>
@@ -2565,7 +2565,7 @@
 </file>
 
 <file path=ppt/notesSlides/notesSlide2.xml><?xml version="1.0" encoding="utf-8"?>
-<p:notes xmlns:a="http://schemas.openxmlformats.org/drawingml/2006/main" xmlns:r="http://schemas.openxmlformats.org/officeDocument/2006/relationships" xmlns:mc="http://schemas.openxmlformats.org/markup-compatibility/2006" xmlns:mv="urn:schemas-microsoft-com:mac:vml" xmlns:p="http://schemas.openxmlformats.org/presentationml/2006/main" xmlns:c="http://schemas.openxmlformats.org/drawingml/2006/chart" xmlns:dgm="http://schemas.openxmlformats.org/drawingml/2006/diagram" xmlns:o="urn:schemas-microsoft-com:office:office" xmlns:v="urn:schemas-microsoft-com:vml" xmlns:pvml="urn:schemas-microsoft-com:office:powerpoint" xmlns:com="http://schemas.openxmlformats.org/drawingml/2006/compatibility" xmlns:p14="http://schemas.microsoft.com/office/powerpoint/2010/main" xmlns:p15="http://schemas.microsoft.com/office/powerpoint/2012/main" showMasterPhAnim="0" showMasterSp="0">
+<p:notes xmlns:a="http://schemas.openxmlformats.org/drawingml/2006/main" xmlns:r="http://schemas.openxmlformats.org/officeDocument/2006/relationships" xmlns:mc="http://schemas.openxmlformats.org/markup-compatibility/2006" xmlns:mv="urn:schemas-microsoft-com:mac:vml" xmlns:p="http://schemas.openxmlformats.org/presentationml/2006/main" xmlns:c="http://schemas.openxmlformats.org/drawingml/2006/chart" xmlns:dgm="http://schemas.openxmlformats.org/drawingml/2006/diagram" xmlns:o="urn:schemas-microsoft-com:office:office" xmlns:v="urn:schemas-microsoft-com:vml" xmlns:pvml="urn:schemas-microsoft-com:office:powerpoint" xmlns:com="http://schemas.openxmlformats.org/drawingml/2006/compatibility" xmlns:p14="http://schemas.microsoft.com/office/powerpoint/2010/main" xmlns:p15="http://schemas.microsoft.com/office/powerpoint/2012/main" xmlns:ahyp="http://schemas.microsoft.com/office/drawing/2018/hyperlinkcolor" showMasterPhAnim="0" showMasterSp="0">
   <p:cSld>
     <p:spTree>
       <p:nvGrpSpPr>
@@ -2664,7 +2664,7 @@
 </file>
 
 <file path=ppt/notesSlides/notesSlide20.xml><?xml version="1.0" encoding="utf-8"?>
-<p:notes xmlns:a="http://schemas.openxmlformats.org/drawingml/2006/main" xmlns:r="http://schemas.openxmlformats.org/officeDocument/2006/relationships" xmlns:mc="http://schemas.openxmlformats.org/markup-compatibility/2006" xmlns:mv="urn:schemas-microsoft-com:mac:vml" xmlns:p="http://schemas.openxmlformats.org/presentationml/2006/main" xmlns:c="http://schemas.openxmlformats.org/drawingml/2006/chart" xmlns:dgm="http://schemas.openxmlformats.org/drawingml/2006/diagram" xmlns:o="urn:schemas-microsoft-com:office:office" xmlns:v="urn:schemas-microsoft-com:vml" xmlns:pvml="urn:schemas-microsoft-com:office:powerpoint" xmlns:com="http://schemas.openxmlformats.org/drawingml/2006/compatibility" xmlns:p14="http://schemas.microsoft.com/office/powerpoint/2010/main" xmlns:p15="http://schemas.microsoft.com/office/powerpoint/2012/main" showMasterPhAnim="0" showMasterSp="0">
+<p:notes xmlns:a="http://schemas.openxmlformats.org/drawingml/2006/main" xmlns:r="http://schemas.openxmlformats.org/officeDocument/2006/relationships" xmlns:mc="http://schemas.openxmlformats.org/markup-compatibility/2006" xmlns:mv="urn:schemas-microsoft-com:mac:vml" xmlns:p="http://schemas.openxmlformats.org/presentationml/2006/main" xmlns:c="http://schemas.openxmlformats.org/drawingml/2006/chart" xmlns:dgm="http://schemas.openxmlformats.org/drawingml/2006/diagram" xmlns:o="urn:schemas-microsoft-com:office:office" xmlns:v="urn:schemas-microsoft-com:vml" xmlns:pvml="urn:schemas-microsoft-com:office:powerpoint" xmlns:com="http://schemas.openxmlformats.org/drawingml/2006/compatibility" xmlns:p14="http://schemas.microsoft.com/office/powerpoint/2010/main" xmlns:p15="http://schemas.microsoft.com/office/powerpoint/2012/main" xmlns:ahyp="http://schemas.microsoft.com/office/drawing/2018/hyperlinkcolor" showMasterPhAnim="0" showMasterSp="0">
   <p:cSld>
     <p:spTree>
       <p:nvGrpSpPr>
@@ -2763,7 +2763,7 @@
 </file>
 
 <file path=ppt/notesSlides/notesSlide21.xml><?xml version="1.0" encoding="utf-8"?>
-<p:notes xmlns:a="http://schemas.openxmlformats.org/drawingml/2006/main" xmlns:r="http://schemas.openxmlformats.org/officeDocument/2006/relationships" xmlns:mc="http://schemas.openxmlformats.org/markup-compatibility/2006" xmlns:mv="urn:schemas-microsoft-com:mac:vml" xmlns:p="http://schemas.openxmlformats.org/presentationml/2006/main" xmlns:c="http://schemas.openxmlformats.org/drawingml/2006/chart" xmlns:dgm="http://schemas.openxmlformats.org/drawingml/2006/diagram" xmlns:o="urn:schemas-microsoft-com:office:office" xmlns:v="urn:schemas-microsoft-com:vml" xmlns:pvml="urn:schemas-microsoft-com:office:powerpoint" xmlns:com="http://schemas.openxmlformats.org/drawingml/2006/compatibility" xmlns:p14="http://schemas.microsoft.com/office/powerpoint/2010/main" xmlns:p15="http://schemas.microsoft.com/office/powerpoint/2012/main" showMasterPhAnim="0" showMasterSp="0">
+<p:notes xmlns:a="http://schemas.openxmlformats.org/drawingml/2006/main" xmlns:r="http://schemas.openxmlformats.org/officeDocument/2006/relationships" xmlns:mc="http://schemas.openxmlformats.org/markup-compatibility/2006" xmlns:mv="urn:schemas-microsoft-com:mac:vml" xmlns:p="http://schemas.openxmlformats.org/presentationml/2006/main" xmlns:c="http://schemas.openxmlformats.org/drawingml/2006/chart" xmlns:dgm="http://schemas.openxmlformats.org/drawingml/2006/diagram" xmlns:o="urn:schemas-microsoft-com:office:office" xmlns:v="urn:schemas-microsoft-com:vml" xmlns:pvml="urn:schemas-microsoft-com:office:powerpoint" xmlns:com="http://schemas.openxmlformats.org/drawingml/2006/compatibility" xmlns:p14="http://schemas.microsoft.com/office/powerpoint/2010/main" xmlns:p15="http://schemas.microsoft.com/office/powerpoint/2012/main" xmlns:ahyp="http://schemas.microsoft.com/office/drawing/2018/hyperlinkcolor" showMasterPhAnim="0" showMasterSp="0">
   <p:cSld>
     <p:spTree>
       <p:nvGrpSpPr>
@@ -2862,7 +2862,7 @@
 </file>
 
 <file path=ppt/notesSlides/notesSlide22.xml><?xml version="1.0" encoding="utf-8"?>
-<p:notes xmlns:a="http://schemas.openxmlformats.org/drawingml/2006/main" xmlns:r="http://schemas.openxmlformats.org/officeDocument/2006/relationships" xmlns:mc="http://schemas.openxmlformats.org/markup-compatibility/2006" xmlns:mv="urn:schemas-microsoft-com:mac:vml" xmlns:p="http://schemas.openxmlformats.org/presentationml/2006/main" xmlns:c="http://schemas.openxmlformats.org/drawingml/2006/chart" xmlns:dgm="http://schemas.openxmlformats.org/drawingml/2006/diagram" xmlns:o="urn:schemas-microsoft-com:office:office" xmlns:v="urn:schemas-microsoft-com:vml" xmlns:pvml="urn:schemas-microsoft-com:office:powerpoint" xmlns:com="http://schemas.openxmlformats.org/drawingml/2006/compatibility" xmlns:p14="http://schemas.microsoft.com/office/powerpoint/2010/main" xmlns:p15="http://schemas.microsoft.com/office/powerpoint/2012/main" showMasterPhAnim="0" showMasterSp="0">
+<p:notes xmlns:a="http://schemas.openxmlformats.org/drawingml/2006/main" xmlns:r="http://schemas.openxmlformats.org/officeDocument/2006/relationships" xmlns:mc="http://schemas.openxmlformats.org/markup-compatibility/2006" xmlns:mv="urn:schemas-microsoft-com:mac:vml" xmlns:p="http://schemas.openxmlformats.org/presentationml/2006/main" xmlns:c="http://schemas.openxmlformats.org/drawingml/2006/chart" xmlns:dgm="http://schemas.openxmlformats.org/drawingml/2006/diagram" xmlns:o="urn:schemas-microsoft-com:office:office" xmlns:v="urn:schemas-microsoft-com:vml" xmlns:pvml="urn:schemas-microsoft-com:office:powerpoint" xmlns:com="http://schemas.openxmlformats.org/drawingml/2006/compatibility" xmlns:p14="http://schemas.microsoft.com/office/powerpoint/2010/main" xmlns:p15="http://schemas.microsoft.com/office/powerpoint/2012/main" xmlns:ahyp="http://schemas.microsoft.com/office/drawing/2018/hyperlinkcolor" showMasterPhAnim="0" showMasterSp="0">
   <p:cSld>
     <p:spTree>
       <p:nvGrpSpPr>
@@ -2961,7 +2961,7 @@
 </file>
 
 <file path=ppt/notesSlides/notesSlide23.xml><?xml version="1.0" encoding="utf-8"?>
-<p:notes xmlns:a="http://schemas.openxmlformats.org/drawingml/2006/main" xmlns:r="http://schemas.openxmlformats.org/officeDocument/2006/relationships" xmlns:mc="http://schemas.openxmlformats.org/markup-compatibility/2006" xmlns:mv="urn:schemas-microsoft-com:mac:vml" xmlns:p="http://schemas.openxmlformats.org/presentationml/2006/main" xmlns:c="http://schemas.openxmlformats.org/drawingml/2006/chart" xmlns:dgm="http://schemas.openxmlformats.org/drawingml/2006/diagram" xmlns:o="urn:schemas-microsoft-com:office:office" xmlns:v="urn:schemas-microsoft-com:vml" xmlns:pvml="urn:schemas-microsoft-com:office:powerpoint" xmlns:com="http://schemas.openxmlformats.org/drawingml/2006/compatibility" xmlns:p14="http://schemas.microsoft.com/office/powerpoint/2010/main" xmlns:p15="http://schemas.microsoft.com/office/powerpoint/2012/main" showMasterPhAnim="0" showMasterSp="0">
+<p:notes xmlns:a="http://schemas.openxmlformats.org/drawingml/2006/main" xmlns:r="http://schemas.openxmlformats.org/officeDocument/2006/relationships" xmlns:mc="http://schemas.openxmlformats.org/markup-compatibility/2006" xmlns:mv="urn:schemas-microsoft-com:mac:vml" xmlns:p="http://schemas.openxmlformats.org/presentationml/2006/main" xmlns:c="http://schemas.openxmlformats.org/drawingml/2006/chart" xmlns:dgm="http://schemas.openxmlformats.org/drawingml/2006/diagram" xmlns:o="urn:schemas-microsoft-com:office:office" xmlns:v="urn:schemas-microsoft-com:vml" xmlns:pvml="urn:schemas-microsoft-com:office:powerpoint" xmlns:com="http://schemas.openxmlformats.org/drawingml/2006/compatibility" xmlns:p14="http://schemas.microsoft.com/office/powerpoint/2010/main" xmlns:p15="http://schemas.microsoft.com/office/powerpoint/2012/main" xmlns:ahyp="http://schemas.microsoft.com/office/drawing/2018/hyperlinkcolor" showMasterPhAnim="0" showMasterSp="0">
   <p:cSld>
     <p:spTree>
       <p:nvGrpSpPr>
@@ -3060,7 +3060,7 @@
 </file>
 
 <file path=ppt/notesSlides/notesSlide24.xml><?xml version="1.0" encoding="utf-8"?>
-<p:notes xmlns:a="http://schemas.openxmlformats.org/drawingml/2006/main" xmlns:r="http://schemas.openxmlformats.org/officeDocument/2006/relationships" xmlns:mc="http://schemas.openxmlformats.org/markup-compatibility/2006" xmlns:mv="urn:schemas-microsoft-com:mac:vml" xmlns:p="http://schemas.openxmlformats.org/presentationml/2006/main" xmlns:c="http://schemas.openxmlformats.org/drawingml/2006/chart" xmlns:dgm="http://schemas.openxmlformats.org/drawingml/2006/diagram" xmlns:o="urn:schemas-microsoft-com:office:office" xmlns:v="urn:schemas-microsoft-com:vml" xmlns:pvml="urn:schemas-microsoft-com:office:powerpoint" xmlns:com="http://schemas.openxmlformats.org/drawingml/2006/compatibility" xmlns:p14="http://schemas.microsoft.com/office/powerpoint/2010/main" xmlns:p15="http://schemas.microsoft.com/office/powerpoint/2012/main" showMasterPhAnim="0" showMasterSp="0">
+<p:notes xmlns:a="http://schemas.openxmlformats.org/drawingml/2006/main" xmlns:r="http://schemas.openxmlformats.org/officeDocument/2006/relationships" xmlns:mc="http://schemas.openxmlformats.org/markup-compatibility/2006" xmlns:mv="urn:schemas-microsoft-com:mac:vml" xmlns:p="http://schemas.openxmlformats.org/presentationml/2006/main" xmlns:c="http://schemas.openxmlformats.org/drawingml/2006/chart" xmlns:dgm="http://schemas.openxmlformats.org/drawingml/2006/diagram" xmlns:o="urn:schemas-microsoft-com:office:office" xmlns:v="urn:schemas-microsoft-com:vml" xmlns:pvml="urn:schemas-microsoft-com:office:powerpoint" xmlns:com="http://schemas.openxmlformats.org/drawingml/2006/compatibility" xmlns:p14="http://schemas.microsoft.com/office/powerpoint/2010/main" xmlns:p15="http://schemas.microsoft.com/office/powerpoint/2012/main" xmlns:ahyp="http://schemas.microsoft.com/office/drawing/2018/hyperlinkcolor" showMasterPhAnim="0" showMasterSp="0">
   <p:cSld>
     <p:spTree>
       <p:nvGrpSpPr>
@@ -3159,7 +3159,7 @@
 </file>
 
 <file path=ppt/notesSlides/notesSlide25.xml><?xml version="1.0" encoding="utf-8"?>
-<p:notes xmlns:a="http://schemas.openxmlformats.org/drawingml/2006/main" xmlns:r="http://schemas.openxmlformats.org/officeDocument/2006/relationships" xmlns:mc="http://schemas.openxmlformats.org/markup-compatibility/2006" xmlns:mv="urn:schemas-microsoft-com:mac:vml" xmlns:p="http://schemas.openxmlformats.org/presentationml/2006/main" xmlns:c="http://schemas.openxmlformats.org/drawingml/2006/chart" xmlns:dgm="http://schemas.openxmlformats.org/drawingml/2006/diagram" xmlns:o="urn:schemas-microsoft-com:office:office" xmlns:v="urn:schemas-microsoft-com:vml" xmlns:pvml="urn:schemas-microsoft-com:office:powerpoint" xmlns:com="http://schemas.openxmlformats.org/drawingml/2006/compatibility" xmlns:p14="http://schemas.microsoft.com/office/powerpoint/2010/main" xmlns:p15="http://schemas.microsoft.com/office/powerpoint/2012/main" showMasterPhAnim="0" showMasterSp="0">
+<p:notes xmlns:a="http://schemas.openxmlformats.org/drawingml/2006/main" xmlns:r="http://schemas.openxmlformats.org/officeDocument/2006/relationships" xmlns:mc="http://schemas.openxmlformats.org/markup-compatibility/2006" xmlns:mv="urn:schemas-microsoft-com:mac:vml" xmlns:p="http://schemas.openxmlformats.org/presentationml/2006/main" xmlns:c="http://schemas.openxmlformats.org/drawingml/2006/chart" xmlns:dgm="http://schemas.openxmlformats.org/drawingml/2006/diagram" xmlns:o="urn:schemas-microsoft-com:office:office" xmlns:v="urn:schemas-microsoft-com:vml" xmlns:pvml="urn:schemas-microsoft-com:office:powerpoint" xmlns:com="http://schemas.openxmlformats.org/drawingml/2006/compatibility" xmlns:p14="http://schemas.microsoft.com/office/powerpoint/2010/main" xmlns:p15="http://schemas.microsoft.com/office/powerpoint/2012/main" xmlns:ahyp="http://schemas.microsoft.com/office/drawing/2018/hyperlinkcolor" showMasterPhAnim="0" showMasterSp="0">
   <p:cSld>
     <p:spTree>
       <p:nvGrpSpPr>
@@ -3258,7 +3258,7 @@
 </file>
 
 <file path=ppt/notesSlides/notesSlide26.xml><?xml version="1.0" encoding="utf-8"?>
-<p:notes xmlns:a="http://schemas.openxmlformats.org/drawingml/2006/main" xmlns:r="http://schemas.openxmlformats.org/officeDocument/2006/relationships" xmlns:mc="http://schemas.openxmlformats.org/markup-compatibility/2006" xmlns:mv="urn:schemas-microsoft-com:mac:vml" xmlns:p="http://schemas.openxmlformats.org/presentationml/2006/main" xmlns:c="http://schemas.openxmlformats.org/drawingml/2006/chart" xmlns:dgm="http://schemas.openxmlformats.org/drawingml/2006/diagram" xmlns:o="urn:schemas-microsoft-com:office:office" xmlns:v="urn:schemas-microsoft-com:vml" xmlns:pvml="urn:schemas-microsoft-com:office:powerpoint" xmlns:com="http://schemas.openxmlformats.org/drawingml/2006/compatibility" xmlns:p14="http://schemas.microsoft.com/office/powerpoint/2010/main" xmlns:p15="http://schemas.microsoft.com/office/powerpoint/2012/main" showMasterPhAnim="0" showMasterSp="0">
+<p:notes xmlns:a="http://schemas.openxmlformats.org/drawingml/2006/main" xmlns:r="http://schemas.openxmlformats.org/officeDocument/2006/relationships" xmlns:mc="http://schemas.openxmlformats.org/markup-compatibility/2006" xmlns:mv="urn:schemas-microsoft-com:mac:vml" xmlns:p="http://schemas.openxmlformats.org/presentationml/2006/main" xmlns:c="http://schemas.openxmlformats.org/drawingml/2006/chart" xmlns:dgm="http://schemas.openxmlformats.org/drawingml/2006/diagram" xmlns:o="urn:schemas-microsoft-com:office:office" xmlns:v="urn:schemas-microsoft-com:vml" xmlns:pvml="urn:schemas-microsoft-com:office:powerpoint" xmlns:com="http://schemas.openxmlformats.org/drawingml/2006/compatibility" xmlns:p14="http://schemas.microsoft.com/office/powerpoint/2010/main" xmlns:p15="http://schemas.microsoft.com/office/powerpoint/2012/main" xmlns:ahyp="http://schemas.microsoft.com/office/drawing/2018/hyperlinkcolor" showMasterPhAnim="0" showMasterSp="0">
   <p:cSld>
     <p:spTree>
       <p:nvGrpSpPr>
@@ -3357,7 +3357,7 @@
 </file>
 
 <file path=ppt/notesSlides/notesSlide27.xml><?xml version="1.0" encoding="utf-8"?>
-<p:notes xmlns:a="http://schemas.openxmlformats.org/drawingml/2006/main" xmlns:r="http://schemas.openxmlformats.org/officeDocument/2006/relationships" xmlns:mc="http://schemas.openxmlformats.org/markup-compatibility/2006" xmlns:mv="urn:schemas-microsoft-com:mac:vml" xmlns:p="http://schemas.openxmlformats.org/presentationml/2006/main" xmlns:c="http://schemas.openxmlformats.org/drawingml/2006/chart" xmlns:dgm="http://schemas.openxmlformats.org/drawingml/2006/diagram" xmlns:o="urn:schemas-microsoft-com:office:office" xmlns:v="urn:schemas-microsoft-com:vml" xmlns:pvml="urn:schemas-microsoft-com:office:powerpoint" xmlns:com="http://schemas.openxmlformats.org/drawingml/2006/compatibility" xmlns:p14="http://schemas.microsoft.com/office/powerpoint/2010/main" xmlns:p15="http://schemas.microsoft.com/office/powerpoint/2012/main" showMasterPhAnim="0" showMasterSp="0">
+<p:notes xmlns:a="http://schemas.openxmlformats.org/drawingml/2006/main" xmlns:r="http://schemas.openxmlformats.org/officeDocument/2006/relationships" xmlns:mc="http://schemas.openxmlformats.org/markup-compatibility/2006" xmlns:mv="urn:schemas-microsoft-com:mac:vml" xmlns:p="http://schemas.openxmlformats.org/presentationml/2006/main" xmlns:c="http://schemas.openxmlformats.org/drawingml/2006/chart" xmlns:dgm="http://schemas.openxmlformats.org/drawingml/2006/diagram" xmlns:o="urn:schemas-microsoft-com:office:office" xmlns:v="urn:schemas-microsoft-com:vml" xmlns:pvml="urn:schemas-microsoft-com:office:powerpoint" xmlns:com="http://schemas.openxmlformats.org/drawingml/2006/compatibility" xmlns:p14="http://schemas.microsoft.com/office/powerpoint/2010/main" xmlns:p15="http://schemas.microsoft.com/office/powerpoint/2012/main" xmlns:ahyp="http://schemas.microsoft.com/office/drawing/2018/hyperlinkcolor" showMasterPhAnim="0" showMasterSp="0">
   <p:cSld>
     <p:spTree>
       <p:nvGrpSpPr>
@@ -3456,7 +3456,7 @@
 </file>
 
 <file path=ppt/notesSlides/notesSlide28.xml><?xml version="1.0" encoding="utf-8"?>
-<p:notes xmlns:a="http://schemas.openxmlformats.org/drawingml/2006/main" xmlns:r="http://schemas.openxmlformats.org/officeDocument/2006/relationships" xmlns:mc="http://schemas.openxmlformats.org/markup-compatibility/2006" xmlns:mv="urn:schemas-microsoft-com:mac:vml" xmlns:p="http://schemas.openxmlformats.org/presentationml/2006/main" xmlns:c="http://schemas.openxmlformats.org/drawingml/2006/chart" xmlns:dgm="http://schemas.openxmlformats.org/drawingml/2006/diagram" xmlns:o="urn:schemas-microsoft-com:office:office" xmlns:v="urn:schemas-microsoft-com:vml" xmlns:pvml="urn:schemas-microsoft-com:office:powerpoint" xmlns:com="http://schemas.openxmlformats.org/drawingml/2006/compatibility" xmlns:p14="http://schemas.microsoft.com/office/powerpoint/2010/main" xmlns:p15="http://schemas.microsoft.com/office/powerpoint/2012/main" showMasterPhAnim="0" showMasterSp="0">
+<p:notes xmlns:a="http://schemas.openxmlformats.org/drawingml/2006/main" xmlns:r="http://schemas.openxmlformats.org/officeDocument/2006/relationships" xmlns:mc="http://schemas.openxmlformats.org/markup-compatibility/2006" xmlns:mv="urn:schemas-microsoft-com:mac:vml" xmlns:p="http://schemas.openxmlformats.org/presentationml/2006/main" xmlns:c="http://schemas.openxmlformats.org/drawingml/2006/chart" xmlns:dgm="http://schemas.openxmlformats.org/drawingml/2006/diagram" xmlns:o="urn:schemas-microsoft-com:office:office" xmlns:v="urn:schemas-microsoft-com:vml" xmlns:pvml="urn:schemas-microsoft-com:office:powerpoint" xmlns:com="http://schemas.openxmlformats.org/drawingml/2006/compatibility" xmlns:p14="http://schemas.microsoft.com/office/powerpoint/2010/main" xmlns:p15="http://schemas.microsoft.com/office/powerpoint/2012/main" xmlns:ahyp="http://schemas.microsoft.com/office/drawing/2018/hyperlinkcolor" showMasterPhAnim="0" showMasterSp="0">
   <p:cSld>
     <p:spTree>
       <p:nvGrpSpPr>
@@ -3555,7 +3555,7 @@
 </file>
 
 <file path=ppt/notesSlides/notesSlide3.xml><?xml version="1.0" encoding="utf-8"?>
-<p:notes xmlns:a="http://schemas.openxmlformats.org/drawingml/2006/main" xmlns:r="http://schemas.openxmlformats.org/officeDocument/2006/relationships" xmlns:mc="http://schemas.openxmlformats.org/markup-compatibility/2006" xmlns:mv="urn:schemas-microsoft-com:mac:vml" xmlns:p="http://schemas.openxmlformats.org/presentationml/2006/main" xmlns:c="http://schemas.openxmlformats.org/drawingml/2006/chart" xmlns:dgm="http://schemas.openxmlformats.org/drawingml/2006/diagram" xmlns:o="urn:schemas-microsoft-com:office:office" xmlns:v="urn:schemas-microsoft-com:vml" xmlns:pvml="urn:schemas-microsoft-com:office:powerpoint" xmlns:com="http://schemas.openxmlformats.org/drawingml/2006/compatibility" xmlns:p14="http://schemas.microsoft.com/office/powerpoint/2010/main" xmlns:p15="http://schemas.microsoft.com/office/powerpoint/2012/main" showMasterPhAnim="0" showMasterSp="0">
+<p:notes xmlns:a="http://schemas.openxmlformats.org/drawingml/2006/main" xmlns:r="http://schemas.openxmlformats.org/officeDocument/2006/relationships" xmlns:mc="http://schemas.openxmlformats.org/markup-compatibility/2006" xmlns:mv="urn:schemas-microsoft-com:mac:vml" xmlns:p="http://schemas.openxmlformats.org/presentationml/2006/main" xmlns:c="http://schemas.openxmlformats.org/drawingml/2006/chart" xmlns:dgm="http://schemas.openxmlformats.org/drawingml/2006/diagram" xmlns:o="urn:schemas-microsoft-com:office:office" xmlns:v="urn:schemas-microsoft-com:vml" xmlns:pvml="urn:schemas-microsoft-com:office:powerpoint" xmlns:com="http://schemas.openxmlformats.org/drawingml/2006/compatibility" xmlns:p14="http://schemas.microsoft.com/office/powerpoint/2010/main" xmlns:p15="http://schemas.microsoft.com/office/powerpoint/2012/main" xmlns:ahyp="http://schemas.microsoft.com/office/drawing/2018/hyperlinkcolor" showMasterPhAnim="0" showMasterSp="0">
   <p:cSld>
     <p:spTree>
       <p:nvGrpSpPr>
@@ -3654,7 +3654,7 @@
 </file>
 
 <file path=ppt/notesSlides/notesSlide4.xml><?xml version="1.0" encoding="utf-8"?>
-<p:notes xmlns:a="http://schemas.openxmlformats.org/drawingml/2006/main" xmlns:r="http://schemas.openxmlformats.org/officeDocument/2006/relationships" xmlns:mc="http://schemas.openxmlformats.org/markup-compatibility/2006" xmlns:mv="urn:schemas-microsoft-com:mac:vml" xmlns:p="http://schemas.openxmlformats.org/presentationml/2006/main" xmlns:c="http://schemas.openxmlformats.org/drawingml/2006/chart" xmlns:dgm="http://schemas.openxmlformats.org/drawingml/2006/diagram" xmlns:o="urn:schemas-microsoft-com:office:office" xmlns:v="urn:schemas-microsoft-com:vml" xmlns:pvml="urn:schemas-microsoft-com:office:powerpoint" xmlns:com="http://schemas.openxmlformats.org/drawingml/2006/compatibility" xmlns:p14="http://schemas.microsoft.com/office/powerpoint/2010/main" xmlns:p15="http://schemas.microsoft.com/office/powerpoint/2012/main" showMasterPhAnim="0" showMasterSp="0">
+<p:notes xmlns:a="http://schemas.openxmlformats.org/drawingml/2006/main" xmlns:r="http://schemas.openxmlformats.org/officeDocument/2006/relationships" xmlns:mc="http://schemas.openxmlformats.org/markup-compatibility/2006" xmlns:mv="urn:schemas-microsoft-com:mac:vml" xmlns:p="http://schemas.openxmlformats.org/presentationml/2006/main" xmlns:c="http://schemas.openxmlformats.org/drawingml/2006/chart" xmlns:dgm="http://schemas.openxmlformats.org/drawingml/2006/diagram" xmlns:o="urn:schemas-microsoft-com:office:office" xmlns:v="urn:schemas-microsoft-com:vml" xmlns:pvml="urn:schemas-microsoft-com:office:powerpoint" xmlns:com="http://schemas.openxmlformats.org/drawingml/2006/compatibility" xmlns:p14="http://schemas.microsoft.com/office/powerpoint/2010/main" xmlns:p15="http://schemas.microsoft.com/office/powerpoint/2012/main" xmlns:ahyp="http://schemas.microsoft.com/office/drawing/2018/hyperlinkcolor" showMasterPhAnim="0" showMasterSp="0">
   <p:cSld>
     <p:spTree>
       <p:nvGrpSpPr>
@@ -3753,7 +3753,7 @@
 </file>
 
 <file path=ppt/notesSlides/notesSlide5.xml><?xml version="1.0" encoding="utf-8"?>
-<p:notes xmlns:a="http://schemas.openxmlformats.org/drawingml/2006/main" xmlns:r="http://schemas.openxmlformats.org/officeDocument/2006/relationships" xmlns:mc="http://schemas.openxmlformats.org/markup-compatibility/2006" xmlns:mv="urn:schemas-microsoft-com:mac:vml" xmlns:p="http://schemas.openxmlformats.org/presentationml/2006/main" xmlns:c="http://schemas.openxmlformats.org/drawingml/2006/chart" xmlns:dgm="http://schemas.openxmlformats.org/drawingml/2006/diagram" xmlns:o="urn:schemas-microsoft-com:office:office" xmlns:v="urn:schemas-microsoft-com:vml" xmlns:pvml="urn:schemas-microsoft-com:office:powerpoint" xmlns:com="http://schemas.openxmlformats.org/drawingml/2006/compatibility" xmlns:p14="http://schemas.microsoft.com/office/powerpoint/2010/main" xmlns:p15="http://schemas.microsoft.com/office/powerpoint/2012/main" showMasterPhAnim="0" showMasterSp="0">
+<p:notes xmlns:a="http://schemas.openxmlformats.org/drawingml/2006/main" xmlns:r="http://schemas.openxmlformats.org/officeDocument/2006/relationships" xmlns:mc="http://schemas.openxmlformats.org/markup-compatibility/2006" xmlns:mv="urn:schemas-microsoft-com:mac:vml" xmlns:p="http://schemas.openxmlformats.org/presentationml/2006/main" xmlns:c="http://schemas.openxmlformats.org/drawingml/2006/chart" xmlns:dgm="http://schemas.openxmlformats.org/drawingml/2006/diagram" xmlns:o="urn:schemas-microsoft-com:office:office" xmlns:v="urn:schemas-microsoft-com:vml" xmlns:pvml="urn:schemas-microsoft-com:office:powerpoint" xmlns:com="http://schemas.openxmlformats.org/drawingml/2006/compatibility" xmlns:p14="http://schemas.microsoft.com/office/powerpoint/2010/main" xmlns:p15="http://schemas.microsoft.com/office/powerpoint/2012/main" xmlns:ahyp="http://schemas.microsoft.com/office/drawing/2018/hyperlinkcolor" showMasterPhAnim="0" showMasterSp="0">
   <p:cSld>
     <p:spTree>
       <p:nvGrpSpPr>
@@ -3852,7 +3852,7 @@
 </file>
 
 <file path=ppt/notesSlides/notesSlide6.xml><?xml version="1.0" encoding="utf-8"?>
-<p:notes xmlns:a="http://schemas.openxmlformats.org/drawingml/2006/main" xmlns:r="http://schemas.openxmlformats.org/officeDocument/2006/relationships" xmlns:mc="http://schemas.openxmlformats.org/markup-compatibility/2006" xmlns:mv="urn:schemas-microsoft-com:mac:vml" xmlns:p="http://schemas.openxmlformats.org/presentationml/2006/main" xmlns:c="http://schemas.openxmlformats.org/drawingml/2006/chart" xmlns:dgm="http://schemas.openxmlformats.org/drawingml/2006/diagram" xmlns:o="urn:schemas-microsoft-com:office:office" xmlns:v="urn:schemas-microsoft-com:vml" xmlns:pvml="urn:schemas-microsoft-com:office:powerpoint" xmlns:com="http://schemas.openxmlformats.org/drawingml/2006/compatibility" xmlns:p14="http://schemas.microsoft.com/office/powerpoint/2010/main" xmlns:p15="http://schemas.microsoft.com/office/powerpoint/2012/main" showMasterPhAnim="0" showMasterSp="0">
+<p:notes xmlns:a="http://schemas.openxmlformats.org/drawingml/2006/main" xmlns:r="http://schemas.openxmlformats.org/officeDocument/2006/relationships" xmlns:mc="http://schemas.openxmlformats.org/markup-compatibility/2006" xmlns:mv="urn:schemas-microsoft-com:mac:vml" xmlns:p="http://schemas.openxmlformats.org/presentationml/2006/main" xmlns:c="http://schemas.openxmlformats.org/drawingml/2006/chart" xmlns:dgm="http://schemas.openxmlformats.org/drawingml/2006/diagram" xmlns:o="urn:schemas-microsoft-com:office:office" xmlns:v="urn:schemas-microsoft-com:vml" xmlns:pvml="urn:schemas-microsoft-com:office:powerpoint" xmlns:com="http://schemas.openxmlformats.org/drawingml/2006/compatibility" xmlns:p14="http://schemas.microsoft.com/office/powerpoint/2010/main" xmlns:p15="http://schemas.microsoft.com/office/powerpoint/2012/main" xmlns:ahyp="http://schemas.microsoft.com/office/drawing/2018/hyperlinkcolor" showMasterPhAnim="0" showMasterSp="0">
   <p:cSld>
     <p:spTree>
       <p:nvGrpSpPr>
@@ -3951,7 +3951,7 @@
 </file>
 
 <file path=ppt/notesSlides/notesSlide7.xml><?xml version="1.0" encoding="utf-8"?>
-<p:notes xmlns:a="http://schemas.openxmlformats.org/drawingml/2006/main" xmlns:r="http://schemas.openxmlformats.org/officeDocument/2006/relationships" xmlns:mc="http://schemas.openxmlformats.org/markup-compatibility/2006" xmlns:mv="urn:schemas-microsoft-com:mac:vml" xmlns:p="http://schemas.openxmlformats.org/presentationml/2006/main" xmlns:c="http://schemas.openxmlformats.org/drawingml/2006/chart" xmlns:dgm="http://schemas.openxmlformats.org/drawingml/2006/diagram" xmlns:o="urn:schemas-microsoft-com:office:office" xmlns:v="urn:schemas-microsoft-com:vml" xmlns:pvml="urn:schemas-microsoft-com:office:powerpoint" xmlns:com="http://schemas.openxmlformats.org/drawingml/2006/compatibility" xmlns:p14="http://schemas.microsoft.com/office/powerpoint/2010/main" xmlns:p15="http://schemas.microsoft.com/office/powerpoint/2012/main" showMasterPhAnim="0" showMasterSp="0">
+<p:notes xmlns:a="http://schemas.openxmlformats.org/drawingml/2006/main" xmlns:r="http://schemas.openxmlformats.org/officeDocument/2006/relationships" xmlns:mc="http://schemas.openxmlformats.org/markup-compatibility/2006" xmlns:mv="urn:schemas-microsoft-com:mac:vml" xmlns:p="http://schemas.openxmlformats.org/presentationml/2006/main" xmlns:c="http://schemas.openxmlformats.org/drawingml/2006/chart" xmlns:dgm="http://schemas.openxmlformats.org/drawingml/2006/diagram" xmlns:o="urn:schemas-microsoft-com:office:office" xmlns:v="urn:schemas-microsoft-com:vml" xmlns:pvml="urn:schemas-microsoft-com:office:powerpoint" xmlns:com="http://schemas.openxmlformats.org/drawingml/2006/compatibility" xmlns:p14="http://schemas.microsoft.com/office/powerpoint/2010/main" xmlns:p15="http://schemas.microsoft.com/office/powerpoint/2012/main" xmlns:ahyp="http://schemas.microsoft.com/office/drawing/2018/hyperlinkcolor" showMasterPhAnim="0" showMasterSp="0">
   <p:cSld>
     <p:spTree>
       <p:nvGrpSpPr>
@@ -4050,7 +4050,7 @@
 </file>
 
 <file path=ppt/notesSlides/notesSlide8.xml><?xml version="1.0" encoding="utf-8"?>
-<p:notes xmlns:a="http://schemas.openxmlformats.org/drawingml/2006/main" xmlns:r="http://schemas.openxmlformats.org/officeDocument/2006/relationships" xmlns:mc="http://schemas.openxmlformats.org/markup-compatibility/2006" xmlns:mv="urn:schemas-microsoft-com:mac:vml" xmlns:p="http://schemas.openxmlformats.org/presentationml/2006/main" xmlns:c="http://schemas.openxmlformats.org/drawingml/2006/chart" xmlns:dgm="http://schemas.openxmlformats.org/drawingml/2006/diagram" xmlns:o="urn:schemas-microsoft-com:office:office" xmlns:v="urn:schemas-microsoft-com:vml" xmlns:pvml="urn:schemas-microsoft-com:office:powerpoint" xmlns:com="http://schemas.openxmlformats.org/drawingml/2006/compatibility" xmlns:p14="http://schemas.microsoft.com/office/powerpoint/2010/main" xmlns:p15="http://schemas.microsoft.com/office/powerpoint/2012/main" showMasterPhAnim="0" showMasterSp="0">
+<p:notes xmlns:a="http://schemas.openxmlformats.org/drawingml/2006/main" xmlns:r="http://schemas.openxmlformats.org/officeDocument/2006/relationships" xmlns:mc="http://schemas.openxmlformats.org/markup-compatibility/2006" xmlns:mv="urn:schemas-microsoft-com:mac:vml" xmlns:p="http://schemas.openxmlformats.org/presentationml/2006/main" xmlns:c="http://schemas.openxmlformats.org/drawingml/2006/chart" xmlns:dgm="http://schemas.openxmlformats.org/drawingml/2006/diagram" xmlns:o="urn:schemas-microsoft-com:office:office" xmlns:v="urn:schemas-microsoft-com:vml" xmlns:pvml="urn:schemas-microsoft-com:office:powerpoint" xmlns:com="http://schemas.openxmlformats.org/drawingml/2006/compatibility" xmlns:p14="http://schemas.microsoft.com/office/powerpoint/2010/main" xmlns:p15="http://schemas.microsoft.com/office/powerpoint/2012/main" xmlns:ahyp="http://schemas.microsoft.com/office/drawing/2018/hyperlinkcolor" showMasterPhAnim="0" showMasterSp="0">
   <p:cSld>
     <p:spTree>
       <p:nvGrpSpPr>
@@ -4149,7 +4149,7 @@
 </file>
 
 <file path=ppt/notesSlides/notesSlide9.xml><?xml version="1.0" encoding="utf-8"?>
-<p:notes xmlns:a="http://schemas.openxmlformats.org/drawingml/2006/main" xmlns:r="http://schemas.openxmlformats.org/officeDocument/2006/relationships" xmlns:mc="http://schemas.openxmlformats.org/markup-compatibility/2006" xmlns:mv="urn:schemas-microsoft-com:mac:vml" xmlns:p="http://schemas.openxmlformats.org/presentationml/2006/main" xmlns:c="http://schemas.openxmlformats.org/drawingml/2006/chart" xmlns:dgm="http://schemas.openxmlformats.org/drawingml/2006/diagram" xmlns:o="urn:schemas-microsoft-com:office:office" xmlns:v="urn:schemas-microsoft-com:vml" xmlns:pvml="urn:schemas-microsoft-com:office:powerpoint" xmlns:com="http://schemas.openxmlformats.org/drawingml/2006/compatibility" xmlns:p14="http://schemas.microsoft.com/office/powerpoint/2010/main" xmlns:p15="http://schemas.microsoft.com/office/powerpoint/2012/main" showMasterPhAnim="0" showMasterSp="0">
+<p:notes xmlns:a="http://schemas.openxmlformats.org/drawingml/2006/main" xmlns:r="http://schemas.openxmlformats.org/officeDocument/2006/relationships" xmlns:mc="http://schemas.openxmlformats.org/markup-compatibility/2006" xmlns:mv="urn:schemas-microsoft-com:mac:vml" xmlns:p="http://schemas.openxmlformats.org/presentationml/2006/main" xmlns:c="http://schemas.openxmlformats.org/drawingml/2006/chart" xmlns:dgm="http://schemas.openxmlformats.org/drawingml/2006/diagram" xmlns:o="urn:schemas-microsoft-com:office:office" xmlns:v="urn:schemas-microsoft-com:vml" xmlns:pvml="urn:schemas-microsoft-com:office:powerpoint" xmlns:com="http://schemas.openxmlformats.org/drawingml/2006/compatibility" xmlns:p14="http://schemas.microsoft.com/office/powerpoint/2010/main" xmlns:p15="http://schemas.microsoft.com/office/powerpoint/2012/main" xmlns:ahyp="http://schemas.microsoft.com/office/drawing/2018/hyperlinkcolor" showMasterPhAnim="0" showMasterSp="0">
   <p:cSld>
     <p:spTree>
       <p:nvGrpSpPr>
@@ -4248,7 +4248,7 @@
 </file>
 
 <file path=ppt/slideLayouts/slideLayout1.xml><?xml version="1.0" encoding="utf-8"?>
-<p:sldLayout xmlns:a="http://schemas.openxmlformats.org/drawingml/2006/main" xmlns:r="http://schemas.openxmlformats.org/officeDocument/2006/relationships" xmlns:mc="http://schemas.openxmlformats.org/markup-compatibility/2006" xmlns:mv="urn:schemas-microsoft-com:mac:vml" xmlns:p="http://schemas.openxmlformats.org/presentationml/2006/main" xmlns:c="http://schemas.openxmlformats.org/drawingml/2006/chart" xmlns:dgm="http://schemas.openxmlformats.org/drawingml/2006/diagram" xmlns:o="urn:schemas-microsoft-com:office:office" xmlns:v="urn:schemas-microsoft-com:vml" xmlns:pvml="urn:schemas-microsoft-com:office:powerpoint" xmlns:com="http://schemas.openxmlformats.org/drawingml/2006/compatibility" xmlns:p14="http://schemas.microsoft.com/office/powerpoint/2010/main" xmlns:p15="http://schemas.microsoft.com/office/powerpoint/2012/main" matchingName="Title Slide" type="title">
+<p:sldLayout xmlns:a="http://schemas.openxmlformats.org/drawingml/2006/main" xmlns:r="http://schemas.openxmlformats.org/officeDocument/2006/relationships" xmlns:mc="http://schemas.openxmlformats.org/markup-compatibility/2006" xmlns:mv="urn:schemas-microsoft-com:mac:vml" xmlns:p="http://schemas.openxmlformats.org/presentationml/2006/main" xmlns:c="http://schemas.openxmlformats.org/drawingml/2006/chart" xmlns:dgm="http://schemas.openxmlformats.org/drawingml/2006/diagram" xmlns:o="urn:schemas-microsoft-com:office:office" xmlns:v="urn:schemas-microsoft-com:vml" xmlns:pvml="urn:schemas-microsoft-com:office:powerpoint" xmlns:com="http://schemas.openxmlformats.org/drawingml/2006/compatibility" xmlns:p14="http://schemas.microsoft.com/office/powerpoint/2010/main" xmlns:p15="http://schemas.microsoft.com/office/powerpoint/2012/main" xmlns:ahyp="http://schemas.microsoft.com/office/drawing/2018/hyperlinkcolor" matchingName="Title Slide" type="title">
   <p:cSld name="TITLE">
     <p:spTree>
       <p:nvGrpSpPr>
@@ -4597,7 +4597,7 @@
 </file>
 
 <file path=ppt/slideLayouts/slideLayout10.xml><?xml version="1.0" encoding="utf-8"?>
-<p:sldLayout xmlns:a="http://schemas.openxmlformats.org/drawingml/2006/main" xmlns:r="http://schemas.openxmlformats.org/officeDocument/2006/relationships" xmlns:mc="http://schemas.openxmlformats.org/markup-compatibility/2006" xmlns:mv="urn:schemas-microsoft-com:mac:vml" xmlns:p="http://schemas.openxmlformats.org/presentationml/2006/main" xmlns:c="http://schemas.openxmlformats.org/drawingml/2006/chart" xmlns:dgm="http://schemas.openxmlformats.org/drawingml/2006/diagram" xmlns:o="urn:schemas-microsoft-com:office:office" xmlns:v="urn:schemas-microsoft-com:vml" xmlns:pvml="urn:schemas-microsoft-com:office:powerpoint" xmlns:com="http://schemas.openxmlformats.org/drawingml/2006/compatibility" xmlns:p14="http://schemas.microsoft.com/office/powerpoint/2010/main" xmlns:p15="http://schemas.microsoft.com/office/powerpoint/2012/main" matchingName="Title and Vertical Text" type="vertTx">
+<p:sldLayout xmlns:a="http://schemas.openxmlformats.org/drawingml/2006/main" xmlns:r="http://schemas.openxmlformats.org/officeDocument/2006/relationships" xmlns:mc="http://schemas.openxmlformats.org/markup-compatibility/2006" xmlns:mv="urn:schemas-microsoft-com:mac:vml" xmlns:p="http://schemas.openxmlformats.org/presentationml/2006/main" xmlns:c="http://schemas.openxmlformats.org/drawingml/2006/chart" xmlns:dgm="http://schemas.openxmlformats.org/drawingml/2006/diagram" xmlns:o="urn:schemas-microsoft-com:office:office" xmlns:v="urn:schemas-microsoft-com:vml" xmlns:pvml="urn:schemas-microsoft-com:office:powerpoint" xmlns:com="http://schemas.openxmlformats.org/drawingml/2006/compatibility" xmlns:p14="http://schemas.microsoft.com/office/powerpoint/2010/main" xmlns:p15="http://schemas.microsoft.com/office/powerpoint/2012/main" xmlns:ahyp="http://schemas.microsoft.com/office/drawing/2018/hyperlinkcolor" matchingName="Title and Vertical Text" type="vertTx">
   <p:cSld name="VERTICAL_TEXT">
     <p:spTree>
       <p:nvGrpSpPr>
@@ -5492,7 +5492,7 @@
 </file>
 
 <file path=ppt/slideLayouts/slideLayout11.xml><?xml version="1.0" encoding="utf-8"?>
-<p:sldLayout xmlns:a="http://schemas.openxmlformats.org/drawingml/2006/main" xmlns:r="http://schemas.openxmlformats.org/officeDocument/2006/relationships" xmlns:mc="http://schemas.openxmlformats.org/markup-compatibility/2006" xmlns:mv="urn:schemas-microsoft-com:mac:vml" xmlns:p="http://schemas.openxmlformats.org/presentationml/2006/main" xmlns:c="http://schemas.openxmlformats.org/drawingml/2006/chart" xmlns:dgm="http://schemas.openxmlformats.org/drawingml/2006/diagram" xmlns:o="urn:schemas-microsoft-com:office:office" xmlns:v="urn:schemas-microsoft-com:vml" xmlns:pvml="urn:schemas-microsoft-com:office:powerpoint" xmlns:com="http://schemas.openxmlformats.org/drawingml/2006/compatibility" xmlns:p14="http://schemas.microsoft.com/office/powerpoint/2010/main" xmlns:p15="http://schemas.microsoft.com/office/powerpoint/2012/main" matchingName="Vertical Title and Text" type="vertTitleAndTx">
+<p:sldLayout xmlns:a="http://schemas.openxmlformats.org/drawingml/2006/main" xmlns:r="http://schemas.openxmlformats.org/officeDocument/2006/relationships" xmlns:mc="http://schemas.openxmlformats.org/markup-compatibility/2006" xmlns:mv="urn:schemas-microsoft-com:mac:vml" xmlns:p="http://schemas.openxmlformats.org/presentationml/2006/main" xmlns:c="http://schemas.openxmlformats.org/drawingml/2006/chart" xmlns:dgm="http://schemas.openxmlformats.org/drawingml/2006/diagram" xmlns:o="urn:schemas-microsoft-com:office:office" xmlns:v="urn:schemas-microsoft-com:vml" xmlns:pvml="urn:schemas-microsoft-com:office:powerpoint" xmlns:com="http://schemas.openxmlformats.org/drawingml/2006/compatibility" xmlns:p14="http://schemas.microsoft.com/office/powerpoint/2010/main" xmlns:p15="http://schemas.microsoft.com/office/powerpoint/2012/main" xmlns:ahyp="http://schemas.microsoft.com/office/drawing/2018/hyperlinkcolor" matchingName="Vertical Title and Text" type="vertTitleAndTx">
   <p:cSld name="VERTICAL_TITLE_AND_VERTICAL_TEXT">
     <p:spTree>
       <p:nvGrpSpPr>
@@ -6387,7 +6387,7 @@
 </file>
 
 <file path=ppt/slideLayouts/slideLayout2.xml><?xml version="1.0" encoding="utf-8"?>
-<p:sldLayout xmlns:a="http://schemas.openxmlformats.org/drawingml/2006/main" xmlns:r="http://schemas.openxmlformats.org/officeDocument/2006/relationships" xmlns:mc="http://schemas.openxmlformats.org/markup-compatibility/2006" xmlns:mv="urn:schemas-microsoft-com:mac:vml" xmlns:p="http://schemas.openxmlformats.org/presentationml/2006/main" xmlns:c="http://schemas.openxmlformats.org/drawingml/2006/chart" xmlns:dgm="http://schemas.openxmlformats.org/drawingml/2006/diagram" xmlns:o="urn:schemas-microsoft-com:office:office" xmlns:v="urn:schemas-microsoft-com:vml" xmlns:pvml="urn:schemas-microsoft-com:office:powerpoint" xmlns:com="http://schemas.openxmlformats.org/drawingml/2006/compatibility" xmlns:p14="http://schemas.microsoft.com/office/powerpoint/2010/main" xmlns:p15="http://schemas.microsoft.com/office/powerpoint/2012/main" matchingName="Title and Content" type="obj">
+<p:sldLayout xmlns:a="http://schemas.openxmlformats.org/drawingml/2006/main" xmlns:r="http://schemas.openxmlformats.org/officeDocument/2006/relationships" xmlns:mc="http://schemas.openxmlformats.org/markup-compatibility/2006" xmlns:mv="urn:schemas-microsoft-com:mac:vml" xmlns:p="http://schemas.openxmlformats.org/presentationml/2006/main" xmlns:c="http://schemas.openxmlformats.org/drawingml/2006/chart" xmlns:dgm="http://schemas.openxmlformats.org/drawingml/2006/diagram" xmlns:o="urn:schemas-microsoft-com:office:office" xmlns:v="urn:schemas-microsoft-com:vml" xmlns:pvml="urn:schemas-microsoft-com:office:powerpoint" xmlns:com="http://schemas.openxmlformats.org/drawingml/2006/compatibility" xmlns:p14="http://schemas.microsoft.com/office/powerpoint/2010/main" xmlns:p15="http://schemas.microsoft.com/office/powerpoint/2012/main" xmlns:ahyp="http://schemas.microsoft.com/office/drawing/2018/hyperlinkcolor" matchingName="Title and Content" type="obj">
   <p:cSld name="OBJECT">
     <p:spTree>
       <p:nvGrpSpPr>
@@ -7282,7 +7282,7 @@
 </file>
 
 <file path=ppt/slideLayouts/slideLayout3.xml><?xml version="1.0" encoding="utf-8"?>
-<p:sldLayout xmlns:a="http://schemas.openxmlformats.org/drawingml/2006/main" xmlns:r="http://schemas.openxmlformats.org/officeDocument/2006/relationships" xmlns:mc="http://schemas.openxmlformats.org/markup-compatibility/2006" xmlns:mv="urn:schemas-microsoft-com:mac:vml" xmlns:p="http://schemas.openxmlformats.org/presentationml/2006/main" xmlns:c="http://schemas.openxmlformats.org/drawingml/2006/chart" xmlns:dgm="http://schemas.openxmlformats.org/drawingml/2006/diagram" xmlns:o="urn:schemas-microsoft-com:office:office" xmlns:v="urn:schemas-microsoft-com:vml" xmlns:pvml="urn:schemas-microsoft-com:office:powerpoint" xmlns:com="http://schemas.openxmlformats.org/drawingml/2006/compatibility" xmlns:p14="http://schemas.microsoft.com/office/powerpoint/2010/main" xmlns:p15="http://schemas.microsoft.com/office/powerpoint/2012/main" matchingName="Section Header" type="secHead">
+<p:sldLayout xmlns:a="http://schemas.openxmlformats.org/drawingml/2006/main" xmlns:r="http://schemas.openxmlformats.org/officeDocument/2006/relationships" xmlns:mc="http://schemas.openxmlformats.org/markup-compatibility/2006" xmlns:mv="urn:schemas-microsoft-com:mac:vml" xmlns:p="http://schemas.openxmlformats.org/presentationml/2006/main" xmlns:c="http://schemas.openxmlformats.org/drawingml/2006/chart" xmlns:dgm="http://schemas.openxmlformats.org/drawingml/2006/diagram" xmlns:o="urn:schemas-microsoft-com:office:office" xmlns:v="urn:schemas-microsoft-com:vml" xmlns:pvml="urn:schemas-microsoft-com:office:powerpoint" xmlns:com="http://schemas.openxmlformats.org/drawingml/2006/compatibility" xmlns:p14="http://schemas.microsoft.com/office/powerpoint/2010/main" xmlns:p15="http://schemas.microsoft.com/office/powerpoint/2012/main" xmlns:ahyp="http://schemas.microsoft.com/office/drawing/2018/hyperlinkcolor" matchingName="Section Header" type="secHead">
   <p:cSld name="SECTION_HEADER">
     <p:spTree>
       <p:nvGrpSpPr>
@@ -8214,7 +8214,7 @@
 </file>
 
 <file path=ppt/slideLayouts/slideLayout4.xml><?xml version="1.0" encoding="utf-8"?>
-<p:sldLayout xmlns:a="http://schemas.openxmlformats.org/drawingml/2006/main" xmlns:r="http://schemas.openxmlformats.org/officeDocument/2006/relationships" xmlns:mc="http://schemas.openxmlformats.org/markup-compatibility/2006" xmlns:mv="urn:schemas-microsoft-com:mac:vml" xmlns:p="http://schemas.openxmlformats.org/presentationml/2006/main" xmlns:c="http://schemas.openxmlformats.org/drawingml/2006/chart" xmlns:dgm="http://schemas.openxmlformats.org/drawingml/2006/diagram" xmlns:o="urn:schemas-microsoft-com:office:office" xmlns:v="urn:schemas-microsoft-com:vml" xmlns:pvml="urn:schemas-microsoft-com:office:powerpoint" xmlns:com="http://schemas.openxmlformats.org/drawingml/2006/compatibility" xmlns:p14="http://schemas.microsoft.com/office/powerpoint/2010/main" xmlns:p15="http://schemas.microsoft.com/office/powerpoint/2012/main" matchingName="Two Content" type="twoObj">
+<p:sldLayout xmlns:a="http://schemas.openxmlformats.org/drawingml/2006/main" xmlns:r="http://schemas.openxmlformats.org/officeDocument/2006/relationships" xmlns:mc="http://schemas.openxmlformats.org/markup-compatibility/2006" xmlns:mv="urn:schemas-microsoft-com:mac:vml" xmlns:p="http://schemas.openxmlformats.org/presentationml/2006/main" xmlns:c="http://schemas.openxmlformats.org/drawingml/2006/chart" xmlns:dgm="http://schemas.openxmlformats.org/drawingml/2006/diagram" xmlns:o="urn:schemas-microsoft-com:office:office" xmlns:v="urn:schemas-microsoft-com:vml" xmlns:pvml="urn:schemas-microsoft-com:office:powerpoint" xmlns:com="http://schemas.openxmlformats.org/drawingml/2006/compatibility" xmlns:p14="http://schemas.microsoft.com/office/powerpoint/2010/main" xmlns:p15="http://schemas.microsoft.com/office/powerpoint/2012/main" xmlns:ahyp="http://schemas.microsoft.com/office/drawing/2018/hyperlinkcolor" matchingName="Two Content" type="twoObj">
   <p:cSld name="TWO_OBJECTS">
     <p:spTree>
       <p:nvGrpSpPr>
@@ -9265,7 +9265,7 @@
 </file>
 
 <file path=ppt/slideLayouts/slideLayout5.xml><?xml version="1.0" encoding="utf-8"?>
-<p:sldLayout xmlns:a="http://schemas.openxmlformats.org/drawingml/2006/main" xmlns:r="http://schemas.openxmlformats.org/officeDocument/2006/relationships" xmlns:mc="http://schemas.openxmlformats.org/markup-compatibility/2006" xmlns:mv="urn:schemas-microsoft-com:mac:vml" xmlns:p="http://schemas.openxmlformats.org/presentationml/2006/main" xmlns:c="http://schemas.openxmlformats.org/drawingml/2006/chart" xmlns:dgm="http://schemas.openxmlformats.org/drawingml/2006/diagram" xmlns:o="urn:schemas-microsoft-com:office:office" xmlns:v="urn:schemas-microsoft-com:vml" xmlns:pvml="urn:schemas-microsoft-com:office:powerpoint" xmlns:com="http://schemas.openxmlformats.org/drawingml/2006/compatibility" xmlns:p14="http://schemas.microsoft.com/office/powerpoint/2010/main" xmlns:p15="http://schemas.microsoft.com/office/powerpoint/2012/main" matchingName="Comparison" type="twoTxTwoObj">
+<p:sldLayout xmlns:a="http://schemas.openxmlformats.org/drawingml/2006/main" xmlns:r="http://schemas.openxmlformats.org/officeDocument/2006/relationships" xmlns:mc="http://schemas.openxmlformats.org/markup-compatibility/2006" xmlns:mv="urn:schemas-microsoft-com:mac:vml" xmlns:p="http://schemas.openxmlformats.org/presentationml/2006/main" xmlns:c="http://schemas.openxmlformats.org/drawingml/2006/chart" xmlns:dgm="http://schemas.openxmlformats.org/drawingml/2006/diagram" xmlns:o="urn:schemas-microsoft-com:office:office" xmlns:v="urn:schemas-microsoft-com:vml" xmlns:pvml="urn:schemas-microsoft-com:office:powerpoint" xmlns:com="http://schemas.openxmlformats.org/drawingml/2006/compatibility" xmlns:p14="http://schemas.microsoft.com/office/powerpoint/2010/main" xmlns:p15="http://schemas.microsoft.com/office/powerpoint/2012/main" xmlns:ahyp="http://schemas.microsoft.com/office/drawing/2018/hyperlinkcolor" matchingName="Comparison" type="twoTxTwoObj">
   <p:cSld name="TWO_OBJECTS_WITH_TEXT">
     <p:spTree>
       <p:nvGrpSpPr>
@@ -10629,7 +10629,7 @@
 </file>
 
 <file path=ppt/slideLayouts/slideLayout6.xml><?xml version="1.0" encoding="utf-8"?>
-<p:sldLayout xmlns:a="http://schemas.openxmlformats.org/drawingml/2006/main" xmlns:r="http://schemas.openxmlformats.org/officeDocument/2006/relationships" xmlns:mc="http://schemas.openxmlformats.org/markup-compatibility/2006" xmlns:mv="urn:schemas-microsoft-com:mac:vml" xmlns:p="http://schemas.openxmlformats.org/presentationml/2006/main" xmlns:c="http://schemas.openxmlformats.org/drawingml/2006/chart" xmlns:dgm="http://schemas.openxmlformats.org/drawingml/2006/diagram" xmlns:o="urn:schemas-microsoft-com:office:office" xmlns:v="urn:schemas-microsoft-com:vml" xmlns:pvml="urn:schemas-microsoft-com:office:powerpoint" xmlns:com="http://schemas.openxmlformats.org/drawingml/2006/compatibility" xmlns:p14="http://schemas.microsoft.com/office/powerpoint/2010/main" xmlns:p15="http://schemas.microsoft.com/office/powerpoint/2012/main" matchingName="Title Only" type="titleOnly">
+<p:sldLayout xmlns:a="http://schemas.openxmlformats.org/drawingml/2006/main" xmlns:r="http://schemas.openxmlformats.org/officeDocument/2006/relationships" xmlns:mc="http://schemas.openxmlformats.org/markup-compatibility/2006" xmlns:mv="urn:schemas-microsoft-com:mac:vml" xmlns:p="http://schemas.openxmlformats.org/presentationml/2006/main" xmlns:c="http://schemas.openxmlformats.org/drawingml/2006/chart" xmlns:dgm="http://schemas.openxmlformats.org/drawingml/2006/diagram" xmlns:o="urn:schemas-microsoft-com:office:office" xmlns:v="urn:schemas-microsoft-com:vml" xmlns:pvml="urn:schemas-microsoft-com:office:powerpoint" xmlns:com="http://schemas.openxmlformats.org/drawingml/2006/compatibility" xmlns:p14="http://schemas.microsoft.com/office/powerpoint/2010/main" xmlns:p15="http://schemas.microsoft.com/office/powerpoint/2012/main" xmlns:ahyp="http://schemas.microsoft.com/office/drawing/2018/hyperlinkcolor" matchingName="Title Only" type="titleOnly">
   <p:cSld name="TITLE_ONLY">
     <p:spTree>
       <p:nvGrpSpPr>
@@ -11368,7 +11368,7 @@
 </file>
 
 <file path=ppt/slideLayouts/slideLayout7.xml><?xml version="1.0" encoding="utf-8"?>
-<p:sldLayout xmlns:a="http://schemas.openxmlformats.org/drawingml/2006/main" xmlns:r="http://schemas.openxmlformats.org/officeDocument/2006/relationships" xmlns:mc="http://schemas.openxmlformats.org/markup-compatibility/2006" xmlns:mv="urn:schemas-microsoft-com:mac:vml" xmlns:p="http://schemas.openxmlformats.org/presentationml/2006/main" xmlns:c="http://schemas.openxmlformats.org/drawingml/2006/chart" xmlns:dgm="http://schemas.openxmlformats.org/drawingml/2006/diagram" xmlns:o="urn:schemas-microsoft-com:office:office" xmlns:v="urn:schemas-microsoft-com:vml" xmlns:pvml="urn:schemas-microsoft-com:office:powerpoint" xmlns:com="http://schemas.openxmlformats.org/drawingml/2006/compatibility" xmlns:p14="http://schemas.microsoft.com/office/powerpoint/2010/main" xmlns:p15="http://schemas.microsoft.com/office/powerpoint/2012/main" matchingName="Blank" type="blank">
+<p:sldLayout xmlns:a="http://schemas.openxmlformats.org/drawingml/2006/main" xmlns:r="http://schemas.openxmlformats.org/officeDocument/2006/relationships" xmlns:mc="http://schemas.openxmlformats.org/markup-compatibility/2006" xmlns:mv="urn:schemas-microsoft-com:mac:vml" xmlns:p="http://schemas.openxmlformats.org/presentationml/2006/main" xmlns:c="http://schemas.openxmlformats.org/drawingml/2006/chart" xmlns:dgm="http://schemas.openxmlformats.org/drawingml/2006/diagram" xmlns:o="urn:schemas-microsoft-com:office:office" xmlns:v="urn:schemas-microsoft-com:vml" xmlns:pvml="urn:schemas-microsoft-com:office:powerpoint" xmlns:com="http://schemas.openxmlformats.org/drawingml/2006/compatibility" xmlns:p14="http://schemas.microsoft.com/office/powerpoint/2010/main" xmlns:p15="http://schemas.microsoft.com/office/powerpoint/2012/main" xmlns:ahyp="http://schemas.microsoft.com/office/drawing/2018/hyperlinkcolor" matchingName="Blank" type="blank">
   <p:cSld name="BLANK">
     <p:spTree>
       <p:nvGrpSpPr>
@@ -11975,7 +11975,7 @@
 </file>
 
 <file path=ppt/slideLayouts/slideLayout8.xml><?xml version="1.0" encoding="utf-8"?>
-<p:sldLayout xmlns:a="http://schemas.openxmlformats.org/drawingml/2006/main" xmlns:r="http://schemas.openxmlformats.org/officeDocument/2006/relationships" xmlns:mc="http://schemas.openxmlformats.org/markup-compatibility/2006" xmlns:mv="urn:schemas-microsoft-com:mac:vml" xmlns:p="http://schemas.openxmlformats.org/presentationml/2006/main" xmlns:c="http://schemas.openxmlformats.org/drawingml/2006/chart" xmlns:dgm="http://schemas.openxmlformats.org/drawingml/2006/diagram" xmlns:o="urn:schemas-microsoft-com:office:office" xmlns:v="urn:schemas-microsoft-com:vml" xmlns:pvml="urn:schemas-microsoft-com:office:powerpoint" xmlns:com="http://schemas.openxmlformats.org/drawingml/2006/compatibility" xmlns:p14="http://schemas.microsoft.com/office/powerpoint/2010/main" xmlns:p15="http://schemas.microsoft.com/office/powerpoint/2012/main" matchingName="Content with Caption" type="objTx">
+<p:sldLayout xmlns:a="http://schemas.openxmlformats.org/drawingml/2006/main" xmlns:r="http://schemas.openxmlformats.org/officeDocument/2006/relationships" xmlns:mc="http://schemas.openxmlformats.org/markup-compatibility/2006" xmlns:mv="urn:schemas-microsoft-com:mac:vml" xmlns:p="http://schemas.openxmlformats.org/presentationml/2006/main" xmlns:c="http://schemas.openxmlformats.org/drawingml/2006/chart" xmlns:dgm="http://schemas.openxmlformats.org/drawingml/2006/diagram" xmlns:o="urn:schemas-microsoft-com:office:office" xmlns:v="urn:schemas-microsoft-com:vml" xmlns:pvml="urn:schemas-microsoft-com:office:powerpoint" xmlns:com="http://schemas.openxmlformats.org/drawingml/2006/compatibility" xmlns:p14="http://schemas.microsoft.com/office/powerpoint/2010/main" xmlns:p15="http://schemas.microsoft.com/office/powerpoint/2012/main" xmlns:ahyp="http://schemas.microsoft.com/office/drawing/2018/hyperlinkcolor" matchingName="Content with Caption" type="objTx">
   <p:cSld name="OBJECT_WITH_CAPTION_TEXT">
     <p:spTree>
       <p:nvGrpSpPr>
@@ -13027,7 +13027,7 @@
 </file>
 
 <file path=ppt/slideLayouts/slideLayout9.xml><?xml version="1.0" encoding="utf-8"?>
-<p:sldLayout xmlns:a="http://schemas.openxmlformats.org/drawingml/2006/main" xmlns:r="http://schemas.openxmlformats.org/officeDocument/2006/relationships" xmlns:mc="http://schemas.openxmlformats.org/markup-compatibility/2006" xmlns:mv="urn:schemas-microsoft-com:mac:vml" xmlns:p="http://schemas.openxmlformats.org/presentationml/2006/main" xmlns:c="http://schemas.openxmlformats.org/drawingml/2006/chart" xmlns:dgm="http://schemas.openxmlformats.org/drawingml/2006/diagram" xmlns:o="urn:schemas-microsoft-com:office:office" xmlns:v="urn:schemas-microsoft-com:vml" xmlns:pvml="urn:schemas-microsoft-com:office:powerpoint" xmlns:com="http://schemas.openxmlformats.org/drawingml/2006/compatibility" xmlns:p14="http://schemas.microsoft.com/office/powerpoint/2010/main" xmlns:p15="http://schemas.microsoft.com/office/powerpoint/2012/main" matchingName="Picture with Caption" type="picTx">
+<p:sldLayout xmlns:a="http://schemas.openxmlformats.org/drawingml/2006/main" xmlns:r="http://schemas.openxmlformats.org/officeDocument/2006/relationships" xmlns:mc="http://schemas.openxmlformats.org/markup-compatibility/2006" xmlns:mv="urn:schemas-microsoft-com:mac:vml" xmlns:p="http://schemas.openxmlformats.org/presentationml/2006/main" xmlns:c="http://schemas.openxmlformats.org/drawingml/2006/chart" xmlns:dgm="http://schemas.openxmlformats.org/drawingml/2006/diagram" xmlns:o="urn:schemas-microsoft-com:office:office" xmlns:v="urn:schemas-microsoft-com:vml" xmlns:pvml="urn:schemas-microsoft-com:office:powerpoint" xmlns:com="http://schemas.openxmlformats.org/drawingml/2006/compatibility" xmlns:p14="http://schemas.microsoft.com/office/powerpoint/2010/main" xmlns:p15="http://schemas.microsoft.com/office/powerpoint/2012/main" xmlns:ahyp="http://schemas.microsoft.com/office/drawing/2018/hyperlinkcolor" matchingName="Picture with Caption" type="picTx">
   <p:cSld name="PICTURE_WITH_CAPTION_TEXT">
     <p:spTree>
       <p:nvGrpSpPr>
@@ -14160,7 +14160,7 @@
 </file>
 
 <file path=ppt/slideMasters/slideMaster1.xml><?xml version="1.0" encoding="utf-8"?>
-<p:sldMaster xmlns:a="http://schemas.openxmlformats.org/drawingml/2006/main" xmlns:r="http://schemas.openxmlformats.org/officeDocument/2006/relationships" xmlns:mc="http://schemas.openxmlformats.org/markup-compatibility/2006" xmlns:mv="urn:schemas-microsoft-com:mac:vml" xmlns:p="http://schemas.openxmlformats.org/presentationml/2006/main" xmlns:c="http://schemas.openxmlformats.org/drawingml/2006/chart" xmlns:dgm="http://schemas.openxmlformats.org/drawingml/2006/diagram" xmlns:o="urn:schemas-microsoft-com:office:office" xmlns:v="urn:schemas-microsoft-com:vml" xmlns:pvml="urn:schemas-microsoft-com:office:powerpoint" xmlns:com="http://schemas.openxmlformats.org/drawingml/2006/compatibility" xmlns:p14="http://schemas.microsoft.com/office/powerpoint/2010/main" xmlns:p15="http://schemas.microsoft.com/office/powerpoint/2012/main">
+<p:sldMaster xmlns:a="http://schemas.openxmlformats.org/drawingml/2006/main" xmlns:r="http://schemas.openxmlformats.org/officeDocument/2006/relationships" xmlns:mc="http://schemas.openxmlformats.org/markup-compatibility/2006" xmlns:mv="urn:schemas-microsoft-com:mac:vml" xmlns:p="http://schemas.openxmlformats.org/presentationml/2006/main" xmlns:c="http://schemas.openxmlformats.org/drawingml/2006/chart" xmlns:dgm="http://schemas.openxmlformats.org/drawingml/2006/diagram" xmlns:o="urn:schemas-microsoft-com:office:office" xmlns:v="urn:schemas-microsoft-com:vml" xmlns:pvml="urn:schemas-microsoft-com:office:powerpoint" xmlns:com="http://schemas.openxmlformats.org/drawingml/2006/compatibility" xmlns:p14="http://schemas.microsoft.com/office/powerpoint/2010/main" xmlns:p15="http://schemas.microsoft.com/office/powerpoint/2012/main" xmlns:ahyp="http://schemas.microsoft.com/office/drawing/2018/hyperlinkcolor">
   <p:cSld>
     <p:bg>
       <p:bgPr>
@@ -14663,7 +14663,13 @@
                 <a:ea typeface="Montserrat"/>
                 <a:cs typeface="Montserrat"/>
                 <a:sym typeface="Montserrat"/>
-                <a:hlinkClick r:id="rId1"/>
+                <a:hlinkClick r:id="rId1">
+                  <a:extLst>
+                    <a:ext uri="{A12FA001-AC4F-418D-AE19-62706E023703}">
+                      <ahyp:hlinkClr val="tx"/>
+                    </a:ext>
+                  </a:extLst>
+                </a:hlinkClick>
               </a:rPr>
               <a:t>http://creativecommons.org/licenses/by-nc-sa/4.0/</a:t>
             </a:r>
@@ -15420,7 +15426,7 @@
 </file>
 
 <file path=ppt/slides/slide1.xml><?xml version="1.0" encoding="utf-8"?>
-<p:sld xmlns:a="http://schemas.openxmlformats.org/drawingml/2006/main" xmlns:r="http://schemas.openxmlformats.org/officeDocument/2006/relationships" xmlns:mc="http://schemas.openxmlformats.org/markup-compatibility/2006" xmlns:mv="urn:schemas-microsoft-com:mac:vml" xmlns:p="http://schemas.openxmlformats.org/presentationml/2006/main" xmlns:c="http://schemas.openxmlformats.org/drawingml/2006/chart" xmlns:dgm="http://schemas.openxmlformats.org/drawingml/2006/diagram" xmlns:o="urn:schemas-microsoft-com:office:office" xmlns:v="urn:schemas-microsoft-com:vml" xmlns:pvml="urn:schemas-microsoft-com:office:powerpoint" xmlns:com="http://schemas.openxmlformats.org/drawingml/2006/compatibility" xmlns:p14="http://schemas.microsoft.com/office/powerpoint/2010/main" xmlns:p15="http://schemas.microsoft.com/office/powerpoint/2012/main">
+<p:sld xmlns:a="http://schemas.openxmlformats.org/drawingml/2006/main" xmlns:r="http://schemas.openxmlformats.org/officeDocument/2006/relationships" xmlns:mc="http://schemas.openxmlformats.org/markup-compatibility/2006" xmlns:mv="urn:schemas-microsoft-com:mac:vml" xmlns:p="http://schemas.openxmlformats.org/presentationml/2006/main" xmlns:c="http://schemas.openxmlformats.org/drawingml/2006/chart" xmlns:dgm="http://schemas.openxmlformats.org/drawingml/2006/diagram" xmlns:o="urn:schemas-microsoft-com:office:office" xmlns:v="urn:schemas-microsoft-com:vml" xmlns:pvml="urn:schemas-microsoft-com:office:powerpoint" xmlns:com="http://schemas.openxmlformats.org/drawingml/2006/compatibility" xmlns:p14="http://schemas.microsoft.com/office/powerpoint/2010/main" xmlns:p15="http://schemas.microsoft.com/office/powerpoint/2012/main" xmlns:ahyp="http://schemas.microsoft.com/office/drawing/2018/hyperlinkcolor">
   <p:cSld>
     <p:spTree>
       <p:nvGrpSpPr>
@@ -15608,7 +15614,7 @@
 </file>
 
 <file path=ppt/slides/slide10.xml><?xml version="1.0" encoding="utf-8"?>
-<p:sld xmlns:a="http://schemas.openxmlformats.org/drawingml/2006/main" xmlns:r="http://schemas.openxmlformats.org/officeDocument/2006/relationships" xmlns:mc="http://schemas.openxmlformats.org/markup-compatibility/2006" xmlns:mv="urn:schemas-microsoft-com:mac:vml" xmlns:p="http://schemas.openxmlformats.org/presentationml/2006/main" xmlns:c="http://schemas.openxmlformats.org/drawingml/2006/chart" xmlns:dgm="http://schemas.openxmlformats.org/drawingml/2006/diagram" xmlns:o="urn:schemas-microsoft-com:office:office" xmlns:v="urn:schemas-microsoft-com:vml" xmlns:pvml="urn:schemas-microsoft-com:office:powerpoint" xmlns:com="http://schemas.openxmlformats.org/drawingml/2006/compatibility" xmlns:p14="http://schemas.microsoft.com/office/powerpoint/2010/main" xmlns:p15="http://schemas.microsoft.com/office/powerpoint/2012/main">
+<p:sld xmlns:a="http://schemas.openxmlformats.org/drawingml/2006/main" xmlns:r="http://schemas.openxmlformats.org/officeDocument/2006/relationships" xmlns:mc="http://schemas.openxmlformats.org/markup-compatibility/2006" xmlns:mv="urn:schemas-microsoft-com:mac:vml" xmlns:p="http://schemas.openxmlformats.org/presentationml/2006/main" xmlns:c="http://schemas.openxmlformats.org/drawingml/2006/chart" xmlns:dgm="http://schemas.openxmlformats.org/drawingml/2006/diagram" xmlns:o="urn:schemas-microsoft-com:office:office" xmlns:v="urn:schemas-microsoft-com:vml" xmlns:pvml="urn:schemas-microsoft-com:office:powerpoint" xmlns:com="http://schemas.openxmlformats.org/drawingml/2006/compatibility" xmlns:p14="http://schemas.microsoft.com/office/powerpoint/2010/main" xmlns:p15="http://schemas.microsoft.com/office/powerpoint/2012/main" xmlns:ahyp="http://schemas.microsoft.com/office/drawing/2018/hyperlinkcolor">
   <p:cSld>
     <p:spTree>
       <p:nvGrpSpPr>
@@ -16038,7 +16044,7 @@
 </file>
 
 <file path=ppt/slides/slide11.xml><?xml version="1.0" encoding="utf-8"?>
-<p:sld xmlns:a="http://schemas.openxmlformats.org/drawingml/2006/main" xmlns:r="http://schemas.openxmlformats.org/officeDocument/2006/relationships" xmlns:mc="http://schemas.openxmlformats.org/markup-compatibility/2006" xmlns:mv="urn:schemas-microsoft-com:mac:vml" xmlns:p="http://schemas.openxmlformats.org/presentationml/2006/main" xmlns:c="http://schemas.openxmlformats.org/drawingml/2006/chart" xmlns:dgm="http://schemas.openxmlformats.org/drawingml/2006/diagram" xmlns:o="urn:schemas-microsoft-com:office:office" xmlns:v="urn:schemas-microsoft-com:vml" xmlns:pvml="urn:schemas-microsoft-com:office:powerpoint" xmlns:com="http://schemas.openxmlformats.org/drawingml/2006/compatibility" xmlns:p14="http://schemas.microsoft.com/office/powerpoint/2010/main" xmlns:p15="http://schemas.microsoft.com/office/powerpoint/2012/main">
+<p:sld xmlns:a="http://schemas.openxmlformats.org/drawingml/2006/main" xmlns:r="http://schemas.openxmlformats.org/officeDocument/2006/relationships" xmlns:mc="http://schemas.openxmlformats.org/markup-compatibility/2006" xmlns:mv="urn:schemas-microsoft-com:mac:vml" xmlns:p="http://schemas.openxmlformats.org/presentationml/2006/main" xmlns:c="http://schemas.openxmlformats.org/drawingml/2006/chart" xmlns:dgm="http://schemas.openxmlformats.org/drawingml/2006/diagram" xmlns:o="urn:schemas-microsoft-com:office:office" xmlns:v="urn:schemas-microsoft-com:vml" xmlns:pvml="urn:schemas-microsoft-com:office:powerpoint" xmlns:com="http://schemas.openxmlformats.org/drawingml/2006/compatibility" xmlns:p14="http://schemas.microsoft.com/office/powerpoint/2010/main" xmlns:p15="http://schemas.microsoft.com/office/powerpoint/2012/main" xmlns:ahyp="http://schemas.microsoft.com/office/drawing/2018/hyperlinkcolor">
   <p:cSld>
     <p:spTree>
       <p:nvGrpSpPr>
@@ -16438,7 +16444,7 @@
 </file>
 
 <file path=ppt/slides/slide12.xml><?xml version="1.0" encoding="utf-8"?>
-<p:sld xmlns:a="http://schemas.openxmlformats.org/drawingml/2006/main" xmlns:r="http://schemas.openxmlformats.org/officeDocument/2006/relationships" xmlns:mc="http://schemas.openxmlformats.org/markup-compatibility/2006" xmlns:mv="urn:schemas-microsoft-com:mac:vml" xmlns:p="http://schemas.openxmlformats.org/presentationml/2006/main" xmlns:c="http://schemas.openxmlformats.org/drawingml/2006/chart" xmlns:dgm="http://schemas.openxmlformats.org/drawingml/2006/diagram" xmlns:o="urn:schemas-microsoft-com:office:office" xmlns:v="urn:schemas-microsoft-com:vml" xmlns:pvml="urn:schemas-microsoft-com:office:powerpoint" xmlns:com="http://schemas.openxmlformats.org/drawingml/2006/compatibility" xmlns:p14="http://schemas.microsoft.com/office/powerpoint/2010/main" xmlns:p15="http://schemas.microsoft.com/office/powerpoint/2012/main">
+<p:sld xmlns:a="http://schemas.openxmlformats.org/drawingml/2006/main" xmlns:r="http://schemas.openxmlformats.org/officeDocument/2006/relationships" xmlns:mc="http://schemas.openxmlformats.org/markup-compatibility/2006" xmlns:mv="urn:schemas-microsoft-com:mac:vml" xmlns:p="http://schemas.openxmlformats.org/presentationml/2006/main" xmlns:c="http://schemas.openxmlformats.org/drawingml/2006/chart" xmlns:dgm="http://schemas.openxmlformats.org/drawingml/2006/diagram" xmlns:o="urn:schemas-microsoft-com:office:office" xmlns:v="urn:schemas-microsoft-com:vml" xmlns:pvml="urn:schemas-microsoft-com:office:powerpoint" xmlns:com="http://schemas.openxmlformats.org/drawingml/2006/compatibility" xmlns:p14="http://schemas.microsoft.com/office/powerpoint/2010/main" xmlns:p15="http://schemas.microsoft.com/office/powerpoint/2012/main" xmlns:ahyp="http://schemas.microsoft.com/office/drawing/2018/hyperlinkcolor">
   <p:cSld>
     <p:spTree>
       <p:nvGrpSpPr>
@@ -16706,7 +16712,7 @@
 </file>
 
 <file path=ppt/slides/slide13.xml><?xml version="1.0" encoding="utf-8"?>
-<p:sld xmlns:a="http://schemas.openxmlformats.org/drawingml/2006/main" xmlns:r="http://schemas.openxmlformats.org/officeDocument/2006/relationships" xmlns:mc="http://schemas.openxmlformats.org/markup-compatibility/2006" xmlns:mv="urn:schemas-microsoft-com:mac:vml" xmlns:p="http://schemas.openxmlformats.org/presentationml/2006/main" xmlns:c="http://schemas.openxmlformats.org/drawingml/2006/chart" xmlns:dgm="http://schemas.openxmlformats.org/drawingml/2006/diagram" xmlns:o="urn:schemas-microsoft-com:office:office" xmlns:v="urn:schemas-microsoft-com:vml" xmlns:pvml="urn:schemas-microsoft-com:office:powerpoint" xmlns:com="http://schemas.openxmlformats.org/drawingml/2006/compatibility" xmlns:p14="http://schemas.microsoft.com/office/powerpoint/2010/main" xmlns:p15="http://schemas.microsoft.com/office/powerpoint/2012/main">
+<p:sld xmlns:a="http://schemas.openxmlformats.org/drawingml/2006/main" xmlns:r="http://schemas.openxmlformats.org/officeDocument/2006/relationships" xmlns:mc="http://schemas.openxmlformats.org/markup-compatibility/2006" xmlns:mv="urn:schemas-microsoft-com:mac:vml" xmlns:p="http://schemas.openxmlformats.org/presentationml/2006/main" xmlns:c="http://schemas.openxmlformats.org/drawingml/2006/chart" xmlns:dgm="http://schemas.openxmlformats.org/drawingml/2006/diagram" xmlns:o="urn:schemas-microsoft-com:office:office" xmlns:v="urn:schemas-microsoft-com:vml" xmlns:pvml="urn:schemas-microsoft-com:office:powerpoint" xmlns:com="http://schemas.openxmlformats.org/drawingml/2006/compatibility" xmlns:p14="http://schemas.microsoft.com/office/powerpoint/2010/main" xmlns:p15="http://schemas.microsoft.com/office/powerpoint/2012/main" xmlns:ahyp="http://schemas.microsoft.com/office/drawing/2018/hyperlinkcolor">
   <p:cSld>
     <p:spTree>
       <p:nvGrpSpPr>
@@ -16992,7 +16998,7 @@
 </file>
 
 <file path=ppt/slides/slide14.xml><?xml version="1.0" encoding="utf-8"?>
-<p:sld xmlns:a="http://schemas.openxmlformats.org/drawingml/2006/main" xmlns:r="http://schemas.openxmlformats.org/officeDocument/2006/relationships" xmlns:mc="http://schemas.openxmlformats.org/markup-compatibility/2006" xmlns:mv="urn:schemas-microsoft-com:mac:vml" xmlns:p="http://schemas.openxmlformats.org/presentationml/2006/main" xmlns:c="http://schemas.openxmlformats.org/drawingml/2006/chart" xmlns:dgm="http://schemas.openxmlformats.org/drawingml/2006/diagram" xmlns:o="urn:schemas-microsoft-com:office:office" xmlns:v="urn:schemas-microsoft-com:vml" xmlns:pvml="urn:schemas-microsoft-com:office:powerpoint" xmlns:com="http://schemas.openxmlformats.org/drawingml/2006/compatibility" xmlns:p14="http://schemas.microsoft.com/office/powerpoint/2010/main" xmlns:p15="http://schemas.microsoft.com/office/powerpoint/2012/main">
+<p:sld xmlns:a="http://schemas.openxmlformats.org/drawingml/2006/main" xmlns:r="http://schemas.openxmlformats.org/officeDocument/2006/relationships" xmlns:mc="http://schemas.openxmlformats.org/markup-compatibility/2006" xmlns:mv="urn:schemas-microsoft-com:mac:vml" xmlns:p="http://schemas.openxmlformats.org/presentationml/2006/main" xmlns:c="http://schemas.openxmlformats.org/drawingml/2006/chart" xmlns:dgm="http://schemas.openxmlformats.org/drawingml/2006/diagram" xmlns:o="urn:schemas-microsoft-com:office:office" xmlns:v="urn:schemas-microsoft-com:vml" xmlns:pvml="urn:schemas-microsoft-com:office:powerpoint" xmlns:com="http://schemas.openxmlformats.org/drawingml/2006/compatibility" xmlns:p14="http://schemas.microsoft.com/office/powerpoint/2010/main" xmlns:p15="http://schemas.microsoft.com/office/powerpoint/2012/main" xmlns:ahyp="http://schemas.microsoft.com/office/drawing/2018/hyperlinkcolor">
   <p:cSld>
     <p:spTree>
       <p:nvGrpSpPr>
@@ -17174,7 +17180,7 @@
 </file>
 
 <file path=ppt/slides/slide15.xml><?xml version="1.0" encoding="utf-8"?>
-<p:sld xmlns:a="http://schemas.openxmlformats.org/drawingml/2006/main" xmlns:r="http://schemas.openxmlformats.org/officeDocument/2006/relationships" xmlns:mc="http://schemas.openxmlformats.org/markup-compatibility/2006" xmlns:mv="urn:schemas-microsoft-com:mac:vml" xmlns:p="http://schemas.openxmlformats.org/presentationml/2006/main" xmlns:c="http://schemas.openxmlformats.org/drawingml/2006/chart" xmlns:dgm="http://schemas.openxmlformats.org/drawingml/2006/diagram" xmlns:o="urn:schemas-microsoft-com:office:office" xmlns:v="urn:schemas-microsoft-com:vml" xmlns:pvml="urn:schemas-microsoft-com:office:powerpoint" xmlns:com="http://schemas.openxmlformats.org/drawingml/2006/compatibility" xmlns:p14="http://schemas.microsoft.com/office/powerpoint/2010/main" xmlns:p15="http://schemas.microsoft.com/office/powerpoint/2012/main">
+<p:sld xmlns:a="http://schemas.openxmlformats.org/drawingml/2006/main" xmlns:r="http://schemas.openxmlformats.org/officeDocument/2006/relationships" xmlns:mc="http://schemas.openxmlformats.org/markup-compatibility/2006" xmlns:mv="urn:schemas-microsoft-com:mac:vml" xmlns:p="http://schemas.openxmlformats.org/presentationml/2006/main" xmlns:c="http://schemas.openxmlformats.org/drawingml/2006/chart" xmlns:dgm="http://schemas.openxmlformats.org/drawingml/2006/diagram" xmlns:o="urn:schemas-microsoft-com:office:office" xmlns:v="urn:schemas-microsoft-com:vml" xmlns:pvml="urn:schemas-microsoft-com:office:powerpoint" xmlns:com="http://schemas.openxmlformats.org/drawingml/2006/compatibility" xmlns:p14="http://schemas.microsoft.com/office/powerpoint/2010/main" xmlns:p15="http://schemas.microsoft.com/office/powerpoint/2012/main" xmlns:ahyp="http://schemas.microsoft.com/office/drawing/2018/hyperlinkcolor">
   <p:cSld>
     <p:spTree>
       <p:nvGrpSpPr>
@@ -17356,7 +17362,7 @@
 </file>
 
 <file path=ppt/slides/slide16.xml><?xml version="1.0" encoding="utf-8"?>
-<p:sld xmlns:a="http://schemas.openxmlformats.org/drawingml/2006/main" xmlns:r="http://schemas.openxmlformats.org/officeDocument/2006/relationships" xmlns:mc="http://schemas.openxmlformats.org/markup-compatibility/2006" xmlns:mv="urn:schemas-microsoft-com:mac:vml" xmlns:p="http://schemas.openxmlformats.org/presentationml/2006/main" xmlns:c="http://schemas.openxmlformats.org/drawingml/2006/chart" xmlns:dgm="http://schemas.openxmlformats.org/drawingml/2006/diagram" xmlns:o="urn:schemas-microsoft-com:office:office" xmlns:v="urn:schemas-microsoft-com:vml" xmlns:pvml="urn:schemas-microsoft-com:office:powerpoint" xmlns:com="http://schemas.openxmlformats.org/drawingml/2006/compatibility" xmlns:p14="http://schemas.microsoft.com/office/powerpoint/2010/main" xmlns:p15="http://schemas.microsoft.com/office/powerpoint/2012/main">
+<p:sld xmlns:a="http://schemas.openxmlformats.org/drawingml/2006/main" xmlns:r="http://schemas.openxmlformats.org/officeDocument/2006/relationships" xmlns:mc="http://schemas.openxmlformats.org/markup-compatibility/2006" xmlns:mv="urn:schemas-microsoft-com:mac:vml" xmlns:p="http://schemas.openxmlformats.org/presentationml/2006/main" xmlns:c="http://schemas.openxmlformats.org/drawingml/2006/chart" xmlns:dgm="http://schemas.openxmlformats.org/drawingml/2006/diagram" xmlns:o="urn:schemas-microsoft-com:office:office" xmlns:v="urn:schemas-microsoft-com:vml" xmlns:pvml="urn:schemas-microsoft-com:office:powerpoint" xmlns:com="http://schemas.openxmlformats.org/drawingml/2006/compatibility" xmlns:p14="http://schemas.microsoft.com/office/powerpoint/2010/main" xmlns:p15="http://schemas.microsoft.com/office/powerpoint/2012/main" xmlns:ahyp="http://schemas.microsoft.com/office/drawing/2018/hyperlinkcolor">
   <p:cSld>
     <p:spTree>
       <p:nvGrpSpPr>
@@ -17464,7 +17470,7 @@
 </file>
 
 <file path=ppt/slides/slide17.xml><?xml version="1.0" encoding="utf-8"?>
-<p:sld xmlns:a="http://schemas.openxmlformats.org/drawingml/2006/main" xmlns:r="http://schemas.openxmlformats.org/officeDocument/2006/relationships" xmlns:mc="http://schemas.openxmlformats.org/markup-compatibility/2006" xmlns:mv="urn:schemas-microsoft-com:mac:vml" xmlns:p="http://schemas.openxmlformats.org/presentationml/2006/main" xmlns:c="http://schemas.openxmlformats.org/drawingml/2006/chart" xmlns:dgm="http://schemas.openxmlformats.org/drawingml/2006/diagram" xmlns:o="urn:schemas-microsoft-com:office:office" xmlns:v="urn:schemas-microsoft-com:vml" xmlns:pvml="urn:schemas-microsoft-com:office:powerpoint" xmlns:com="http://schemas.openxmlformats.org/drawingml/2006/compatibility" xmlns:p14="http://schemas.microsoft.com/office/powerpoint/2010/main" xmlns:p15="http://schemas.microsoft.com/office/powerpoint/2012/main">
+<p:sld xmlns:a="http://schemas.openxmlformats.org/drawingml/2006/main" xmlns:r="http://schemas.openxmlformats.org/officeDocument/2006/relationships" xmlns:mc="http://schemas.openxmlformats.org/markup-compatibility/2006" xmlns:mv="urn:schemas-microsoft-com:mac:vml" xmlns:p="http://schemas.openxmlformats.org/presentationml/2006/main" xmlns:c="http://schemas.openxmlformats.org/drawingml/2006/chart" xmlns:dgm="http://schemas.openxmlformats.org/drawingml/2006/diagram" xmlns:o="urn:schemas-microsoft-com:office:office" xmlns:v="urn:schemas-microsoft-com:vml" xmlns:pvml="urn:schemas-microsoft-com:office:powerpoint" xmlns:com="http://schemas.openxmlformats.org/drawingml/2006/compatibility" xmlns:p14="http://schemas.microsoft.com/office/powerpoint/2010/main" xmlns:p15="http://schemas.microsoft.com/office/powerpoint/2012/main" xmlns:ahyp="http://schemas.microsoft.com/office/drawing/2018/hyperlinkcolor">
   <p:cSld>
     <p:spTree>
       <p:nvGrpSpPr>
@@ -17685,7 +17691,7 @@
 </file>
 
 <file path=ppt/slides/slide18.xml><?xml version="1.0" encoding="utf-8"?>
-<p:sld xmlns:a="http://schemas.openxmlformats.org/drawingml/2006/main" xmlns:r="http://schemas.openxmlformats.org/officeDocument/2006/relationships" xmlns:mc="http://schemas.openxmlformats.org/markup-compatibility/2006" xmlns:mv="urn:schemas-microsoft-com:mac:vml" xmlns:p="http://schemas.openxmlformats.org/presentationml/2006/main" xmlns:c="http://schemas.openxmlformats.org/drawingml/2006/chart" xmlns:dgm="http://schemas.openxmlformats.org/drawingml/2006/diagram" xmlns:o="urn:schemas-microsoft-com:office:office" xmlns:v="urn:schemas-microsoft-com:vml" xmlns:pvml="urn:schemas-microsoft-com:office:powerpoint" xmlns:com="http://schemas.openxmlformats.org/drawingml/2006/compatibility" xmlns:p14="http://schemas.microsoft.com/office/powerpoint/2010/main" xmlns:p15="http://schemas.microsoft.com/office/powerpoint/2012/main">
+<p:sld xmlns:a="http://schemas.openxmlformats.org/drawingml/2006/main" xmlns:r="http://schemas.openxmlformats.org/officeDocument/2006/relationships" xmlns:mc="http://schemas.openxmlformats.org/markup-compatibility/2006" xmlns:mv="urn:schemas-microsoft-com:mac:vml" xmlns:p="http://schemas.openxmlformats.org/presentationml/2006/main" xmlns:c="http://schemas.openxmlformats.org/drawingml/2006/chart" xmlns:dgm="http://schemas.openxmlformats.org/drawingml/2006/diagram" xmlns:o="urn:schemas-microsoft-com:office:office" xmlns:v="urn:schemas-microsoft-com:vml" xmlns:pvml="urn:schemas-microsoft-com:office:powerpoint" xmlns:com="http://schemas.openxmlformats.org/drawingml/2006/compatibility" xmlns:p14="http://schemas.microsoft.com/office/powerpoint/2010/main" xmlns:p15="http://schemas.microsoft.com/office/powerpoint/2012/main" xmlns:ahyp="http://schemas.microsoft.com/office/drawing/2018/hyperlinkcolor">
   <p:cSld>
     <p:spTree>
       <p:nvGrpSpPr>
@@ -17907,7 +17913,7 @@
 </file>
 
 <file path=ppt/slides/slide19.xml><?xml version="1.0" encoding="utf-8"?>
-<p:sld xmlns:a="http://schemas.openxmlformats.org/drawingml/2006/main" xmlns:r="http://schemas.openxmlformats.org/officeDocument/2006/relationships" xmlns:mc="http://schemas.openxmlformats.org/markup-compatibility/2006" xmlns:mv="urn:schemas-microsoft-com:mac:vml" xmlns:p="http://schemas.openxmlformats.org/presentationml/2006/main" xmlns:c="http://schemas.openxmlformats.org/drawingml/2006/chart" xmlns:dgm="http://schemas.openxmlformats.org/drawingml/2006/diagram" xmlns:o="urn:schemas-microsoft-com:office:office" xmlns:v="urn:schemas-microsoft-com:vml" xmlns:pvml="urn:schemas-microsoft-com:office:powerpoint" xmlns:com="http://schemas.openxmlformats.org/drawingml/2006/compatibility" xmlns:p14="http://schemas.microsoft.com/office/powerpoint/2010/main" xmlns:p15="http://schemas.microsoft.com/office/powerpoint/2012/main">
+<p:sld xmlns:a="http://schemas.openxmlformats.org/drawingml/2006/main" xmlns:r="http://schemas.openxmlformats.org/officeDocument/2006/relationships" xmlns:mc="http://schemas.openxmlformats.org/markup-compatibility/2006" xmlns:mv="urn:schemas-microsoft-com:mac:vml" xmlns:p="http://schemas.openxmlformats.org/presentationml/2006/main" xmlns:c="http://schemas.openxmlformats.org/drawingml/2006/chart" xmlns:dgm="http://schemas.openxmlformats.org/drawingml/2006/diagram" xmlns:o="urn:schemas-microsoft-com:office:office" xmlns:v="urn:schemas-microsoft-com:vml" xmlns:pvml="urn:schemas-microsoft-com:office:powerpoint" xmlns:com="http://schemas.openxmlformats.org/drawingml/2006/compatibility" xmlns:p14="http://schemas.microsoft.com/office/powerpoint/2010/main" xmlns:p15="http://schemas.microsoft.com/office/powerpoint/2012/main" xmlns:ahyp="http://schemas.microsoft.com/office/drawing/2018/hyperlinkcolor">
   <p:cSld>
     <p:spTree>
       <p:nvGrpSpPr>
@@ -18008,7 +18014,7 @@
 </file>
 
 <file path=ppt/slides/slide2.xml><?xml version="1.0" encoding="utf-8"?>
-<p:sld xmlns:a="http://schemas.openxmlformats.org/drawingml/2006/main" xmlns:r="http://schemas.openxmlformats.org/officeDocument/2006/relationships" xmlns:mc="http://schemas.openxmlformats.org/markup-compatibility/2006" xmlns:mv="urn:schemas-microsoft-com:mac:vml" xmlns:p="http://schemas.openxmlformats.org/presentationml/2006/main" xmlns:c="http://schemas.openxmlformats.org/drawingml/2006/chart" xmlns:dgm="http://schemas.openxmlformats.org/drawingml/2006/diagram" xmlns:o="urn:schemas-microsoft-com:office:office" xmlns:v="urn:schemas-microsoft-com:vml" xmlns:pvml="urn:schemas-microsoft-com:office:powerpoint" xmlns:com="http://schemas.openxmlformats.org/drawingml/2006/compatibility" xmlns:p14="http://schemas.microsoft.com/office/powerpoint/2010/main" xmlns:p15="http://schemas.microsoft.com/office/powerpoint/2012/main">
+<p:sld xmlns:a="http://schemas.openxmlformats.org/drawingml/2006/main" xmlns:r="http://schemas.openxmlformats.org/officeDocument/2006/relationships" xmlns:mc="http://schemas.openxmlformats.org/markup-compatibility/2006" xmlns:mv="urn:schemas-microsoft-com:mac:vml" xmlns:p="http://schemas.openxmlformats.org/presentationml/2006/main" xmlns:c="http://schemas.openxmlformats.org/drawingml/2006/chart" xmlns:dgm="http://schemas.openxmlformats.org/drawingml/2006/diagram" xmlns:o="urn:schemas-microsoft-com:office:office" xmlns:v="urn:schemas-microsoft-com:vml" xmlns:pvml="urn:schemas-microsoft-com:office:powerpoint" xmlns:com="http://schemas.openxmlformats.org/drawingml/2006/compatibility" xmlns:p14="http://schemas.microsoft.com/office/powerpoint/2010/main" xmlns:p15="http://schemas.microsoft.com/office/powerpoint/2012/main" xmlns:ahyp="http://schemas.microsoft.com/office/drawing/2018/hyperlinkcolor">
   <p:cSld>
     <p:spTree>
       <p:nvGrpSpPr>
@@ -18271,7 +18277,7 @@
 </file>
 
 <file path=ppt/slides/slide20.xml><?xml version="1.0" encoding="utf-8"?>
-<p:sld xmlns:a="http://schemas.openxmlformats.org/drawingml/2006/main" xmlns:r="http://schemas.openxmlformats.org/officeDocument/2006/relationships" xmlns:mc="http://schemas.openxmlformats.org/markup-compatibility/2006" xmlns:mv="urn:schemas-microsoft-com:mac:vml" xmlns:p="http://schemas.openxmlformats.org/presentationml/2006/main" xmlns:c="http://schemas.openxmlformats.org/drawingml/2006/chart" xmlns:dgm="http://schemas.openxmlformats.org/drawingml/2006/diagram" xmlns:o="urn:schemas-microsoft-com:office:office" xmlns:v="urn:schemas-microsoft-com:vml" xmlns:pvml="urn:schemas-microsoft-com:office:powerpoint" xmlns:com="http://schemas.openxmlformats.org/drawingml/2006/compatibility" xmlns:p14="http://schemas.microsoft.com/office/powerpoint/2010/main" xmlns:p15="http://schemas.microsoft.com/office/powerpoint/2012/main">
+<p:sld xmlns:a="http://schemas.openxmlformats.org/drawingml/2006/main" xmlns:r="http://schemas.openxmlformats.org/officeDocument/2006/relationships" xmlns:mc="http://schemas.openxmlformats.org/markup-compatibility/2006" xmlns:mv="urn:schemas-microsoft-com:mac:vml" xmlns:p="http://schemas.openxmlformats.org/presentationml/2006/main" xmlns:c="http://schemas.openxmlformats.org/drawingml/2006/chart" xmlns:dgm="http://schemas.openxmlformats.org/drawingml/2006/diagram" xmlns:o="urn:schemas-microsoft-com:office:office" xmlns:v="urn:schemas-microsoft-com:vml" xmlns:pvml="urn:schemas-microsoft-com:office:powerpoint" xmlns:com="http://schemas.openxmlformats.org/drawingml/2006/compatibility" xmlns:p14="http://schemas.microsoft.com/office/powerpoint/2010/main" xmlns:p15="http://schemas.microsoft.com/office/powerpoint/2012/main" xmlns:ahyp="http://schemas.microsoft.com/office/drawing/2018/hyperlinkcolor">
   <p:cSld>
     <p:spTree>
       <p:nvGrpSpPr>
@@ -18557,7 +18563,7 @@
 </file>
 
 <file path=ppt/slides/slide21.xml><?xml version="1.0" encoding="utf-8"?>
-<p:sld xmlns:a="http://schemas.openxmlformats.org/drawingml/2006/main" xmlns:r="http://schemas.openxmlformats.org/officeDocument/2006/relationships" xmlns:mc="http://schemas.openxmlformats.org/markup-compatibility/2006" xmlns:mv="urn:schemas-microsoft-com:mac:vml" xmlns:p="http://schemas.openxmlformats.org/presentationml/2006/main" xmlns:c="http://schemas.openxmlformats.org/drawingml/2006/chart" xmlns:dgm="http://schemas.openxmlformats.org/drawingml/2006/diagram" xmlns:o="urn:schemas-microsoft-com:office:office" xmlns:v="urn:schemas-microsoft-com:vml" xmlns:pvml="urn:schemas-microsoft-com:office:powerpoint" xmlns:com="http://schemas.openxmlformats.org/drawingml/2006/compatibility" xmlns:p14="http://schemas.microsoft.com/office/powerpoint/2010/main" xmlns:p15="http://schemas.microsoft.com/office/powerpoint/2012/main">
+<p:sld xmlns:a="http://schemas.openxmlformats.org/drawingml/2006/main" xmlns:r="http://schemas.openxmlformats.org/officeDocument/2006/relationships" xmlns:mc="http://schemas.openxmlformats.org/markup-compatibility/2006" xmlns:mv="urn:schemas-microsoft-com:mac:vml" xmlns:p="http://schemas.openxmlformats.org/presentationml/2006/main" xmlns:c="http://schemas.openxmlformats.org/drawingml/2006/chart" xmlns:dgm="http://schemas.openxmlformats.org/drawingml/2006/diagram" xmlns:o="urn:schemas-microsoft-com:office:office" xmlns:v="urn:schemas-microsoft-com:vml" xmlns:pvml="urn:schemas-microsoft-com:office:powerpoint" xmlns:com="http://schemas.openxmlformats.org/drawingml/2006/compatibility" xmlns:p14="http://schemas.microsoft.com/office/powerpoint/2010/main" xmlns:p15="http://schemas.microsoft.com/office/powerpoint/2012/main" xmlns:ahyp="http://schemas.microsoft.com/office/drawing/2018/hyperlinkcolor">
   <p:cSld>
     <p:spTree>
       <p:nvGrpSpPr>
@@ -18888,7 +18894,7 @@
 </file>
 
 <file path=ppt/slides/slide22.xml><?xml version="1.0" encoding="utf-8"?>
-<p:sld xmlns:a="http://schemas.openxmlformats.org/drawingml/2006/main" xmlns:r="http://schemas.openxmlformats.org/officeDocument/2006/relationships" xmlns:mc="http://schemas.openxmlformats.org/markup-compatibility/2006" xmlns:mv="urn:schemas-microsoft-com:mac:vml" xmlns:p="http://schemas.openxmlformats.org/presentationml/2006/main" xmlns:c="http://schemas.openxmlformats.org/drawingml/2006/chart" xmlns:dgm="http://schemas.openxmlformats.org/drawingml/2006/diagram" xmlns:o="urn:schemas-microsoft-com:office:office" xmlns:v="urn:schemas-microsoft-com:vml" xmlns:pvml="urn:schemas-microsoft-com:office:powerpoint" xmlns:com="http://schemas.openxmlformats.org/drawingml/2006/compatibility" xmlns:p14="http://schemas.microsoft.com/office/powerpoint/2010/main" xmlns:p15="http://schemas.microsoft.com/office/powerpoint/2012/main">
+<p:sld xmlns:a="http://schemas.openxmlformats.org/drawingml/2006/main" xmlns:r="http://schemas.openxmlformats.org/officeDocument/2006/relationships" xmlns:mc="http://schemas.openxmlformats.org/markup-compatibility/2006" xmlns:mv="urn:schemas-microsoft-com:mac:vml" xmlns:p="http://schemas.openxmlformats.org/presentationml/2006/main" xmlns:c="http://schemas.openxmlformats.org/drawingml/2006/chart" xmlns:dgm="http://schemas.openxmlformats.org/drawingml/2006/diagram" xmlns:o="urn:schemas-microsoft-com:office:office" xmlns:v="urn:schemas-microsoft-com:vml" xmlns:pvml="urn:schemas-microsoft-com:office:powerpoint" xmlns:com="http://schemas.openxmlformats.org/drawingml/2006/compatibility" xmlns:p14="http://schemas.microsoft.com/office/powerpoint/2010/main" xmlns:p15="http://schemas.microsoft.com/office/powerpoint/2012/main" xmlns:ahyp="http://schemas.microsoft.com/office/drawing/2018/hyperlinkcolor">
   <p:cSld>
     <p:spTree>
       <p:nvGrpSpPr>
@@ -19110,7 +19116,7 @@
 </file>
 
 <file path=ppt/slides/slide23.xml><?xml version="1.0" encoding="utf-8"?>
-<p:sld xmlns:a="http://schemas.openxmlformats.org/drawingml/2006/main" xmlns:r="http://schemas.openxmlformats.org/officeDocument/2006/relationships" xmlns:mc="http://schemas.openxmlformats.org/markup-compatibility/2006" xmlns:mv="urn:schemas-microsoft-com:mac:vml" xmlns:p="http://schemas.openxmlformats.org/presentationml/2006/main" xmlns:c="http://schemas.openxmlformats.org/drawingml/2006/chart" xmlns:dgm="http://schemas.openxmlformats.org/drawingml/2006/diagram" xmlns:o="urn:schemas-microsoft-com:office:office" xmlns:v="urn:schemas-microsoft-com:vml" xmlns:pvml="urn:schemas-microsoft-com:office:powerpoint" xmlns:com="http://schemas.openxmlformats.org/drawingml/2006/compatibility" xmlns:p14="http://schemas.microsoft.com/office/powerpoint/2010/main" xmlns:p15="http://schemas.microsoft.com/office/powerpoint/2012/main">
+<p:sld xmlns:a="http://schemas.openxmlformats.org/drawingml/2006/main" xmlns:r="http://schemas.openxmlformats.org/officeDocument/2006/relationships" xmlns:mc="http://schemas.openxmlformats.org/markup-compatibility/2006" xmlns:mv="urn:schemas-microsoft-com:mac:vml" xmlns:p="http://schemas.openxmlformats.org/presentationml/2006/main" xmlns:c="http://schemas.openxmlformats.org/drawingml/2006/chart" xmlns:dgm="http://schemas.openxmlformats.org/drawingml/2006/diagram" xmlns:o="urn:schemas-microsoft-com:office:office" xmlns:v="urn:schemas-microsoft-com:vml" xmlns:pvml="urn:schemas-microsoft-com:office:powerpoint" xmlns:com="http://schemas.openxmlformats.org/drawingml/2006/compatibility" xmlns:p14="http://schemas.microsoft.com/office/powerpoint/2010/main" xmlns:p15="http://schemas.microsoft.com/office/powerpoint/2012/main" xmlns:ahyp="http://schemas.microsoft.com/office/drawing/2018/hyperlinkcolor">
   <p:cSld>
     <p:spTree>
       <p:nvGrpSpPr>
@@ -19384,7 +19390,7 @@
 </file>
 
 <file path=ppt/slides/slide24.xml><?xml version="1.0" encoding="utf-8"?>
-<p:sld xmlns:a="http://schemas.openxmlformats.org/drawingml/2006/main" xmlns:r="http://schemas.openxmlformats.org/officeDocument/2006/relationships" xmlns:mc="http://schemas.openxmlformats.org/markup-compatibility/2006" xmlns:mv="urn:schemas-microsoft-com:mac:vml" xmlns:p="http://schemas.openxmlformats.org/presentationml/2006/main" xmlns:c="http://schemas.openxmlformats.org/drawingml/2006/chart" xmlns:dgm="http://schemas.openxmlformats.org/drawingml/2006/diagram" xmlns:o="urn:schemas-microsoft-com:office:office" xmlns:v="urn:schemas-microsoft-com:vml" xmlns:pvml="urn:schemas-microsoft-com:office:powerpoint" xmlns:com="http://schemas.openxmlformats.org/drawingml/2006/compatibility" xmlns:p14="http://schemas.microsoft.com/office/powerpoint/2010/main" xmlns:p15="http://schemas.microsoft.com/office/powerpoint/2012/main">
+<p:sld xmlns:a="http://schemas.openxmlformats.org/drawingml/2006/main" xmlns:r="http://schemas.openxmlformats.org/officeDocument/2006/relationships" xmlns:mc="http://schemas.openxmlformats.org/markup-compatibility/2006" xmlns:mv="urn:schemas-microsoft-com:mac:vml" xmlns:p="http://schemas.openxmlformats.org/presentationml/2006/main" xmlns:c="http://schemas.openxmlformats.org/drawingml/2006/chart" xmlns:dgm="http://schemas.openxmlformats.org/drawingml/2006/diagram" xmlns:o="urn:schemas-microsoft-com:office:office" xmlns:v="urn:schemas-microsoft-com:vml" xmlns:pvml="urn:schemas-microsoft-com:office:powerpoint" xmlns:com="http://schemas.openxmlformats.org/drawingml/2006/compatibility" xmlns:p14="http://schemas.microsoft.com/office/powerpoint/2010/main" xmlns:p15="http://schemas.microsoft.com/office/powerpoint/2012/main" xmlns:ahyp="http://schemas.microsoft.com/office/drawing/2018/hyperlinkcolor">
   <p:cSld>
     <p:spTree>
       <p:nvGrpSpPr>
@@ -19716,7 +19722,7 @@
 </file>
 
 <file path=ppt/slides/slide25.xml><?xml version="1.0" encoding="utf-8"?>
-<p:sld xmlns:a="http://schemas.openxmlformats.org/drawingml/2006/main" xmlns:r="http://schemas.openxmlformats.org/officeDocument/2006/relationships" xmlns:mc="http://schemas.openxmlformats.org/markup-compatibility/2006" xmlns:mv="urn:schemas-microsoft-com:mac:vml" xmlns:p="http://schemas.openxmlformats.org/presentationml/2006/main" xmlns:c="http://schemas.openxmlformats.org/drawingml/2006/chart" xmlns:dgm="http://schemas.openxmlformats.org/drawingml/2006/diagram" xmlns:o="urn:schemas-microsoft-com:office:office" xmlns:v="urn:schemas-microsoft-com:vml" xmlns:pvml="urn:schemas-microsoft-com:office:powerpoint" xmlns:com="http://schemas.openxmlformats.org/drawingml/2006/compatibility" xmlns:p14="http://schemas.microsoft.com/office/powerpoint/2010/main" xmlns:p15="http://schemas.microsoft.com/office/powerpoint/2012/main">
+<p:sld xmlns:a="http://schemas.openxmlformats.org/drawingml/2006/main" xmlns:r="http://schemas.openxmlformats.org/officeDocument/2006/relationships" xmlns:mc="http://schemas.openxmlformats.org/markup-compatibility/2006" xmlns:mv="urn:schemas-microsoft-com:mac:vml" xmlns:p="http://schemas.openxmlformats.org/presentationml/2006/main" xmlns:c="http://schemas.openxmlformats.org/drawingml/2006/chart" xmlns:dgm="http://schemas.openxmlformats.org/drawingml/2006/diagram" xmlns:o="urn:schemas-microsoft-com:office:office" xmlns:v="urn:schemas-microsoft-com:vml" xmlns:pvml="urn:schemas-microsoft-com:office:powerpoint" xmlns:com="http://schemas.openxmlformats.org/drawingml/2006/compatibility" xmlns:p14="http://schemas.microsoft.com/office/powerpoint/2010/main" xmlns:p15="http://schemas.microsoft.com/office/powerpoint/2012/main" xmlns:ahyp="http://schemas.microsoft.com/office/drawing/2018/hyperlinkcolor">
   <p:cSld>
     <p:spTree>
       <p:nvGrpSpPr>
@@ -19812,7 +19818,7 @@
                   </a:gsLst>
                   <a:lin ang="16200000" scaled="0"/>
                 </a:gradFill>
-                <a:tableStyleId>{CE6A4DF9-EAD0-4398-9B62-DA78DD3FA832}</a:tableStyleId>
+                <a:tableStyleId>{54F99694-832C-4608-87F8-ABE2C8942E8A}</a:tableStyleId>
               </a:tblPr>
               <a:tblGrid>
                 <a:gridCol w="778925"/>
@@ -24369,7 +24375,7 @@
 </file>
 
 <file path=ppt/slides/slide26.xml><?xml version="1.0" encoding="utf-8"?>
-<p:sld xmlns:a="http://schemas.openxmlformats.org/drawingml/2006/main" xmlns:r="http://schemas.openxmlformats.org/officeDocument/2006/relationships" xmlns:mc="http://schemas.openxmlformats.org/markup-compatibility/2006" xmlns:mv="urn:schemas-microsoft-com:mac:vml" xmlns:p="http://schemas.openxmlformats.org/presentationml/2006/main" xmlns:c="http://schemas.openxmlformats.org/drawingml/2006/chart" xmlns:dgm="http://schemas.openxmlformats.org/drawingml/2006/diagram" xmlns:o="urn:schemas-microsoft-com:office:office" xmlns:v="urn:schemas-microsoft-com:vml" xmlns:pvml="urn:schemas-microsoft-com:office:powerpoint" xmlns:com="http://schemas.openxmlformats.org/drawingml/2006/compatibility" xmlns:p14="http://schemas.microsoft.com/office/powerpoint/2010/main" xmlns:p15="http://schemas.microsoft.com/office/powerpoint/2012/main">
+<p:sld xmlns:a="http://schemas.openxmlformats.org/drawingml/2006/main" xmlns:r="http://schemas.openxmlformats.org/officeDocument/2006/relationships" xmlns:mc="http://schemas.openxmlformats.org/markup-compatibility/2006" xmlns:mv="urn:schemas-microsoft-com:mac:vml" xmlns:p="http://schemas.openxmlformats.org/presentationml/2006/main" xmlns:c="http://schemas.openxmlformats.org/drawingml/2006/chart" xmlns:dgm="http://schemas.openxmlformats.org/drawingml/2006/diagram" xmlns:o="urn:schemas-microsoft-com:office:office" xmlns:v="urn:schemas-microsoft-com:vml" xmlns:pvml="urn:schemas-microsoft-com:office:powerpoint" xmlns:com="http://schemas.openxmlformats.org/drawingml/2006/compatibility" xmlns:p14="http://schemas.microsoft.com/office/powerpoint/2010/main" xmlns:p15="http://schemas.microsoft.com/office/powerpoint/2012/main" xmlns:ahyp="http://schemas.microsoft.com/office/drawing/2018/hyperlinkcolor">
   <p:cSld>
     <p:spTree>
       <p:nvGrpSpPr>
@@ -24470,7 +24476,7 @@
 </file>
 
 <file path=ppt/slides/slide27.xml><?xml version="1.0" encoding="utf-8"?>
-<p:sld xmlns:a="http://schemas.openxmlformats.org/drawingml/2006/main" xmlns:r="http://schemas.openxmlformats.org/officeDocument/2006/relationships" xmlns:mc="http://schemas.openxmlformats.org/markup-compatibility/2006" xmlns:mv="urn:schemas-microsoft-com:mac:vml" xmlns:p="http://schemas.openxmlformats.org/presentationml/2006/main" xmlns:c="http://schemas.openxmlformats.org/drawingml/2006/chart" xmlns:dgm="http://schemas.openxmlformats.org/drawingml/2006/diagram" xmlns:o="urn:schemas-microsoft-com:office:office" xmlns:v="urn:schemas-microsoft-com:vml" xmlns:pvml="urn:schemas-microsoft-com:office:powerpoint" xmlns:com="http://schemas.openxmlformats.org/drawingml/2006/compatibility" xmlns:p14="http://schemas.microsoft.com/office/powerpoint/2010/main" xmlns:p15="http://schemas.microsoft.com/office/powerpoint/2012/main">
+<p:sld xmlns:a="http://schemas.openxmlformats.org/drawingml/2006/main" xmlns:r="http://schemas.openxmlformats.org/officeDocument/2006/relationships" xmlns:mc="http://schemas.openxmlformats.org/markup-compatibility/2006" xmlns:mv="urn:schemas-microsoft-com:mac:vml" xmlns:p="http://schemas.openxmlformats.org/presentationml/2006/main" xmlns:c="http://schemas.openxmlformats.org/drawingml/2006/chart" xmlns:dgm="http://schemas.openxmlformats.org/drawingml/2006/diagram" xmlns:o="urn:schemas-microsoft-com:office:office" xmlns:v="urn:schemas-microsoft-com:vml" xmlns:pvml="urn:schemas-microsoft-com:office:powerpoint" xmlns:com="http://schemas.openxmlformats.org/drawingml/2006/compatibility" xmlns:p14="http://schemas.microsoft.com/office/powerpoint/2010/main" xmlns:p15="http://schemas.microsoft.com/office/powerpoint/2012/main" xmlns:ahyp="http://schemas.microsoft.com/office/drawing/2018/hyperlinkcolor">
   <p:cSld>
     <p:spTree>
       <p:nvGrpSpPr>
@@ -24652,7 +24658,7 @@
 </file>
 
 <file path=ppt/slides/slide28.xml><?xml version="1.0" encoding="utf-8"?>
-<p:sld xmlns:a="http://schemas.openxmlformats.org/drawingml/2006/main" xmlns:r="http://schemas.openxmlformats.org/officeDocument/2006/relationships" xmlns:mc="http://schemas.openxmlformats.org/markup-compatibility/2006" xmlns:mv="urn:schemas-microsoft-com:mac:vml" xmlns:p="http://schemas.openxmlformats.org/presentationml/2006/main" xmlns:c="http://schemas.openxmlformats.org/drawingml/2006/chart" xmlns:dgm="http://schemas.openxmlformats.org/drawingml/2006/diagram" xmlns:o="urn:schemas-microsoft-com:office:office" xmlns:v="urn:schemas-microsoft-com:vml" xmlns:pvml="urn:schemas-microsoft-com:office:powerpoint" xmlns:com="http://schemas.openxmlformats.org/drawingml/2006/compatibility" xmlns:p14="http://schemas.microsoft.com/office/powerpoint/2010/main" xmlns:p15="http://schemas.microsoft.com/office/powerpoint/2012/main">
+<p:sld xmlns:a="http://schemas.openxmlformats.org/drawingml/2006/main" xmlns:r="http://schemas.openxmlformats.org/officeDocument/2006/relationships" xmlns:mc="http://schemas.openxmlformats.org/markup-compatibility/2006" xmlns:mv="urn:schemas-microsoft-com:mac:vml" xmlns:p="http://schemas.openxmlformats.org/presentationml/2006/main" xmlns:c="http://schemas.openxmlformats.org/drawingml/2006/chart" xmlns:dgm="http://schemas.openxmlformats.org/drawingml/2006/diagram" xmlns:o="urn:schemas-microsoft-com:office:office" xmlns:v="urn:schemas-microsoft-com:vml" xmlns:pvml="urn:schemas-microsoft-com:office:powerpoint" xmlns:com="http://schemas.openxmlformats.org/drawingml/2006/compatibility" xmlns:p14="http://schemas.microsoft.com/office/powerpoint/2010/main" xmlns:p15="http://schemas.microsoft.com/office/powerpoint/2012/main" xmlns:ahyp="http://schemas.microsoft.com/office/drawing/2018/hyperlinkcolor">
   <p:cSld>
     <p:spTree>
       <p:nvGrpSpPr>
@@ -24892,7 +24898,7 @@
 </file>
 
 <file path=ppt/slides/slide3.xml><?xml version="1.0" encoding="utf-8"?>
-<p:sld xmlns:a="http://schemas.openxmlformats.org/drawingml/2006/main" xmlns:r="http://schemas.openxmlformats.org/officeDocument/2006/relationships" xmlns:mc="http://schemas.openxmlformats.org/markup-compatibility/2006" xmlns:mv="urn:schemas-microsoft-com:mac:vml" xmlns:p="http://schemas.openxmlformats.org/presentationml/2006/main" xmlns:c="http://schemas.openxmlformats.org/drawingml/2006/chart" xmlns:dgm="http://schemas.openxmlformats.org/drawingml/2006/diagram" xmlns:o="urn:schemas-microsoft-com:office:office" xmlns:v="urn:schemas-microsoft-com:vml" xmlns:pvml="urn:schemas-microsoft-com:office:powerpoint" xmlns:com="http://schemas.openxmlformats.org/drawingml/2006/compatibility" xmlns:p14="http://schemas.microsoft.com/office/powerpoint/2010/main" xmlns:p15="http://schemas.microsoft.com/office/powerpoint/2012/main">
+<p:sld xmlns:a="http://schemas.openxmlformats.org/drawingml/2006/main" xmlns:r="http://schemas.openxmlformats.org/officeDocument/2006/relationships" xmlns:mc="http://schemas.openxmlformats.org/markup-compatibility/2006" xmlns:mv="urn:schemas-microsoft-com:mac:vml" xmlns:p="http://schemas.openxmlformats.org/presentationml/2006/main" xmlns:c="http://schemas.openxmlformats.org/drawingml/2006/chart" xmlns:dgm="http://schemas.openxmlformats.org/drawingml/2006/diagram" xmlns:o="urn:schemas-microsoft-com:office:office" xmlns:v="urn:schemas-microsoft-com:vml" xmlns:pvml="urn:schemas-microsoft-com:office:powerpoint" xmlns:com="http://schemas.openxmlformats.org/drawingml/2006/compatibility" xmlns:p14="http://schemas.microsoft.com/office/powerpoint/2010/main" xmlns:p15="http://schemas.microsoft.com/office/powerpoint/2012/main" xmlns:ahyp="http://schemas.microsoft.com/office/drawing/2018/hyperlinkcolor">
   <p:cSld>
     <p:spTree>
       <p:nvGrpSpPr>
@@ -24944,7 +24950,7 @@
 </file>
 
 <file path=ppt/slides/slide4.xml><?xml version="1.0" encoding="utf-8"?>
-<p:sld xmlns:a="http://schemas.openxmlformats.org/drawingml/2006/main" xmlns:r="http://schemas.openxmlformats.org/officeDocument/2006/relationships" xmlns:mc="http://schemas.openxmlformats.org/markup-compatibility/2006" xmlns:mv="urn:schemas-microsoft-com:mac:vml" xmlns:p="http://schemas.openxmlformats.org/presentationml/2006/main" xmlns:c="http://schemas.openxmlformats.org/drawingml/2006/chart" xmlns:dgm="http://schemas.openxmlformats.org/drawingml/2006/diagram" xmlns:o="urn:schemas-microsoft-com:office:office" xmlns:v="urn:schemas-microsoft-com:vml" xmlns:pvml="urn:schemas-microsoft-com:office:powerpoint" xmlns:com="http://schemas.openxmlformats.org/drawingml/2006/compatibility" xmlns:p14="http://schemas.microsoft.com/office/powerpoint/2010/main" xmlns:p15="http://schemas.microsoft.com/office/powerpoint/2012/main">
+<p:sld xmlns:a="http://schemas.openxmlformats.org/drawingml/2006/main" xmlns:r="http://schemas.openxmlformats.org/officeDocument/2006/relationships" xmlns:mc="http://schemas.openxmlformats.org/markup-compatibility/2006" xmlns:mv="urn:schemas-microsoft-com:mac:vml" xmlns:p="http://schemas.openxmlformats.org/presentationml/2006/main" xmlns:c="http://schemas.openxmlformats.org/drawingml/2006/chart" xmlns:dgm="http://schemas.openxmlformats.org/drawingml/2006/diagram" xmlns:o="urn:schemas-microsoft-com:office:office" xmlns:v="urn:schemas-microsoft-com:vml" xmlns:pvml="urn:schemas-microsoft-com:office:powerpoint" xmlns:com="http://schemas.openxmlformats.org/drawingml/2006/compatibility" xmlns:p14="http://schemas.microsoft.com/office/powerpoint/2010/main" xmlns:p15="http://schemas.microsoft.com/office/powerpoint/2012/main" xmlns:ahyp="http://schemas.microsoft.com/office/drawing/2018/hyperlinkcolor">
   <p:cSld>
     <p:spTree>
       <p:nvGrpSpPr>
@@ -25045,7 +25051,7 @@
 </file>
 
 <file path=ppt/slides/slide5.xml><?xml version="1.0" encoding="utf-8"?>
-<p:sld xmlns:a="http://schemas.openxmlformats.org/drawingml/2006/main" xmlns:r="http://schemas.openxmlformats.org/officeDocument/2006/relationships" xmlns:mc="http://schemas.openxmlformats.org/markup-compatibility/2006" xmlns:mv="urn:schemas-microsoft-com:mac:vml" xmlns:p="http://schemas.openxmlformats.org/presentationml/2006/main" xmlns:c="http://schemas.openxmlformats.org/drawingml/2006/chart" xmlns:dgm="http://schemas.openxmlformats.org/drawingml/2006/diagram" xmlns:o="urn:schemas-microsoft-com:office:office" xmlns:v="urn:schemas-microsoft-com:vml" xmlns:pvml="urn:schemas-microsoft-com:office:powerpoint" xmlns:com="http://schemas.openxmlformats.org/drawingml/2006/compatibility" xmlns:p14="http://schemas.microsoft.com/office/powerpoint/2010/main" xmlns:p15="http://schemas.microsoft.com/office/powerpoint/2012/main">
+<p:sld xmlns:a="http://schemas.openxmlformats.org/drawingml/2006/main" xmlns:r="http://schemas.openxmlformats.org/officeDocument/2006/relationships" xmlns:mc="http://schemas.openxmlformats.org/markup-compatibility/2006" xmlns:mv="urn:schemas-microsoft-com:mac:vml" xmlns:p="http://schemas.openxmlformats.org/presentationml/2006/main" xmlns:c="http://schemas.openxmlformats.org/drawingml/2006/chart" xmlns:dgm="http://schemas.openxmlformats.org/drawingml/2006/diagram" xmlns:o="urn:schemas-microsoft-com:office:office" xmlns:v="urn:schemas-microsoft-com:vml" xmlns:pvml="urn:schemas-microsoft-com:office:powerpoint" xmlns:com="http://schemas.openxmlformats.org/drawingml/2006/compatibility" xmlns:p14="http://schemas.microsoft.com/office/powerpoint/2010/main" xmlns:p15="http://schemas.microsoft.com/office/powerpoint/2012/main" xmlns:ahyp="http://schemas.microsoft.com/office/drawing/2018/hyperlinkcolor">
   <p:cSld>
     <p:spTree>
       <p:nvGrpSpPr>
@@ -25575,7 +25581,7 @@
 </file>
 
 <file path=ppt/slides/slide6.xml><?xml version="1.0" encoding="utf-8"?>
-<p:sld xmlns:a="http://schemas.openxmlformats.org/drawingml/2006/main" xmlns:r="http://schemas.openxmlformats.org/officeDocument/2006/relationships" xmlns:mc="http://schemas.openxmlformats.org/markup-compatibility/2006" xmlns:mv="urn:schemas-microsoft-com:mac:vml" xmlns:p="http://schemas.openxmlformats.org/presentationml/2006/main" xmlns:c="http://schemas.openxmlformats.org/drawingml/2006/chart" xmlns:dgm="http://schemas.openxmlformats.org/drawingml/2006/diagram" xmlns:o="urn:schemas-microsoft-com:office:office" xmlns:v="urn:schemas-microsoft-com:vml" xmlns:pvml="urn:schemas-microsoft-com:office:powerpoint" xmlns:com="http://schemas.openxmlformats.org/drawingml/2006/compatibility" xmlns:p14="http://schemas.microsoft.com/office/powerpoint/2010/main" xmlns:p15="http://schemas.microsoft.com/office/powerpoint/2012/main">
+<p:sld xmlns:a="http://schemas.openxmlformats.org/drawingml/2006/main" xmlns:r="http://schemas.openxmlformats.org/officeDocument/2006/relationships" xmlns:mc="http://schemas.openxmlformats.org/markup-compatibility/2006" xmlns:mv="urn:schemas-microsoft-com:mac:vml" xmlns:p="http://schemas.openxmlformats.org/presentationml/2006/main" xmlns:c="http://schemas.openxmlformats.org/drawingml/2006/chart" xmlns:dgm="http://schemas.openxmlformats.org/drawingml/2006/diagram" xmlns:o="urn:schemas-microsoft-com:office:office" xmlns:v="urn:schemas-microsoft-com:vml" xmlns:pvml="urn:schemas-microsoft-com:office:powerpoint" xmlns:com="http://schemas.openxmlformats.org/drawingml/2006/compatibility" xmlns:p14="http://schemas.microsoft.com/office/powerpoint/2010/main" xmlns:p15="http://schemas.microsoft.com/office/powerpoint/2012/main" xmlns:ahyp="http://schemas.microsoft.com/office/drawing/2018/hyperlinkcolor">
   <p:cSld>
     <p:spTree>
       <p:nvGrpSpPr>
@@ -25834,7 +25840,7 @@
 </file>
 
 <file path=ppt/slides/slide7.xml><?xml version="1.0" encoding="utf-8"?>
-<p:sld xmlns:a="http://schemas.openxmlformats.org/drawingml/2006/main" xmlns:r="http://schemas.openxmlformats.org/officeDocument/2006/relationships" xmlns:mc="http://schemas.openxmlformats.org/markup-compatibility/2006" xmlns:mv="urn:schemas-microsoft-com:mac:vml" xmlns:p="http://schemas.openxmlformats.org/presentationml/2006/main" xmlns:c="http://schemas.openxmlformats.org/drawingml/2006/chart" xmlns:dgm="http://schemas.openxmlformats.org/drawingml/2006/diagram" xmlns:o="urn:schemas-microsoft-com:office:office" xmlns:v="urn:schemas-microsoft-com:vml" xmlns:pvml="urn:schemas-microsoft-com:office:powerpoint" xmlns:com="http://schemas.openxmlformats.org/drawingml/2006/compatibility" xmlns:p14="http://schemas.microsoft.com/office/powerpoint/2010/main" xmlns:p15="http://schemas.microsoft.com/office/powerpoint/2012/main">
+<p:sld xmlns:a="http://schemas.openxmlformats.org/drawingml/2006/main" xmlns:r="http://schemas.openxmlformats.org/officeDocument/2006/relationships" xmlns:mc="http://schemas.openxmlformats.org/markup-compatibility/2006" xmlns:mv="urn:schemas-microsoft-com:mac:vml" xmlns:p="http://schemas.openxmlformats.org/presentationml/2006/main" xmlns:c="http://schemas.openxmlformats.org/drawingml/2006/chart" xmlns:dgm="http://schemas.openxmlformats.org/drawingml/2006/diagram" xmlns:o="urn:schemas-microsoft-com:office:office" xmlns:v="urn:schemas-microsoft-com:vml" xmlns:pvml="urn:schemas-microsoft-com:office:powerpoint" xmlns:com="http://schemas.openxmlformats.org/drawingml/2006/compatibility" xmlns:p14="http://schemas.microsoft.com/office/powerpoint/2010/main" xmlns:p15="http://schemas.microsoft.com/office/powerpoint/2012/main" xmlns:ahyp="http://schemas.microsoft.com/office/drawing/2018/hyperlinkcolor">
   <p:cSld>
     <p:spTree>
       <p:nvGrpSpPr>
@@ -25943,7 +25949,7 @@
 </file>
 
 <file path=ppt/slides/slide8.xml><?xml version="1.0" encoding="utf-8"?>
-<p:sld xmlns:a="http://schemas.openxmlformats.org/drawingml/2006/main" xmlns:r="http://schemas.openxmlformats.org/officeDocument/2006/relationships" xmlns:mc="http://schemas.openxmlformats.org/markup-compatibility/2006" xmlns:mv="urn:schemas-microsoft-com:mac:vml" xmlns:p="http://schemas.openxmlformats.org/presentationml/2006/main" xmlns:c="http://schemas.openxmlformats.org/drawingml/2006/chart" xmlns:dgm="http://schemas.openxmlformats.org/drawingml/2006/diagram" xmlns:o="urn:schemas-microsoft-com:office:office" xmlns:v="urn:schemas-microsoft-com:vml" xmlns:pvml="urn:schemas-microsoft-com:office:powerpoint" xmlns:com="http://schemas.openxmlformats.org/drawingml/2006/compatibility" xmlns:p14="http://schemas.microsoft.com/office/powerpoint/2010/main" xmlns:p15="http://schemas.microsoft.com/office/powerpoint/2012/main">
+<p:sld xmlns:a="http://schemas.openxmlformats.org/drawingml/2006/main" xmlns:r="http://schemas.openxmlformats.org/officeDocument/2006/relationships" xmlns:mc="http://schemas.openxmlformats.org/markup-compatibility/2006" xmlns:mv="urn:schemas-microsoft-com:mac:vml" xmlns:p="http://schemas.openxmlformats.org/presentationml/2006/main" xmlns:c="http://schemas.openxmlformats.org/drawingml/2006/chart" xmlns:dgm="http://schemas.openxmlformats.org/drawingml/2006/diagram" xmlns:o="urn:schemas-microsoft-com:office:office" xmlns:v="urn:schemas-microsoft-com:vml" xmlns:pvml="urn:schemas-microsoft-com:office:powerpoint" xmlns:com="http://schemas.openxmlformats.org/drawingml/2006/compatibility" xmlns:p14="http://schemas.microsoft.com/office/powerpoint/2010/main" xmlns:p15="http://schemas.microsoft.com/office/powerpoint/2012/main" xmlns:ahyp="http://schemas.microsoft.com/office/drawing/2018/hyperlinkcolor">
   <p:cSld>
     <p:spTree>
       <p:nvGrpSpPr>
@@ -25995,7 +26001,7 @@
 </file>
 
 <file path=ppt/slides/slide9.xml><?xml version="1.0" encoding="utf-8"?>
-<p:sld xmlns:a="http://schemas.openxmlformats.org/drawingml/2006/main" xmlns:r="http://schemas.openxmlformats.org/officeDocument/2006/relationships" xmlns:mc="http://schemas.openxmlformats.org/markup-compatibility/2006" xmlns:mv="urn:schemas-microsoft-com:mac:vml" xmlns:p="http://schemas.openxmlformats.org/presentationml/2006/main" xmlns:c="http://schemas.openxmlformats.org/drawingml/2006/chart" xmlns:dgm="http://schemas.openxmlformats.org/drawingml/2006/diagram" xmlns:o="urn:schemas-microsoft-com:office:office" xmlns:v="urn:schemas-microsoft-com:vml" xmlns:pvml="urn:schemas-microsoft-com:office:powerpoint" xmlns:com="http://schemas.openxmlformats.org/drawingml/2006/compatibility" xmlns:p14="http://schemas.microsoft.com/office/powerpoint/2010/main" xmlns:p15="http://schemas.microsoft.com/office/powerpoint/2012/main">
+<p:sld xmlns:a="http://schemas.openxmlformats.org/drawingml/2006/main" xmlns:r="http://schemas.openxmlformats.org/officeDocument/2006/relationships" xmlns:mc="http://schemas.openxmlformats.org/markup-compatibility/2006" xmlns:mv="urn:schemas-microsoft-com:mac:vml" xmlns:p="http://schemas.openxmlformats.org/presentationml/2006/main" xmlns:c="http://schemas.openxmlformats.org/drawingml/2006/chart" xmlns:dgm="http://schemas.openxmlformats.org/drawingml/2006/diagram" xmlns:o="urn:schemas-microsoft-com:office:office" xmlns:v="urn:schemas-microsoft-com:vml" xmlns:pvml="urn:schemas-microsoft-com:office:powerpoint" xmlns:com="http://schemas.openxmlformats.org/drawingml/2006/compatibility" xmlns:p14="http://schemas.microsoft.com/office/powerpoint/2010/main" xmlns:p15="http://schemas.microsoft.com/office/powerpoint/2012/main" xmlns:ahyp="http://schemas.microsoft.com/office/drawing/2018/hyperlinkcolor">
   <p:cSld>
     <p:spTree>
       <p:nvGrpSpPr>

--- a/pres-source/02-understanding-cloud-services.pptx
+++ b/pres-source/02-understanding-cloud-services.pptx
@@ -15599,7 +15599,7 @@
             </a:pPr>
             <a:r>
               <a:rPr lang="en-US" sz="2960"/>
-              <a:t>July 2020</a:t>
+              <a:t>July 2021</a:t>
             </a:r>
             <a:endParaRPr sz="2960"/>
           </a:p>
@@ -19818,7 +19818,7 @@
                   </a:gsLst>
                   <a:lin ang="16200000" scaled="0"/>
                 </a:gradFill>
-                <a:tableStyleId>{54F99694-832C-4608-87F8-ABE2C8942E8A}</a:tableStyleId>
+                <a:tableStyleId>{CC8583C2-F1E7-4B72-AC97-33C79AD30746}</a:tableStyleId>
               </a:tblPr>
               <a:tblGrid>
                 <a:gridCol w="778925"/>

--- a/pres-source/02-understanding-cloud-services.pptx
+++ b/pres-source/02-understanding-cloud-services.pptx
@@ -19818,7 +19818,7 @@
                   </a:gsLst>
                   <a:lin ang="16200000" scaled="0"/>
                 </a:gradFill>
-                <a:tableStyleId>{CC8583C2-F1E7-4B72-AC97-33C79AD30746}</a:tableStyleId>
+                <a:tableStyleId>{DE739F8C-404E-4C55-818F-FB9419274203}</a:tableStyleId>
               </a:tblPr>
               <a:tblGrid>
                 <a:gridCol w="778925"/>

--- a/pres-source/02-understanding-cloud-services.pptx
+++ b/pres-source/02-understanding-cloud-services.pptx
@@ -1,6 +1,6 @@
 
 <file path=ppt/presentation.xml><?xml version="1.0" encoding="utf-8"?>
-<p:presentation xmlns:a="http://schemas.openxmlformats.org/drawingml/2006/main" xmlns:r="http://schemas.openxmlformats.org/officeDocument/2006/relationships" xmlns:mc="http://schemas.openxmlformats.org/markup-compatibility/2006" xmlns:mv="urn:schemas-microsoft-com:mac:vml" xmlns:p="http://schemas.openxmlformats.org/presentationml/2006/main" xmlns:c="http://schemas.openxmlformats.org/drawingml/2006/chart" xmlns:dgm="http://schemas.openxmlformats.org/drawingml/2006/diagram" xmlns:o="urn:schemas-microsoft-com:office:office" xmlns:v="urn:schemas-microsoft-com:vml" xmlns:pvml="urn:schemas-microsoft-com:office:powerpoint" xmlns:com="http://schemas.openxmlformats.org/drawingml/2006/compatibility" xmlns:p14="http://schemas.microsoft.com/office/powerpoint/2010/main" xmlns:p15="http://schemas.microsoft.com/office/powerpoint/2012/main" xmlns:ahyp="http://schemas.microsoft.com/office/drawing/2018/hyperlinkcolor" autoCompressPictures="0" embedTrueTypeFonts="1" strictFirstAndLastChars="0" saveSubsetFonts="1">
+<p:presentation xmlns:a="http://schemas.openxmlformats.org/drawingml/2006/main" xmlns:r="http://schemas.openxmlformats.org/officeDocument/2006/relationships" xmlns:mc="http://schemas.openxmlformats.org/markup-compatibility/2006" xmlns:mv="urn:schemas-microsoft-com:mac:vml" xmlns:p="http://schemas.openxmlformats.org/presentationml/2006/main" xmlns:c="http://schemas.openxmlformats.org/drawingml/2006/chart" xmlns:dgm="http://schemas.openxmlformats.org/drawingml/2006/diagram" xmlns:o="urn:schemas-microsoft-com:office:office" xmlns:v="urn:schemas-microsoft-com:vml" xmlns:pvml="urn:schemas-microsoft-com:office:powerpoint" xmlns:com="http://schemas.openxmlformats.org/drawingml/2006/compatibility" xmlns:p14="http://schemas.microsoft.com/office/powerpoint/2010/main" xmlns:p15="http://schemas.microsoft.com/office/powerpoint/2012/main" xmlns:ahyp="http://schemas.microsoft.com/office/drawing/2018/hyperlinkcolor" autoCompressPictures="0" strictFirstAndLastChars="0" saveSubsetFonts="1">
   <p:sldMasterIdLst>
     <p:sldMasterId id="2147483659" r:id="rId5"/>
   </p:sldMasterIdLst>
@@ -39,26 +39,6 @@
   </p:sldIdLst>
   <p:sldSz cy="6858000" cx="9144000"/>
   <p:notesSz cx="6858000" cy="9144000"/>
-  <p:embeddedFontLst>
-    <p:embeddedFont>
-      <p:font typeface="Montserrat"/>
-      <p:regular r:id="rId35"/>
-      <p:bold r:id="rId36"/>
-      <p:italic r:id="rId37"/>
-      <p:boldItalic r:id="rId38"/>
-    </p:embeddedFont>
-    <p:embeddedFont>
-      <p:font typeface="Helvetica Neue"/>
-      <p:regular r:id="rId39"/>
-      <p:bold r:id="rId40"/>
-      <p:italic r:id="rId41"/>
-      <p:boldItalic r:id="rId42"/>
-    </p:embeddedFont>
-    <p:embeddedFont>
-      <p:font typeface="Lustria"/>
-      <p:regular r:id="rId43"/>
-    </p:embeddedFont>
-  </p:embeddedFontLst>
   <p:defaultTextStyle>
     <a:defPPr lvl="0" marR="0" rtl="0" algn="l">
       <a:lnSpc>
@@ -19818,7 +19798,7 @@
                   </a:gsLst>
                   <a:lin ang="16200000" scaled="0"/>
                 </a:gradFill>
-                <a:tableStyleId>{DE739F8C-404E-4C55-818F-FB9419274203}</a:tableStyleId>
+                <a:tableStyleId>{0BD7B2B8-9A80-45C0-A4A6-DD26398A04FC}</a:tableStyleId>
               </a:tblPr>
               <a:tblGrid>
                 <a:gridCol w="778925"/>

--- a/pres-source/02-understanding-cloud-services.pptx
+++ b/pres-source/02-understanding-cloud-services.pptx
@@ -19798,7 +19798,7 @@
                   </a:gsLst>
                   <a:lin ang="16200000" scaled="0"/>
                 </a:gradFill>
-                <a:tableStyleId>{0BD7B2B8-9A80-45C0-A4A6-DD26398A04FC}</a:tableStyleId>
+                <a:tableStyleId>{CD441F8A-7398-491F-B322-7F2D47ED5B45}</a:tableStyleId>
               </a:tblPr>
               <a:tblGrid>
                 <a:gridCol w="778925"/>

--- a/pres-source/02-understanding-cloud-services.pptx
+++ b/pres-source/02-understanding-cloud-services.pptx
@@ -19798,7 +19798,7 @@
                   </a:gsLst>
                   <a:lin ang="16200000" scaled="0"/>
                 </a:gradFill>
-                <a:tableStyleId>{CD441F8A-7398-491F-B322-7F2D47ED5B45}</a:tableStyleId>
+                <a:tableStyleId>{5F47BEE7-8E74-4FE1-A002-47443DA79E6F}</a:tableStyleId>
               </a:tblPr>
               <a:tblGrid>
                 <a:gridCol w="778925"/>

--- a/pres-source/02-understanding-cloud-services.pptx
+++ b/pres-source/02-understanding-cloud-services.pptx
@@ -19798,7 +19798,7 @@
                   </a:gsLst>
                   <a:lin ang="16200000" scaled="0"/>
                 </a:gradFill>
-                <a:tableStyleId>{5F47BEE7-8E74-4FE1-A002-47443DA79E6F}</a:tableStyleId>
+                <a:tableStyleId>{7D0D72EE-39FA-44FF-A527-0EEB8DD739D4}</a:tableStyleId>
               </a:tblPr>
               <a:tblGrid>
                 <a:gridCol w="778925"/>

--- a/pres-source/02-understanding-cloud-services.pptx
+++ b/pres-source/02-understanding-cloud-services.pptx
@@ -1,6 +1,6 @@
 
 <file path=ppt/presentation.xml><?xml version="1.0" encoding="utf-8"?>
-<p:presentation xmlns:a="http://schemas.openxmlformats.org/drawingml/2006/main" xmlns:r="http://schemas.openxmlformats.org/officeDocument/2006/relationships" xmlns:mc="http://schemas.openxmlformats.org/markup-compatibility/2006" xmlns:mv="urn:schemas-microsoft-com:mac:vml" xmlns:p="http://schemas.openxmlformats.org/presentationml/2006/main" xmlns:c="http://schemas.openxmlformats.org/drawingml/2006/chart" xmlns:dgm="http://schemas.openxmlformats.org/drawingml/2006/diagram" xmlns:o="urn:schemas-microsoft-com:office:office" xmlns:v="urn:schemas-microsoft-com:vml" xmlns:pvml="urn:schemas-microsoft-com:office:powerpoint" xmlns:com="http://schemas.openxmlformats.org/drawingml/2006/compatibility" xmlns:p14="http://schemas.microsoft.com/office/powerpoint/2010/main" xmlns:p15="http://schemas.microsoft.com/office/powerpoint/2012/main" xmlns:ahyp="http://schemas.microsoft.com/office/drawing/2018/hyperlinkcolor" autoCompressPictures="0" strictFirstAndLastChars="0" saveSubsetFonts="1">
+<p:presentation xmlns:a="http://schemas.openxmlformats.org/drawingml/2006/main" xmlns:r="http://schemas.openxmlformats.org/officeDocument/2006/relationships" xmlns:mc="http://schemas.openxmlformats.org/markup-compatibility/2006" xmlns:mv="urn:schemas-microsoft-com:mac:vml" xmlns:p="http://schemas.openxmlformats.org/presentationml/2006/main" xmlns:c="http://schemas.openxmlformats.org/drawingml/2006/chart" xmlns:dgm="http://schemas.openxmlformats.org/drawingml/2006/diagram" xmlns:o="urn:schemas-microsoft-com:office:office" xmlns:v="urn:schemas-microsoft-com:vml" xmlns:pvml="urn:schemas-microsoft-com:office:powerpoint" xmlns:com="http://schemas.openxmlformats.org/drawingml/2006/compatibility" xmlns:p14="http://schemas.microsoft.com/office/powerpoint/2010/main" xmlns:p15="http://schemas.microsoft.com/office/powerpoint/2012/main" xmlns:ahyp="http://schemas.microsoft.com/office/drawing/2018/hyperlinkcolor" autoCompressPictures="0" embedTrueTypeFonts="1" strictFirstAndLastChars="0" saveSubsetFonts="1">
   <p:sldMasterIdLst>
     <p:sldMasterId id="2147483659" r:id="rId5"/>
   </p:sldMasterIdLst>
@@ -39,6 +39,26 @@
   </p:sldIdLst>
   <p:sldSz cy="6858000" cx="9144000"/>
   <p:notesSz cx="6858000" cy="9144000"/>
+  <p:embeddedFontLst>
+    <p:embeddedFont>
+      <p:font typeface="Montserrat"/>
+      <p:regular r:id="rId35"/>
+      <p:bold r:id="rId36"/>
+      <p:italic r:id="rId37"/>
+      <p:boldItalic r:id="rId38"/>
+    </p:embeddedFont>
+    <p:embeddedFont>
+      <p:font typeface="Helvetica Neue"/>
+      <p:regular r:id="rId39"/>
+      <p:bold r:id="rId40"/>
+      <p:italic r:id="rId41"/>
+      <p:boldItalic r:id="rId42"/>
+    </p:embeddedFont>
+    <p:embeddedFont>
+      <p:font typeface="Lustria"/>
+      <p:regular r:id="rId43"/>
+    </p:embeddedFont>
+  </p:embeddedFontLst>
   <p:defaultTextStyle>
     <a:defPPr lvl="0" marR="0" rtl="0" algn="l">
       <a:lnSpc>
@@ -19798,7 +19818,7 @@
                   </a:gsLst>
                   <a:lin ang="16200000" scaled="0"/>
                 </a:gradFill>
-                <a:tableStyleId>{7D0D72EE-39FA-44FF-A527-0EEB8DD739D4}</a:tableStyleId>
+                <a:tableStyleId>{07DCAB6D-E556-4589-AEC6-FF8BB0C592B1}</a:tableStyleId>
               </a:tblPr>
               <a:tblGrid>
                 <a:gridCol w="778925"/>
